--- a/Data Structure & Algorithm PDF/Graph Data Structure.pptx
+++ b/Data Structure & Algorithm PDF/Graph Data Structure.pptx
@@ -5,14 +5,14 @@
     <p:sldMasterId id="2147483648" r:id="rId1"/>
   </p:sldMasterIdLst>
   <p:notesMasterIdLst>
-    <p:notesMasterId r:id="rId14"/>
+    <p:notesMasterId r:id="rId15"/>
   </p:notesMasterIdLst>
   <p:sldIdLst>
     <p:sldId id="256" r:id="rId2"/>
     <p:sldId id="257" r:id="rId3"/>
     <p:sldId id="258" r:id="rId4"/>
     <p:sldId id="261" r:id="rId5"/>
-    <p:sldId id="262" r:id="rId6"/>
+    <p:sldId id="268" r:id="rId6"/>
     <p:sldId id="263" r:id="rId7"/>
     <p:sldId id="264" r:id="rId8"/>
     <p:sldId id="265" r:id="rId9"/>
@@ -20,6 +20,7 @@
     <p:sldId id="260" r:id="rId11"/>
     <p:sldId id="267" r:id="rId12"/>
     <p:sldId id="259" r:id="rId13"/>
+    <p:sldId id="269" r:id="rId14"/>
   </p:sldIdLst>
   <p:sldSz cx="12192000" cy="6858000"/>
   <p:notesSz cx="6858000" cy="9144000"/>
@@ -208,7 +209,7 @@
           <a:p>
             <a:fld id="{9B4F25D7-A056-4806-B71F-130CE78E7078}" type="datetimeFigureOut">
               <a:rPr lang="en-GB" smtClean="0"/>
-              <a:t>29/04/2025</a:t>
+              <a:t>17/07/2025</a:t>
             </a:fld>
             <a:endParaRPr lang="en-GB"/>
           </a:p>
@@ -718,7 +719,7 @@
     </p:spTree>
     <p:extLst>
       <p:ext uri="{BB962C8B-B14F-4D97-AF65-F5344CB8AC3E}">
-        <p14:creationId xmlns:p14="http://schemas.microsoft.com/office/powerpoint/2010/main" val="3927329138"/>
+        <p14:creationId xmlns:p14="http://schemas.microsoft.com/office/powerpoint/2010/main" val="3796814478"/>
       </p:ext>
     </p:extLst>
   </p:cSld>
@@ -1213,7 +1214,7 @@
           <a:p>
             <a:fld id="{832005E5-BA8D-4043-A0D1-8E94E9F30C16}" type="datetimeFigureOut">
               <a:rPr lang="en-GB" smtClean="0"/>
-              <a:t>29/04/2025</a:t>
+              <a:t>17/07/2025</a:t>
             </a:fld>
             <a:endParaRPr lang="en-GB"/>
           </a:p>
@@ -1413,7 +1414,7 @@
           <a:p>
             <a:fld id="{832005E5-BA8D-4043-A0D1-8E94E9F30C16}" type="datetimeFigureOut">
               <a:rPr lang="en-GB" smtClean="0"/>
-              <a:t>29/04/2025</a:t>
+              <a:t>17/07/2025</a:t>
             </a:fld>
             <a:endParaRPr lang="en-GB"/>
           </a:p>
@@ -1623,7 +1624,7 @@
           <a:p>
             <a:fld id="{832005E5-BA8D-4043-A0D1-8E94E9F30C16}" type="datetimeFigureOut">
               <a:rPr lang="en-GB" smtClean="0"/>
-              <a:t>29/04/2025</a:t>
+              <a:t>17/07/2025</a:t>
             </a:fld>
             <a:endParaRPr lang="en-GB"/>
           </a:p>
@@ -1823,7 +1824,7 @@
           <a:p>
             <a:fld id="{832005E5-BA8D-4043-A0D1-8E94E9F30C16}" type="datetimeFigureOut">
               <a:rPr lang="en-GB" smtClean="0"/>
-              <a:t>29/04/2025</a:t>
+              <a:t>17/07/2025</a:t>
             </a:fld>
             <a:endParaRPr lang="en-GB"/>
           </a:p>
@@ -2099,7 +2100,7 @@
           <a:p>
             <a:fld id="{832005E5-BA8D-4043-A0D1-8E94E9F30C16}" type="datetimeFigureOut">
               <a:rPr lang="en-GB" smtClean="0"/>
-              <a:t>29/04/2025</a:t>
+              <a:t>17/07/2025</a:t>
             </a:fld>
             <a:endParaRPr lang="en-GB"/>
           </a:p>
@@ -2367,7 +2368,7 @@
           <a:p>
             <a:fld id="{832005E5-BA8D-4043-A0D1-8E94E9F30C16}" type="datetimeFigureOut">
               <a:rPr lang="en-GB" smtClean="0"/>
-              <a:t>29/04/2025</a:t>
+              <a:t>17/07/2025</a:t>
             </a:fld>
             <a:endParaRPr lang="en-GB"/>
           </a:p>
@@ -2782,7 +2783,7 @@
           <a:p>
             <a:fld id="{832005E5-BA8D-4043-A0D1-8E94E9F30C16}" type="datetimeFigureOut">
               <a:rPr lang="en-GB" smtClean="0"/>
-              <a:t>29/04/2025</a:t>
+              <a:t>17/07/2025</a:t>
             </a:fld>
             <a:endParaRPr lang="en-GB"/>
           </a:p>
@@ -2924,7 +2925,7 @@
           <a:p>
             <a:fld id="{832005E5-BA8D-4043-A0D1-8E94E9F30C16}" type="datetimeFigureOut">
               <a:rPr lang="en-GB" smtClean="0"/>
-              <a:t>29/04/2025</a:t>
+              <a:t>17/07/2025</a:t>
             </a:fld>
             <a:endParaRPr lang="en-GB"/>
           </a:p>
@@ -3037,7 +3038,7 @@
           <a:p>
             <a:fld id="{832005E5-BA8D-4043-A0D1-8E94E9F30C16}" type="datetimeFigureOut">
               <a:rPr lang="en-GB" smtClean="0"/>
-              <a:t>29/04/2025</a:t>
+              <a:t>17/07/2025</a:t>
             </a:fld>
             <a:endParaRPr lang="en-GB"/>
           </a:p>
@@ -3350,7 +3351,7 @@
           <a:p>
             <a:fld id="{832005E5-BA8D-4043-A0D1-8E94E9F30C16}" type="datetimeFigureOut">
               <a:rPr lang="en-GB" smtClean="0"/>
-              <a:t>29/04/2025</a:t>
+              <a:t>17/07/2025</a:t>
             </a:fld>
             <a:endParaRPr lang="en-GB"/>
           </a:p>
@@ -3639,7 +3640,7 @@
           <a:p>
             <a:fld id="{832005E5-BA8D-4043-A0D1-8E94E9F30C16}" type="datetimeFigureOut">
               <a:rPr lang="en-GB" smtClean="0"/>
-              <a:t>29/04/2025</a:t>
+              <a:t>17/07/2025</a:t>
             </a:fld>
             <a:endParaRPr lang="en-GB"/>
           </a:p>
@@ -3882,7 +3883,7 @@
           <a:p>
             <a:fld id="{832005E5-BA8D-4043-A0D1-8E94E9F30C16}" type="datetimeFigureOut">
               <a:rPr lang="en-GB" smtClean="0"/>
-              <a:t>29/04/2025</a:t>
+              <a:t>17/07/2025</a:t>
             </a:fld>
             <a:endParaRPr lang="en-GB"/>
           </a:p>
@@ -4285,6 +4286,14 @@
 <file path=ppt/slides/slide1.xml><?xml version="1.0" encoding="utf-8"?>
 <p:sld xmlns:a="http://schemas.openxmlformats.org/drawingml/2006/main" xmlns:r="http://schemas.openxmlformats.org/officeDocument/2006/relationships" xmlns:p="http://schemas.openxmlformats.org/presentationml/2006/main">
   <p:cSld>
+    <p:bg>
+      <p:bgPr>
+        <a:solidFill>
+          <a:schemeClr val="bg1"/>
+        </a:solidFill>
+        <a:effectLst/>
+      </p:bgPr>
+    </p:bg>
     <p:spTree>
       <p:nvGrpSpPr>
         <p:cNvPr id="1" name=""/>
@@ -4299,36 +4308,214 @@
           <a:chExt cx="0" cy="0"/>
         </a:xfrm>
       </p:grpSpPr>
-      <p:sp>
-        <p:nvSpPr>
-          <p:cNvPr id="2" name="Title 1">
-            <a:extLst>
-              <a:ext uri="{FF2B5EF4-FFF2-40B4-BE49-F238E27FC236}">
-                <a16:creationId xmlns:a16="http://schemas.microsoft.com/office/drawing/2014/main" id="{61DDA2E0-1EDC-4437-8213-1C7EDD22A259}"/>
-              </a:ext>
-            </a:extLst>
-          </p:cNvPr>
-          <p:cNvSpPr>
-            <a:spLocks noGrp="1"/>
-          </p:cNvSpPr>
-          <p:nvPr>
-            <p:ph type="ctrTitle"/>
+      <p:sp useBgFill="1">
+        <p:nvSpPr>
+          <p:cNvPr id="18" name="Rectangle 17">
+            <a:extLst>
+              <a:ext uri="{FF2B5EF4-FFF2-40B4-BE49-F238E27FC236}">
+                <a16:creationId xmlns:a16="http://schemas.microsoft.com/office/drawing/2014/main" id="{E91DC736-0EF8-4F87-9146-EBF1D2EE4D3D}"/>
+              </a:ext>
+              <a:ext uri="{C183D7F6-B498-43B3-948B-1728B52AA6E4}">
+                <adec:decorative xmlns:adec="http://schemas.microsoft.com/office/drawing/2017/decorative" val="1"/>
+              </a:ext>
+            </a:extLst>
+          </p:cNvPr>
+          <p:cNvSpPr>
+            <a:spLocks noGrp="1" noRot="1" noChangeAspect="1" noMove="1" noResize="1" noEditPoints="1" noAdjustHandles="1" noChangeArrowheads="1" noChangeShapeType="1" noTextEdit="1"/>
+          </p:cNvSpPr>
+          <p:nvPr>
+            <p:extLst>
+              <p:ext uri="{386F3935-93C4-4BCD-93E2-E3B085C9AB24}">
+                <p16:designElem xmlns:p16="http://schemas.microsoft.com/office/powerpoint/2015/main" val="1"/>
+              </p:ext>
+            </p:extLst>
           </p:nvPr>
         </p:nvSpPr>
         <p:spPr>
           <a:xfrm>
-            <a:off x="1524000" y="1271591"/>
-            <a:ext cx="9144000" cy="1366838"/>
+            <a:off x="0" y="0"/>
+            <a:ext cx="12192000" cy="6858000"/>
+          </a:xfrm>
+          <a:prstGeom prst="rect">
+            <a:avLst/>
+          </a:prstGeom>
+          <a:ln>
+            <a:noFill/>
+          </a:ln>
+        </p:spPr>
+        <p:style>
+          <a:lnRef idx="2">
+            <a:schemeClr val="accent1">
+              <a:shade val="50000"/>
+            </a:schemeClr>
+          </a:lnRef>
+          <a:fillRef idx="1">
+            <a:schemeClr val="accent1"/>
+          </a:fillRef>
+          <a:effectRef idx="0">
+            <a:schemeClr val="accent1"/>
+          </a:effectRef>
+          <a:fontRef idx="minor">
+            <a:schemeClr val="lt1"/>
+          </a:fontRef>
+        </p:style>
+        <p:txBody>
+          <a:bodyPr rtlCol="0" anchor="ctr"/>
+          <a:lstStyle/>
+          <a:p>
+            <a:pPr algn="ctr"/>
+            <a:endParaRPr lang="en-US"/>
+          </a:p>
+        </p:txBody>
+      </p:sp>
+      <p:pic>
+        <p:nvPicPr>
+          <p:cNvPr id="5" name="Picture 4" descr="Digital business graph and charts">
+            <a:extLst>
+              <a:ext uri="{FF2B5EF4-FFF2-40B4-BE49-F238E27FC236}">
+                <a16:creationId xmlns:a16="http://schemas.microsoft.com/office/drawing/2014/main" id="{70D298FB-5858-3CAD-A6F5-41786D9B8BA9}"/>
+              </a:ext>
+            </a:extLst>
+          </p:cNvPr>
+          <p:cNvPicPr>
+            <a:picLocks noChangeAspect="1"/>
+          </p:cNvPicPr>
+          <p:nvPr/>
+        </p:nvPicPr>
+        <p:blipFill>
+          <a:blip r:embed="rId2"/>
+          <a:srcRect l="17503" r="23636" b="2478"/>
+          <a:stretch>
+            <a:fillRect/>
+          </a:stretch>
+        </p:blipFill>
+        <p:spPr>
+          <a:xfrm>
+            <a:off x="3523488" y="10"/>
+            <a:ext cx="8668512" cy="6857990"/>
+          </a:xfrm>
+          <a:prstGeom prst="rect">
+            <a:avLst/>
+          </a:prstGeom>
+        </p:spPr>
+      </p:pic>
+      <p:sp>
+        <p:nvSpPr>
+          <p:cNvPr id="20" name="Rectangle 19">
+            <a:extLst>
+              <a:ext uri="{FF2B5EF4-FFF2-40B4-BE49-F238E27FC236}">
+                <a16:creationId xmlns:a16="http://schemas.microsoft.com/office/drawing/2014/main" id="{097CD68E-23E3-4007-8847-CD0944C4F7BE}"/>
+              </a:ext>
+              <a:ext uri="{C183D7F6-B498-43B3-948B-1728B52AA6E4}">
+                <adec:decorative xmlns:adec="http://schemas.microsoft.com/office/drawing/2017/decorative" val="1"/>
+              </a:ext>
+            </a:extLst>
+          </p:cNvPr>
+          <p:cNvSpPr>
+            <a:spLocks noGrp="1" noRot="1" noChangeAspect="1" noMove="1" noResize="1" noEditPoints="1" noAdjustHandles="1" noChangeArrowheads="1" noChangeShapeType="1" noTextEdit="1"/>
+          </p:cNvSpPr>
+          <p:nvPr>
+            <p:extLst>
+              <p:ext uri="{386F3935-93C4-4BCD-93E2-E3B085C9AB24}">
+                <p16:designElem xmlns:p16="http://schemas.microsoft.com/office/powerpoint/2015/main" val="1"/>
+              </p:ext>
+            </p:extLst>
+          </p:nvPr>
+        </p:nvSpPr>
+        <p:spPr>
+          <a:xfrm>
+            <a:off x="0" y="0"/>
+            <a:ext cx="9756601" cy="6858000"/>
+          </a:xfrm>
+          <a:prstGeom prst="rect">
+            <a:avLst/>
+          </a:prstGeom>
+          <a:gradFill>
+            <a:gsLst>
+              <a:gs pos="58000">
+                <a:schemeClr val="bg1"/>
+              </a:gs>
+              <a:gs pos="35000">
+                <a:schemeClr val="bg1">
+                  <a:alpha val="79000"/>
+                </a:schemeClr>
+              </a:gs>
+              <a:gs pos="19000">
+                <a:schemeClr val="bg1">
+                  <a:alpha val="38000"/>
+                </a:schemeClr>
+              </a:gs>
+              <a:gs pos="0">
+                <a:schemeClr val="bg1">
+                  <a:alpha val="0"/>
+                </a:schemeClr>
+              </a:gs>
+              <a:gs pos="100000">
+                <a:schemeClr val="bg1"/>
+              </a:gs>
+            </a:gsLst>
+            <a:lin ang="10800000" scaled="0"/>
+          </a:gradFill>
+          <a:ln>
+            <a:noFill/>
+          </a:ln>
+        </p:spPr>
+        <p:style>
+          <a:lnRef idx="2">
+            <a:schemeClr val="accent1">
+              <a:shade val="50000"/>
+            </a:schemeClr>
+          </a:lnRef>
+          <a:fillRef idx="1">
+            <a:schemeClr val="accent1"/>
+          </a:fillRef>
+          <a:effectRef idx="0">
+            <a:schemeClr val="accent1"/>
+          </a:effectRef>
+          <a:fontRef idx="minor">
+            <a:schemeClr val="lt1"/>
+          </a:fontRef>
+        </p:style>
+        <p:txBody>
+          <a:bodyPr rtlCol="0" anchor="ctr"/>
+          <a:lstStyle/>
+          <a:p>
+            <a:pPr algn="ctr"/>
+            <a:endParaRPr lang="en-US" dirty="0"/>
+          </a:p>
+        </p:txBody>
+      </p:sp>
+      <p:sp>
+        <p:nvSpPr>
+          <p:cNvPr id="2" name="Title 1">
+            <a:extLst>
+              <a:ext uri="{FF2B5EF4-FFF2-40B4-BE49-F238E27FC236}">
+                <a16:creationId xmlns:a16="http://schemas.microsoft.com/office/drawing/2014/main" id="{61DDA2E0-1EDC-4437-8213-1C7EDD22A259}"/>
+              </a:ext>
+            </a:extLst>
+          </p:cNvPr>
+          <p:cNvSpPr>
+            <a:spLocks noGrp="1"/>
+          </p:cNvSpPr>
+          <p:nvPr>
+            <p:ph type="ctrTitle"/>
+          </p:nvPr>
+        </p:nvSpPr>
+        <p:spPr>
+          <a:xfrm>
+            <a:off x="477981" y="1122363"/>
+            <a:ext cx="4023360" cy="3204134"/>
           </a:xfrm>
         </p:spPr>
         <p:txBody>
-          <a:bodyPr>
-            <a:noAutofit/>
+          <a:bodyPr anchor="b">
+            <a:normAutofit/>
           </a:bodyPr>
           <a:lstStyle/>
           <a:p>
-            <a:r>
-              <a:rPr lang="en-GB" sz="4800" b="1" dirty="0"/>
+            <a:pPr algn="l"/>
+            <a:r>
+              <a:rPr lang="en-GB" sz="4800" b="1"/>
               <a:t>Graph Data Structure</a:t>
             </a:r>
           </a:p>
@@ -4352,41 +4539,193 @@
         </p:nvSpPr>
         <p:spPr>
           <a:xfrm>
-            <a:off x="1524000" y="3101972"/>
-            <a:ext cx="9144000" cy="1655762"/>
+            <a:off x="477980" y="4872922"/>
+            <a:ext cx="4023359" cy="1208141"/>
           </a:xfrm>
         </p:spPr>
         <p:txBody>
           <a:bodyPr>
-            <a:normAutofit fontScale="92500" lnSpcReduction="10000"/>
+            <a:normAutofit/>
           </a:bodyPr>
           <a:lstStyle/>
           <a:p>
-            <a:r>
-              <a:rPr lang="en-GB" sz="3000" b="1" dirty="0"/>
-              <a:t>Fundamental of Computer Technique</a:t>
-            </a:r>
-          </a:p>
-          <a:p>
-            <a:r>
-              <a:rPr lang="fr-FR" dirty="0"/>
-              <a:t>Course Code: CSE0611117</a:t>
-            </a:r>
-          </a:p>
-          <a:p>
-            <a:r>
-              <a:rPr lang="fr-FR" dirty="0"/>
+            <a:pPr algn="l"/>
+            <a:r>
+              <a:rPr lang="fr-FR" sz="1800" b="1" dirty="0"/>
               <a:t>Course Instructor : Al Amin</a:t>
             </a:r>
           </a:p>
           <a:p>
-            <a:r>
-              <a:rPr lang="fr-FR" dirty="0"/>
+            <a:pPr algn="l"/>
+            <a:r>
+              <a:rPr lang="fr-FR" sz="1800" b="1" dirty="0"/>
               <a:t>Email: alamin@uttarauniversity.edu.bd</a:t>
             </a:r>
           </a:p>
           <a:p>
-            <a:endParaRPr lang="en-GB" dirty="0"/>
+            <a:pPr algn="l"/>
+            <a:endParaRPr lang="en-GB" sz="1800" b="1" dirty="0"/>
+          </a:p>
+        </p:txBody>
+      </p:sp>
+      <p:sp>
+        <p:nvSpPr>
+          <p:cNvPr id="22" name="Rectangle 21">
+            <a:extLst>
+              <a:ext uri="{FF2B5EF4-FFF2-40B4-BE49-F238E27FC236}">
+                <a16:creationId xmlns:a16="http://schemas.microsoft.com/office/drawing/2014/main" id="{AF2F604E-43BE-4DC3-B983-E071523364F8}"/>
+              </a:ext>
+              <a:ext uri="{C183D7F6-B498-43B3-948B-1728B52AA6E4}">
+                <adec:decorative xmlns:adec="http://schemas.microsoft.com/office/drawing/2017/decorative" val="1"/>
+              </a:ext>
+            </a:extLst>
+          </p:cNvPr>
+          <p:cNvSpPr>
+            <a:spLocks noGrp="1" noRot="1" noChangeAspect="1" noMove="1" noResize="1" noEditPoints="1" noAdjustHandles="1" noChangeArrowheads="1" noChangeShapeType="1" noTextEdit="1"/>
+          </p:cNvSpPr>
+          <p:nvPr>
+            <p:extLst>
+              <p:ext uri="{386F3935-93C4-4BCD-93E2-E3B085C9AB24}">
+                <p16:designElem xmlns:p16="http://schemas.microsoft.com/office/powerpoint/2015/main" val="1"/>
+              </p:ext>
+            </p:extLst>
+          </p:nvPr>
+        </p:nvSpPr>
+        <p:spPr>
+          <a:xfrm rot="5400000">
+            <a:off x="759921" y="346791"/>
+            <a:ext cx="146304" cy="704088"/>
+          </a:xfrm>
+          <a:prstGeom prst="rect">
+            <a:avLst/>
+          </a:prstGeom>
+          <a:solidFill>
+            <a:schemeClr val="accent2"/>
+          </a:solidFill>
+          <a:ln>
+            <a:noFill/>
+          </a:ln>
+        </p:spPr>
+        <p:style>
+          <a:lnRef idx="2">
+            <a:schemeClr val="accent1">
+              <a:shade val="50000"/>
+            </a:schemeClr>
+          </a:lnRef>
+          <a:fillRef idx="1">
+            <a:schemeClr val="accent1"/>
+          </a:fillRef>
+          <a:effectRef idx="0">
+            <a:schemeClr val="accent1"/>
+          </a:effectRef>
+          <a:fontRef idx="minor">
+            <a:schemeClr val="lt1"/>
+          </a:fontRef>
+        </p:style>
+        <p:txBody>
+          <a:bodyPr rtlCol="0" anchor="ctr"/>
+          <a:lstStyle/>
+          <a:p>
+            <a:pPr algn="ctr"/>
+            <a:endParaRPr lang="en-US">
+              <a:solidFill>
+                <a:prstClr val="white"/>
+              </a:solidFill>
+              <a:latin typeface="Calibri" panose="020F0502020204030204"/>
+            </a:endParaRPr>
+          </a:p>
+        </p:txBody>
+      </p:sp>
+      <p:sp>
+        <p:nvSpPr>
+          <p:cNvPr id="24" name="Rectangle 23">
+            <a:extLst>
+              <a:ext uri="{FF2B5EF4-FFF2-40B4-BE49-F238E27FC236}">
+                <a16:creationId xmlns:a16="http://schemas.microsoft.com/office/drawing/2014/main" id="{08C9B587-E65E-4B52-B37C-ABEBB6E87928}"/>
+              </a:ext>
+              <a:ext uri="{C183D7F6-B498-43B3-948B-1728B52AA6E4}">
+                <adec:decorative xmlns:adec="http://schemas.microsoft.com/office/drawing/2017/decorative" val="1"/>
+              </a:ext>
+            </a:extLst>
+          </p:cNvPr>
+          <p:cNvSpPr>
+            <a:spLocks noGrp="1" noRot="1" noChangeAspect="1" noMove="1" noResize="1" noEditPoints="1" noAdjustHandles="1" noChangeArrowheads="1" noChangeShapeType="1" noTextEdit="1"/>
+          </p:cNvSpPr>
+          <p:nvPr>
+            <p:extLst>
+              <p:ext uri="{386F3935-93C4-4BCD-93E2-E3B085C9AB24}">
+                <p16:designElem xmlns:p16="http://schemas.microsoft.com/office/powerpoint/2015/main" val="1"/>
+              </p:ext>
+            </p:extLst>
+          </p:nvPr>
+        </p:nvSpPr>
+        <p:spPr>
+          <a:xfrm>
+            <a:off x="481029" y="4546920"/>
+            <a:ext cx="3977640" cy="18288"/>
+          </a:xfrm>
+          <a:prstGeom prst="rect">
+            <a:avLst/>
+          </a:prstGeom>
+          <a:solidFill>
+            <a:srgbClr val="D5D5D5"/>
+          </a:solidFill>
+          <a:ln w="3175">
+            <a:noFill/>
+          </a:ln>
+          <a:effectLst/>
+        </p:spPr>
+        <p:style>
+          <a:lnRef idx="2">
+            <a:schemeClr val="accent1">
+              <a:shade val="50000"/>
+            </a:schemeClr>
+          </a:lnRef>
+          <a:fillRef idx="1">
+            <a:schemeClr val="accent1"/>
+          </a:fillRef>
+          <a:effectRef idx="0">
+            <a:schemeClr val="accent1"/>
+          </a:effectRef>
+          <a:fontRef idx="minor">
+            <a:schemeClr val="lt1"/>
+          </a:fontRef>
+        </p:style>
+        <p:txBody>
+          <a:bodyPr rtlCol="0" anchor="ctr"/>
+          <a:lstStyle/>
+          <a:p>
+            <a:pPr marL="0" marR="0" lvl="0" indent="0" algn="ctr" defTabSz="914400" rtl="0" eaLnBrk="1" fontAlgn="auto" latinLnBrk="0" hangingPunct="1">
+              <a:lnSpc>
+                <a:spcPct val="100000"/>
+              </a:lnSpc>
+              <a:spcBef>
+                <a:spcPts val="0"/>
+              </a:spcBef>
+              <a:spcAft>
+                <a:spcPts val="0"/>
+              </a:spcAft>
+              <a:buClrTx/>
+              <a:buSzTx/>
+              <a:buFontTx/>
+              <a:buNone/>
+              <a:tabLst/>
+              <a:defRPr/>
+            </a:pPr>
+            <a:endParaRPr kumimoji="0" lang="en-US" sz="1800" b="0" i="0" u="none" strike="noStrike" kern="1200" cap="none" spc="0" normalizeH="0" baseline="0" noProof="0">
+              <a:ln>
+                <a:noFill/>
+              </a:ln>
+              <a:solidFill>
+                <a:prstClr val="white"/>
+              </a:solidFill>
+              <a:effectLst/>
+              <a:uLnTx/>
+              <a:uFillTx/>
+              <a:latin typeface="Calibri" panose="020F0502020204030204"/>
+              <a:ea typeface="+mn-ea"/>
+              <a:cs typeface="+mn-cs"/>
+            </a:endParaRPr>
           </a:p>
         </p:txBody>
       </p:sp>
@@ -4406,6 +4745,14 @@
 <file path=ppt/slides/slide10.xml><?xml version="1.0" encoding="utf-8"?>
 <p:sld xmlns:a="http://schemas.openxmlformats.org/drawingml/2006/main" xmlns:r="http://schemas.openxmlformats.org/officeDocument/2006/relationships" xmlns:p="http://schemas.openxmlformats.org/presentationml/2006/main">
   <p:cSld>
+    <p:bg>
+      <p:bgPr>
+        <a:solidFill>
+          <a:schemeClr val="bg1"/>
+        </a:solidFill>
+        <a:effectLst/>
+      </p:bgPr>
+    </p:bg>
     <p:spTree>
       <p:nvGrpSpPr>
         <p:cNvPr id="1" name=""/>
@@ -4420,37 +4767,386 @@
           <a:chExt cx="0" cy="0"/>
         </a:xfrm>
       </p:grpSpPr>
-      <p:sp>
-        <p:nvSpPr>
-          <p:cNvPr id="2" name="Title 1">
-            <a:extLst>
-              <a:ext uri="{FF2B5EF4-FFF2-40B4-BE49-F238E27FC236}">
-                <a16:creationId xmlns:a16="http://schemas.microsoft.com/office/drawing/2014/main" id="{61DDA2E0-1EDC-4437-8213-1C7EDD22A259}"/>
-              </a:ext>
-            </a:extLst>
-          </p:cNvPr>
-          <p:cNvSpPr>
-            <a:spLocks noGrp="1"/>
-          </p:cNvSpPr>
-          <p:nvPr>
-            <p:ph type="ctrTitle"/>
+      <p:sp useBgFill="1">
+        <p:nvSpPr>
+          <p:cNvPr id="8" name="Rectangle 7">
+            <a:extLst>
+              <a:ext uri="{FF2B5EF4-FFF2-40B4-BE49-F238E27FC236}">
+                <a16:creationId xmlns:a16="http://schemas.microsoft.com/office/drawing/2014/main" id="{B6CDA21F-E7AF-4C75-8395-33F58D5B0E45}"/>
+              </a:ext>
+              <a:ext uri="{C183D7F6-B498-43B3-948B-1728B52AA6E4}">
+                <adec:decorative xmlns:adec="http://schemas.microsoft.com/office/drawing/2017/decorative" val="1"/>
+              </a:ext>
+            </a:extLst>
+          </p:cNvPr>
+          <p:cNvSpPr>
+            <a:spLocks noGrp="1" noRot="1" noChangeAspect="1" noMove="1" noResize="1" noEditPoints="1" noAdjustHandles="1" noChangeArrowheads="1" noChangeShapeType="1" noTextEdit="1"/>
+          </p:cNvSpPr>
+          <p:nvPr>
+            <p:extLst>
+              <p:ext uri="{386F3935-93C4-4BCD-93E2-E3B085C9AB24}">
+                <p16:designElem xmlns:p16="http://schemas.microsoft.com/office/powerpoint/2015/main" val="1"/>
+              </p:ext>
+            </p:extLst>
           </p:nvPr>
         </p:nvSpPr>
         <p:spPr>
           <a:xfrm>
-            <a:off x="1066800" y="385762"/>
-            <a:ext cx="7577138" cy="623891"/>
+            <a:off x="0" y="0"/>
+            <a:ext cx="12191999" cy="6857365"/>
+          </a:xfrm>
+          <a:prstGeom prst="rect">
+            <a:avLst/>
+          </a:prstGeom>
+          <a:ln>
+            <a:noFill/>
+          </a:ln>
+        </p:spPr>
+        <p:style>
+          <a:lnRef idx="2">
+            <a:schemeClr val="accent1">
+              <a:shade val="50000"/>
+            </a:schemeClr>
+          </a:lnRef>
+          <a:fillRef idx="1">
+            <a:schemeClr val="accent1"/>
+          </a:fillRef>
+          <a:effectRef idx="0">
+            <a:schemeClr val="accent1"/>
+          </a:effectRef>
+          <a:fontRef idx="minor">
+            <a:schemeClr val="lt1"/>
+          </a:fontRef>
+        </p:style>
+        <p:txBody>
+          <a:bodyPr rtlCol="0" anchor="ctr"/>
+          <a:lstStyle/>
+          <a:p>
+            <a:pPr algn="ctr"/>
+            <a:endParaRPr lang="en-US"/>
+          </a:p>
+        </p:txBody>
+      </p:sp>
+      <p:grpSp>
+        <p:nvGrpSpPr>
+          <p:cNvPr id="10" name="Group 9">
+            <a:extLst>
+              <a:ext uri="{FF2B5EF4-FFF2-40B4-BE49-F238E27FC236}">
+                <a16:creationId xmlns:a16="http://schemas.microsoft.com/office/drawing/2014/main" id="{AE1C45F0-260A-458C-96ED-C1F6D2151219}"/>
+              </a:ext>
+              <a:ext uri="{C183D7F6-B498-43B3-948B-1728B52AA6E4}">
+                <adec:decorative xmlns:adec="http://schemas.microsoft.com/office/drawing/2017/decorative" val="1"/>
+              </a:ext>
+            </a:extLst>
+          </p:cNvPr>
+          <p:cNvGrpSpPr>
+            <a:grpSpLocks noGrp="1" noUngrp="1" noRot="1" noChangeAspect="1" noMove="1" noResize="1"/>
+          </p:cNvGrpSpPr>
+          <p:nvPr>
+            <p:extLst>
+              <p:ext uri="{386F3935-93C4-4BCD-93E2-E3B085C9AB24}">
+                <p16:designElem xmlns:p16="http://schemas.microsoft.com/office/powerpoint/2015/main" val="1"/>
+              </p:ext>
+            </p:extLst>
+          </p:nvPr>
+        </p:nvGrpSpPr>
+        <p:grpSpPr>
+          <a:xfrm>
+            <a:off x="4" y="1216597"/>
+            <a:ext cx="731521" cy="673460"/>
+            <a:chOff x="3940602" y="308034"/>
+            <a:chExt cx="2116791" cy="3428999"/>
+          </a:xfrm>
+          <a:solidFill>
+            <a:schemeClr val="accent4"/>
+          </a:solidFill>
+        </p:grpSpPr>
+        <p:sp>
+          <p:nvSpPr>
+            <p:cNvPr id="11" name="Rectangle 10">
+              <a:extLst>
+                <a:ext uri="{FF2B5EF4-FFF2-40B4-BE49-F238E27FC236}">
+                  <a16:creationId xmlns:a16="http://schemas.microsoft.com/office/drawing/2014/main" id="{A6604B49-AD5C-4590-B051-06C8222ECD99}"/>
+                </a:ext>
+                <a:ext uri="{C183D7F6-B498-43B3-948B-1728B52AA6E4}">
+                  <adec:decorative xmlns:adec="http://schemas.microsoft.com/office/drawing/2017/decorative" val="1"/>
+                </a:ext>
+              </a:extLst>
+            </p:cNvPr>
+            <p:cNvSpPr/>
+            <p:nvPr>
+              <p:extLst>
+                <p:ext uri="{386F3935-93C4-4BCD-93E2-E3B085C9AB24}">
+                  <p16:designElem xmlns:p16="http://schemas.microsoft.com/office/powerpoint/2015/main" val="1"/>
+                </p:ext>
+              </p:extLst>
+            </p:nvPr>
+          </p:nvSpPr>
+          <p:spPr>
+            <a:xfrm>
+              <a:off x="3940602" y="308034"/>
+              <a:ext cx="566743" cy="3428999"/>
+            </a:xfrm>
+            <a:prstGeom prst="rect">
+              <a:avLst/>
+            </a:prstGeom>
+            <a:grpFill/>
+            <a:ln>
+              <a:noFill/>
+            </a:ln>
+          </p:spPr>
+          <p:style>
+            <a:lnRef idx="2">
+              <a:schemeClr val="accent1">
+                <a:shade val="50000"/>
+              </a:schemeClr>
+            </a:lnRef>
+            <a:fillRef idx="1">
+              <a:schemeClr val="accent1"/>
+            </a:fillRef>
+            <a:effectRef idx="0">
+              <a:schemeClr val="accent1"/>
+            </a:effectRef>
+            <a:fontRef idx="minor">
+              <a:schemeClr val="lt1"/>
+            </a:fontRef>
+          </p:style>
+          <p:txBody>
+            <a:bodyPr rtlCol="0" anchor="ctr"/>
+            <a:lstStyle/>
+            <a:p>
+              <a:pPr algn="ctr"/>
+              <a:endParaRPr lang="en-US"/>
+            </a:p>
+          </p:txBody>
+        </p:sp>
+        <p:sp>
+          <p:nvSpPr>
+            <p:cNvPr id="12" name="Rectangle 11">
+              <a:extLst>
+                <a:ext uri="{FF2B5EF4-FFF2-40B4-BE49-F238E27FC236}">
+                  <a16:creationId xmlns:a16="http://schemas.microsoft.com/office/drawing/2014/main" id="{743ECCAF-29C5-4537-947C-7EA1292463DB}"/>
+                </a:ext>
+                <a:ext uri="{C183D7F6-B498-43B3-948B-1728B52AA6E4}">
+                  <adec:decorative xmlns:adec="http://schemas.microsoft.com/office/drawing/2017/decorative" val="1"/>
+                </a:ext>
+              </a:extLst>
+            </p:cNvPr>
+            <p:cNvSpPr/>
+            <p:nvPr>
+              <p:extLst>
+                <p:ext uri="{386F3935-93C4-4BCD-93E2-E3B085C9AB24}">
+                  <p16:designElem xmlns:p16="http://schemas.microsoft.com/office/powerpoint/2015/main" val="1"/>
+                </p:ext>
+              </p:extLst>
+            </p:nvPr>
+          </p:nvSpPr>
+          <p:spPr>
+            <a:xfrm>
+              <a:off x="4715626" y="308034"/>
+              <a:ext cx="566743" cy="3428999"/>
+            </a:xfrm>
+            <a:prstGeom prst="rect">
+              <a:avLst/>
+            </a:prstGeom>
+            <a:grpFill/>
+            <a:ln>
+              <a:noFill/>
+            </a:ln>
+          </p:spPr>
+          <p:style>
+            <a:lnRef idx="2">
+              <a:schemeClr val="accent1">
+                <a:shade val="50000"/>
+              </a:schemeClr>
+            </a:lnRef>
+            <a:fillRef idx="1">
+              <a:schemeClr val="accent1"/>
+            </a:fillRef>
+            <a:effectRef idx="0">
+              <a:schemeClr val="accent1"/>
+            </a:effectRef>
+            <a:fontRef idx="minor">
+              <a:schemeClr val="lt1"/>
+            </a:fontRef>
+          </p:style>
+          <p:txBody>
+            <a:bodyPr rtlCol="0" anchor="ctr"/>
+            <a:lstStyle/>
+            <a:p>
+              <a:pPr algn="ctr"/>
+              <a:endParaRPr lang="en-US"/>
+            </a:p>
+          </p:txBody>
+        </p:sp>
+        <p:sp>
+          <p:nvSpPr>
+            <p:cNvPr id="13" name="Rectangle 12">
+              <a:extLst>
+                <a:ext uri="{FF2B5EF4-FFF2-40B4-BE49-F238E27FC236}">
+                  <a16:creationId xmlns:a16="http://schemas.microsoft.com/office/drawing/2014/main" id="{ED49787B-8DE6-4467-AD0A-8DECC6E0C2D6}"/>
+                </a:ext>
+                <a:ext uri="{C183D7F6-B498-43B3-948B-1728B52AA6E4}">
+                  <adec:decorative xmlns:adec="http://schemas.microsoft.com/office/drawing/2017/decorative" val="1"/>
+                </a:ext>
+              </a:extLst>
+            </p:cNvPr>
+            <p:cNvSpPr/>
+            <p:nvPr>
+              <p:extLst>
+                <p:ext uri="{386F3935-93C4-4BCD-93E2-E3B085C9AB24}">
+                  <p16:designElem xmlns:p16="http://schemas.microsoft.com/office/powerpoint/2015/main" val="1"/>
+                </p:ext>
+              </p:extLst>
+            </p:nvPr>
+          </p:nvSpPr>
+          <p:spPr>
+            <a:xfrm>
+              <a:off x="5490650" y="308034"/>
+              <a:ext cx="566743" cy="3428999"/>
+            </a:xfrm>
+            <a:prstGeom prst="rect">
+              <a:avLst/>
+            </a:prstGeom>
+            <a:grpFill/>
+            <a:ln>
+              <a:noFill/>
+            </a:ln>
+          </p:spPr>
+          <p:style>
+            <a:lnRef idx="2">
+              <a:schemeClr val="accent1">
+                <a:shade val="50000"/>
+              </a:schemeClr>
+            </a:lnRef>
+            <a:fillRef idx="1">
+              <a:schemeClr val="accent1"/>
+            </a:fillRef>
+            <a:effectRef idx="0">
+              <a:schemeClr val="accent1"/>
+            </a:effectRef>
+            <a:fontRef idx="minor">
+              <a:schemeClr val="lt1"/>
+            </a:fontRef>
+          </p:style>
+          <p:txBody>
+            <a:bodyPr rtlCol="0" anchor="ctr"/>
+            <a:lstStyle/>
+            <a:p>
+              <a:pPr algn="ctr"/>
+              <a:endParaRPr lang="en-US"/>
+            </a:p>
+          </p:txBody>
+        </p:sp>
+      </p:grpSp>
+      <p:sp>
+        <p:nvSpPr>
+          <p:cNvPr id="15" name="Rectangle 14">
+            <a:extLst>
+              <a:ext uri="{FF2B5EF4-FFF2-40B4-BE49-F238E27FC236}">
+                <a16:creationId xmlns:a16="http://schemas.microsoft.com/office/drawing/2014/main" id="{D5B0017B-2ECA-49AF-B397-DC140825DF8D}"/>
+              </a:ext>
+              <a:ext uri="{C183D7F6-B498-43B3-948B-1728B52AA6E4}">
+                <adec:decorative xmlns:adec="http://schemas.microsoft.com/office/drawing/2017/decorative" val="1"/>
+              </a:ext>
+            </a:extLst>
+          </p:cNvPr>
+          <p:cNvSpPr>
+            <a:spLocks noGrp="1" noRot="1" noChangeAspect="1" noMove="1" noResize="1" noEditPoints="1" noAdjustHandles="1" noChangeArrowheads="1" noChangeShapeType="1" noTextEdit="1"/>
+          </p:cNvSpPr>
+          <p:nvPr>
+            <p:extLst>
+              <p:ext uri="{386F3935-93C4-4BCD-93E2-E3B085C9AB24}">
+                <p16:designElem xmlns:p16="http://schemas.microsoft.com/office/powerpoint/2015/main" val="1"/>
+              </p:ext>
+            </p:extLst>
+          </p:nvPr>
+        </p:nvSpPr>
+        <p:spPr>
+          <a:xfrm>
+            <a:off x="640079" y="613954"/>
+            <a:ext cx="10907487" cy="1894116"/>
+          </a:xfrm>
+          <a:prstGeom prst="rect">
+            <a:avLst/>
+          </a:prstGeom>
+          <a:solidFill>
+            <a:schemeClr val="bg1"/>
+          </a:solidFill>
+          <a:ln>
+            <a:noFill/>
+          </a:ln>
+          <a:effectLst>
+            <a:outerShdw blurRad="139700" dist="127000" dir="5400000" algn="t" rotWithShape="0">
+              <a:prstClr val="black">
+                <a:alpha val="15000"/>
+              </a:prstClr>
+            </a:outerShdw>
+          </a:effectLst>
+        </p:spPr>
+        <p:style>
+          <a:lnRef idx="2">
+            <a:schemeClr val="accent1">
+              <a:shade val="50000"/>
+            </a:schemeClr>
+          </a:lnRef>
+          <a:fillRef idx="1">
+            <a:schemeClr val="accent1"/>
+          </a:fillRef>
+          <a:effectRef idx="0">
+            <a:schemeClr val="accent1"/>
+          </a:effectRef>
+          <a:fontRef idx="minor">
+            <a:schemeClr val="lt1"/>
+          </a:fontRef>
+        </p:style>
+        <p:txBody>
+          <a:bodyPr rtlCol="0" anchor="ctr"/>
+          <a:lstStyle/>
+          <a:p>
+            <a:pPr algn="ctr"/>
+            <a:endParaRPr lang="en-US"/>
+          </a:p>
+        </p:txBody>
+      </p:sp>
+      <p:sp>
+        <p:nvSpPr>
+          <p:cNvPr id="2" name="Title 1">
+            <a:extLst>
+              <a:ext uri="{FF2B5EF4-FFF2-40B4-BE49-F238E27FC236}">
+                <a16:creationId xmlns:a16="http://schemas.microsoft.com/office/drawing/2014/main" id="{61DDA2E0-1EDC-4437-8213-1C7EDD22A259}"/>
+              </a:ext>
+            </a:extLst>
+          </p:cNvPr>
+          <p:cNvSpPr>
+            <a:spLocks noGrp="1"/>
+          </p:cNvSpPr>
+          <p:nvPr>
+            <p:ph type="ctrTitle"/>
+          </p:nvPr>
+        </p:nvSpPr>
+        <p:spPr>
+          <a:xfrm>
+            <a:off x="1043631" y="809898"/>
+            <a:ext cx="9942716" cy="1554480"/>
           </a:xfrm>
         </p:spPr>
         <p:txBody>
-          <a:bodyPr>
+          <a:bodyPr vert="horz" lIns="91440" tIns="45720" rIns="91440" bIns="45720" rtlCol="0" anchor="ctr">
             <a:normAutofit/>
           </a:bodyPr>
           <a:lstStyle/>
           <a:p>
             <a:pPr algn="l"/>
             <a:r>
-              <a:rPr lang="en-GB" sz="3600" b="1" dirty="0"/>
+              <a:rPr lang="en-US" sz="4800" b="1" kern="1200">
+                <a:solidFill>
+                  <a:schemeClr val="tx1"/>
+                </a:solidFill>
+                <a:latin typeface="+mj-lt"/>
+                <a:ea typeface="+mj-ea"/>
+                <a:cs typeface="+mj-cs"/>
+              </a:rPr>
               <a:t>Applications of Graph</a:t>
             </a:r>
           </a:p>
@@ -4474,99 +5170,147 @@
         </p:nvSpPr>
         <p:spPr>
           <a:xfrm>
-            <a:off x="1066800" y="1244593"/>
-            <a:ext cx="10277475" cy="5327653"/>
+            <a:off x="1045028" y="3017522"/>
+            <a:ext cx="9941319" cy="3124658"/>
           </a:xfrm>
         </p:spPr>
         <p:txBody>
-          <a:bodyPr>
+          <a:bodyPr vert="horz" lIns="91440" tIns="45720" rIns="91440" bIns="45720" rtlCol="0" anchor="ctr">
             <a:normAutofit/>
           </a:bodyPr>
           <a:lstStyle/>
           <a:p>
-            <a:pPr marL="342900" indent="-342900" algn="just">
+            <a:pPr marL="342900" indent="-228600" algn="just">
               <a:buFont typeface="Arial" panose="020B0604020202020204" pitchFamily="34" charset="0"/>
               <a:buChar char="•"/>
             </a:pPr>
             <a:r>
-              <a:rPr lang="en-GB" sz="2000" b="1" dirty="0"/>
+              <a:rPr lang="en-US" sz="1400" b="1" dirty="0"/>
               <a:t>Social Networks: </a:t>
             </a:r>
             <a:r>
-              <a:rPr lang="en-GB" sz="2000" dirty="0"/>
+              <a:rPr lang="en-US" sz="1400" dirty="0"/>
               <a:t>In platforms like Facebook, Twitter, and LinkedIn, users are represented as nodes, and their connections (friends, followers, or colleagues) as edges. Graphs are ideal for tasks like friend recommendations, finding influencers, or community detection.</a:t>
             </a:r>
           </a:p>
           <a:p>
-            <a:pPr marL="342900" indent="-342900" algn="just">
+            <a:pPr marL="342900" indent="-228600" algn="just">
               <a:buFont typeface="Arial" panose="020B0604020202020204" pitchFamily="34" charset="0"/>
               <a:buChar char="•"/>
             </a:pPr>
             <a:r>
-              <a:rPr lang="en-GB" sz="2000" b="1" dirty="0"/>
+              <a:rPr lang="en-US" sz="1400" b="1" dirty="0"/>
               <a:t>Navigation and Mapping: </a:t>
             </a:r>
             <a:r>
-              <a:rPr lang="en-GB" sz="2000" dirty="0"/>
+              <a:rPr lang="en-US" sz="1400" dirty="0"/>
               <a:t>In </a:t>
             </a:r>
             <a:r>
-              <a:rPr lang="en-GB" sz="2000" b="1" dirty="0">
-                <a:solidFill>
-                  <a:srgbClr val="FF0000"/>
-                </a:solidFill>
-              </a:rPr>
+              <a:rPr lang="en-US" sz="1400" b="1" dirty="0"/>
               <a:t>GPS</a:t>
             </a:r>
             <a:r>
-              <a:rPr lang="en-GB" sz="2000" dirty="0"/>
+              <a:rPr lang="en-US" sz="1400" dirty="0"/>
               <a:t> systems and mapping applications (like Google Maps), locations are represented as nodes, and roads as edges with weights (such as distance or time). Graphs make it easy to calculate shortest paths, optimize routes, and find nearby places.</a:t>
             </a:r>
           </a:p>
           <a:p>
-            <a:pPr marL="342900" indent="-342900" algn="just">
+            <a:pPr marL="342900" indent="-228600" algn="just">
               <a:buFont typeface="Arial" panose="020B0604020202020204" pitchFamily="34" charset="0"/>
               <a:buChar char="•"/>
             </a:pPr>
             <a:r>
-              <a:rPr lang="en-GB" sz="2000" b="1" dirty="0"/>
+              <a:rPr lang="en-US" sz="1400" b="1" dirty="0"/>
               <a:t>Search Engines: </a:t>
             </a:r>
             <a:r>
-              <a:rPr lang="en-GB" sz="2000" dirty="0"/>
+              <a:rPr lang="en-US" sz="1400" dirty="0"/>
               <a:t>Graphs help represent relationships between web pages, with each page as a node and hyperlinks as directed edges. PageRank, Google's algorithm, is a graph-based algorithm that ranks pages based on their relevance.</a:t>
             </a:r>
           </a:p>
           <a:p>
-            <a:pPr marL="342900" indent="-342900" algn="just">
+            <a:pPr marL="342900" indent="-228600" algn="just">
               <a:buFont typeface="Arial" panose="020B0604020202020204" pitchFamily="34" charset="0"/>
               <a:buChar char="•"/>
             </a:pPr>
             <a:r>
-              <a:rPr lang="en-GB" sz="2000" b="1" dirty="0"/>
+              <a:rPr lang="en-US" sz="1400" b="1" dirty="0"/>
               <a:t>Recommendation Systems: </a:t>
             </a:r>
             <a:r>
-              <a:rPr lang="en-GB" sz="2000" dirty="0"/>
+              <a:rPr lang="en-US" sz="1400" dirty="0"/>
               <a:t>Graphs are used in recommendation engines (e.g., Netflix, Amazon) where users and products form nodes, and edges represent interactions (such as viewing or purchasing). Graphs help recommend similar items or suggest items based on social connections or similar tastes.</a:t>
             </a:r>
           </a:p>
           <a:p>
-            <a:pPr marL="342900" indent="-342900" algn="just">
+            <a:pPr marL="342900" indent="-228600" algn="just">
               <a:buFont typeface="Arial" panose="020B0604020202020204" pitchFamily="34" charset="0"/>
               <a:buChar char="•"/>
             </a:pPr>
             <a:r>
-              <a:rPr lang="en-GB" sz="2000" b="1" dirty="0"/>
+              <a:rPr lang="en-US" sz="1400" b="1" dirty="0"/>
               <a:t>Computer Networks:</a:t>
             </a:r>
             <a:r>
-              <a:rPr lang="en-GB" sz="2000" dirty="0"/>
+              <a:rPr lang="en-US" sz="1400" dirty="0"/>
               <a:t> Network routers and devices form a graph, with devices as nodes and connections as edges. Graphs help in routing algorithms, load balancing, and optimizing network performance.</a:t>
             </a:r>
           </a:p>
         </p:txBody>
       </p:sp>
+      <p:cxnSp>
+        <p:nvCxnSpPr>
+          <p:cNvPr id="17" name="Straight Connector 16">
+            <a:extLst>
+              <a:ext uri="{FF2B5EF4-FFF2-40B4-BE49-F238E27FC236}">
+                <a16:creationId xmlns:a16="http://schemas.microsoft.com/office/drawing/2014/main" id="{6CF1BAF6-AD41-4082-B212-8A1F9A2E8779}"/>
+              </a:ext>
+              <a:ext uri="{C183D7F6-B498-43B3-948B-1728B52AA6E4}">
+                <adec:decorative xmlns:adec="http://schemas.microsoft.com/office/drawing/2017/decorative" val="1"/>
+              </a:ext>
+            </a:extLst>
+          </p:cNvPr>
+          <p:cNvCxnSpPr>
+            <a:cxnSpLocks noGrp="1" noRot="1" noChangeAspect="1" noMove="1" noResize="1" noEditPoints="1" noAdjustHandles="1" noChangeArrowheads="1" noChangeShapeType="1"/>
+          </p:cNvCxnSpPr>
+          <p:nvPr>
+            <p:extLst>
+              <p:ext uri="{386F3935-93C4-4BCD-93E2-E3B085C9AB24}">
+                <p16:designElem xmlns:p16="http://schemas.microsoft.com/office/powerpoint/2015/main" val="1"/>
+              </p:ext>
+            </p:extLst>
+          </p:nvPr>
+        </p:nvCxnSpPr>
+        <p:spPr>
+          <a:xfrm flipH="1">
+            <a:off x="838200" y="6485313"/>
+            <a:ext cx="10515600" cy="0"/>
+          </a:xfrm>
+          <a:prstGeom prst="line">
+            <a:avLst/>
+          </a:prstGeom>
+          <a:ln w="57150">
+            <a:solidFill>
+              <a:schemeClr val="accent4"/>
+            </a:solidFill>
+          </a:ln>
+        </p:spPr>
+        <p:style>
+          <a:lnRef idx="1">
+            <a:schemeClr val="accent1"/>
+          </a:lnRef>
+          <a:fillRef idx="0">
+            <a:schemeClr val="accent1"/>
+          </a:fillRef>
+          <a:effectRef idx="0">
+            <a:schemeClr val="accent1"/>
+          </a:effectRef>
+          <a:fontRef idx="minor">
+            <a:schemeClr val="tx1"/>
+          </a:fontRef>
+        </p:style>
+      </p:cxnSp>
     </p:spTree>
     <p:extLst>
       <p:ext uri="{BB962C8B-B14F-4D97-AF65-F5344CB8AC3E}">
@@ -4583,6 +5327,14 @@
 <file path=ppt/slides/slide11.xml><?xml version="1.0" encoding="utf-8"?>
 <p:sld xmlns:a="http://schemas.openxmlformats.org/drawingml/2006/main" xmlns:r="http://schemas.openxmlformats.org/officeDocument/2006/relationships" xmlns:p="http://schemas.openxmlformats.org/presentationml/2006/main">
   <p:cSld>
+    <p:bg>
+      <p:bgPr>
+        <a:solidFill>
+          <a:schemeClr val="bg1"/>
+        </a:solidFill>
+        <a:effectLst/>
+      </p:bgPr>
+    </p:bg>
     <p:spTree>
       <p:nvGrpSpPr>
         <p:cNvPr id="1" name=""/>
@@ -4597,39 +5349,449 @@
           <a:chExt cx="0" cy="0"/>
         </a:xfrm>
       </p:grpSpPr>
-      <p:sp>
-        <p:nvSpPr>
-          <p:cNvPr id="2" name="Title 1">
-            <a:extLst>
-              <a:ext uri="{FF2B5EF4-FFF2-40B4-BE49-F238E27FC236}">
-                <a16:creationId xmlns:a16="http://schemas.microsoft.com/office/drawing/2014/main" id="{61DDA2E0-1EDC-4437-8213-1C7EDD22A259}"/>
-              </a:ext>
-            </a:extLst>
-          </p:cNvPr>
-          <p:cNvSpPr>
-            <a:spLocks noGrp="1"/>
-          </p:cNvSpPr>
-          <p:nvPr>
-            <p:ph type="ctrTitle"/>
+      <p:sp useBgFill="1">
+        <p:nvSpPr>
+          <p:cNvPr id="8" name="Rectangle 7">
+            <a:extLst>
+              <a:ext uri="{FF2B5EF4-FFF2-40B4-BE49-F238E27FC236}">
+                <a16:creationId xmlns:a16="http://schemas.microsoft.com/office/drawing/2014/main" id="{777A147A-9ED8-46B4-8660-1B3C2AA880B5}"/>
+              </a:ext>
+              <a:ext uri="{C183D7F6-B498-43B3-948B-1728B52AA6E4}">
+                <adec:decorative xmlns:adec="http://schemas.microsoft.com/office/drawing/2017/decorative" val="1"/>
+              </a:ext>
+            </a:extLst>
+          </p:cNvPr>
+          <p:cNvSpPr>
+            <a:spLocks noGrp="1" noRot="1" noChangeAspect="1" noMove="1" noResize="1" noEditPoints="1" noAdjustHandles="1" noChangeArrowheads="1" noChangeShapeType="1" noTextEdit="1"/>
+          </p:cNvSpPr>
+          <p:nvPr>
+            <p:extLst>
+              <p:ext uri="{386F3935-93C4-4BCD-93E2-E3B085C9AB24}">
+                <p16:designElem xmlns:p16="http://schemas.microsoft.com/office/powerpoint/2015/main" val="1"/>
+              </p:ext>
+            </p:extLst>
           </p:nvPr>
         </p:nvSpPr>
         <p:spPr>
           <a:xfrm>
-            <a:off x="1066800" y="385762"/>
-            <a:ext cx="7577138" cy="623891"/>
+            <a:off x="0" y="0"/>
+            <a:ext cx="12188952" cy="6858000"/>
+          </a:xfrm>
+          <a:prstGeom prst="rect">
+            <a:avLst/>
+          </a:prstGeom>
+          <a:ln>
+            <a:noFill/>
+          </a:ln>
+        </p:spPr>
+        <p:style>
+          <a:lnRef idx="2">
+            <a:schemeClr val="accent1">
+              <a:shade val="50000"/>
+            </a:schemeClr>
+          </a:lnRef>
+          <a:fillRef idx="1">
+            <a:schemeClr val="accent1"/>
+          </a:fillRef>
+          <a:effectRef idx="0">
+            <a:schemeClr val="accent1"/>
+          </a:effectRef>
+          <a:fontRef idx="minor">
+            <a:schemeClr val="lt1"/>
+          </a:fontRef>
+        </p:style>
+        <p:txBody>
+          <a:bodyPr rtlCol="0" anchor="ctr"/>
+          <a:lstStyle/>
+          <a:p>
+            <a:pPr algn="ctr"/>
+            <a:endParaRPr lang="en-US"/>
+          </a:p>
+        </p:txBody>
+      </p:sp>
+      <p:sp>
+        <p:nvSpPr>
+          <p:cNvPr id="2" name="Title 1">
+            <a:extLst>
+              <a:ext uri="{FF2B5EF4-FFF2-40B4-BE49-F238E27FC236}">
+                <a16:creationId xmlns:a16="http://schemas.microsoft.com/office/drawing/2014/main" id="{61DDA2E0-1EDC-4437-8213-1C7EDD22A259}"/>
+              </a:ext>
+            </a:extLst>
+          </p:cNvPr>
+          <p:cNvSpPr>
+            <a:spLocks noGrp="1"/>
+          </p:cNvSpPr>
+          <p:nvPr>
+            <p:ph type="ctrTitle"/>
+          </p:nvPr>
+        </p:nvSpPr>
+        <p:spPr>
+          <a:xfrm>
+            <a:off x="841248" y="548640"/>
+            <a:ext cx="3600860" cy="5431536"/>
           </a:xfrm>
         </p:spPr>
         <p:txBody>
-          <a:bodyPr>
+          <a:bodyPr vert="horz" lIns="91440" tIns="45720" rIns="91440" bIns="45720" rtlCol="0" anchor="ctr">
             <a:normAutofit/>
           </a:bodyPr>
           <a:lstStyle/>
           <a:p>
             <a:pPr algn="l"/>
             <a:r>
-              <a:rPr lang="en-GB" sz="3600" b="1" dirty="0"/>
+              <a:rPr lang="en-US" sz="5400" b="1" kern="1200">
+                <a:solidFill>
+                  <a:schemeClr val="tx1"/>
+                </a:solidFill>
+                <a:latin typeface="+mj-lt"/>
+                <a:ea typeface="+mj-ea"/>
+                <a:cs typeface="+mj-cs"/>
+              </a:rPr>
               <a:t>Graph Algorithms</a:t>
             </a:r>
+          </a:p>
+        </p:txBody>
+      </p:sp>
+      <p:sp>
+        <p:nvSpPr>
+          <p:cNvPr id="10" name="sketch line">
+            <a:extLst>
+              <a:ext uri="{FF2B5EF4-FFF2-40B4-BE49-F238E27FC236}">
+                <a16:creationId xmlns:a16="http://schemas.microsoft.com/office/drawing/2014/main" id="{5D6C15A0-C087-4593-8414-2B4EC1CDC3DE}"/>
+              </a:ext>
+              <a:ext uri="{C183D7F6-B498-43B3-948B-1728B52AA6E4}">
+                <adec:decorative xmlns:adec="http://schemas.microsoft.com/office/drawing/2017/decorative" val="1"/>
+              </a:ext>
+            </a:extLst>
+          </p:cNvPr>
+          <p:cNvSpPr>
+            <a:spLocks noGrp="1" noRot="1" noChangeAspect="1" noMove="1" noResize="1" noEditPoints="1" noAdjustHandles="1" noChangeArrowheads="1" noChangeShapeType="1" noTextEdit="1"/>
+          </p:cNvSpPr>
+          <p:nvPr>
+            <p:extLst>
+              <p:ext uri="{386F3935-93C4-4BCD-93E2-E3B085C9AB24}">
+                <p16:designElem xmlns:p16="http://schemas.microsoft.com/office/powerpoint/2015/main" val="1"/>
+              </p:ext>
+            </p:extLst>
+          </p:nvPr>
+        </p:nvSpPr>
+        <p:spPr>
+          <a:xfrm rot="5400000">
+            <a:off x="2543983" y="3258715"/>
+            <a:ext cx="4480560" cy="18288"/>
+          </a:xfrm>
+          <a:custGeom>
+            <a:avLst/>
+            <a:gdLst>
+              <a:gd name="connsiteX0" fmla="*/ 0 w 4480560"/>
+              <a:gd name="connsiteY0" fmla="*/ 0 h 18288"/>
+              <a:gd name="connsiteX1" fmla="*/ 595274 w 4480560"/>
+              <a:gd name="connsiteY1" fmla="*/ 0 h 18288"/>
+              <a:gd name="connsiteX2" fmla="*/ 1100938 w 4480560"/>
+              <a:gd name="connsiteY2" fmla="*/ 0 h 18288"/>
+              <a:gd name="connsiteX3" fmla="*/ 1651406 w 4480560"/>
+              <a:gd name="connsiteY3" fmla="*/ 0 h 18288"/>
+              <a:gd name="connsiteX4" fmla="*/ 2336292 w 4480560"/>
+              <a:gd name="connsiteY4" fmla="*/ 0 h 18288"/>
+              <a:gd name="connsiteX5" fmla="*/ 2931566 w 4480560"/>
+              <a:gd name="connsiteY5" fmla="*/ 0 h 18288"/>
+              <a:gd name="connsiteX6" fmla="*/ 3482035 w 4480560"/>
+              <a:gd name="connsiteY6" fmla="*/ 0 h 18288"/>
+              <a:gd name="connsiteX7" fmla="*/ 4480560 w 4480560"/>
+              <a:gd name="connsiteY7" fmla="*/ 0 h 18288"/>
+              <a:gd name="connsiteX8" fmla="*/ 4480560 w 4480560"/>
+              <a:gd name="connsiteY8" fmla="*/ 18288 h 18288"/>
+              <a:gd name="connsiteX9" fmla="*/ 3840480 w 4480560"/>
+              <a:gd name="connsiteY9" fmla="*/ 18288 h 18288"/>
+              <a:gd name="connsiteX10" fmla="*/ 3290011 w 4480560"/>
+              <a:gd name="connsiteY10" fmla="*/ 18288 h 18288"/>
+              <a:gd name="connsiteX11" fmla="*/ 2560320 w 4480560"/>
+              <a:gd name="connsiteY11" fmla="*/ 18288 h 18288"/>
+              <a:gd name="connsiteX12" fmla="*/ 1965046 w 4480560"/>
+              <a:gd name="connsiteY12" fmla="*/ 18288 h 18288"/>
+              <a:gd name="connsiteX13" fmla="*/ 1459382 w 4480560"/>
+              <a:gd name="connsiteY13" fmla="*/ 18288 h 18288"/>
+              <a:gd name="connsiteX14" fmla="*/ 774497 w 4480560"/>
+              <a:gd name="connsiteY14" fmla="*/ 18288 h 18288"/>
+              <a:gd name="connsiteX15" fmla="*/ 0 w 4480560"/>
+              <a:gd name="connsiteY15" fmla="*/ 18288 h 18288"/>
+              <a:gd name="connsiteX16" fmla="*/ 0 w 4480560"/>
+              <a:gd name="connsiteY16" fmla="*/ 0 h 18288"/>
+            </a:gdLst>
+            <a:ahLst/>
+            <a:cxnLst>
+              <a:cxn ang="0">
+                <a:pos x="connsiteX0" y="connsiteY0"/>
+              </a:cxn>
+              <a:cxn ang="0">
+                <a:pos x="connsiteX1" y="connsiteY1"/>
+              </a:cxn>
+              <a:cxn ang="0">
+                <a:pos x="connsiteX2" y="connsiteY2"/>
+              </a:cxn>
+              <a:cxn ang="0">
+                <a:pos x="connsiteX3" y="connsiteY3"/>
+              </a:cxn>
+              <a:cxn ang="0">
+                <a:pos x="connsiteX4" y="connsiteY4"/>
+              </a:cxn>
+              <a:cxn ang="0">
+                <a:pos x="connsiteX5" y="connsiteY5"/>
+              </a:cxn>
+              <a:cxn ang="0">
+                <a:pos x="connsiteX6" y="connsiteY6"/>
+              </a:cxn>
+              <a:cxn ang="0">
+                <a:pos x="connsiteX7" y="connsiteY7"/>
+              </a:cxn>
+              <a:cxn ang="0">
+                <a:pos x="connsiteX8" y="connsiteY8"/>
+              </a:cxn>
+              <a:cxn ang="0">
+                <a:pos x="connsiteX9" y="connsiteY9"/>
+              </a:cxn>
+              <a:cxn ang="0">
+                <a:pos x="connsiteX10" y="connsiteY10"/>
+              </a:cxn>
+              <a:cxn ang="0">
+                <a:pos x="connsiteX11" y="connsiteY11"/>
+              </a:cxn>
+              <a:cxn ang="0">
+                <a:pos x="connsiteX12" y="connsiteY12"/>
+              </a:cxn>
+              <a:cxn ang="0">
+                <a:pos x="connsiteX13" y="connsiteY13"/>
+              </a:cxn>
+              <a:cxn ang="0">
+                <a:pos x="connsiteX14" y="connsiteY14"/>
+              </a:cxn>
+              <a:cxn ang="0">
+                <a:pos x="connsiteX15" y="connsiteY15"/>
+              </a:cxn>
+              <a:cxn ang="0">
+                <a:pos x="connsiteX16" y="connsiteY16"/>
+              </a:cxn>
+            </a:cxnLst>
+            <a:rect l="l" t="t" r="r" b="b"/>
+            <a:pathLst>
+              <a:path w="4480560" h="18288" fill="none" extrusionOk="0">
+                <a:moveTo>
+                  <a:pt x="0" y="0"/>
+                </a:moveTo>
+                <a:cubicBezTo>
+                  <a:pt x="267821" y="8731"/>
+                  <a:pt x="334105" y="2629"/>
+                  <a:pt x="595274" y="0"/>
+                </a:cubicBezTo>
+                <a:cubicBezTo>
+                  <a:pt x="856443" y="-2629"/>
+                  <a:pt x="863808" y="-13353"/>
+                  <a:pt x="1100938" y="0"/>
+                </a:cubicBezTo>
+                <a:cubicBezTo>
+                  <a:pt x="1338068" y="13353"/>
+                  <a:pt x="1431663" y="-25862"/>
+                  <a:pt x="1651406" y="0"/>
+                </a:cubicBezTo>
+                <a:cubicBezTo>
+                  <a:pt x="1871149" y="25862"/>
+                  <a:pt x="2173163" y="23827"/>
+                  <a:pt x="2336292" y="0"/>
+                </a:cubicBezTo>
+                <a:cubicBezTo>
+                  <a:pt x="2499421" y="-23827"/>
+                  <a:pt x="2720589" y="28148"/>
+                  <a:pt x="2931566" y="0"/>
+                </a:cubicBezTo>
+                <a:cubicBezTo>
+                  <a:pt x="3142543" y="-28148"/>
+                  <a:pt x="3323630" y="27022"/>
+                  <a:pt x="3482035" y="0"/>
+                </a:cubicBezTo>
+                <a:cubicBezTo>
+                  <a:pt x="3640440" y="-27022"/>
+                  <a:pt x="4012110" y="-20118"/>
+                  <a:pt x="4480560" y="0"/>
+                </a:cubicBezTo>
+                <a:cubicBezTo>
+                  <a:pt x="4480958" y="7429"/>
+                  <a:pt x="4480540" y="10822"/>
+                  <a:pt x="4480560" y="18288"/>
+                </a:cubicBezTo>
+                <a:cubicBezTo>
+                  <a:pt x="4314132" y="14924"/>
+                  <a:pt x="4028383" y="36632"/>
+                  <a:pt x="3840480" y="18288"/>
+                </a:cubicBezTo>
+                <a:cubicBezTo>
+                  <a:pt x="3652577" y="-56"/>
+                  <a:pt x="3547615" y="2848"/>
+                  <a:pt x="3290011" y="18288"/>
+                </a:cubicBezTo>
+                <a:cubicBezTo>
+                  <a:pt x="3032407" y="33728"/>
+                  <a:pt x="2830268" y="8719"/>
+                  <a:pt x="2560320" y="18288"/>
+                </a:cubicBezTo>
+                <a:cubicBezTo>
+                  <a:pt x="2290372" y="27857"/>
+                  <a:pt x="2147422" y="6728"/>
+                  <a:pt x="1965046" y="18288"/>
+                </a:cubicBezTo>
+                <a:cubicBezTo>
+                  <a:pt x="1782670" y="29848"/>
+                  <a:pt x="1689791" y="40680"/>
+                  <a:pt x="1459382" y="18288"/>
+                </a:cubicBezTo>
+                <a:cubicBezTo>
+                  <a:pt x="1228973" y="-4104"/>
+                  <a:pt x="915486" y="36501"/>
+                  <a:pt x="774497" y="18288"/>
+                </a:cubicBezTo>
+                <a:cubicBezTo>
+                  <a:pt x="633508" y="75"/>
+                  <a:pt x="361442" y="-11107"/>
+                  <a:pt x="0" y="18288"/>
+                </a:cubicBezTo>
+                <a:cubicBezTo>
+                  <a:pt x="-591" y="13205"/>
+                  <a:pt x="-663" y="6329"/>
+                  <a:pt x="0" y="0"/>
+                </a:cubicBezTo>
+                <a:close/>
+              </a:path>
+              <a:path w="4480560" h="18288" stroke="0" extrusionOk="0">
+                <a:moveTo>
+                  <a:pt x="0" y="0"/>
+                </a:moveTo>
+                <a:cubicBezTo>
+                  <a:pt x="285465" y="225"/>
+                  <a:pt x="322691" y="16223"/>
+                  <a:pt x="595274" y="0"/>
+                </a:cubicBezTo>
+                <a:cubicBezTo>
+                  <a:pt x="867857" y="-16223"/>
+                  <a:pt x="989129" y="-11242"/>
+                  <a:pt x="1100938" y="0"/>
+                </a:cubicBezTo>
+                <a:cubicBezTo>
+                  <a:pt x="1212747" y="11242"/>
+                  <a:pt x="1574350" y="-36410"/>
+                  <a:pt x="1830629" y="0"/>
+                </a:cubicBezTo>
+                <a:cubicBezTo>
+                  <a:pt x="2086908" y="36410"/>
+                  <a:pt x="2180922" y="4645"/>
+                  <a:pt x="2425903" y="0"/>
+                </a:cubicBezTo>
+                <a:cubicBezTo>
+                  <a:pt x="2670884" y="-4645"/>
+                  <a:pt x="2782024" y="22929"/>
+                  <a:pt x="3021178" y="0"/>
+                </a:cubicBezTo>
+                <a:cubicBezTo>
+                  <a:pt x="3260332" y="-22929"/>
+                  <a:pt x="3456982" y="-1586"/>
+                  <a:pt x="3750869" y="0"/>
+                </a:cubicBezTo>
+                <a:cubicBezTo>
+                  <a:pt x="4044756" y="1586"/>
+                  <a:pt x="4302726" y="17043"/>
+                  <a:pt x="4480560" y="0"/>
+                </a:cubicBezTo>
+                <a:cubicBezTo>
+                  <a:pt x="4479674" y="5429"/>
+                  <a:pt x="4481381" y="14046"/>
+                  <a:pt x="4480560" y="18288"/>
+                </a:cubicBezTo>
+                <a:cubicBezTo>
+                  <a:pt x="4279652" y="-6850"/>
+                  <a:pt x="4200762" y="41566"/>
+                  <a:pt x="3930091" y="18288"/>
+                </a:cubicBezTo>
+                <a:cubicBezTo>
+                  <a:pt x="3659420" y="-4990"/>
+                  <a:pt x="3456052" y="22294"/>
+                  <a:pt x="3290011" y="18288"/>
+                </a:cubicBezTo>
+                <a:cubicBezTo>
+                  <a:pt x="3123970" y="14282"/>
+                  <a:pt x="2882392" y="32818"/>
+                  <a:pt x="2649931" y="18288"/>
+                </a:cubicBezTo>
+                <a:cubicBezTo>
+                  <a:pt x="2417470" y="3758"/>
+                  <a:pt x="2238426" y="7337"/>
+                  <a:pt x="2054657" y="18288"/>
+                </a:cubicBezTo>
+                <a:cubicBezTo>
+                  <a:pt x="1870888" y="29239"/>
+                  <a:pt x="1566368" y="45040"/>
+                  <a:pt x="1324966" y="18288"/>
+                </a:cubicBezTo>
+                <a:cubicBezTo>
+                  <a:pt x="1083564" y="-8464"/>
+                  <a:pt x="787410" y="10946"/>
+                  <a:pt x="595274" y="18288"/>
+                </a:cubicBezTo>
+                <a:cubicBezTo>
+                  <a:pt x="403138" y="25630"/>
+                  <a:pt x="169622" y="10499"/>
+                  <a:pt x="0" y="18288"/>
+                </a:cubicBezTo>
+                <a:cubicBezTo>
+                  <a:pt x="668" y="13665"/>
+                  <a:pt x="578" y="5675"/>
+                  <a:pt x="0" y="0"/>
+                </a:cubicBezTo>
+                <a:close/>
+              </a:path>
+            </a:pathLst>
+          </a:custGeom>
+          <a:solidFill>
+            <a:schemeClr val="accent2"/>
+          </a:solidFill>
+          <a:ln w="41275" cap="rnd">
+            <a:solidFill>
+              <a:schemeClr val="accent2"/>
+            </a:solidFill>
+            <a:round/>
+            <a:extLst>
+              <a:ext uri="{C807C97D-BFC1-408E-A445-0C87EB9F89A2}">
+                <ask:lineSketchStyleProps xmlns:ask="http://schemas.microsoft.com/office/drawing/2018/sketchyshapes" sd="1219033472">
+                  <a:prstGeom prst="rect">
+                    <a:avLst/>
+                  </a:prstGeom>
+                  <ask:type>
+                    <ask:lineSketchFreehand/>
+                  </ask:type>
+                </ask:lineSketchStyleProps>
+              </a:ext>
+            </a:extLst>
+          </a:ln>
+        </p:spPr>
+        <p:style>
+          <a:lnRef idx="2">
+            <a:schemeClr val="accent1">
+              <a:shade val="50000"/>
+            </a:schemeClr>
+          </a:lnRef>
+          <a:fillRef idx="1">
+            <a:schemeClr val="accent1"/>
+          </a:fillRef>
+          <a:effectRef idx="0">
+            <a:schemeClr val="accent1"/>
+          </a:effectRef>
+          <a:fontRef idx="minor">
+            <a:schemeClr val="lt1"/>
+          </a:fontRef>
+        </p:style>
+        <p:txBody>
+          <a:bodyPr rtlCol="0" anchor="ctr"/>
+          <a:lstStyle/>
+          <a:p>
+            <a:pPr algn="ctr"/>
+            <a:endParaRPr lang="en-US"/>
           </a:p>
         </p:txBody>
       </p:sp>
@@ -4651,145 +5813,116 @@
         </p:nvSpPr>
         <p:spPr>
           <a:xfrm>
-            <a:off x="1066800" y="1244593"/>
-            <a:ext cx="10277475" cy="5327653"/>
+            <a:off x="5126418" y="552091"/>
+            <a:ext cx="6224335" cy="5431536"/>
           </a:xfrm>
         </p:spPr>
         <p:txBody>
-          <a:bodyPr>
+          <a:bodyPr vert="horz" lIns="91440" tIns="45720" rIns="91440" bIns="45720" rtlCol="0" anchor="ctr">
             <a:normAutofit/>
           </a:bodyPr>
           <a:lstStyle/>
           <a:p>
-            <a:pPr marL="342900" indent="-342900" algn="just">
+            <a:pPr marL="342900" indent="-228600" algn="just">
               <a:buFont typeface="Arial" panose="020B0604020202020204" pitchFamily="34" charset="0"/>
               <a:buChar char="•"/>
             </a:pPr>
             <a:r>
-              <a:rPr lang="en-GB" sz="2000" b="1" dirty="0"/>
+              <a:rPr lang="en-US" sz="1900" b="1" dirty="0"/>
               <a:t>Shortest Path Algorithms:</a:t>
             </a:r>
           </a:p>
           <a:p>
-            <a:pPr marL="800100" lvl="1" indent="-342900" algn="just">
+            <a:pPr marL="800100" lvl="1" indent="-228600" algn="just">
               <a:buFont typeface="Arial" panose="020B0604020202020204" pitchFamily="34" charset="0"/>
               <a:buChar char="•"/>
             </a:pPr>
             <a:r>
-              <a:rPr lang="en-GB" b="1" dirty="0">
-                <a:solidFill>
-                  <a:srgbClr val="FF0000"/>
-                </a:solidFill>
-              </a:rPr>
+              <a:rPr lang="en-US" sz="1900" b="1" dirty="0"/>
               <a:t>Dijkstra’s Algorithm: </a:t>
             </a:r>
             <a:r>
-              <a:rPr lang="en-GB" b="1" dirty="0"/>
+              <a:rPr lang="en-US" sz="1900" dirty="0"/>
               <a:t>Finds the shortest path from a source vertex to all other vertices in a weighted graph (non-negative weights).</a:t>
             </a:r>
           </a:p>
           <a:p>
-            <a:pPr marL="800100" lvl="1" indent="-342900" algn="just">
+            <a:pPr marL="800100" lvl="1" indent="-228600" algn="just">
               <a:buFont typeface="Arial" panose="020B0604020202020204" pitchFamily="34" charset="0"/>
               <a:buChar char="•"/>
             </a:pPr>
             <a:r>
-              <a:rPr lang="en-GB" b="1" dirty="0">
-                <a:solidFill>
-                  <a:srgbClr val="FF0000"/>
-                </a:solidFill>
-              </a:rPr>
-              <a:t>Bellman-Ford Algorithm:</a:t>
-            </a:r>
-            <a:r>
-              <a:rPr lang="en-GB" b="1" dirty="0"/>
-              <a:t> Finds shortest paths in graphs that may have negative weights.</a:t>
-            </a:r>
-          </a:p>
-          <a:p>
-            <a:pPr marL="800100" lvl="1" indent="-342900" algn="just">
+              <a:rPr lang="en-US" sz="1900" b="1" dirty="0"/>
+              <a:t>Bellman-Ford Algorithm: </a:t>
+            </a:r>
+            <a:r>
+              <a:rPr lang="en-US" sz="1900" dirty="0"/>
+              <a:t>Finds shortest paths in graphs that may have negative weights.</a:t>
+            </a:r>
+          </a:p>
+          <a:p>
+            <a:pPr marL="800100" lvl="1" indent="-228600" algn="just">
               <a:buFont typeface="Arial" panose="020B0604020202020204" pitchFamily="34" charset="0"/>
               <a:buChar char="•"/>
             </a:pPr>
             <a:r>
-              <a:rPr lang="en-GB" b="1" dirty="0">
-                <a:solidFill>
-                  <a:srgbClr val="FF0000"/>
-                </a:solidFill>
-              </a:rPr>
+              <a:rPr lang="en-US" sz="1900" b="1" dirty="0"/>
               <a:t>Floyd-</a:t>
             </a:r>
             <a:r>
-              <a:rPr lang="en-GB" b="1" dirty="0" err="1">
-                <a:solidFill>
-                  <a:srgbClr val="FF0000"/>
-                </a:solidFill>
-              </a:rPr>
+              <a:rPr lang="en-US" sz="1900" b="1" dirty="0" err="1"/>
               <a:t>Warshall</a:t>
             </a:r>
             <a:r>
-              <a:rPr lang="en-GB" b="1" dirty="0">
-                <a:solidFill>
-                  <a:srgbClr val="FF0000"/>
-                </a:solidFill>
-              </a:rPr>
-              <a:t> Algorithm:</a:t>
-            </a:r>
-            <a:r>
-              <a:rPr lang="en-GB" b="1" dirty="0"/>
-              <a:t> Computes shortest paths between all pairs of vertices, typically used in dense graphs.</a:t>
-            </a:r>
-          </a:p>
-          <a:p>
-            <a:pPr marL="342900" indent="-342900" algn="just">
+              <a:rPr lang="en-US" sz="1900" b="1" dirty="0"/>
+              <a:t> Algorithm: </a:t>
+            </a:r>
+            <a:r>
+              <a:rPr lang="en-US" sz="1900" dirty="0"/>
+              <a:t>Computes shortest paths between all pairs of vertices, typically used in dense graphs.</a:t>
+            </a:r>
+          </a:p>
+          <a:p>
+            <a:pPr marL="342900" indent="-228600" algn="just">
               <a:buFont typeface="Arial" panose="020B0604020202020204" pitchFamily="34" charset="0"/>
               <a:buChar char="•"/>
             </a:pPr>
             <a:r>
-              <a:rPr lang="en-GB" sz="2000" b="1" dirty="0"/>
+              <a:rPr lang="en-US" sz="1900" b="1" dirty="0"/>
               <a:t>Minimum Spanning Tree (MST): </a:t>
             </a:r>
             <a:r>
-              <a:rPr lang="en-GB" sz="2000" dirty="0"/>
+              <a:rPr lang="en-US" sz="1900" dirty="0"/>
               <a:t>A spanning tree connects all vertices in a graph without cycles and with the minimum possible total edge weight.</a:t>
             </a:r>
           </a:p>
           <a:p>
-            <a:pPr marL="800100" lvl="1" indent="-342900" algn="just">
+            <a:pPr marL="800100" lvl="1" indent="-228600" algn="just">
               <a:buFont typeface="Arial" panose="020B0604020202020204" pitchFamily="34" charset="0"/>
               <a:buChar char="•"/>
             </a:pPr>
             <a:r>
-              <a:rPr lang="en-GB" b="1" dirty="0">
-                <a:solidFill>
-                  <a:srgbClr val="FF0000"/>
-                </a:solidFill>
-              </a:rPr>
-              <a:t>Prim’s Algorithm:</a:t>
-            </a:r>
-            <a:r>
-              <a:rPr lang="en-GB" b="1" dirty="0"/>
-              <a:t> Builds the MST by starting from a single vertex and adding the minimum edge to grow the tree.</a:t>
-            </a:r>
-          </a:p>
-          <a:p>
-            <a:pPr marL="800100" lvl="1" indent="-342900" algn="just">
+              <a:rPr lang="en-US" sz="1900" b="1" dirty="0"/>
+              <a:t>Prim’s Algorithm: </a:t>
+            </a:r>
+            <a:r>
+              <a:rPr lang="en-US" sz="1900" dirty="0"/>
+              <a:t>Builds the MST by starting from a single vertex and adding the minimum edge to grow the tree.</a:t>
+            </a:r>
+          </a:p>
+          <a:p>
+            <a:pPr marL="800100" lvl="1" indent="-228600" algn="just">
               <a:buFont typeface="Arial" panose="020B0604020202020204" pitchFamily="34" charset="0"/>
               <a:buChar char="•"/>
             </a:pPr>
             <a:r>
-              <a:rPr lang="en-GB" b="1" dirty="0">
-                <a:solidFill>
-                  <a:srgbClr val="FF0000"/>
-                </a:solidFill>
-              </a:rPr>
+              <a:rPr lang="en-US" sz="1900" b="1" dirty="0"/>
               <a:t>Kruskal’s Algorithm: </a:t>
             </a:r>
             <a:r>
-              <a:rPr lang="en-GB" b="1" dirty="0"/>
+              <a:rPr lang="en-US" sz="1900" dirty="0"/>
               <a:t>Builds the MST by selecting edges in order of increasing weight, ensuring no cycles are formed.</a:t>
             </a:r>
-            <a:endParaRPr lang="en-GB" dirty="0"/>
           </a:p>
         </p:txBody>
       </p:sp>
@@ -4842,7 +5975,7 @@
         <p:spPr>
           <a:xfrm>
             <a:off x="1216818" y="750886"/>
-            <a:ext cx="9758363" cy="4821240"/>
+            <a:ext cx="9758363" cy="3501074"/>
           </a:xfrm>
         </p:spPr>
         <p:txBody>
@@ -4931,9 +6064,17 @@
 </p:sld>
 </file>
 
-<file path=ppt/slides/slide2.xml><?xml version="1.0" encoding="utf-8"?>
+<file path=ppt/slides/slide13.xml><?xml version="1.0" encoding="utf-8"?>
 <p:sld xmlns:a="http://schemas.openxmlformats.org/drawingml/2006/main" xmlns:r="http://schemas.openxmlformats.org/officeDocument/2006/relationships" xmlns:p="http://schemas.openxmlformats.org/presentationml/2006/main">
   <p:cSld>
+    <p:bg>
+      <p:bgPr>
+        <a:solidFill>
+          <a:schemeClr val="bg1"/>
+        </a:solidFill>
+        <a:effectLst/>
+      </p:bgPr>
+    </p:bg>
     <p:spTree>
       <p:nvGrpSpPr>
         <p:cNvPr id="1" name=""/>
@@ -4948,131 +6089,834 @@
           <a:chExt cx="0" cy="0"/>
         </a:xfrm>
       </p:grpSpPr>
-      <p:sp>
-        <p:nvSpPr>
-          <p:cNvPr id="2" name="Title 1">
-            <a:extLst>
-              <a:ext uri="{FF2B5EF4-FFF2-40B4-BE49-F238E27FC236}">
-                <a16:creationId xmlns:a16="http://schemas.microsoft.com/office/drawing/2014/main" id="{61DDA2E0-1EDC-4437-8213-1C7EDD22A259}"/>
-              </a:ext>
-            </a:extLst>
-          </p:cNvPr>
-          <p:cNvSpPr>
-            <a:spLocks noGrp="1"/>
-          </p:cNvSpPr>
-          <p:nvPr>
-            <p:ph type="ctrTitle"/>
+      <p:sp useBgFill="1">
+        <p:nvSpPr>
+          <p:cNvPr id="8" name="Rectangle 7">
+            <a:extLst>
+              <a:ext uri="{FF2B5EF4-FFF2-40B4-BE49-F238E27FC236}">
+                <a16:creationId xmlns:a16="http://schemas.microsoft.com/office/drawing/2014/main" id="{E91DC736-0EF8-4F87-9146-EBF1D2EE4D3D}"/>
+              </a:ext>
+              <a:ext uri="{C183D7F6-B498-43B3-948B-1728B52AA6E4}">
+                <adec:decorative xmlns:adec="http://schemas.microsoft.com/office/drawing/2017/decorative" val="1"/>
+              </a:ext>
+            </a:extLst>
+          </p:cNvPr>
+          <p:cNvSpPr>
+            <a:spLocks noGrp="1" noRot="1" noChangeAspect="1" noMove="1" noResize="1" noEditPoints="1" noAdjustHandles="1" noChangeArrowheads="1" noChangeShapeType="1" noTextEdit="1"/>
+          </p:cNvSpPr>
+          <p:nvPr>
+            <p:extLst>
+              <p:ext uri="{386F3935-93C4-4BCD-93E2-E3B085C9AB24}">
+                <p16:designElem xmlns:p16="http://schemas.microsoft.com/office/powerpoint/2015/main" val="1"/>
+              </p:ext>
+            </p:extLst>
           </p:nvPr>
         </p:nvSpPr>
         <p:spPr>
           <a:xfrm>
-            <a:off x="1323975" y="1314449"/>
-            <a:ext cx="4148138" cy="623891"/>
+            <a:off x="0" y="0"/>
+            <a:ext cx="12192000" cy="6858000"/>
+          </a:xfrm>
+          <a:prstGeom prst="rect">
+            <a:avLst/>
+          </a:prstGeom>
+          <a:ln>
+            <a:noFill/>
+          </a:ln>
+        </p:spPr>
+        <p:style>
+          <a:lnRef idx="2">
+            <a:schemeClr val="accent1">
+              <a:shade val="50000"/>
+            </a:schemeClr>
+          </a:lnRef>
+          <a:fillRef idx="1">
+            <a:schemeClr val="accent1"/>
+          </a:fillRef>
+          <a:effectRef idx="0">
+            <a:schemeClr val="accent1"/>
+          </a:effectRef>
+          <a:fontRef idx="minor">
+            <a:schemeClr val="lt1"/>
+          </a:fontRef>
+        </p:style>
+        <p:txBody>
+          <a:bodyPr rtlCol="0" anchor="ctr"/>
+          <a:lstStyle/>
+          <a:p>
+            <a:pPr algn="ctr"/>
+            <a:endParaRPr lang="en-US"/>
+          </a:p>
+        </p:txBody>
+      </p:sp>
+      <p:pic>
+        <p:nvPicPr>
+          <p:cNvPr id="4" name="Picture 3" descr="Aerial view of a highway near the ocean">
+            <a:extLst>
+              <a:ext uri="{FF2B5EF4-FFF2-40B4-BE49-F238E27FC236}">
+                <a16:creationId xmlns:a16="http://schemas.microsoft.com/office/drawing/2014/main" id="{E9AFF749-DD1D-1D2F-72BF-D5AD2AB1B654}"/>
+              </a:ext>
+            </a:extLst>
+          </p:cNvPr>
+          <p:cNvPicPr>
+            <a:picLocks noChangeAspect="1"/>
+          </p:cNvPicPr>
+          <p:nvPr/>
+        </p:nvPicPr>
+        <p:blipFill>
+          <a:blip r:embed="rId2"/>
+          <a:srcRect r="5200"/>
+          <a:stretch>
+            <a:fillRect/>
+          </a:stretch>
+        </p:blipFill>
+        <p:spPr>
+          <a:xfrm>
+            <a:off x="3523488" y="10"/>
+            <a:ext cx="8668512" cy="6857990"/>
+          </a:xfrm>
+          <a:prstGeom prst="rect">
+            <a:avLst/>
+          </a:prstGeom>
+        </p:spPr>
+      </p:pic>
+      <p:sp>
+        <p:nvSpPr>
+          <p:cNvPr id="10" name="Rectangle 9">
+            <a:extLst>
+              <a:ext uri="{FF2B5EF4-FFF2-40B4-BE49-F238E27FC236}">
+                <a16:creationId xmlns:a16="http://schemas.microsoft.com/office/drawing/2014/main" id="{097CD68E-23E3-4007-8847-CD0944C4F7BE}"/>
+              </a:ext>
+              <a:ext uri="{C183D7F6-B498-43B3-948B-1728B52AA6E4}">
+                <adec:decorative xmlns:adec="http://schemas.microsoft.com/office/drawing/2017/decorative" val="1"/>
+              </a:ext>
+            </a:extLst>
+          </p:cNvPr>
+          <p:cNvSpPr>
+            <a:spLocks noGrp="1" noRot="1" noChangeAspect="1" noMove="1" noResize="1" noEditPoints="1" noAdjustHandles="1" noChangeArrowheads="1" noChangeShapeType="1" noTextEdit="1"/>
+          </p:cNvSpPr>
+          <p:nvPr>
+            <p:extLst>
+              <p:ext uri="{386F3935-93C4-4BCD-93E2-E3B085C9AB24}">
+                <p16:designElem xmlns:p16="http://schemas.microsoft.com/office/powerpoint/2015/main" val="1"/>
+              </p:ext>
+            </p:extLst>
+          </p:nvPr>
+        </p:nvSpPr>
+        <p:spPr>
+          <a:xfrm>
+            <a:off x="0" y="0"/>
+            <a:ext cx="9756601" cy="6858000"/>
+          </a:xfrm>
+          <a:prstGeom prst="rect">
+            <a:avLst/>
+          </a:prstGeom>
+          <a:gradFill>
+            <a:gsLst>
+              <a:gs pos="58000">
+                <a:schemeClr val="bg1"/>
+              </a:gs>
+              <a:gs pos="35000">
+                <a:schemeClr val="bg1">
+                  <a:alpha val="79000"/>
+                </a:schemeClr>
+              </a:gs>
+              <a:gs pos="19000">
+                <a:schemeClr val="bg1">
+                  <a:alpha val="38000"/>
+                </a:schemeClr>
+              </a:gs>
+              <a:gs pos="0">
+                <a:schemeClr val="bg1">
+                  <a:alpha val="0"/>
+                </a:schemeClr>
+              </a:gs>
+              <a:gs pos="100000">
+                <a:schemeClr val="bg1"/>
+              </a:gs>
+            </a:gsLst>
+            <a:lin ang="10800000" scaled="0"/>
+          </a:gradFill>
+          <a:ln>
+            <a:noFill/>
+          </a:ln>
+        </p:spPr>
+        <p:style>
+          <a:lnRef idx="2">
+            <a:schemeClr val="accent1">
+              <a:shade val="50000"/>
+            </a:schemeClr>
+          </a:lnRef>
+          <a:fillRef idx="1">
+            <a:schemeClr val="accent1"/>
+          </a:fillRef>
+          <a:effectRef idx="0">
+            <a:schemeClr val="accent1"/>
+          </a:effectRef>
+          <a:fontRef idx="minor">
+            <a:schemeClr val="lt1"/>
+          </a:fontRef>
+        </p:style>
+        <p:txBody>
+          <a:bodyPr rtlCol="0" anchor="ctr"/>
+          <a:lstStyle/>
+          <a:p>
+            <a:pPr algn="ctr"/>
+            <a:endParaRPr lang="en-US" dirty="0"/>
+          </a:p>
+        </p:txBody>
+      </p:sp>
+      <p:sp>
+        <p:nvSpPr>
+          <p:cNvPr id="2" name="Title 1">
+            <a:extLst>
+              <a:ext uri="{FF2B5EF4-FFF2-40B4-BE49-F238E27FC236}">
+                <a16:creationId xmlns:a16="http://schemas.microsoft.com/office/drawing/2014/main" id="{6A709CE8-4692-2504-51CE-55A5A6A47720}"/>
+              </a:ext>
+            </a:extLst>
+          </p:cNvPr>
+          <p:cNvSpPr>
+            <a:spLocks noGrp="1"/>
+          </p:cNvSpPr>
+          <p:nvPr>
+            <p:ph type="title"/>
+          </p:nvPr>
+        </p:nvSpPr>
+        <p:spPr>
+          <a:xfrm>
+            <a:off x="477981" y="1122363"/>
+            <a:ext cx="4023360" cy="3204134"/>
           </a:xfrm>
         </p:spPr>
         <p:txBody>
-          <a:bodyPr>
+          <a:bodyPr vert="horz" lIns="91440" tIns="45720" rIns="91440" bIns="45720" rtlCol="0" anchor="b">
             <a:normAutofit/>
           </a:bodyPr>
           <a:lstStyle/>
           <a:p>
             <a:r>
-              <a:rPr lang="en-GB" sz="3600" b="1" dirty="0"/>
-              <a:t>Table of content</a:t>
-            </a:r>
-          </a:p>
-        </p:txBody>
-      </p:sp>
-      <p:sp>
-        <p:nvSpPr>
-          <p:cNvPr id="3" name="Subtitle 2">
-            <a:extLst>
-              <a:ext uri="{FF2B5EF4-FFF2-40B4-BE49-F238E27FC236}">
-                <a16:creationId xmlns:a16="http://schemas.microsoft.com/office/drawing/2014/main" id="{22AD030D-A528-4C46-840A-D0B76A19935A}"/>
-              </a:ext>
-            </a:extLst>
-          </p:cNvPr>
-          <p:cNvSpPr>
-            <a:spLocks noGrp="1"/>
-          </p:cNvSpPr>
-          <p:nvPr>
-            <p:ph type="subTitle" idx="1"/>
+              <a:rPr lang="en-US" sz="4800"/>
+              <a:t>Thank You</a:t>
+            </a:r>
+          </a:p>
+        </p:txBody>
+      </p:sp>
+      <p:sp>
+        <p:nvSpPr>
+          <p:cNvPr id="12" name="Rectangle 11">
+            <a:extLst>
+              <a:ext uri="{FF2B5EF4-FFF2-40B4-BE49-F238E27FC236}">
+                <a16:creationId xmlns:a16="http://schemas.microsoft.com/office/drawing/2014/main" id="{AF2F604E-43BE-4DC3-B983-E071523364F8}"/>
+              </a:ext>
+              <a:ext uri="{C183D7F6-B498-43B3-948B-1728B52AA6E4}">
+                <adec:decorative xmlns:adec="http://schemas.microsoft.com/office/drawing/2017/decorative" val="1"/>
+              </a:ext>
+            </a:extLst>
+          </p:cNvPr>
+          <p:cNvSpPr>
+            <a:spLocks noGrp="1" noRot="1" noChangeAspect="1" noMove="1" noResize="1" noEditPoints="1" noAdjustHandles="1" noChangeArrowheads="1" noChangeShapeType="1" noTextEdit="1"/>
+          </p:cNvSpPr>
+          <p:nvPr>
+            <p:extLst>
+              <p:ext uri="{386F3935-93C4-4BCD-93E2-E3B085C9AB24}">
+                <p16:designElem xmlns:p16="http://schemas.microsoft.com/office/powerpoint/2015/main" val="1"/>
+              </p:ext>
+            </p:extLst>
+          </p:nvPr>
+        </p:nvSpPr>
+        <p:spPr>
+          <a:xfrm rot="5400000">
+            <a:off x="759921" y="346791"/>
+            <a:ext cx="146304" cy="704088"/>
+          </a:xfrm>
+          <a:prstGeom prst="rect">
+            <a:avLst/>
+          </a:prstGeom>
+          <a:solidFill>
+            <a:schemeClr val="accent2"/>
+          </a:solidFill>
+          <a:ln>
+            <a:noFill/>
+          </a:ln>
+        </p:spPr>
+        <p:style>
+          <a:lnRef idx="2">
+            <a:schemeClr val="accent1">
+              <a:shade val="50000"/>
+            </a:schemeClr>
+          </a:lnRef>
+          <a:fillRef idx="1">
+            <a:schemeClr val="accent1"/>
+          </a:fillRef>
+          <a:effectRef idx="0">
+            <a:schemeClr val="accent1"/>
+          </a:effectRef>
+          <a:fontRef idx="minor">
+            <a:schemeClr val="lt1"/>
+          </a:fontRef>
+        </p:style>
+        <p:txBody>
+          <a:bodyPr rtlCol="0" anchor="ctr"/>
+          <a:lstStyle/>
+          <a:p>
+            <a:pPr algn="ctr"/>
+            <a:endParaRPr lang="en-US">
+              <a:solidFill>
+                <a:prstClr val="white"/>
+              </a:solidFill>
+              <a:latin typeface="Calibri" panose="020F0502020204030204"/>
+            </a:endParaRPr>
+          </a:p>
+        </p:txBody>
+      </p:sp>
+      <p:sp>
+        <p:nvSpPr>
+          <p:cNvPr id="14" name="Rectangle 13">
+            <a:extLst>
+              <a:ext uri="{FF2B5EF4-FFF2-40B4-BE49-F238E27FC236}">
+                <a16:creationId xmlns:a16="http://schemas.microsoft.com/office/drawing/2014/main" id="{08C9B587-E65E-4B52-B37C-ABEBB6E87928}"/>
+              </a:ext>
+              <a:ext uri="{C183D7F6-B498-43B3-948B-1728B52AA6E4}">
+                <adec:decorative xmlns:adec="http://schemas.microsoft.com/office/drawing/2017/decorative" val="1"/>
+              </a:ext>
+            </a:extLst>
+          </p:cNvPr>
+          <p:cNvSpPr>
+            <a:spLocks noGrp="1" noRot="1" noChangeAspect="1" noMove="1" noResize="1" noEditPoints="1" noAdjustHandles="1" noChangeArrowheads="1" noChangeShapeType="1" noTextEdit="1"/>
+          </p:cNvSpPr>
+          <p:nvPr>
+            <p:extLst>
+              <p:ext uri="{386F3935-93C4-4BCD-93E2-E3B085C9AB24}">
+                <p16:designElem xmlns:p16="http://schemas.microsoft.com/office/powerpoint/2015/main" val="1"/>
+              </p:ext>
+            </p:extLst>
           </p:nvPr>
         </p:nvSpPr>
         <p:spPr>
           <a:xfrm>
-            <a:off x="1852613" y="2230435"/>
-            <a:ext cx="8120062" cy="4041778"/>
+            <a:off x="481029" y="4546920"/>
+            <a:ext cx="3977640" cy="18288"/>
+          </a:xfrm>
+          <a:prstGeom prst="rect">
+            <a:avLst/>
+          </a:prstGeom>
+          <a:solidFill>
+            <a:srgbClr val="D5D5D5"/>
+          </a:solidFill>
+          <a:ln w="3175">
+            <a:noFill/>
+          </a:ln>
+          <a:effectLst/>
+        </p:spPr>
+        <p:style>
+          <a:lnRef idx="2">
+            <a:schemeClr val="accent1">
+              <a:shade val="50000"/>
+            </a:schemeClr>
+          </a:lnRef>
+          <a:fillRef idx="1">
+            <a:schemeClr val="accent1"/>
+          </a:fillRef>
+          <a:effectRef idx="0">
+            <a:schemeClr val="accent1"/>
+          </a:effectRef>
+          <a:fontRef idx="minor">
+            <a:schemeClr val="lt1"/>
+          </a:fontRef>
+        </p:style>
+        <p:txBody>
+          <a:bodyPr rtlCol="0" anchor="ctr"/>
+          <a:lstStyle/>
+          <a:p>
+            <a:pPr marL="0" marR="0" lvl="0" indent="0" algn="ctr" defTabSz="914400" rtl="0" eaLnBrk="1" fontAlgn="auto" latinLnBrk="0" hangingPunct="1">
+              <a:lnSpc>
+                <a:spcPct val="100000"/>
+              </a:lnSpc>
+              <a:spcBef>
+                <a:spcPts val="0"/>
+              </a:spcBef>
+              <a:spcAft>
+                <a:spcPts val="0"/>
+              </a:spcAft>
+              <a:buClrTx/>
+              <a:buSzTx/>
+              <a:buFontTx/>
+              <a:buNone/>
+              <a:tabLst/>
+              <a:defRPr/>
+            </a:pPr>
+            <a:endParaRPr kumimoji="0" lang="en-US" sz="1800" b="0" i="0" u="none" strike="noStrike" kern="1200" cap="none" spc="0" normalizeH="0" baseline="0" noProof="0">
+              <a:ln>
+                <a:noFill/>
+              </a:ln>
+              <a:solidFill>
+                <a:prstClr val="white"/>
+              </a:solidFill>
+              <a:effectLst/>
+              <a:uLnTx/>
+              <a:uFillTx/>
+              <a:latin typeface="Calibri" panose="020F0502020204030204"/>
+              <a:ea typeface="+mn-ea"/>
+              <a:cs typeface="+mn-cs"/>
+            </a:endParaRPr>
+          </a:p>
+        </p:txBody>
+      </p:sp>
+    </p:spTree>
+    <p:extLst>
+      <p:ext uri="{BB962C8B-B14F-4D97-AF65-F5344CB8AC3E}">
+        <p14:creationId xmlns:p14="http://schemas.microsoft.com/office/powerpoint/2010/main" val="189617235"/>
+      </p:ext>
+    </p:extLst>
+  </p:cSld>
+  <p:clrMapOvr>
+    <a:masterClrMapping/>
+  </p:clrMapOvr>
+</p:sld>
+</file>
+
+<file path=ppt/slides/slide2.xml><?xml version="1.0" encoding="utf-8"?>
+<p:sld xmlns:a="http://schemas.openxmlformats.org/drawingml/2006/main" xmlns:r="http://schemas.openxmlformats.org/officeDocument/2006/relationships" xmlns:p="http://schemas.openxmlformats.org/presentationml/2006/main">
+  <p:cSld>
+    <p:bg>
+      <p:bgPr>
+        <a:solidFill>
+          <a:schemeClr val="bg1"/>
+        </a:solidFill>
+        <a:effectLst/>
+      </p:bgPr>
+    </p:bg>
+    <p:spTree>
+      <p:nvGrpSpPr>
+        <p:cNvPr id="1" name=""/>
+        <p:cNvGrpSpPr/>
+        <p:nvPr/>
+      </p:nvGrpSpPr>
+      <p:grpSpPr>
+        <a:xfrm>
+          <a:off x="0" y="0"/>
+          <a:ext cx="0" cy="0"/>
+          <a:chOff x="0" y="0"/>
+          <a:chExt cx="0" cy="0"/>
+        </a:xfrm>
+      </p:grpSpPr>
+      <p:sp useBgFill="1">
+        <p:nvSpPr>
+          <p:cNvPr id="8" name="Rectangle 7">
+            <a:extLst>
+              <a:ext uri="{FF2B5EF4-FFF2-40B4-BE49-F238E27FC236}">
+                <a16:creationId xmlns:a16="http://schemas.microsoft.com/office/drawing/2014/main" id="{DBF61EA3-B236-439E-9C0B-340980D56BEE}"/>
+              </a:ext>
+              <a:ext uri="{C183D7F6-B498-43B3-948B-1728B52AA6E4}">
+                <adec:decorative xmlns:adec="http://schemas.microsoft.com/office/drawing/2017/decorative" val="1"/>
+              </a:ext>
+            </a:extLst>
+          </p:cNvPr>
+          <p:cNvSpPr>
+            <a:spLocks noGrp="1" noRot="1" noChangeAspect="1" noMove="1" noResize="1" noEditPoints="1" noAdjustHandles="1" noChangeArrowheads="1" noChangeShapeType="1" noTextEdit="1"/>
+          </p:cNvSpPr>
+          <p:nvPr>
+            <p:extLst>
+              <p:ext uri="{386F3935-93C4-4BCD-93E2-E3B085C9AB24}">
+                <p16:designElem xmlns:p16="http://schemas.microsoft.com/office/powerpoint/2015/main" val="1"/>
+              </p:ext>
+            </p:extLst>
+          </p:nvPr>
+        </p:nvSpPr>
+        <p:spPr>
+          <a:xfrm>
+            <a:off x="0" y="0"/>
+            <a:ext cx="12191999" cy="6857365"/>
+          </a:xfrm>
+          <a:prstGeom prst="rect">
+            <a:avLst/>
+          </a:prstGeom>
+          <a:ln>
+            <a:noFill/>
+          </a:ln>
+        </p:spPr>
+        <p:style>
+          <a:lnRef idx="2">
+            <a:schemeClr val="accent1">
+              <a:shade val="50000"/>
+            </a:schemeClr>
+          </a:lnRef>
+          <a:fillRef idx="1">
+            <a:schemeClr val="accent1"/>
+          </a:fillRef>
+          <a:effectRef idx="0">
+            <a:schemeClr val="accent1"/>
+          </a:effectRef>
+          <a:fontRef idx="minor">
+            <a:schemeClr val="lt1"/>
+          </a:fontRef>
+        </p:style>
+        <p:txBody>
+          <a:bodyPr rtlCol="0" anchor="ctr"/>
+          <a:lstStyle/>
+          <a:p>
+            <a:pPr algn="ctr"/>
+            <a:endParaRPr lang="en-US"/>
+          </a:p>
+        </p:txBody>
+      </p:sp>
+      <p:sp>
+        <p:nvSpPr>
+          <p:cNvPr id="2" name="Title 1">
+            <a:extLst>
+              <a:ext uri="{FF2B5EF4-FFF2-40B4-BE49-F238E27FC236}">
+                <a16:creationId xmlns:a16="http://schemas.microsoft.com/office/drawing/2014/main" id="{61DDA2E0-1EDC-4437-8213-1C7EDD22A259}"/>
+              </a:ext>
+            </a:extLst>
+          </p:cNvPr>
+          <p:cNvSpPr>
+            <a:spLocks noGrp="1"/>
+          </p:cNvSpPr>
+          <p:nvPr>
+            <p:ph type="ctrTitle"/>
+          </p:nvPr>
+        </p:nvSpPr>
+        <p:spPr>
+          <a:xfrm>
+            <a:off x="808638" y="386930"/>
+            <a:ext cx="9236700" cy="1188950"/>
           </a:xfrm>
         </p:spPr>
         <p:txBody>
-          <a:bodyPr>
+          <a:bodyPr vert="horz" lIns="91440" tIns="45720" rIns="91440" bIns="45720" rtlCol="0" anchor="b">
             <a:normAutofit/>
           </a:bodyPr>
           <a:lstStyle/>
           <a:p>
-            <a:pPr marL="342900" indent="-342900" algn="l">
+            <a:pPr algn="l"/>
+            <a:r>
+              <a:rPr lang="en-US" sz="5400" b="1" kern="1200">
+                <a:solidFill>
+                  <a:schemeClr val="tx1"/>
+                </a:solidFill>
+                <a:latin typeface="+mj-lt"/>
+                <a:ea typeface="+mj-ea"/>
+                <a:cs typeface="+mj-cs"/>
+              </a:rPr>
+              <a:t>Table of content</a:t>
+            </a:r>
+          </a:p>
+        </p:txBody>
+      </p:sp>
+      <p:grpSp>
+        <p:nvGrpSpPr>
+          <p:cNvPr id="10" name="Group 9">
+            <a:extLst>
+              <a:ext uri="{FF2B5EF4-FFF2-40B4-BE49-F238E27FC236}">
+                <a16:creationId xmlns:a16="http://schemas.microsoft.com/office/drawing/2014/main" id="{28FAF094-D087-493F-8DF9-A486C2D6BBAA}"/>
+              </a:ext>
+              <a:ext uri="{C183D7F6-B498-43B3-948B-1728B52AA6E4}">
+                <adec:decorative xmlns:adec="http://schemas.microsoft.com/office/drawing/2017/decorative" val="1"/>
+              </a:ext>
+            </a:extLst>
+          </p:cNvPr>
+          <p:cNvGrpSpPr>
+            <a:grpSpLocks noGrp="1" noUngrp="1" noRot="1" noChangeAspect="1" noMove="1" noResize="1"/>
+          </p:cNvGrpSpPr>
+          <p:nvPr>
+            <p:extLst>
+              <p:ext uri="{386F3935-93C4-4BCD-93E2-E3B085C9AB24}">
+                <p16:designElem xmlns:p16="http://schemas.microsoft.com/office/powerpoint/2015/main" val="1"/>
+              </p:ext>
+            </p:extLst>
+          </p:nvPr>
+        </p:nvGrpSpPr>
+        <p:grpSpPr>
+          <a:xfrm>
+            <a:off x="-2" y="1998368"/>
+            <a:ext cx="11695083" cy="782176"/>
+            <a:chOff x="-2" y="1998368"/>
+            <a:chExt cx="11695083" cy="782176"/>
+          </a:xfrm>
+        </p:grpSpPr>
+        <p:sp>
+          <p:nvSpPr>
+            <p:cNvPr id="11" name="Rectangle 10">
+              <a:extLst>
+                <a:ext uri="{FF2B5EF4-FFF2-40B4-BE49-F238E27FC236}">
+                  <a16:creationId xmlns:a16="http://schemas.microsoft.com/office/drawing/2014/main" id="{8D7C88D8-5509-4514-925A-9CE148E5CBD6}"/>
+                </a:ext>
+                <a:ext uri="{C183D7F6-B498-43B3-948B-1728B52AA6E4}">
+                  <adec:decorative xmlns:adec="http://schemas.microsoft.com/office/drawing/2017/decorative" val="1"/>
+                </a:ext>
+              </a:extLst>
+            </p:cNvPr>
+            <p:cNvSpPr/>
+            <p:nvPr>
+              <p:extLst>
+                <p:ext uri="{386F3935-93C4-4BCD-93E2-E3B085C9AB24}">
+                  <p16:designElem xmlns:p16="http://schemas.microsoft.com/office/powerpoint/2015/main" val="1"/>
+                </p:ext>
+              </p:extLst>
+            </p:nvPr>
+          </p:nvSpPr>
+          <p:spPr>
+            <a:xfrm rot="5400000">
+              <a:off x="11228040" y="2313027"/>
+              <a:ext cx="781700" cy="152382"/>
+            </a:xfrm>
+            <a:prstGeom prst="rect">
+              <a:avLst/>
+            </a:prstGeom>
+            <a:solidFill>
+              <a:schemeClr val="accent4"/>
+            </a:solidFill>
+            <a:ln>
+              <a:noFill/>
+            </a:ln>
+          </p:spPr>
+          <p:style>
+            <a:lnRef idx="2">
+              <a:schemeClr val="accent1">
+                <a:shade val="50000"/>
+              </a:schemeClr>
+            </a:lnRef>
+            <a:fillRef idx="1">
+              <a:schemeClr val="accent1"/>
+            </a:fillRef>
+            <a:effectRef idx="0">
+              <a:schemeClr val="accent1"/>
+            </a:effectRef>
+            <a:fontRef idx="minor">
+              <a:schemeClr val="lt1"/>
+            </a:fontRef>
+          </p:style>
+          <p:txBody>
+            <a:bodyPr rtlCol="0" anchor="ctr"/>
+            <a:lstStyle/>
+            <a:p>
+              <a:pPr algn="ctr"/>
+              <a:endParaRPr lang="en-US"/>
+            </a:p>
+          </p:txBody>
+        </p:sp>
+        <p:sp>
+          <p:nvSpPr>
+            <p:cNvPr id="12" name="Rectangle 11">
+              <a:extLst>
+                <a:ext uri="{FF2B5EF4-FFF2-40B4-BE49-F238E27FC236}">
+                  <a16:creationId xmlns:a16="http://schemas.microsoft.com/office/drawing/2014/main" id="{7275593D-F75E-4426-AE3E-2CDEFD228D25}"/>
+                </a:ext>
+                <a:ext uri="{C183D7F6-B498-43B3-948B-1728B52AA6E4}">
+                  <adec:decorative xmlns:adec="http://schemas.microsoft.com/office/drawing/2017/decorative" val="1"/>
+                </a:ext>
+              </a:extLst>
+            </p:cNvPr>
+            <p:cNvSpPr/>
+            <p:nvPr>
+              <p:extLst>
+                <p:ext uri="{386F3935-93C4-4BCD-93E2-E3B085C9AB24}">
+                  <p16:designElem xmlns:p16="http://schemas.microsoft.com/office/powerpoint/2015/main" val="1"/>
+                </p:ext>
+              </p:extLst>
+            </p:nvPr>
+          </p:nvSpPr>
+          <p:spPr>
+            <a:xfrm flipH="1" flipV="1">
+              <a:off x="-2" y="1998845"/>
+              <a:ext cx="11454595" cy="781699"/>
+            </a:xfrm>
+            <a:prstGeom prst="rect">
+              <a:avLst/>
+            </a:prstGeom>
+            <a:solidFill>
+              <a:schemeClr val="accent4"/>
+            </a:solidFill>
+            <a:ln>
+              <a:noFill/>
+            </a:ln>
+          </p:spPr>
+          <p:style>
+            <a:lnRef idx="2">
+              <a:schemeClr val="accent1">
+                <a:shade val="50000"/>
+              </a:schemeClr>
+            </a:lnRef>
+            <a:fillRef idx="1">
+              <a:schemeClr val="accent1"/>
+            </a:fillRef>
+            <a:effectRef idx="0">
+              <a:schemeClr val="accent1"/>
+            </a:effectRef>
+            <a:fontRef idx="minor">
+              <a:schemeClr val="lt1"/>
+            </a:fontRef>
+          </p:style>
+          <p:txBody>
+            <a:bodyPr rtlCol="0" anchor="ctr"/>
+            <a:lstStyle/>
+            <a:p>
+              <a:pPr algn="ctr"/>
+              <a:endParaRPr lang="en-US"/>
+            </a:p>
+          </p:txBody>
+        </p:sp>
+      </p:grpSp>
+      <p:sp>
+        <p:nvSpPr>
+          <p:cNvPr id="14" name="Rectangle 13">
+            <a:extLst>
+              <a:ext uri="{FF2B5EF4-FFF2-40B4-BE49-F238E27FC236}">
+                <a16:creationId xmlns:a16="http://schemas.microsoft.com/office/drawing/2014/main" id="{E659831F-0D9A-4C63-9EBB-8435B85A440F}"/>
+              </a:ext>
+              <a:ext uri="{C183D7F6-B498-43B3-948B-1728B52AA6E4}">
+                <adec:decorative xmlns:adec="http://schemas.microsoft.com/office/drawing/2017/decorative" val="1"/>
+              </a:ext>
+            </a:extLst>
+          </p:cNvPr>
+          <p:cNvSpPr>
+            <a:spLocks noGrp="1" noRot="1" noChangeAspect="1" noMove="1" noResize="1" noEditPoints="1" noAdjustHandles="1" noChangeArrowheads="1" noChangeShapeType="1" noTextEdit="1"/>
+          </p:cNvSpPr>
+          <p:nvPr>
+            <p:extLst>
+              <p:ext uri="{386F3935-93C4-4BCD-93E2-E3B085C9AB24}">
+                <p16:designElem xmlns:p16="http://schemas.microsoft.com/office/powerpoint/2015/main" val="1"/>
+              </p:ext>
+            </p:extLst>
+          </p:nvPr>
+        </p:nvSpPr>
+        <p:spPr>
+          <a:xfrm>
+            <a:off x="0" y="2203079"/>
+            <a:ext cx="11383362" cy="4147845"/>
+          </a:xfrm>
+          <a:prstGeom prst="rect">
+            <a:avLst/>
+          </a:prstGeom>
+          <a:solidFill>
+            <a:schemeClr val="bg1"/>
+          </a:solidFill>
+          <a:ln>
+            <a:noFill/>
+          </a:ln>
+          <a:effectLst>
+            <a:outerShdw blurRad="139700" dist="127000" dir="5400000" algn="t" rotWithShape="0">
+              <a:prstClr val="black">
+                <a:alpha val="15000"/>
+              </a:prstClr>
+            </a:outerShdw>
+          </a:effectLst>
+        </p:spPr>
+        <p:style>
+          <a:lnRef idx="2">
+            <a:schemeClr val="accent1">
+              <a:shade val="50000"/>
+            </a:schemeClr>
+          </a:lnRef>
+          <a:fillRef idx="1">
+            <a:schemeClr val="accent1"/>
+          </a:fillRef>
+          <a:effectRef idx="0">
+            <a:schemeClr val="accent1"/>
+          </a:effectRef>
+          <a:fontRef idx="minor">
+            <a:schemeClr val="lt1"/>
+          </a:fontRef>
+        </p:style>
+        <p:txBody>
+          <a:bodyPr rtlCol="0" anchor="ctr"/>
+          <a:lstStyle/>
+          <a:p>
+            <a:pPr algn="ctr"/>
+            <a:endParaRPr lang="en-US"/>
+          </a:p>
+        </p:txBody>
+      </p:sp>
+      <p:sp>
+        <p:nvSpPr>
+          <p:cNvPr id="3" name="Subtitle 2">
+            <a:extLst>
+              <a:ext uri="{FF2B5EF4-FFF2-40B4-BE49-F238E27FC236}">
+                <a16:creationId xmlns:a16="http://schemas.microsoft.com/office/drawing/2014/main" id="{22AD030D-A528-4C46-840A-D0B76A19935A}"/>
+              </a:ext>
+            </a:extLst>
+          </p:cNvPr>
+          <p:cNvSpPr>
+            <a:spLocks noGrp="1"/>
+          </p:cNvSpPr>
+          <p:nvPr>
+            <p:ph type="subTitle" idx="1"/>
+          </p:nvPr>
+        </p:nvSpPr>
+        <p:spPr>
+          <a:xfrm>
+            <a:off x="793660" y="2288613"/>
+            <a:ext cx="10143668" cy="3435531"/>
+          </a:xfrm>
+        </p:spPr>
+        <p:txBody>
+          <a:bodyPr vert="horz" lIns="91440" tIns="45720" rIns="91440" bIns="45720" rtlCol="0" anchor="ctr">
+            <a:normAutofit/>
+          </a:bodyPr>
+          <a:lstStyle/>
+          <a:p>
+            <a:pPr marL="342900" indent="-228600" algn="l">
               <a:buFont typeface="Arial" panose="020B0604020202020204" pitchFamily="34" charset="0"/>
               <a:buChar char="•"/>
             </a:pPr>
             <a:r>
-              <a:rPr lang="en-GB" dirty="0"/>
-              <a:t>Introduction of graph</a:t>
-            </a:r>
-          </a:p>
-          <a:p>
-            <a:pPr marL="342900" indent="-342900" algn="l">
+              <a:rPr lang="en-US" dirty="0"/>
+              <a:t>Introduction Of Graph</a:t>
+            </a:r>
+          </a:p>
+          <a:p>
+            <a:pPr marL="342900" indent="-228600" algn="l">
               <a:buFont typeface="Arial" panose="020B0604020202020204" pitchFamily="34" charset="0"/>
               <a:buChar char="•"/>
             </a:pPr>
             <a:r>
-              <a:rPr lang="en-GB" dirty="0"/>
-              <a:t>Types of graph</a:t>
-            </a:r>
-          </a:p>
-          <a:p>
-            <a:pPr marL="342900" indent="-342900" algn="l">
+              <a:rPr lang="en-US" dirty="0"/>
+              <a:t>Types Of Graph</a:t>
+            </a:r>
+          </a:p>
+          <a:p>
+            <a:pPr marL="342900" indent="-228600" algn="l">
               <a:buFont typeface="Arial" panose="020B0604020202020204" pitchFamily="34" charset="0"/>
               <a:buChar char="•"/>
             </a:pPr>
             <a:r>
-              <a:rPr lang="en-GB" dirty="0"/>
-              <a:t>Terminologies of graph</a:t>
-            </a:r>
-          </a:p>
-          <a:p>
-            <a:pPr marL="342900" indent="-342900" algn="l">
+              <a:rPr lang="en-US" dirty="0"/>
+              <a:t>Terminologies Of Graph</a:t>
+            </a:r>
+          </a:p>
+          <a:p>
+            <a:pPr marL="342900" indent="-228600" algn="l">
               <a:buFont typeface="Arial" panose="020B0604020202020204" pitchFamily="34" charset="0"/>
               <a:buChar char="•"/>
             </a:pPr>
             <a:r>
-              <a:rPr lang="en-GB" dirty="0"/>
-              <a:t>Graph representation</a:t>
-            </a:r>
-          </a:p>
-          <a:p>
-            <a:pPr marL="342900" indent="-342900" algn="l">
+              <a:rPr lang="en-US" dirty="0"/>
+              <a:t>Graph Representation</a:t>
+            </a:r>
+          </a:p>
+          <a:p>
+            <a:pPr marL="342900" indent="-228600" algn="l">
               <a:buFont typeface="Arial" panose="020B0604020202020204" pitchFamily="34" charset="0"/>
               <a:buChar char="•"/>
             </a:pPr>
             <a:r>
-              <a:rPr lang="en-GB" dirty="0"/>
-              <a:t>Applications of graph</a:t>
-            </a:r>
-          </a:p>
-          <a:p>
-            <a:pPr marL="342900" indent="-342900" algn="l">
+              <a:rPr lang="en-US" dirty="0"/>
+              <a:t>Applications Of Graph</a:t>
+            </a:r>
+          </a:p>
+          <a:p>
+            <a:pPr marL="342900" indent="-228600" algn="l">
               <a:buFont typeface="Arial" panose="020B0604020202020204" pitchFamily="34" charset="0"/>
               <a:buChar char="•"/>
             </a:pPr>
-            <a:endParaRPr lang="en-GB" dirty="0"/>
-          </a:p>
-          <a:p>
-            <a:pPr marL="342900" indent="-342900" algn="l">
+            <a:endParaRPr lang="en-US" dirty="0"/>
+          </a:p>
+          <a:p>
+            <a:pPr marL="342900" indent="-228600" algn="l">
               <a:buFont typeface="Arial" panose="020B0604020202020204" pitchFamily="34" charset="0"/>
               <a:buChar char="•"/>
             </a:pPr>
-            <a:endParaRPr lang="en-GB" dirty="0"/>
+            <a:endParaRPr lang="en-US" dirty="0"/>
           </a:p>
         </p:txBody>
       </p:sp>
@@ -5092,6 +6936,14 @@
 <file path=ppt/slides/slide3.xml><?xml version="1.0" encoding="utf-8"?>
 <p:sld xmlns:a="http://schemas.openxmlformats.org/drawingml/2006/main" xmlns:r="http://schemas.openxmlformats.org/officeDocument/2006/relationships" xmlns:p="http://schemas.openxmlformats.org/presentationml/2006/main">
   <p:cSld>
+    <p:bg>
+      <p:bgPr>
+        <a:solidFill>
+          <a:schemeClr val="bg1"/>
+        </a:solidFill>
+        <a:effectLst/>
+      </p:bgPr>
+    </p:bg>
     <p:spTree>
       <p:nvGrpSpPr>
         <p:cNvPr id="1" name=""/>
@@ -5106,37 +6958,432 @@
           <a:chExt cx="0" cy="0"/>
         </a:xfrm>
       </p:grpSpPr>
-      <p:sp>
-        <p:nvSpPr>
-          <p:cNvPr id="2" name="Title 1">
-            <a:extLst>
-              <a:ext uri="{FF2B5EF4-FFF2-40B4-BE49-F238E27FC236}">
-                <a16:creationId xmlns:a16="http://schemas.microsoft.com/office/drawing/2014/main" id="{61DDA2E0-1EDC-4437-8213-1C7EDD22A259}"/>
-              </a:ext>
-            </a:extLst>
-          </p:cNvPr>
-          <p:cNvSpPr>
-            <a:spLocks noGrp="1"/>
-          </p:cNvSpPr>
-          <p:nvPr>
-            <p:ph type="ctrTitle"/>
+      <p:sp useBgFill="1">
+        <p:nvSpPr>
+          <p:cNvPr id="1031" name="Rectangle 1030">
+            <a:extLst>
+              <a:ext uri="{FF2B5EF4-FFF2-40B4-BE49-F238E27FC236}">
+                <a16:creationId xmlns:a16="http://schemas.microsoft.com/office/drawing/2014/main" id="{5DCB5928-DC7D-4612-9922-441966E15627}"/>
+              </a:ext>
+              <a:ext uri="{C183D7F6-B498-43B3-948B-1728B52AA6E4}">
+                <adec:decorative xmlns:adec="http://schemas.microsoft.com/office/drawing/2017/decorative" val="1"/>
+              </a:ext>
+            </a:extLst>
+          </p:cNvPr>
+          <p:cNvSpPr>
+            <a:spLocks noGrp="1" noRot="1" noChangeAspect="1" noMove="1" noResize="1" noEditPoints="1" noAdjustHandles="1" noChangeArrowheads="1" noChangeShapeType="1" noTextEdit="1"/>
+          </p:cNvSpPr>
+          <p:nvPr>
+            <p:extLst>
+              <p:ext uri="{386F3935-93C4-4BCD-93E2-E3B085C9AB24}">
+                <p16:designElem xmlns:p16="http://schemas.microsoft.com/office/powerpoint/2015/main" val="1"/>
+              </p:ext>
+            </p:extLst>
           </p:nvPr>
         </p:nvSpPr>
         <p:spPr>
           <a:xfrm>
-            <a:off x="909638" y="602452"/>
-            <a:ext cx="7577138" cy="623891"/>
+            <a:off x="0" y="0"/>
+            <a:ext cx="12192000" cy="6858000"/>
+          </a:xfrm>
+          <a:prstGeom prst="rect">
+            <a:avLst/>
+          </a:prstGeom>
+          <a:ln>
+            <a:noFill/>
+          </a:ln>
+        </p:spPr>
+        <p:style>
+          <a:lnRef idx="2">
+            <a:schemeClr val="accent1">
+              <a:shade val="50000"/>
+            </a:schemeClr>
+          </a:lnRef>
+          <a:fillRef idx="1">
+            <a:schemeClr val="accent1"/>
+          </a:fillRef>
+          <a:effectRef idx="0">
+            <a:schemeClr val="accent1"/>
+          </a:effectRef>
+          <a:fontRef idx="minor">
+            <a:schemeClr val="lt1"/>
+          </a:fontRef>
+        </p:style>
+        <p:txBody>
+          <a:bodyPr rtlCol="0" anchor="ctr"/>
+          <a:lstStyle/>
+          <a:p>
+            <a:pPr algn="ctr"/>
+            <a:endParaRPr lang="en-US"/>
+          </a:p>
+        </p:txBody>
+      </p:sp>
+      <p:sp useBgFill="1">
+        <p:nvSpPr>
+          <p:cNvPr id="1033" name="Freeform: Shape 1032">
+            <a:extLst>
+              <a:ext uri="{FF2B5EF4-FFF2-40B4-BE49-F238E27FC236}">
+                <a16:creationId xmlns:a16="http://schemas.microsoft.com/office/drawing/2014/main" id="{682C1161-1736-45EC-99B7-33F3CAE9D517}"/>
+              </a:ext>
+              <a:ext uri="{C183D7F6-B498-43B3-948B-1728B52AA6E4}">
+                <adec:decorative xmlns:adec="http://schemas.microsoft.com/office/drawing/2017/decorative" val="1"/>
+              </a:ext>
+            </a:extLst>
+          </p:cNvPr>
+          <p:cNvSpPr>
+            <a:spLocks noGrp="1" noRot="1" noChangeAspect="1" noMove="1" noResize="1" noEditPoints="1" noAdjustHandles="1" noChangeArrowheads="1" noChangeShapeType="1" noTextEdit="1"/>
+          </p:cNvSpPr>
+          <p:nvPr>
+            <p:extLst>
+              <p:ext uri="{386F3935-93C4-4BCD-93E2-E3B085C9AB24}">
+                <p16:designElem xmlns:p16="http://schemas.microsoft.com/office/powerpoint/2015/main" val="1"/>
+              </p:ext>
+            </p:extLst>
+          </p:nvPr>
+        </p:nvSpPr>
+        <p:spPr>
+          <a:xfrm>
+            <a:off x="0" y="0"/>
+            <a:ext cx="4959047" cy="6858000"/>
+          </a:xfrm>
+          <a:custGeom>
+            <a:avLst/>
+            <a:gdLst>
+              <a:gd name="connsiteX0" fmla="*/ 0 w 4959047"/>
+              <a:gd name="connsiteY0" fmla="*/ 0 h 6858000"/>
+              <a:gd name="connsiteX1" fmla="*/ 4110127 w 4959047"/>
+              <a:gd name="connsiteY1" fmla="*/ 0 h 6858000"/>
+              <a:gd name="connsiteX2" fmla="*/ 4179024 w 4959047"/>
+              <a:gd name="connsiteY2" fmla="*/ 123368 h 6858000"/>
+              <a:gd name="connsiteX3" fmla="*/ 4959047 w 4959047"/>
+              <a:gd name="connsiteY3" fmla="*/ 3429000 h 6858000"/>
+              <a:gd name="connsiteX4" fmla="*/ 4179024 w 4959047"/>
+              <a:gd name="connsiteY4" fmla="*/ 6734633 h 6858000"/>
+              <a:gd name="connsiteX5" fmla="*/ 4110127 w 4959047"/>
+              <a:gd name="connsiteY5" fmla="*/ 6858000 h 6858000"/>
+              <a:gd name="connsiteX6" fmla="*/ 0 w 4959047"/>
+              <a:gd name="connsiteY6" fmla="*/ 6858000 h 6858000"/>
+            </a:gdLst>
+            <a:ahLst/>
+            <a:cxnLst>
+              <a:cxn ang="0">
+                <a:pos x="connsiteX0" y="connsiteY0"/>
+              </a:cxn>
+              <a:cxn ang="0">
+                <a:pos x="connsiteX1" y="connsiteY1"/>
+              </a:cxn>
+              <a:cxn ang="0">
+                <a:pos x="connsiteX2" y="connsiteY2"/>
+              </a:cxn>
+              <a:cxn ang="0">
+                <a:pos x="connsiteX3" y="connsiteY3"/>
+              </a:cxn>
+              <a:cxn ang="0">
+                <a:pos x="connsiteX4" y="connsiteY4"/>
+              </a:cxn>
+              <a:cxn ang="0">
+                <a:pos x="connsiteX5" y="connsiteY5"/>
+              </a:cxn>
+              <a:cxn ang="0">
+                <a:pos x="connsiteX6" y="connsiteY6"/>
+              </a:cxn>
+            </a:cxnLst>
+            <a:rect l="l" t="t" r="r" b="b"/>
+            <a:pathLst>
+              <a:path w="4959047" h="6858000">
+                <a:moveTo>
+                  <a:pt x="0" y="0"/>
+                </a:moveTo>
+                <a:lnTo>
+                  <a:pt x="4110127" y="0"/>
+                </a:lnTo>
+                <a:lnTo>
+                  <a:pt x="4179024" y="123368"/>
+                </a:lnTo>
+                <a:cubicBezTo>
+                  <a:pt x="4668929" y="1045156"/>
+                  <a:pt x="4959047" y="2189404"/>
+                  <a:pt x="4959047" y="3429000"/>
+                </a:cubicBezTo>
+                <a:cubicBezTo>
+                  <a:pt x="4959047" y="4668597"/>
+                  <a:pt x="4668929" y="5812845"/>
+                  <a:pt x="4179024" y="6734633"/>
+                </a:cubicBezTo>
+                <a:lnTo>
+                  <a:pt x="4110127" y="6858000"/>
+                </a:lnTo>
+                <a:lnTo>
+                  <a:pt x="0" y="6858000"/>
+                </a:lnTo>
+                <a:close/>
+              </a:path>
+            </a:pathLst>
+          </a:custGeom>
+          <a:ln w="9525">
+            <a:solidFill>
+              <a:srgbClr val="E6E6E6"/>
+            </a:solidFill>
+          </a:ln>
+          <a:effectLst>
+            <a:outerShdw blurRad="76200" dist="38100" algn="l" rotWithShape="0">
+              <a:schemeClr val="bg1">
+                <a:lumMod val="85000"/>
+                <a:alpha val="50000"/>
+              </a:schemeClr>
+            </a:outerShdw>
+          </a:effectLst>
+        </p:spPr>
+        <p:style>
+          <a:lnRef idx="2">
+            <a:schemeClr val="accent1">
+              <a:shade val="50000"/>
+            </a:schemeClr>
+          </a:lnRef>
+          <a:fillRef idx="1">
+            <a:schemeClr val="accent1"/>
+          </a:fillRef>
+          <a:effectRef idx="0">
+            <a:schemeClr val="accent1"/>
+          </a:effectRef>
+          <a:fontRef idx="minor">
+            <a:schemeClr val="lt1"/>
+          </a:fontRef>
+        </p:style>
+        <p:txBody>
+          <a:bodyPr wrap="square" rtlCol="0" anchor="ctr">
+            <a:noAutofit/>
+          </a:bodyPr>
+          <a:lstStyle/>
+          <a:p>
+            <a:pPr marL="0" marR="0" lvl="0" indent="0" algn="ctr" defTabSz="914400" rtl="0" eaLnBrk="1" fontAlgn="auto" latinLnBrk="0" hangingPunct="1">
+              <a:lnSpc>
+                <a:spcPct val="100000"/>
+              </a:lnSpc>
+              <a:spcBef>
+                <a:spcPts val="0"/>
+              </a:spcBef>
+              <a:spcAft>
+                <a:spcPts val="0"/>
+              </a:spcAft>
+              <a:buClrTx/>
+              <a:buSzTx/>
+              <a:buFontTx/>
+              <a:buNone/>
+              <a:tabLst/>
+              <a:defRPr/>
+            </a:pPr>
+            <a:endParaRPr kumimoji="0" lang="en-US" sz="1800" b="0" i="0" u="none" strike="noStrike" kern="1200" cap="none" spc="0" normalizeH="0" baseline="0" noProof="0">
+              <a:ln>
+                <a:noFill/>
+              </a:ln>
+              <a:solidFill>
+                <a:prstClr val="white"/>
+              </a:solidFill>
+              <a:effectLst/>
+              <a:uLnTx/>
+              <a:uFillTx/>
+              <a:latin typeface="Calibri" panose="020F0502020204030204"/>
+              <a:ea typeface="+mn-ea"/>
+              <a:cs typeface="+mn-cs"/>
+            </a:endParaRPr>
+          </a:p>
+        </p:txBody>
+      </p:sp>
+      <p:sp useBgFill="1">
+        <p:nvSpPr>
+          <p:cNvPr id="1035" name="Freeform: Shape 1034">
+            <a:extLst>
+              <a:ext uri="{FF2B5EF4-FFF2-40B4-BE49-F238E27FC236}">
+                <a16:creationId xmlns:a16="http://schemas.microsoft.com/office/drawing/2014/main" id="{84D4DDB8-B68F-45B0-9F62-C4279996F672}"/>
+              </a:ext>
+              <a:ext uri="{C183D7F6-B498-43B3-948B-1728B52AA6E4}">
+                <adec:decorative xmlns:adec="http://schemas.microsoft.com/office/drawing/2017/decorative" val="1"/>
+              </a:ext>
+            </a:extLst>
+          </p:cNvPr>
+          <p:cNvSpPr>
+            <a:spLocks noGrp="1" noRot="1" noChangeAspect="1" noMove="1" noResize="1" noEditPoints="1" noAdjustHandles="1" noChangeArrowheads="1" noChangeShapeType="1" noTextEdit="1"/>
+          </p:cNvSpPr>
+          <p:nvPr>
+            <p:extLst>
+              <p:ext uri="{386F3935-93C4-4BCD-93E2-E3B085C9AB24}">
+                <p16:designElem xmlns:p16="http://schemas.microsoft.com/office/powerpoint/2015/main" val="1"/>
+              </p:ext>
+            </p:extLst>
+          </p:nvPr>
+        </p:nvSpPr>
+        <p:spPr>
+          <a:xfrm>
+            <a:off x="0" y="0"/>
+            <a:ext cx="4948887" cy="6858000"/>
+          </a:xfrm>
+          <a:custGeom>
+            <a:avLst/>
+            <a:gdLst>
+              <a:gd name="connsiteX0" fmla="*/ 0 w 4948887"/>
+              <a:gd name="connsiteY0" fmla="*/ 0 h 6858000"/>
+              <a:gd name="connsiteX1" fmla="*/ 4099967 w 4948887"/>
+              <a:gd name="connsiteY1" fmla="*/ 0 h 6858000"/>
+              <a:gd name="connsiteX2" fmla="*/ 4168864 w 4948887"/>
+              <a:gd name="connsiteY2" fmla="*/ 123368 h 6858000"/>
+              <a:gd name="connsiteX3" fmla="*/ 4948887 w 4948887"/>
+              <a:gd name="connsiteY3" fmla="*/ 3429000 h 6858000"/>
+              <a:gd name="connsiteX4" fmla="*/ 4168864 w 4948887"/>
+              <a:gd name="connsiteY4" fmla="*/ 6734633 h 6858000"/>
+              <a:gd name="connsiteX5" fmla="*/ 4099967 w 4948887"/>
+              <a:gd name="connsiteY5" fmla="*/ 6858000 h 6858000"/>
+              <a:gd name="connsiteX6" fmla="*/ 0 w 4948887"/>
+              <a:gd name="connsiteY6" fmla="*/ 6858000 h 6858000"/>
+            </a:gdLst>
+            <a:ahLst/>
+            <a:cxnLst>
+              <a:cxn ang="0">
+                <a:pos x="connsiteX0" y="connsiteY0"/>
+              </a:cxn>
+              <a:cxn ang="0">
+                <a:pos x="connsiteX1" y="connsiteY1"/>
+              </a:cxn>
+              <a:cxn ang="0">
+                <a:pos x="connsiteX2" y="connsiteY2"/>
+              </a:cxn>
+              <a:cxn ang="0">
+                <a:pos x="connsiteX3" y="connsiteY3"/>
+              </a:cxn>
+              <a:cxn ang="0">
+                <a:pos x="connsiteX4" y="connsiteY4"/>
+              </a:cxn>
+              <a:cxn ang="0">
+                <a:pos x="connsiteX5" y="connsiteY5"/>
+              </a:cxn>
+              <a:cxn ang="0">
+                <a:pos x="connsiteX6" y="connsiteY6"/>
+              </a:cxn>
+            </a:cxnLst>
+            <a:rect l="l" t="t" r="r" b="b"/>
+            <a:pathLst>
+              <a:path w="4948887" h="6858000">
+                <a:moveTo>
+                  <a:pt x="0" y="0"/>
+                </a:moveTo>
+                <a:lnTo>
+                  <a:pt x="4099967" y="0"/>
+                </a:lnTo>
+                <a:lnTo>
+                  <a:pt x="4168864" y="123368"/>
+                </a:lnTo>
+                <a:cubicBezTo>
+                  <a:pt x="4658769" y="1045156"/>
+                  <a:pt x="4948887" y="2189404"/>
+                  <a:pt x="4948887" y="3429000"/>
+                </a:cubicBezTo>
+                <a:cubicBezTo>
+                  <a:pt x="4948887" y="4668597"/>
+                  <a:pt x="4658769" y="5812845"/>
+                  <a:pt x="4168864" y="6734633"/>
+                </a:cubicBezTo>
+                <a:lnTo>
+                  <a:pt x="4099967" y="6858000"/>
+                </a:lnTo>
+                <a:lnTo>
+                  <a:pt x="0" y="6858000"/>
+                </a:lnTo>
+                <a:close/>
+              </a:path>
+            </a:pathLst>
+          </a:custGeom>
+          <a:ln w="9525">
+            <a:noFill/>
+          </a:ln>
+          <a:effectLst/>
+        </p:spPr>
+        <p:style>
+          <a:lnRef idx="2">
+            <a:schemeClr val="accent1">
+              <a:shade val="50000"/>
+            </a:schemeClr>
+          </a:lnRef>
+          <a:fillRef idx="1">
+            <a:schemeClr val="accent1"/>
+          </a:fillRef>
+          <a:effectRef idx="0">
+            <a:schemeClr val="accent1"/>
+          </a:effectRef>
+          <a:fontRef idx="minor">
+            <a:schemeClr val="lt1"/>
+          </a:fontRef>
+        </p:style>
+        <p:txBody>
+          <a:bodyPr wrap="square" rtlCol="0" anchor="ctr">
+            <a:noAutofit/>
+          </a:bodyPr>
+          <a:lstStyle/>
+          <a:p>
+            <a:pPr marL="0" marR="0" lvl="0" indent="0" algn="ctr" defTabSz="914400" rtl="0" eaLnBrk="1" fontAlgn="auto" latinLnBrk="0" hangingPunct="1">
+              <a:lnSpc>
+                <a:spcPct val="100000"/>
+              </a:lnSpc>
+              <a:spcBef>
+                <a:spcPts val="0"/>
+              </a:spcBef>
+              <a:spcAft>
+                <a:spcPts val="0"/>
+              </a:spcAft>
+              <a:buClrTx/>
+              <a:buSzTx/>
+              <a:buFontTx/>
+              <a:buNone/>
+              <a:tabLst/>
+              <a:defRPr/>
+            </a:pPr>
+            <a:endParaRPr kumimoji="0" lang="en-US" sz="1800" b="0" i="0" u="none" strike="noStrike" kern="1200" cap="none" spc="0" normalizeH="0" baseline="0" noProof="0">
+              <a:ln>
+                <a:noFill/>
+              </a:ln>
+              <a:solidFill>
+                <a:prstClr val="white"/>
+              </a:solidFill>
+              <a:effectLst/>
+              <a:uLnTx/>
+              <a:uFillTx/>
+              <a:latin typeface="Calibri" panose="020F0502020204030204"/>
+              <a:ea typeface="+mn-ea"/>
+              <a:cs typeface="+mn-cs"/>
+            </a:endParaRPr>
+          </a:p>
+        </p:txBody>
+      </p:sp>
+      <p:sp>
+        <p:nvSpPr>
+          <p:cNvPr id="2" name="Title 1">
+            <a:extLst>
+              <a:ext uri="{FF2B5EF4-FFF2-40B4-BE49-F238E27FC236}">
+                <a16:creationId xmlns:a16="http://schemas.microsoft.com/office/drawing/2014/main" id="{61DDA2E0-1EDC-4437-8213-1C7EDD22A259}"/>
+              </a:ext>
+            </a:extLst>
+          </p:cNvPr>
+          <p:cNvSpPr>
+            <a:spLocks noGrp="1"/>
+          </p:cNvSpPr>
+          <p:nvPr>
+            <p:ph type="ctrTitle"/>
+          </p:nvPr>
+        </p:nvSpPr>
+        <p:spPr>
+          <a:xfrm>
+            <a:off x="477981" y="1122363"/>
+            <a:ext cx="4023360" cy="3204134"/>
           </a:xfrm>
         </p:spPr>
         <p:txBody>
-          <a:bodyPr>
+          <a:bodyPr anchor="b">
             <a:normAutofit/>
           </a:bodyPr>
           <a:lstStyle/>
           <a:p>
             <a:pPr algn="l"/>
             <a:r>
-              <a:rPr lang="en-GB" sz="3600" b="1" dirty="0"/>
+              <a:rPr lang="en-GB" sz="4800" b="1"/>
               <a:t>What is Graph Data Structure?</a:t>
             </a:r>
           </a:p>
@@ -5160,8 +7407,8 @@
         </p:nvSpPr>
         <p:spPr>
           <a:xfrm>
-            <a:off x="909638" y="1708084"/>
-            <a:ext cx="10677525" cy="2970212"/>
+            <a:off x="477981" y="4872922"/>
+            <a:ext cx="3933306" cy="1208141"/>
           </a:xfrm>
         </p:spPr>
         <p:txBody>
@@ -5175,62 +7422,211 @@
               <a:buChar char="•"/>
             </a:pPr>
             <a:r>
-              <a:rPr lang="en-GB" sz="2000" dirty="0"/>
+              <a:rPr lang="en-GB" sz="1100" dirty="0"/>
               <a:t>Graph is a </a:t>
             </a:r>
             <a:r>
-              <a:rPr lang="en-GB" sz="2000" b="1" dirty="0"/>
+              <a:rPr lang="en-GB" sz="1100" b="1" dirty="0"/>
               <a:t>non-linear data structure </a:t>
             </a:r>
             <a:r>
-              <a:rPr lang="en-GB" sz="2000" dirty="0"/>
+              <a:rPr lang="en-GB" sz="1100" dirty="0"/>
               <a:t>consisting of vertices and edges. The vertices are sometimes also referred to as </a:t>
             </a:r>
             <a:r>
-              <a:rPr lang="en-GB" sz="2000" b="1" dirty="0"/>
+              <a:rPr lang="en-GB" sz="1100" b="1" dirty="0"/>
               <a:t>nodes</a:t>
             </a:r>
             <a:r>
-              <a:rPr lang="en-GB" sz="2000" dirty="0"/>
+              <a:rPr lang="en-GB" sz="1100" dirty="0"/>
               <a:t> and the edges are lines that connect any two nodes in the graph. More formally a Graph is composed of a set of vertices </a:t>
             </a:r>
             <a:r>
-              <a:rPr lang="en-GB" sz="2000" b="1" dirty="0">
-                <a:solidFill>
-                  <a:srgbClr val="FF0000"/>
-                </a:solidFill>
-              </a:rPr>
+              <a:rPr lang="en-GB" sz="1100" b="1" dirty="0"/>
               <a:t>( V ) </a:t>
             </a:r>
             <a:r>
-              <a:rPr lang="en-GB" sz="2000" dirty="0"/>
+              <a:rPr lang="en-GB" sz="1100" dirty="0"/>
               <a:t>and a set of edges </a:t>
             </a:r>
             <a:r>
-              <a:rPr lang="en-GB" sz="2000" b="1" dirty="0">
-                <a:solidFill>
-                  <a:srgbClr val="FF0000"/>
-                </a:solidFill>
-              </a:rPr>
+              <a:rPr lang="en-GB" sz="1100" b="1" dirty="0"/>
               <a:t>( E )</a:t>
             </a:r>
             <a:r>
-              <a:rPr lang="en-GB" sz="2000" dirty="0"/>
+              <a:rPr lang="en-GB" sz="1100" dirty="0"/>
               <a:t>. The graph is denoted by </a:t>
             </a:r>
             <a:r>
-              <a:rPr lang="en-GB" sz="2000" b="1" dirty="0">
-                <a:solidFill>
-                  <a:srgbClr val="FF0000"/>
-                </a:solidFill>
-              </a:rPr>
+              <a:rPr lang="en-GB" sz="1100" b="1" dirty="0"/>
               <a:t>G(V, E)</a:t>
             </a:r>
             <a:r>
-              <a:rPr lang="en-GB" sz="2000" dirty="0"/>
+              <a:rPr lang="en-GB" sz="1100" dirty="0"/>
               <a:t>.</a:t>
             </a:r>
-            <a:endParaRPr lang="en-GB" sz="2000" b="1" dirty="0"/>
+            <a:endParaRPr lang="en-GB" sz="1100" b="1" dirty="0"/>
+          </a:p>
+        </p:txBody>
+      </p:sp>
+      <p:sp>
+        <p:nvSpPr>
+          <p:cNvPr id="1037" name="Rectangle 1036">
+            <a:extLst>
+              <a:ext uri="{FF2B5EF4-FFF2-40B4-BE49-F238E27FC236}">
+                <a16:creationId xmlns:a16="http://schemas.microsoft.com/office/drawing/2014/main" id="{AF2F604E-43BE-4DC3-B983-E071523364F8}"/>
+              </a:ext>
+              <a:ext uri="{C183D7F6-B498-43B3-948B-1728B52AA6E4}">
+                <adec:decorative xmlns:adec="http://schemas.microsoft.com/office/drawing/2017/decorative" val="1"/>
+              </a:ext>
+            </a:extLst>
+          </p:cNvPr>
+          <p:cNvSpPr>
+            <a:spLocks noGrp="1" noRot="1" noChangeAspect="1" noMove="1" noResize="1" noEditPoints="1" noAdjustHandles="1" noChangeArrowheads="1" noChangeShapeType="1" noTextEdit="1"/>
+          </p:cNvSpPr>
+          <p:nvPr>
+            <p:extLst>
+              <p:ext uri="{386F3935-93C4-4BCD-93E2-E3B085C9AB24}">
+                <p16:designElem xmlns:p16="http://schemas.microsoft.com/office/powerpoint/2015/main" val="1"/>
+              </p:ext>
+            </p:extLst>
+          </p:nvPr>
+        </p:nvSpPr>
+        <p:spPr>
+          <a:xfrm rot="5400000">
+            <a:off x="759921" y="346791"/>
+            <a:ext cx="146304" cy="704088"/>
+          </a:xfrm>
+          <a:prstGeom prst="rect">
+            <a:avLst/>
+          </a:prstGeom>
+          <a:solidFill>
+            <a:schemeClr val="accent2"/>
+          </a:solidFill>
+          <a:ln>
+            <a:noFill/>
+          </a:ln>
+        </p:spPr>
+        <p:style>
+          <a:lnRef idx="2">
+            <a:schemeClr val="accent1">
+              <a:shade val="50000"/>
+            </a:schemeClr>
+          </a:lnRef>
+          <a:fillRef idx="1">
+            <a:schemeClr val="accent1"/>
+          </a:fillRef>
+          <a:effectRef idx="0">
+            <a:schemeClr val="accent1"/>
+          </a:effectRef>
+          <a:fontRef idx="minor">
+            <a:schemeClr val="lt1"/>
+          </a:fontRef>
+        </p:style>
+        <p:txBody>
+          <a:bodyPr rtlCol="0" anchor="ctr"/>
+          <a:lstStyle/>
+          <a:p>
+            <a:pPr algn="ctr"/>
+            <a:endParaRPr lang="en-US">
+              <a:solidFill>
+                <a:prstClr val="white"/>
+              </a:solidFill>
+              <a:latin typeface="Calibri" panose="020F0502020204030204"/>
+            </a:endParaRPr>
+          </a:p>
+        </p:txBody>
+      </p:sp>
+      <p:sp>
+        <p:nvSpPr>
+          <p:cNvPr id="1039" name="Rectangle 1038">
+            <a:extLst>
+              <a:ext uri="{FF2B5EF4-FFF2-40B4-BE49-F238E27FC236}">
+                <a16:creationId xmlns:a16="http://schemas.microsoft.com/office/drawing/2014/main" id="{08C9B587-E65E-4B52-B37C-ABEBB6E87928}"/>
+              </a:ext>
+              <a:ext uri="{C183D7F6-B498-43B3-948B-1728B52AA6E4}">
+                <adec:decorative xmlns:adec="http://schemas.microsoft.com/office/drawing/2017/decorative" val="1"/>
+              </a:ext>
+            </a:extLst>
+          </p:cNvPr>
+          <p:cNvSpPr>
+            <a:spLocks noGrp="1" noRot="1" noChangeAspect="1" noMove="1" noResize="1" noEditPoints="1" noAdjustHandles="1" noChangeArrowheads="1" noChangeShapeType="1" noTextEdit="1"/>
+          </p:cNvSpPr>
+          <p:nvPr>
+            <p:extLst>
+              <p:ext uri="{386F3935-93C4-4BCD-93E2-E3B085C9AB24}">
+                <p16:designElem xmlns:p16="http://schemas.microsoft.com/office/powerpoint/2015/main" val="1"/>
+              </p:ext>
+            </p:extLst>
+          </p:nvPr>
+        </p:nvSpPr>
+        <p:spPr>
+          <a:xfrm>
+            <a:off x="481029" y="4546920"/>
+            <a:ext cx="4023360" cy="18288"/>
+          </a:xfrm>
+          <a:prstGeom prst="rect">
+            <a:avLst/>
+          </a:prstGeom>
+          <a:solidFill>
+            <a:srgbClr val="D5D5D5"/>
+          </a:solidFill>
+          <a:ln w="3175">
+            <a:noFill/>
+          </a:ln>
+          <a:effectLst/>
+        </p:spPr>
+        <p:style>
+          <a:lnRef idx="2">
+            <a:schemeClr val="accent1">
+              <a:shade val="50000"/>
+            </a:schemeClr>
+          </a:lnRef>
+          <a:fillRef idx="1">
+            <a:schemeClr val="accent1"/>
+          </a:fillRef>
+          <a:effectRef idx="0">
+            <a:schemeClr val="accent1"/>
+          </a:effectRef>
+          <a:fontRef idx="minor">
+            <a:schemeClr val="lt1"/>
+          </a:fontRef>
+        </p:style>
+        <p:txBody>
+          <a:bodyPr rtlCol="0" anchor="ctr"/>
+          <a:lstStyle/>
+          <a:p>
+            <a:pPr marL="0" marR="0" lvl="0" indent="0" algn="ctr" defTabSz="914400" rtl="0" eaLnBrk="1" fontAlgn="auto" latinLnBrk="0" hangingPunct="1">
+              <a:lnSpc>
+                <a:spcPct val="100000"/>
+              </a:lnSpc>
+              <a:spcBef>
+                <a:spcPts val="0"/>
+              </a:spcBef>
+              <a:spcAft>
+                <a:spcPts val="0"/>
+              </a:spcAft>
+              <a:buClrTx/>
+              <a:buSzTx/>
+              <a:buFontTx/>
+              <a:buNone/>
+              <a:tabLst/>
+              <a:defRPr/>
+            </a:pPr>
+            <a:endParaRPr kumimoji="0" lang="en-US" sz="1800" b="0" i="0" u="none" strike="noStrike" kern="1200" cap="none" spc="0" normalizeH="0" baseline="0" noProof="0">
+              <a:ln>
+                <a:noFill/>
+              </a:ln>
+              <a:solidFill>
+                <a:prstClr val="white"/>
+              </a:solidFill>
+              <a:effectLst/>
+              <a:uLnTx/>
+              <a:uFillTx/>
+              <a:latin typeface="Calibri" panose="020F0502020204030204"/>
+              <a:ea typeface="+mn-ea"/>
+              <a:cs typeface="+mn-cs"/>
+            </a:endParaRPr>
           </a:p>
         </p:txBody>
       </p:sp>
@@ -5256,15 +7652,14 @@
               </a:ext>
             </a:extLst>
           </a:blip>
-          <a:srcRect/>
           <a:stretch>
             <a:fillRect/>
           </a:stretch>
         </p:blipFill>
         <p:spPr bwMode="auto">
           <a:xfrm>
-            <a:off x="4381500" y="3132683"/>
-            <a:ext cx="3429000" cy="3019425"/>
+            <a:off x="5521081" y="625684"/>
+            <a:ext cx="6195385" cy="5455380"/>
           </a:xfrm>
           <a:prstGeom prst="rect">
             <a:avLst/>
@@ -5297,6 +7692,14 @@
 <file path=ppt/slides/slide4.xml><?xml version="1.0" encoding="utf-8"?>
 <p:sld xmlns:a="http://schemas.openxmlformats.org/drawingml/2006/main" xmlns:r="http://schemas.openxmlformats.org/officeDocument/2006/relationships" xmlns:p="http://schemas.openxmlformats.org/presentationml/2006/main">
   <p:cSld>
+    <p:bg>
+      <p:bgPr>
+        <a:solidFill>
+          <a:schemeClr val="bg1"/>
+        </a:solidFill>
+        <a:effectLst/>
+      </p:bgPr>
+    </p:bg>
     <p:spTree>
       <p:nvGrpSpPr>
         <p:cNvPr id="1" name=""/>
@@ -5311,39 +7714,169 @@
           <a:chExt cx="0" cy="0"/>
         </a:xfrm>
       </p:grpSpPr>
-      <p:sp>
-        <p:nvSpPr>
-          <p:cNvPr id="2" name="Title 1">
-            <a:extLst>
-              <a:ext uri="{FF2B5EF4-FFF2-40B4-BE49-F238E27FC236}">
-                <a16:creationId xmlns:a16="http://schemas.microsoft.com/office/drawing/2014/main" id="{61DDA2E0-1EDC-4437-8213-1C7EDD22A259}"/>
-              </a:ext>
-            </a:extLst>
-          </p:cNvPr>
-          <p:cNvSpPr>
-            <a:spLocks noGrp="1"/>
-          </p:cNvSpPr>
-          <p:nvPr>
-            <p:ph type="ctrTitle"/>
+      <p:sp useBgFill="1">
+        <p:nvSpPr>
+          <p:cNvPr id="2055" name="Rectangle 2054">
+            <a:extLst>
+              <a:ext uri="{FF2B5EF4-FFF2-40B4-BE49-F238E27FC236}">
+                <a16:creationId xmlns:a16="http://schemas.microsoft.com/office/drawing/2014/main" id="{DBC6133C-0615-4CE4-9132-37E609A9BDFA}"/>
+              </a:ext>
+              <a:ext uri="{C183D7F6-B498-43B3-948B-1728B52AA6E4}">
+                <adec:decorative xmlns:adec="http://schemas.microsoft.com/office/drawing/2017/decorative" val="1"/>
+              </a:ext>
+            </a:extLst>
+          </p:cNvPr>
+          <p:cNvSpPr>
+            <a:spLocks noGrp="1" noRot="1" noChangeAspect="1" noMove="1" noResize="1" noEditPoints="1" noAdjustHandles="1" noChangeArrowheads="1" noChangeShapeType="1" noTextEdit="1"/>
+          </p:cNvSpPr>
+          <p:nvPr>
+            <p:extLst>
+              <p:ext uri="{386F3935-93C4-4BCD-93E2-E3B085C9AB24}">
+                <p16:designElem xmlns:p16="http://schemas.microsoft.com/office/powerpoint/2015/main" val="1"/>
+              </p:ext>
+            </p:extLst>
           </p:nvPr>
         </p:nvSpPr>
         <p:spPr>
           <a:xfrm>
-            <a:off x="909638" y="531012"/>
-            <a:ext cx="7577138" cy="623891"/>
+            <a:off x="0" y="0"/>
+            <a:ext cx="12191999" cy="6857365"/>
+          </a:xfrm>
+          <a:prstGeom prst="rect">
+            <a:avLst/>
+          </a:prstGeom>
+          <a:ln>
+            <a:noFill/>
+          </a:ln>
+        </p:spPr>
+        <p:style>
+          <a:lnRef idx="2">
+            <a:schemeClr val="accent1">
+              <a:shade val="50000"/>
+            </a:schemeClr>
+          </a:lnRef>
+          <a:fillRef idx="1">
+            <a:schemeClr val="accent1"/>
+          </a:fillRef>
+          <a:effectRef idx="0">
+            <a:schemeClr val="accent1"/>
+          </a:effectRef>
+          <a:fontRef idx="minor">
+            <a:schemeClr val="lt1"/>
+          </a:fontRef>
+        </p:style>
+        <p:txBody>
+          <a:bodyPr rtlCol="0" anchor="ctr"/>
+          <a:lstStyle/>
+          <a:p>
+            <a:pPr algn="ctr"/>
+            <a:endParaRPr lang="en-US"/>
+          </a:p>
+        </p:txBody>
+      </p:sp>
+      <p:sp>
+        <p:nvSpPr>
+          <p:cNvPr id="2" name="Title 1">
+            <a:extLst>
+              <a:ext uri="{FF2B5EF4-FFF2-40B4-BE49-F238E27FC236}">
+                <a16:creationId xmlns:a16="http://schemas.microsoft.com/office/drawing/2014/main" id="{61DDA2E0-1EDC-4437-8213-1C7EDD22A259}"/>
+              </a:ext>
+            </a:extLst>
+          </p:cNvPr>
+          <p:cNvSpPr>
+            <a:spLocks noGrp="1"/>
+          </p:cNvSpPr>
+          <p:nvPr>
+            <p:ph type="ctrTitle"/>
+          </p:nvPr>
+        </p:nvSpPr>
+        <p:spPr>
+          <a:xfrm>
+            <a:off x="645064" y="525982"/>
+            <a:ext cx="4282983" cy="1200361"/>
           </a:xfrm>
         </p:spPr>
         <p:txBody>
-          <a:bodyPr>
+          <a:bodyPr vert="horz" lIns="91440" tIns="45720" rIns="91440" bIns="45720" rtlCol="0" anchor="b">
             <a:normAutofit/>
           </a:bodyPr>
           <a:lstStyle/>
           <a:p>
             <a:pPr algn="l"/>
             <a:r>
-              <a:rPr lang="en-GB" sz="3600" b="1" dirty="0"/>
+              <a:rPr lang="en-US" sz="3600" b="1" kern="1200">
+                <a:solidFill>
+                  <a:schemeClr val="tx1"/>
+                </a:solidFill>
+                <a:latin typeface="+mj-lt"/>
+                <a:ea typeface="+mj-ea"/>
+                <a:cs typeface="+mj-cs"/>
+              </a:rPr>
               <a:t>Types of Graph?</a:t>
             </a:r>
+          </a:p>
+        </p:txBody>
+      </p:sp>
+      <p:sp>
+        <p:nvSpPr>
+          <p:cNvPr id="2057" name="Rectangle 2056">
+            <a:extLst>
+              <a:ext uri="{FF2B5EF4-FFF2-40B4-BE49-F238E27FC236}">
+                <a16:creationId xmlns:a16="http://schemas.microsoft.com/office/drawing/2014/main" id="{169CC832-2974-4E8D-90ED-3E2941BA7336}"/>
+              </a:ext>
+              <a:ext uri="{C183D7F6-B498-43B3-948B-1728B52AA6E4}">
+                <adec:decorative xmlns:adec="http://schemas.microsoft.com/office/drawing/2017/decorative" val="1"/>
+              </a:ext>
+            </a:extLst>
+          </p:cNvPr>
+          <p:cNvSpPr>
+            <a:spLocks noGrp="1" noRot="1" noChangeAspect="1" noMove="1" noResize="1" noEditPoints="1" noAdjustHandles="1" noChangeArrowheads="1" noChangeShapeType="1" noTextEdit="1"/>
+          </p:cNvSpPr>
+          <p:nvPr>
+            <p:extLst>
+              <p:ext uri="{386F3935-93C4-4BCD-93E2-E3B085C9AB24}">
+                <p16:designElem xmlns:p16="http://schemas.microsoft.com/office/powerpoint/2015/main" val="1"/>
+              </p:ext>
+            </p:extLst>
+          </p:nvPr>
+        </p:nvSpPr>
+        <p:spPr>
+          <a:xfrm flipH="1">
+            <a:off x="616533" y="1944913"/>
+            <a:ext cx="4023360" cy="27432"/>
+          </a:xfrm>
+          <a:prstGeom prst="rect">
+            <a:avLst/>
+          </a:prstGeom>
+          <a:solidFill>
+            <a:schemeClr val="accent4"/>
+          </a:solidFill>
+          <a:ln>
+            <a:noFill/>
+          </a:ln>
+        </p:spPr>
+        <p:style>
+          <a:lnRef idx="2">
+            <a:schemeClr val="accent1">
+              <a:shade val="50000"/>
+            </a:schemeClr>
+          </a:lnRef>
+          <a:fillRef idx="1">
+            <a:schemeClr val="accent1"/>
+          </a:fillRef>
+          <a:effectRef idx="0">
+            <a:schemeClr val="accent1"/>
+          </a:effectRef>
+          <a:fontRef idx="minor">
+            <a:schemeClr val="lt1"/>
+          </a:fontRef>
+        </p:style>
+        <p:txBody>
+          <a:bodyPr rtlCol="0" anchor="ctr"/>
+          <a:lstStyle/>
+          <a:p>
+            <a:pPr algn="ctr"/>
+            <a:endParaRPr lang="en-US"/>
           </a:p>
         </p:txBody>
       </p:sp>
@@ -5365,130 +7898,326 @@
         </p:nvSpPr>
         <p:spPr>
           <a:xfrm>
-            <a:off x="909638" y="1587491"/>
-            <a:ext cx="10677525" cy="4913321"/>
+            <a:off x="645066" y="2031101"/>
+            <a:ext cx="4282984" cy="3511943"/>
           </a:xfrm>
         </p:spPr>
         <p:txBody>
-          <a:bodyPr>
+          <a:bodyPr vert="horz" lIns="91440" tIns="45720" rIns="91440" bIns="45720" rtlCol="0" anchor="ctr">
             <a:normAutofit/>
           </a:bodyPr>
           <a:lstStyle/>
           <a:p>
-            <a:pPr marL="342900" indent="-342900" algn="just">
+            <a:pPr marL="342900" indent="-228600" algn="just">
               <a:buFont typeface="Arial" panose="020B0604020202020204" pitchFamily="34" charset="0"/>
               <a:buChar char="•"/>
             </a:pPr>
             <a:r>
-              <a:rPr lang="en-GB" sz="2000" dirty="0"/>
+              <a:rPr lang="en-US" sz="1800" dirty="0"/>
               <a:t>Based on </a:t>
             </a:r>
             <a:r>
-              <a:rPr lang="en-GB" sz="2000" b="1" dirty="0"/>
+              <a:rPr lang="en-US" sz="1800" b="1" dirty="0"/>
               <a:t>direction</a:t>
             </a:r>
             <a:r>
-              <a:rPr lang="en-GB" sz="2000" dirty="0"/>
+              <a:rPr lang="en-US" sz="1800" dirty="0"/>
               <a:t> graph is two types: </a:t>
             </a:r>
           </a:p>
           <a:p>
-            <a:pPr marL="800100" lvl="1" indent="-342900" algn="just">
+            <a:pPr marL="800100" lvl="1" indent="-228600" algn="just">
               <a:buFont typeface="Arial" panose="020B0604020202020204" pitchFamily="34" charset="0"/>
               <a:buChar char="•"/>
             </a:pPr>
             <a:r>
-              <a:rPr lang="en-GB" sz="1600" b="1" dirty="0"/>
+              <a:rPr lang="en-US" sz="1800" b="1" dirty="0"/>
               <a:t>Directed Graph</a:t>
             </a:r>
           </a:p>
           <a:p>
-            <a:pPr marL="800100" lvl="1" indent="-342900" algn="just">
+            <a:pPr marL="800100" lvl="1" indent="-228600" algn="just">
               <a:buFont typeface="Arial" panose="020B0604020202020204" pitchFamily="34" charset="0"/>
               <a:buChar char="•"/>
             </a:pPr>
             <a:r>
-              <a:rPr lang="en-GB" sz="1600" b="1" dirty="0"/>
+              <a:rPr lang="en-US" sz="1800" b="1" dirty="0"/>
               <a:t>Undirected Graph</a:t>
             </a:r>
           </a:p>
           <a:p>
-            <a:pPr marL="342900" indent="-342900" algn="just">
+            <a:pPr marL="342900" indent="-228600" algn="just">
               <a:buFont typeface="Arial" panose="020B0604020202020204" pitchFamily="34" charset="0"/>
               <a:buChar char="•"/>
             </a:pPr>
             <a:r>
-              <a:rPr lang="en-GB" sz="2000" b="1" dirty="0"/>
+              <a:rPr lang="en-US" sz="1800" b="1" dirty="0"/>
               <a:t>Directed Graph: </a:t>
             </a:r>
             <a:r>
-              <a:rPr lang="en-GB" sz="2000" dirty="0"/>
+              <a:rPr lang="en-US" sz="1800" dirty="0"/>
               <a:t>In this type of graph, edges have a direction. If there’s an edge from node</a:t>
             </a:r>
             <a:r>
-              <a:rPr lang="en-GB" sz="2000" b="1" i="1" dirty="0"/>
+              <a:rPr lang="en-US" sz="1800" b="1" i="1" dirty="0"/>
               <a:t> A </a:t>
             </a:r>
             <a:r>
-              <a:rPr lang="en-GB" sz="2000" dirty="0"/>
+              <a:rPr lang="en-US" sz="1800" dirty="0"/>
               <a:t>to </a:t>
             </a:r>
             <a:r>
-              <a:rPr lang="en-GB" sz="2000" b="1" i="1" dirty="0"/>
+              <a:rPr lang="en-US" sz="1800" b="1" i="1" dirty="0"/>
               <a:t>B</a:t>
             </a:r>
             <a:r>
-              <a:rPr lang="en-GB" sz="2000" dirty="0"/>
+              <a:rPr lang="en-US" sz="1800" dirty="0"/>
               <a:t>, it can only be traversed from </a:t>
             </a:r>
             <a:r>
-              <a:rPr lang="en-GB" sz="2000" b="1" i="1" dirty="0"/>
+              <a:rPr lang="en-US" sz="1800" b="1" i="1" dirty="0"/>
               <a:t>A</a:t>
             </a:r>
             <a:r>
-              <a:rPr lang="en-GB" sz="2000" dirty="0"/>
+              <a:rPr lang="en-US" sz="1800" dirty="0"/>
               <a:t> to </a:t>
             </a:r>
             <a:r>
-              <a:rPr lang="en-GB" sz="2000" b="1" i="1" dirty="0"/>
+              <a:rPr lang="en-US" sz="1800" b="1" i="1" dirty="0"/>
               <a:t>B</a:t>
             </a:r>
             <a:r>
-              <a:rPr lang="en-GB" sz="2000" dirty="0"/>
+              <a:rPr lang="en-US" sz="1800" dirty="0"/>
               <a:t>, not vice versa.</a:t>
             </a:r>
-            <a:endParaRPr lang="en-GB" sz="2000" b="1" dirty="0"/>
-          </a:p>
-          <a:p>
-            <a:pPr marL="342900" indent="-342900" algn="just">
+            <a:endParaRPr lang="en-US" sz="1800" b="1" dirty="0"/>
+          </a:p>
+          <a:p>
+            <a:pPr marL="342900" indent="-228600" algn="just">
               <a:buFont typeface="Arial" panose="020B0604020202020204" pitchFamily="34" charset="0"/>
               <a:buChar char="•"/>
             </a:pPr>
             <a:r>
-              <a:rPr lang="en-GB" sz="2000" b="1" dirty="0"/>
+              <a:rPr lang="en-US" sz="1800" b="1" dirty="0"/>
               <a:t>Undirected Graph: </a:t>
             </a:r>
             <a:r>
-              <a:rPr lang="en-GB" sz="2000" dirty="0"/>
+              <a:rPr lang="en-US" sz="1800" dirty="0"/>
               <a:t>In this type of graph, edges have no direction. If there’s an edge between nodes </a:t>
             </a:r>
             <a:r>
-              <a:rPr lang="en-GB" sz="2000" b="1" i="1" dirty="0"/>
+              <a:rPr lang="en-US" sz="1800" b="1" i="1" dirty="0"/>
               <a:t>A</a:t>
             </a:r>
             <a:r>
-              <a:rPr lang="en-GB" sz="2000" dirty="0"/>
+              <a:rPr lang="en-US" sz="1800" dirty="0"/>
               <a:t> and </a:t>
             </a:r>
             <a:r>
-              <a:rPr lang="en-GB" sz="2000" b="1" i="1" dirty="0"/>
+              <a:rPr lang="en-US" sz="1800" b="1" i="1" dirty="0"/>
               <a:t>B</a:t>
             </a:r>
             <a:r>
-              <a:rPr lang="en-GB" sz="2000" dirty="0"/>
+              <a:rPr lang="en-US" sz="1800" dirty="0"/>
               <a:t>, it can be traversed in both directions.</a:t>
             </a:r>
-            <a:endParaRPr lang="en-GB" sz="2000" b="1" dirty="0"/>
+            <a:endParaRPr lang="en-US" sz="1800" b="1" dirty="0"/>
+          </a:p>
+        </p:txBody>
+      </p:sp>
+      <p:sp>
+        <p:nvSpPr>
+          <p:cNvPr id="2059" name="Rectangle 2058">
+            <a:extLst>
+              <a:ext uri="{FF2B5EF4-FFF2-40B4-BE49-F238E27FC236}">
+                <a16:creationId xmlns:a16="http://schemas.microsoft.com/office/drawing/2014/main" id="{55222F96-971A-4F90-B841-6BAB416C7AC1}"/>
+              </a:ext>
+              <a:ext uri="{C183D7F6-B498-43B3-948B-1728B52AA6E4}">
+                <adec:decorative xmlns:adec="http://schemas.microsoft.com/office/drawing/2017/decorative" val="1"/>
+              </a:ext>
+            </a:extLst>
+          </p:cNvPr>
+          <p:cNvSpPr>
+            <a:spLocks noGrp="1" noRot="1" noChangeAspect="1" noMove="1" noResize="1" noEditPoints="1" noAdjustHandles="1" noChangeArrowheads="1" noChangeShapeType="1" noTextEdit="1"/>
+          </p:cNvSpPr>
+          <p:nvPr>
+            <p:extLst>
+              <p:ext uri="{386F3935-93C4-4BCD-93E2-E3B085C9AB24}">
+                <p16:designElem xmlns:p16="http://schemas.microsoft.com/office/powerpoint/2015/main" val="1"/>
+              </p:ext>
+            </p:extLst>
+          </p:nvPr>
+        </p:nvSpPr>
+        <p:spPr>
+          <a:xfrm rot="5400000">
+            <a:off x="-225843" y="6053360"/>
+            <a:ext cx="740664" cy="154124"/>
+          </a:xfrm>
+          <a:prstGeom prst="rect">
+            <a:avLst/>
+          </a:prstGeom>
+          <a:solidFill>
+            <a:schemeClr val="accent4"/>
+          </a:solidFill>
+          <a:ln>
+            <a:noFill/>
+          </a:ln>
+        </p:spPr>
+        <p:style>
+          <a:lnRef idx="2">
+            <a:schemeClr val="accent1">
+              <a:shade val="50000"/>
+            </a:schemeClr>
+          </a:lnRef>
+          <a:fillRef idx="1">
+            <a:schemeClr val="accent1"/>
+          </a:fillRef>
+          <a:effectRef idx="0">
+            <a:schemeClr val="accent1"/>
+          </a:effectRef>
+          <a:fontRef idx="minor">
+            <a:schemeClr val="lt1"/>
+          </a:fontRef>
+        </p:style>
+        <p:txBody>
+          <a:bodyPr rtlCol="0" anchor="ctr"/>
+          <a:lstStyle/>
+          <a:p>
+            <a:pPr algn="ctr"/>
+            <a:endParaRPr lang="en-US"/>
+          </a:p>
+        </p:txBody>
+      </p:sp>
+      <p:sp>
+        <p:nvSpPr>
+          <p:cNvPr id="2061" name="Rectangle 2060">
+            <a:extLst>
+              <a:ext uri="{FF2B5EF4-FFF2-40B4-BE49-F238E27FC236}">
+                <a16:creationId xmlns:a16="http://schemas.microsoft.com/office/drawing/2014/main" id="{08980754-6F4B-43C9-B9BE-127B6BED6586}"/>
+              </a:ext>
+              <a:ext uri="{C183D7F6-B498-43B3-948B-1728B52AA6E4}">
+                <adec:decorative xmlns:adec="http://schemas.microsoft.com/office/drawing/2017/decorative" val="1"/>
+              </a:ext>
+            </a:extLst>
+          </p:cNvPr>
+          <p:cNvSpPr>
+            <a:spLocks noGrp="1" noRot="1" noChangeAspect="1" noMove="1" noResize="1" noEditPoints="1" noAdjustHandles="1" noChangeArrowheads="1" noChangeShapeType="1" noTextEdit="1"/>
+          </p:cNvSpPr>
+          <p:nvPr>
+            <p:extLst>
+              <p:ext uri="{386F3935-93C4-4BCD-93E2-E3B085C9AB24}">
+                <p16:designElem xmlns:p16="http://schemas.microsoft.com/office/powerpoint/2015/main" val="1"/>
+              </p:ext>
+            </p:extLst>
+          </p:nvPr>
+        </p:nvSpPr>
+        <p:spPr>
+          <a:xfrm rot="5400000">
+            <a:off x="5904923" y="215201"/>
+            <a:ext cx="740664" cy="11833491"/>
+          </a:xfrm>
+          <a:prstGeom prst="rect">
+            <a:avLst/>
+          </a:prstGeom>
+          <a:solidFill>
+            <a:schemeClr val="accent4"/>
+          </a:solidFill>
+          <a:ln>
+            <a:noFill/>
+          </a:ln>
+        </p:spPr>
+        <p:style>
+          <a:lnRef idx="2">
+            <a:schemeClr val="accent1">
+              <a:shade val="50000"/>
+            </a:schemeClr>
+          </a:lnRef>
+          <a:fillRef idx="1">
+            <a:schemeClr val="accent1"/>
+          </a:fillRef>
+          <a:effectRef idx="0">
+            <a:schemeClr val="accent1"/>
+          </a:effectRef>
+          <a:fontRef idx="minor">
+            <a:schemeClr val="lt1"/>
+          </a:fontRef>
+        </p:style>
+        <p:txBody>
+          <a:bodyPr rtlCol="0" anchor="ctr"/>
+          <a:lstStyle/>
+          <a:p>
+            <a:pPr algn="ctr"/>
+            <a:endParaRPr lang="en-US"/>
+          </a:p>
+        </p:txBody>
+      </p:sp>
+      <p:sp>
+        <p:nvSpPr>
+          <p:cNvPr id="2063" name="Rectangle 2062">
+            <a:extLst>
+              <a:ext uri="{FF2B5EF4-FFF2-40B4-BE49-F238E27FC236}">
+                <a16:creationId xmlns:a16="http://schemas.microsoft.com/office/drawing/2014/main" id="{2C1BBA94-3F40-40AA-8BB9-E69E25E537C1}"/>
+              </a:ext>
+              <a:ext uri="{C183D7F6-B498-43B3-948B-1728B52AA6E4}">
+                <adec:decorative xmlns:adec="http://schemas.microsoft.com/office/drawing/2017/decorative" val="1"/>
+              </a:ext>
+            </a:extLst>
+          </p:cNvPr>
+          <p:cNvSpPr>
+            <a:spLocks noGrp="1" noRot="1" noChangeAspect="1" noMove="1" noResize="1" noEditPoints="1" noAdjustHandles="1" noChangeArrowheads="1" noChangeShapeType="1" noTextEdit="1"/>
+          </p:cNvSpPr>
+          <p:nvPr>
+            <p:extLst>
+              <p:ext uri="{386F3935-93C4-4BCD-93E2-E3B085C9AB24}">
+                <p16:designElem xmlns:p16="http://schemas.microsoft.com/office/powerpoint/2015/main" val="1"/>
+              </p:ext>
+            </p:extLst>
+          </p:nvPr>
+        </p:nvSpPr>
+        <p:spPr>
+          <a:xfrm>
+            <a:off x="5696793" y="354959"/>
+            <a:ext cx="6184973" cy="5915212"/>
+          </a:xfrm>
+          <a:prstGeom prst="rect">
+            <a:avLst/>
+          </a:prstGeom>
+          <a:solidFill>
+            <a:schemeClr val="bg1"/>
+          </a:solidFill>
+          <a:ln>
+            <a:noFill/>
+          </a:ln>
+          <a:effectLst>
+            <a:outerShdw blurRad="139700" dist="127000" dir="5400000" algn="t" rotWithShape="0">
+              <a:prstClr val="black">
+                <a:alpha val="15000"/>
+              </a:prstClr>
+            </a:outerShdw>
+          </a:effectLst>
+        </p:spPr>
+        <p:style>
+          <a:lnRef idx="2">
+            <a:schemeClr val="accent1">
+              <a:shade val="50000"/>
+            </a:schemeClr>
+          </a:lnRef>
+          <a:fillRef idx="1">
+            <a:schemeClr val="accent1"/>
+          </a:fillRef>
+          <a:effectRef idx="0">
+            <a:schemeClr val="accent1"/>
+          </a:effectRef>
+          <a:fontRef idx="minor">
+            <a:schemeClr val="lt1"/>
+          </a:fontRef>
+        </p:style>
+        <p:txBody>
+          <a:bodyPr rtlCol="0" anchor="ctr"/>
+          <a:lstStyle/>
+          <a:p>
+            <a:pPr algn="ctr"/>
+            <a:endParaRPr lang="en-US"/>
           </a:p>
         </p:txBody>
       </p:sp>
@@ -5514,15 +8243,14 @@
               </a:ext>
             </a:extLst>
           </a:blip>
-          <a:srcRect/>
           <a:stretch>
             <a:fillRect/>
           </a:stretch>
         </p:blipFill>
         <p:spPr bwMode="auto">
           <a:xfrm>
-            <a:off x="3936205" y="4169576"/>
-            <a:ext cx="4319589" cy="2157412"/>
+            <a:off x="5987738" y="1581949"/>
+            <a:ext cx="5628018" cy="3461231"/>
           </a:xfrm>
           <a:prstGeom prst="rect">
             <a:avLst/>
@@ -5555,6 +8283,14 @@
 <file path=ppt/slides/slide5.xml><?xml version="1.0" encoding="utf-8"?>
 <p:sld xmlns:a="http://schemas.openxmlformats.org/drawingml/2006/main" xmlns:r="http://schemas.openxmlformats.org/officeDocument/2006/relationships" xmlns:p="http://schemas.openxmlformats.org/presentationml/2006/main">
   <p:cSld>
+    <p:bg>
+      <p:bgPr>
+        <a:solidFill>
+          <a:schemeClr val="bg1"/>
+        </a:solidFill>
+        <a:effectLst/>
+      </p:bgPr>
+    </p:bg>
     <p:spTree>
       <p:nvGrpSpPr>
         <p:cNvPr id="1" name=""/>
@@ -5569,39 +8305,169 @@
           <a:chExt cx="0" cy="0"/>
         </a:xfrm>
       </p:grpSpPr>
-      <p:sp>
-        <p:nvSpPr>
-          <p:cNvPr id="2" name="Title 1">
-            <a:extLst>
-              <a:ext uri="{FF2B5EF4-FFF2-40B4-BE49-F238E27FC236}">
-                <a16:creationId xmlns:a16="http://schemas.microsoft.com/office/drawing/2014/main" id="{61DDA2E0-1EDC-4437-8213-1C7EDD22A259}"/>
-              </a:ext>
-            </a:extLst>
-          </p:cNvPr>
-          <p:cNvSpPr>
-            <a:spLocks noGrp="1"/>
-          </p:cNvSpPr>
-          <p:nvPr>
-            <p:ph type="ctrTitle"/>
+      <p:sp useBgFill="1">
+        <p:nvSpPr>
+          <p:cNvPr id="15" name="Rectangle 14">
+            <a:extLst>
+              <a:ext uri="{FF2B5EF4-FFF2-40B4-BE49-F238E27FC236}">
+                <a16:creationId xmlns:a16="http://schemas.microsoft.com/office/drawing/2014/main" id="{DBC6133C-0615-4CE4-9132-37E609A9BDFA}"/>
+              </a:ext>
+              <a:ext uri="{C183D7F6-B498-43B3-948B-1728B52AA6E4}">
+                <adec:decorative xmlns:adec="http://schemas.microsoft.com/office/drawing/2017/decorative" val="1"/>
+              </a:ext>
+            </a:extLst>
+          </p:cNvPr>
+          <p:cNvSpPr>
+            <a:spLocks noGrp="1" noRot="1" noChangeAspect="1" noMove="1" noResize="1" noEditPoints="1" noAdjustHandles="1" noChangeArrowheads="1" noChangeShapeType="1" noTextEdit="1"/>
+          </p:cNvSpPr>
+          <p:nvPr>
+            <p:extLst>
+              <p:ext uri="{386F3935-93C4-4BCD-93E2-E3B085C9AB24}">
+                <p16:designElem xmlns:p16="http://schemas.microsoft.com/office/powerpoint/2015/main" val="1"/>
+              </p:ext>
+            </p:extLst>
           </p:nvPr>
         </p:nvSpPr>
         <p:spPr>
           <a:xfrm>
-            <a:off x="909638" y="531012"/>
-            <a:ext cx="7577138" cy="623891"/>
+            <a:off x="0" y="0"/>
+            <a:ext cx="12191999" cy="6857365"/>
+          </a:xfrm>
+          <a:prstGeom prst="rect">
+            <a:avLst/>
+          </a:prstGeom>
+          <a:ln>
+            <a:noFill/>
+          </a:ln>
+        </p:spPr>
+        <p:style>
+          <a:lnRef idx="2">
+            <a:schemeClr val="accent1">
+              <a:shade val="50000"/>
+            </a:schemeClr>
+          </a:lnRef>
+          <a:fillRef idx="1">
+            <a:schemeClr val="accent1"/>
+          </a:fillRef>
+          <a:effectRef idx="0">
+            <a:schemeClr val="accent1"/>
+          </a:effectRef>
+          <a:fontRef idx="minor">
+            <a:schemeClr val="lt1"/>
+          </a:fontRef>
+        </p:style>
+        <p:txBody>
+          <a:bodyPr rtlCol="0" anchor="ctr"/>
+          <a:lstStyle/>
+          <a:p>
+            <a:pPr algn="ctr"/>
+            <a:endParaRPr lang="en-US"/>
+          </a:p>
+        </p:txBody>
+      </p:sp>
+      <p:sp>
+        <p:nvSpPr>
+          <p:cNvPr id="2" name="Title 1">
+            <a:extLst>
+              <a:ext uri="{FF2B5EF4-FFF2-40B4-BE49-F238E27FC236}">
+                <a16:creationId xmlns:a16="http://schemas.microsoft.com/office/drawing/2014/main" id="{61DDA2E0-1EDC-4437-8213-1C7EDD22A259}"/>
+              </a:ext>
+            </a:extLst>
+          </p:cNvPr>
+          <p:cNvSpPr>
+            <a:spLocks noGrp="1"/>
+          </p:cNvSpPr>
+          <p:nvPr>
+            <p:ph type="ctrTitle"/>
+          </p:nvPr>
+        </p:nvSpPr>
+        <p:spPr>
+          <a:xfrm>
+            <a:off x="645064" y="525982"/>
+            <a:ext cx="4282983" cy="1200361"/>
           </a:xfrm>
         </p:spPr>
         <p:txBody>
-          <a:bodyPr>
+          <a:bodyPr vert="horz" lIns="91440" tIns="45720" rIns="91440" bIns="45720" rtlCol="0" anchor="b">
             <a:normAutofit/>
           </a:bodyPr>
           <a:lstStyle/>
           <a:p>
             <a:pPr algn="l"/>
             <a:r>
-              <a:rPr lang="en-GB" sz="3600" b="1" dirty="0"/>
+              <a:rPr lang="en-US" sz="3600" b="1" kern="1200" dirty="0">
+                <a:solidFill>
+                  <a:schemeClr val="tx1"/>
+                </a:solidFill>
+                <a:latin typeface="+mj-lt"/>
+                <a:ea typeface="+mj-ea"/>
+                <a:cs typeface="+mj-cs"/>
+              </a:rPr>
               <a:t>Types of Graph?</a:t>
             </a:r>
+          </a:p>
+        </p:txBody>
+      </p:sp>
+      <p:sp>
+        <p:nvSpPr>
+          <p:cNvPr id="17" name="Rectangle 16">
+            <a:extLst>
+              <a:ext uri="{FF2B5EF4-FFF2-40B4-BE49-F238E27FC236}">
+                <a16:creationId xmlns:a16="http://schemas.microsoft.com/office/drawing/2014/main" id="{169CC832-2974-4E8D-90ED-3E2941BA7336}"/>
+              </a:ext>
+              <a:ext uri="{C183D7F6-B498-43B3-948B-1728B52AA6E4}">
+                <adec:decorative xmlns:adec="http://schemas.microsoft.com/office/drawing/2017/decorative" val="1"/>
+              </a:ext>
+            </a:extLst>
+          </p:cNvPr>
+          <p:cNvSpPr>
+            <a:spLocks noGrp="1" noRot="1" noChangeAspect="1" noMove="1" noResize="1" noEditPoints="1" noAdjustHandles="1" noChangeArrowheads="1" noChangeShapeType="1" noTextEdit="1"/>
+          </p:cNvSpPr>
+          <p:nvPr>
+            <p:extLst>
+              <p:ext uri="{386F3935-93C4-4BCD-93E2-E3B085C9AB24}">
+                <p16:designElem xmlns:p16="http://schemas.microsoft.com/office/powerpoint/2015/main" val="1"/>
+              </p:ext>
+            </p:extLst>
+          </p:nvPr>
+        </p:nvSpPr>
+        <p:spPr>
+          <a:xfrm flipH="1">
+            <a:off x="616533" y="1944913"/>
+            <a:ext cx="4023360" cy="27432"/>
+          </a:xfrm>
+          <a:prstGeom prst="rect">
+            <a:avLst/>
+          </a:prstGeom>
+          <a:solidFill>
+            <a:schemeClr val="accent4"/>
+          </a:solidFill>
+          <a:ln>
+            <a:noFill/>
+          </a:ln>
+        </p:spPr>
+        <p:style>
+          <a:lnRef idx="2">
+            <a:schemeClr val="accent1">
+              <a:shade val="50000"/>
+            </a:schemeClr>
+          </a:lnRef>
+          <a:fillRef idx="1">
+            <a:schemeClr val="accent1"/>
+          </a:fillRef>
+          <a:effectRef idx="0">
+            <a:schemeClr val="accent1"/>
+          </a:effectRef>
+          <a:fontRef idx="minor">
+            <a:schemeClr val="lt1"/>
+          </a:fontRef>
+        </p:style>
+        <p:txBody>
+          <a:bodyPr rtlCol="0" anchor="ctr"/>
+          <a:lstStyle/>
+          <a:p>
+            <a:pPr algn="ctr"/>
+            <a:endParaRPr lang="en-US"/>
           </a:p>
         </p:txBody>
       </p:sp>
@@ -5623,8 +8489,799 @@
         </p:nvSpPr>
         <p:spPr>
           <a:xfrm>
-            <a:off x="909638" y="1587492"/>
-            <a:ext cx="10677525" cy="2798772"/>
+            <a:off x="645066" y="2031101"/>
+            <a:ext cx="4282984" cy="3511943"/>
+          </a:xfrm>
+        </p:spPr>
+        <p:txBody>
+          <a:bodyPr vert="horz" lIns="91440" tIns="45720" rIns="91440" bIns="45720" rtlCol="0" anchor="ctr">
+            <a:normAutofit/>
+          </a:bodyPr>
+          <a:lstStyle/>
+          <a:p>
+            <a:pPr marL="342900" indent="-228600" algn="just">
+              <a:buFont typeface="Arial" panose="020B0604020202020204" pitchFamily="34" charset="0"/>
+              <a:buChar char="•"/>
+            </a:pPr>
+            <a:r>
+              <a:rPr lang="en-US" sz="1700" dirty="0"/>
+              <a:t>Based on </a:t>
+            </a:r>
+            <a:r>
+              <a:rPr lang="en-US" sz="1700" b="1" dirty="0"/>
+              <a:t>weight</a:t>
+            </a:r>
+            <a:r>
+              <a:rPr lang="en-US" sz="1700" dirty="0"/>
+              <a:t> graph is two types: </a:t>
+            </a:r>
+          </a:p>
+          <a:p>
+            <a:pPr marL="800100" lvl="1" indent="-228600" algn="just">
+              <a:buFont typeface="Arial" panose="020B0604020202020204" pitchFamily="34" charset="0"/>
+              <a:buChar char="•"/>
+            </a:pPr>
+            <a:r>
+              <a:rPr lang="en-US" sz="1700" b="1" dirty="0"/>
+              <a:t>Weighted Graph</a:t>
+            </a:r>
+          </a:p>
+          <a:p>
+            <a:pPr marL="800100" lvl="1" indent="-228600" algn="just">
+              <a:buFont typeface="Arial" panose="020B0604020202020204" pitchFamily="34" charset="0"/>
+              <a:buChar char="•"/>
+            </a:pPr>
+            <a:r>
+              <a:rPr lang="en-US" sz="1700" b="1" dirty="0"/>
+              <a:t>Unweighted Graph</a:t>
+            </a:r>
+          </a:p>
+          <a:p>
+            <a:pPr marL="342900" indent="-228600" algn="just">
+              <a:buFont typeface="Arial" panose="020B0604020202020204" pitchFamily="34" charset="0"/>
+              <a:buChar char="•"/>
+            </a:pPr>
+            <a:r>
+              <a:rPr lang="en-US" sz="1700" b="1" dirty="0"/>
+              <a:t>Weighted Graph: </a:t>
+            </a:r>
+            <a:r>
+              <a:rPr lang="en-US" sz="1700" dirty="0"/>
+              <a:t>A graph in which edges have weights or costs associated with them. Example: A road network graph where the weights can represent the distance between two cities.</a:t>
+            </a:r>
+          </a:p>
+          <a:p>
+            <a:pPr marL="342900" indent="-228600" algn="just">
+              <a:buFont typeface="Arial" panose="020B0604020202020204" pitchFamily="34" charset="0"/>
+              <a:buChar char="•"/>
+            </a:pPr>
+            <a:r>
+              <a:rPr lang="en-US" sz="1700" b="1" dirty="0"/>
+              <a:t>Unweighted Graph: </a:t>
+            </a:r>
+            <a:r>
+              <a:rPr lang="en-US" sz="1700" dirty="0"/>
+              <a:t>A graph in which edges have no weights or costs associated with them. Example: A social network graph where the edges represent friendships.</a:t>
+            </a:r>
+            <a:endParaRPr lang="en-US" sz="1700" b="1" dirty="0"/>
+          </a:p>
+        </p:txBody>
+      </p:sp>
+      <p:sp>
+        <p:nvSpPr>
+          <p:cNvPr id="13" name="Rectangle 12">
+            <a:extLst>
+              <a:ext uri="{FF2B5EF4-FFF2-40B4-BE49-F238E27FC236}">
+                <a16:creationId xmlns:a16="http://schemas.microsoft.com/office/drawing/2014/main" id="{55222F96-971A-4F90-B841-6BAB416C7AC1}"/>
+              </a:ext>
+              <a:ext uri="{C183D7F6-B498-43B3-948B-1728B52AA6E4}">
+                <adec:decorative xmlns:adec="http://schemas.microsoft.com/office/drawing/2017/decorative" val="1"/>
+              </a:ext>
+            </a:extLst>
+          </p:cNvPr>
+          <p:cNvSpPr>
+            <a:spLocks noGrp="1" noRot="1" noChangeAspect="1" noMove="1" noResize="1" noEditPoints="1" noAdjustHandles="1" noChangeArrowheads="1" noChangeShapeType="1" noTextEdit="1"/>
+          </p:cNvSpPr>
+          <p:nvPr>
+            <p:extLst>
+              <p:ext uri="{386F3935-93C4-4BCD-93E2-E3B085C9AB24}">
+                <p16:designElem xmlns:p16="http://schemas.microsoft.com/office/powerpoint/2015/main" val="1"/>
+              </p:ext>
+            </p:extLst>
+          </p:nvPr>
+        </p:nvSpPr>
+        <p:spPr>
+          <a:xfrm rot="5400000">
+            <a:off x="-225843" y="6053360"/>
+            <a:ext cx="740664" cy="154124"/>
+          </a:xfrm>
+          <a:prstGeom prst="rect">
+            <a:avLst/>
+          </a:prstGeom>
+          <a:solidFill>
+            <a:schemeClr val="accent4"/>
+          </a:solidFill>
+          <a:ln>
+            <a:noFill/>
+          </a:ln>
+        </p:spPr>
+        <p:style>
+          <a:lnRef idx="2">
+            <a:schemeClr val="accent1">
+              <a:shade val="50000"/>
+            </a:schemeClr>
+          </a:lnRef>
+          <a:fillRef idx="1">
+            <a:schemeClr val="accent1"/>
+          </a:fillRef>
+          <a:effectRef idx="0">
+            <a:schemeClr val="accent1"/>
+          </a:effectRef>
+          <a:fontRef idx="minor">
+            <a:schemeClr val="lt1"/>
+          </a:fontRef>
+        </p:style>
+        <p:txBody>
+          <a:bodyPr rtlCol="0" anchor="ctr"/>
+          <a:lstStyle/>
+          <a:p>
+            <a:pPr algn="ctr"/>
+            <a:endParaRPr lang="en-US"/>
+          </a:p>
+        </p:txBody>
+      </p:sp>
+      <p:sp>
+        <p:nvSpPr>
+          <p:cNvPr id="14" name="Rectangle 13">
+            <a:extLst>
+              <a:ext uri="{FF2B5EF4-FFF2-40B4-BE49-F238E27FC236}">
+                <a16:creationId xmlns:a16="http://schemas.microsoft.com/office/drawing/2014/main" id="{08980754-6F4B-43C9-B9BE-127B6BED6586}"/>
+              </a:ext>
+              <a:ext uri="{C183D7F6-B498-43B3-948B-1728B52AA6E4}">
+                <adec:decorative xmlns:adec="http://schemas.microsoft.com/office/drawing/2017/decorative" val="1"/>
+              </a:ext>
+            </a:extLst>
+          </p:cNvPr>
+          <p:cNvSpPr>
+            <a:spLocks noGrp="1" noRot="1" noChangeAspect="1" noMove="1" noResize="1" noEditPoints="1" noAdjustHandles="1" noChangeArrowheads="1" noChangeShapeType="1" noTextEdit="1"/>
+          </p:cNvSpPr>
+          <p:nvPr>
+            <p:extLst>
+              <p:ext uri="{386F3935-93C4-4BCD-93E2-E3B085C9AB24}">
+                <p16:designElem xmlns:p16="http://schemas.microsoft.com/office/powerpoint/2015/main" val="1"/>
+              </p:ext>
+            </p:extLst>
+          </p:nvPr>
+        </p:nvSpPr>
+        <p:spPr>
+          <a:xfrm rot="5400000">
+            <a:off x="5904923" y="215201"/>
+            <a:ext cx="740664" cy="11833491"/>
+          </a:xfrm>
+          <a:prstGeom prst="rect">
+            <a:avLst/>
+          </a:prstGeom>
+          <a:solidFill>
+            <a:schemeClr val="accent4"/>
+          </a:solidFill>
+          <a:ln>
+            <a:noFill/>
+          </a:ln>
+        </p:spPr>
+        <p:style>
+          <a:lnRef idx="2">
+            <a:schemeClr val="accent1">
+              <a:shade val="50000"/>
+            </a:schemeClr>
+          </a:lnRef>
+          <a:fillRef idx="1">
+            <a:schemeClr val="accent1"/>
+          </a:fillRef>
+          <a:effectRef idx="0">
+            <a:schemeClr val="accent1"/>
+          </a:effectRef>
+          <a:fontRef idx="minor">
+            <a:schemeClr val="lt1"/>
+          </a:fontRef>
+        </p:style>
+        <p:txBody>
+          <a:bodyPr rtlCol="0" anchor="ctr"/>
+          <a:lstStyle/>
+          <a:p>
+            <a:pPr algn="ctr"/>
+            <a:endParaRPr lang="en-US"/>
+          </a:p>
+        </p:txBody>
+      </p:sp>
+      <p:sp>
+        <p:nvSpPr>
+          <p:cNvPr id="18" name="Rectangle 17">
+            <a:extLst>
+              <a:ext uri="{FF2B5EF4-FFF2-40B4-BE49-F238E27FC236}">
+                <a16:creationId xmlns:a16="http://schemas.microsoft.com/office/drawing/2014/main" id="{2C1BBA94-3F40-40AA-8BB9-E69E25E537C1}"/>
+              </a:ext>
+              <a:ext uri="{C183D7F6-B498-43B3-948B-1728B52AA6E4}">
+                <adec:decorative xmlns:adec="http://schemas.microsoft.com/office/drawing/2017/decorative" val="1"/>
+              </a:ext>
+            </a:extLst>
+          </p:cNvPr>
+          <p:cNvSpPr>
+            <a:spLocks noGrp="1" noRot="1" noChangeAspect="1" noMove="1" noResize="1" noEditPoints="1" noAdjustHandles="1" noChangeArrowheads="1" noChangeShapeType="1" noTextEdit="1"/>
+          </p:cNvSpPr>
+          <p:nvPr>
+            <p:extLst>
+              <p:ext uri="{386F3935-93C4-4BCD-93E2-E3B085C9AB24}">
+                <p16:designElem xmlns:p16="http://schemas.microsoft.com/office/powerpoint/2015/main" val="1"/>
+              </p:ext>
+            </p:extLst>
+          </p:nvPr>
+        </p:nvSpPr>
+        <p:spPr>
+          <a:xfrm>
+            <a:off x="5696793" y="354959"/>
+            <a:ext cx="6184973" cy="5915212"/>
+          </a:xfrm>
+          <a:prstGeom prst="rect">
+            <a:avLst/>
+          </a:prstGeom>
+          <a:solidFill>
+            <a:schemeClr val="bg1"/>
+          </a:solidFill>
+          <a:ln>
+            <a:noFill/>
+          </a:ln>
+          <a:effectLst>
+            <a:outerShdw blurRad="139700" dist="127000" dir="5400000" algn="t" rotWithShape="0">
+              <a:prstClr val="black">
+                <a:alpha val="15000"/>
+              </a:prstClr>
+            </a:outerShdw>
+          </a:effectLst>
+        </p:spPr>
+        <p:style>
+          <a:lnRef idx="2">
+            <a:schemeClr val="accent1">
+              <a:shade val="50000"/>
+            </a:schemeClr>
+          </a:lnRef>
+          <a:fillRef idx="1">
+            <a:schemeClr val="accent1"/>
+          </a:fillRef>
+          <a:effectRef idx="0">
+            <a:schemeClr val="accent1"/>
+          </a:effectRef>
+          <a:fontRef idx="minor">
+            <a:schemeClr val="lt1"/>
+          </a:fontRef>
+        </p:style>
+        <p:txBody>
+          <a:bodyPr rtlCol="0" anchor="ctr"/>
+          <a:lstStyle/>
+          <a:p>
+            <a:pPr algn="ctr"/>
+            <a:endParaRPr lang="en-US"/>
+          </a:p>
+        </p:txBody>
+      </p:sp>
+      <p:pic>
+        <p:nvPicPr>
+          <p:cNvPr id="10" name="Picture 9">
+            <a:extLst>
+              <a:ext uri="{FF2B5EF4-FFF2-40B4-BE49-F238E27FC236}">
+                <a16:creationId xmlns:a16="http://schemas.microsoft.com/office/drawing/2014/main" id="{AF4DB0DB-26DE-11F7-D149-41B82F1C7150}"/>
+              </a:ext>
+            </a:extLst>
+          </p:cNvPr>
+          <p:cNvPicPr>
+            <a:picLocks noChangeAspect="1"/>
+          </p:cNvPicPr>
+          <p:nvPr/>
+        </p:nvPicPr>
+        <p:blipFill>
+          <a:blip r:embed="rId3"/>
+          <a:stretch>
+            <a:fillRect/>
+          </a:stretch>
+        </p:blipFill>
+        <p:spPr>
+          <a:xfrm>
+            <a:off x="5987738" y="2271382"/>
+            <a:ext cx="5628018" cy="2082366"/>
+          </a:xfrm>
+          <a:prstGeom prst="rect">
+            <a:avLst/>
+          </a:prstGeom>
+        </p:spPr>
+      </p:pic>
+    </p:spTree>
+    <p:extLst>
+      <p:ext uri="{BB962C8B-B14F-4D97-AF65-F5344CB8AC3E}">
+        <p14:creationId xmlns:p14="http://schemas.microsoft.com/office/powerpoint/2010/main" val="4068491506"/>
+      </p:ext>
+    </p:extLst>
+  </p:cSld>
+  <p:clrMapOvr>
+    <a:masterClrMapping/>
+  </p:clrMapOvr>
+</p:sld>
+</file>
+
+<file path=ppt/slides/slide6.xml><?xml version="1.0" encoding="utf-8"?>
+<p:sld xmlns:a="http://schemas.openxmlformats.org/drawingml/2006/main" xmlns:r="http://schemas.openxmlformats.org/officeDocument/2006/relationships" xmlns:p="http://schemas.openxmlformats.org/presentationml/2006/main">
+  <p:cSld>
+    <p:bg>
+      <p:bgPr>
+        <a:solidFill>
+          <a:schemeClr val="bg1"/>
+        </a:solidFill>
+        <a:effectLst/>
+      </p:bgPr>
+    </p:bg>
+    <p:spTree>
+      <p:nvGrpSpPr>
+        <p:cNvPr id="1" name=""/>
+        <p:cNvGrpSpPr/>
+        <p:nvPr/>
+      </p:nvGrpSpPr>
+      <p:grpSpPr>
+        <a:xfrm>
+          <a:off x="0" y="0"/>
+          <a:ext cx="0" cy="0"/>
+          <a:chOff x="0" y="0"/>
+          <a:chExt cx="0" cy="0"/>
+        </a:xfrm>
+      </p:grpSpPr>
+      <p:sp useBgFill="1">
+        <p:nvSpPr>
+          <p:cNvPr id="15" name="Rectangle 14">
+            <a:extLst>
+              <a:ext uri="{FF2B5EF4-FFF2-40B4-BE49-F238E27FC236}">
+                <a16:creationId xmlns:a16="http://schemas.microsoft.com/office/drawing/2014/main" id="{5DCB5928-DC7D-4612-9922-441966E15627}"/>
+              </a:ext>
+              <a:ext uri="{C183D7F6-B498-43B3-948B-1728B52AA6E4}">
+                <adec:decorative xmlns:adec="http://schemas.microsoft.com/office/drawing/2017/decorative" val="1"/>
+              </a:ext>
+            </a:extLst>
+          </p:cNvPr>
+          <p:cNvSpPr>
+            <a:spLocks noGrp="1" noRot="1" noChangeAspect="1" noMove="1" noResize="1" noEditPoints="1" noAdjustHandles="1" noChangeArrowheads="1" noChangeShapeType="1" noTextEdit="1"/>
+          </p:cNvSpPr>
+          <p:nvPr>
+            <p:extLst>
+              <p:ext uri="{386F3935-93C4-4BCD-93E2-E3B085C9AB24}">
+                <p16:designElem xmlns:p16="http://schemas.microsoft.com/office/powerpoint/2015/main" val="1"/>
+              </p:ext>
+            </p:extLst>
+          </p:nvPr>
+        </p:nvSpPr>
+        <p:spPr>
+          <a:xfrm>
+            <a:off x="0" y="0"/>
+            <a:ext cx="12192000" cy="6858000"/>
+          </a:xfrm>
+          <a:prstGeom prst="rect">
+            <a:avLst/>
+          </a:prstGeom>
+          <a:ln>
+            <a:noFill/>
+          </a:ln>
+        </p:spPr>
+        <p:style>
+          <a:lnRef idx="2">
+            <a:schemeClr val="accent1">
+              <a:shade val="50000"/>
+            </a:schemeClr>
+          </a:lnRef>
+          <a:fillRef idx="1">
+            <a:schemeClr val="accent1"/>
+          </a:fillRef>
+          <a:effectRef idx="0">
+            <a:schemeClr val="accent1"/>
+          </a:effectRef>
+          <a:fontRef idx="minor">
+            <a:schemeClr val="lt1"/>
+          </a:fontRef>
+        </p:style>
+        <p:txBody>
+          <a:bodyPr rtlCol="0" anchor="ctr"/>
+          <a:lstStyle/>
+          <a:p>
+            <a:pPr algn="ctr"/>
+            <a:endParaRPr lang="en-US"/>
+          </a:p>
+        </p:txBody>
+      </p:sp>
+      <p:sp useBgFill="1">
+        <p:nvSpPr>
+          <p:cNvPr id="17" name="Freeform: Shape 16">
+            <a:extLst>
+              <a:ext uri="{FF2B5EF4-FFF2-40B4-BE49-F238E27FC236}">
+                <a16:creationId xmlns:a16="http://schemas.microsoft.com/office/drawing/2014/main" id="{682C1161-1736-45EC-99B7-33F3CAE9D517}"/>
+              </a:ext>
+              <a:ext uri="{C183D7F6-B498-43B3-948B-1728B52AA6E4}">
+                <adec:decorative xmlns:adec="http://schemas.microsoft.com/office/drawing/2017/decorative" val="1"/>
+              </a:ext>
+            </a:extLst>
+          </p:cNvPr>
+          <p:cNvSpPr>
+            <a:spLocks noGrp="1" noRot="1" noChangeAspect="1" noMove="1" noResize="1" noEditPoints="1" noAdjustHandles="1" noChangeArrowheads="1" noChangeShapeType="1" noTextEdit="1"/>
+          </p:cNvSpPr>
+          <p:nvPr>
+            <p:extLst>
+              <p:ext uri="{386F3935-93C4-4BCD-93E2-E3B085C9AB24}">
+                <p16:designElem xmlns:p16="http://schemas.microsoft.com/office/powerpoint/2015/main" val="1"/>
+              </p:ext>
+            </p:extLst>
+          </p:nvPr>
+        </p:nvSpPr>
+        <p:spPr>
+          <a:xfrm>
+            <a:off x="0" y="0"/>
+            <a:ext cx="4959047" cy="6858000"/>
+          </a:xfrm>
+          <a:custGeom>
+            <a:avLst/>
+            <a:gdLst>
+              <a:gd name="connsiteX0" fmla="*/ 0 w 4959047"/>
+              <a:gd name="connsiteY0" fmla="*/ 0 h 6858000"/>
+              <a:gd name="connsiteX1" fmla="*/ 4110127 w 4959047"/>
+              <a:gd name="connsiteY1" fmla="*/ 0 h 6858000"/>
+              <a:gd name="connsiteX2" fmla="*/ 4179024 w 4959047"/>
+              <a:gd name="connsiteY2" fmla="*/ 123368 h 6858000"/>
+              <a:gd name="connsiteX3" fmla="*/ 4959047 w 4959047"/>
+              <a:gd name="connsiteY3" fmla="*/ 3429000 h 6858000"/>
+              <a:gd name="connsiteX4" fmla="*/ 4179024 w 4959047"/>
+              <a:gd name="connsiteY4" fmla="*/ 6734633 h 6858000"/>
+              <a:gd name="connsiteX5" fmla="*/ 4110127 w 4959047"/>
+              <a:gd name="connsiteY5" fmla="*/ 6858000 h 6858000"/>
+              <a:gd name="connsiteX6" fmla="*/ 0 w 4959047"/>
+              <a:gd name="connsiteY6" fmla="*/ 6858000 h 6858000"/>
+            </a:gdLst>
+            <a:ahLst/>
+            <a:cxnLst>
+              <a:cxn ang="0">
+                <a:pos x="connsiteX0" y="connsiteY0"/>
+              </a:cxn>
+              <a:cxn ang="0">
+                <a:pos x="connsiteX1" y="connsiteY1"/>
+              </a:cxn>
+              <a:cxn ang="0">
+                <a:pos x="connsiteX2" y="connsiteY2"/>
+              </a:cxn>
+              <a:cxn ang="0">
+                <a:pos x="connsiteX3" y="connsiteY3"/>
+              </a:cxn>
+              <a:cxn ang="0">
+                <a:pos x="connsiteX4" y="connsiteY4"/>
+              </a:cxn>
+              <a:cxn ang="0">
+                <a:pos x="connsiteX5" y="connsiteY5"/>
+              </a:cxn>
+              <a:cxn ang="0">
+                <a:pos x="connsiteX6" y="connsiteY6"/>
+              </a:cxn>
+            </a:cxnLst>
+            <a:rect l="l" t="t" r="r" b="b"/>
+            <a:pathLst>
+              <a:path w="4959047" h="6858000">
+                <a:moveTo>
+                  <a:pt x="0" y="0"/>
+                </a:moveTo>
+                <a:lnTo>
+                  <a:pt x="4110127" y="0"/>
+                </a:lnTo>
+                <a:lnTo>
+                  <a:pt x="4179024" y="123368"/>
+                </a:lnTo>
+                <a:cubicBezTo>
+                  <a:pt x="4668929" y="1045156"/>
+                  <a:pt x="4959047" y="2189404"/>
+                  <a:pt x="4959047" y="3429000"/>
+                </a:cubicBezTo>
+                <a:cubicBezTo>
+                  <a:pt x="4959047" y="4668597"/>
+                  <a:pt x="4668929" y="5812845"/>
+                  <a:pt x="4179024" y="6734633"/>
+                </a:cubicBezTo>
+                <a:lnTo>
+                  <a:pt x="4110127" y="6858000"/>
+                </a:lnTo>
+                <a:lnTo>
+                  <a:pt x="0" y="6858000"/>
+                </a:lnTo>
+                <a:close/>
+              </a:path>
+            </a:pathLst>
+          </a:custGeom>
+          <a:ln w="9525">
+            <a:solidFill>
+              <a:srgbClr val="E6E6E6"/>
+            </a:solidFill>
+          </a:ln>
+          <a:effectLst>
+            <a:outerShdw blurRad="76200" dist="38100" algn="l" rotWithShape="0">
+              <a:schemeClr val="bg1">
+                <a:lumMod val="85000"/>
+                <a:alpha val="50000"/>
+              </a:schemeClr>
+            </a:outerShdw>
+          </a:effectLst>
+        </p:spPr>
+        <p:style>
+          <a:lnRef idx="2">
+            <a:schemeClr val="accent1">
+              <a:shade val="50000"/>
+            </a:schemeClr>
+          </a:lnRef>
+          <a:fillRef idx="1">
+            <a:schemeClr val="accent1"/>
+          </a:fillRef>
+          <a:effectRef idx="0">
+            <a:schemeClr val="accent1"/>
+          </a:effectRef>
+          <a:fontRef idx="minor">
+            <a:schemeClr val="lt1"/>
+          </a:fontRef>
+        </p:style>
+        <p:txBody>
+          <a:bodyPr wrap="square" rtlCol="0" anchor="ctr">
+            <a:noAutofit/>
+          </a:bodyPr>
+          <a:lstStyle/>
+          <a:p>
+            <a:pPr marL="0" marR="0" lvl="0" indent="0" algn="ctr" defTabSz="914400" rtl="0" eaLnBrk="1" fontAlgn="auto" latinLnBrk="0" hangingPunct="1">
+              <a:lnSpc>
+                <a:spcPct val="100000"/>
+              </a:lnSpc>
+              <a:spcBef>
+                <a:spcPts val="0"/>
+              </a:spcBef>
+              <a:spcAft>
+                <a:spcPts val="0"/>
+              </a:spcAft>
+              <a:buClrTx/>
+              <a:buSzTx/>
+              <a:buFontTx/>
+              <a:buNone/>
+              <a:tabLst/>
+              <a:defRPr/>
+            </a:pPr>
+            <a:endParaRPr kumimoji="0" lang="en-US" sz="1800" b="0" i="0" u="none" strike="noStrike" kern="1200" cap="none" spc="0" normalizeH="0" baseline="0" noProof="0">
+              <a:ln>
+                <a:noFill/>
+              </a:ln>
+              <a:solidFill>
+                <a:prstClr val="white"/>
+              </a:solidFill>
+              <a:effectLst/>
+              <a:uLnTx/>
+              <a:uFillTx/>
+              <a:latin typeface="Calibri" panose="020F0502020204030204"/>
+              <a:ea typeface="+mn-ea"/>
+              <a:cs typeface="+mn-cs"/>
+            </a:endParaRPr>
+          </a:p>
+        </p:txBody>
+      </p:sp>
+      <p:sp useBgFill="1">
+        <p:nvSpPr>
+          <p:cNvPr id="13" name="Freeform: Shape 12">
+            <a:extLst>
+              <a:ext uri="{FF2B5EF4-FFF2-40B4-BE49-F238E27FC236}">
+                <a16:creationId xmlns:a16="http://schemas.microsoft.com/office/drawing/2014/main" id="{84D4DDB8-B68F-45B0-9F62-C4279996F672}"/>
+              </a:ext>
+              <a:ext uri="{C183D7F6-B498-43B3-948B-1728B52AA6E4}">
+                <adec:decorative xmlns:adec="http://schemas.microsoft.com/office/drawing/2017/decorative" val="1"/>
+              </a:ext>
+            </a:extLst>
+          </p:cNvPr>
+          <p:cNvSpPr>
+            <a:spLocks noGrp="1" noRot="1" noChangeAspect="1" noMove="1" noResize="1" noEditPoints="1" noAdjustHandles="1" noChangeArrowheads="1" noChangeShapeType="1" noTextEdit="1"/>
+          </p:cNvSpPr>
+          <p:nvPr>
+            <p:extLst>
+              <p:ext uri="{386F3935-93C4-4BCD-93E2-E3B085C9AB24}">
+                <p16:designElem xmlns:p16="http://schemas.microsoft.com/office/powerpoint/2015/main" val="1"/>
+              </p:ext>
+            </p:extLst>
+          </p:nvPr>
+        </p:nvSpPr>
+        <p:spPr>
+          <a:xfrm>
+            <a:off x="0" y="0"/>
+            <a:ext cx="4948887" cy="6858000"/>
+          </a:xfrm>
+          <a:custGeom>
+            <a:avLst/>
+            <a:gdLst>
+              <a:gd name="connsiteX0" fmla="*/ 0 w 4948887"/>
+              <a:gd name="connsiteY0" fmla="*/ 0 h 6858000"/>
+              <a:gd name="connsiteX1" fmla="*/ 4099967 w 4948887"/>
+              <a:gd name="connsiteY1" fmla="*/ 0 h 6858000"/>
+              <a:gd name="connsiteX2" fmla="*/ 4168864 w 4948887"/>
+              <a:gd name="connsiteY2" fmla="*/ 123368 h 6858000"/>
+              <a:gd name="connsiteX3" fmla="*/ 4948887 w 4948887"/>
+              <a:gd name="connsiteY3" fmla="*/ 3429000 h 6858000"/>
+              <a:gd name="connsiteX4" fmla="*/ 4168864 w 4948887"/>
+              <a:gd name="connsiteY4" fmla="*/ 6734633 h 6858000"/>
+              <a:gd name="connsiteX5" fmla="*/ 4099967 w 4948887"/>
+              <a:gd name="connsiteY5" fmla="*/ 6858000 h 6858000"/>
+              <a:gd name="connsiteX6" fmla="*/ 0 w 4948887"/>
+              <a:gd name="connsiteY6" fmla="*/ 6858000 h 6858000"/>
+            </a:gdLst>
+            <a:ahLst/>
+            <a:cxnLst>
+              <a:cxn ang="0">
+                <a:pos x="connsiteX0" y="connsiteY0"/>
+              </a:cxn>
+              <a:cxn ang="0">
+                <a:pos x="connsiteX1" y="connsiteY1"/>
+              </a:cxn>
+              <a:cxn ang="0">
+                <a:pos x="connsiteX2" y="connsiteY2"/>
+              </a:cxn>
+              <a:cxn ang="0">
+                <a:pos x="connsiteX3" y="connsiteY3"/>
+              </a:cxn>
+              <a:cxn ang="0">
+                <a:pos x="connsiteX4" y="connsiteY4"/>
+              </a:cxn>
+              <a:cxn ang="0">
+                <a:pos x="connsiteX5" y="connsiteY5"/>
+              </a:cxn>
+              <a:cxn ang="0">
+                <a:pos x="connsiteX6" y="connsiteY6"/>
+              </a:cxn>
+            </a:cxnLst>
+            <a:rect l="l" t="t" r="r" b="b"/>
+            <a:pathLst>
+              <a:path w="4948887" h="6858000">
+                <a:moveTo>
+                  <a:pt x="0" y="0"/>
+                </a:moveTo>
+                <a:lnTo>
+                  <a:pt x="4099967" y="0"/>
+                </a:lnTo>
+                <a:lnTo>
+                  <a:pt x="4168864" y="123368"/>
+                </a:lnTo>
+                <a:cubicBezTo>
+                  <a:pt x="4658769" y="1045156"/>
+                  <a:pt x="4948887" y="2189404"/>
+                  <a:pt x="4948887" y="3429000"/>
+                </a:cubicBezTo>
+                <a:cubicBezTo>
+                  <a:pt x="4948887" y="4668597"/>
+                  <a:pt x="4658769" y="5812845"/>
+                  <a:pt x="4168864" y="6734633"/>
+                </a:cubicBezTo>
+                <a:lnTo>
+                  <a:pt x="4099967" y="6858000"/>
+                </a:lnTo>
+                <a:lnTo>
+                  <a:pt x="0" y="6858000"/>
+                </a:lnTo>
+                <a:close/>
+              </a:path>
+            </a:pathLst>
+          </a:custGeom>
+          <a:ln w="9525">
+            <a:noFill/>
+          </a:ln>
+          <a:effectLst/>
+        </p:spPr>
+        <p:style>
+          <a:lnRef idx="2">
+            <a:schemeClr val="accent1">
+              <a:shade val="50000"/>
+            </a:schemeClr>
+          </a:lnRef>
+          <a:fillRef idx="1">
+            <a:schemeClr val="accent1"/>
+          </a:fillRef>
+          <a:effectRef idx="0">
+            <a:schemeClr val="accent1"/>
+          </a:effectRef>
+          <a:fontRef idx="minor">
+            <a:schemeClr val="lt1"/>
+          </a:fontRef>
+        </p:style>
+        <p:txBody>
+          <a:bodyPr wrap="square" rtlCol="0" anchor="ctr">
+            <a:noAutofit/>
+          </a:bodyPr>
+          <a:lstStyle/>
+          <a:p>
+            <a:pPr marL="0" marR="0" lvl="0" indent="0" algn="ctr" defTabSz="914400" rtl="0" eaLnBrk="1" fontAlgn="auto" latinLnBrk="0" hangingPunct="1">
+              <a:lnSpc>
+                <a:spcPct val="100000"/>
+              </a:lnSpc>
+              <a:spcBef>
+                <a:spcPts val="0"/>
+              </a:spcBef>
+              <a:spcAft>
+                <a:spcPts val="0"/>
+              </a:spcAft>
+              <a:buClrTx/>
+              <a:buSzTx/>
+              <a:buFontTx/>
+              <a:buNone/>
+              <a:tabLst/>
+              <a:defRPr/>
+            </a:pPr>
+            <a:endParaRPr kumimoji="0" lang="en-US" sz="1800" b="0" i="0" u="none" strike="noStrike" kern="1200" cap="none" spc="0" normalizeH="0" baseline="0" noProof="0">
+              <a:ln>
+                <a:noFill/>
+              </a:ln>
+              <a:solidFill>
+                <a:prstClr val="white"/>
+              </a:solidFill>
+              <a:effectLst/>
+              <a:uLnTx/>
+              <a:uFillTx/>
+              <a:latin typeface="Calibri" panose="020F0502020204030204"/>
+              <a:ea typeface="+mn-ea"/>
+              <a:cs typeface="+mn-cs"/>
+            </a:endParaRPr>
+          </a:p>
+        </p:txBody>
+      </p:sp>
+      <p:sp>
+        <p:nvSpPr>
+          <p:cNvPr id="2" name="Title 1">
+            <a:extLst>
+              <a:ext uri="{FF2B5EF4-FFF2-40B4-BE49-F238E27FC236}">
+                <a16:creationId xmlns:a16="http://schemas.microsoft.com/office/drawing/2014/main" id="{61DDA2E0-1EDC-4437-8213-1C7EDD22A259}"/>
+              </a:ext>
+            </a:extLst>
+          </p:cNvPr>
+          <p:cNvSpPr>
+            <a:spLocks noGrp="1"/>
+          </p:cNvSpPr>
+          <p:nvPr>
+            <p:ph type="ctrTitle"/>
+          </p:nvPr>
+        </p:nvSpPr>
+        <p:spPr>
+          <a:xfrm>
+            <a:off x="477981" y="1122363"/>
+            <a:ext cx="4023360" cy="3204134"/>
+          </a:xfrm>
+        </p:spPr>
+        <p:txBody>
+          <a:bodyPr anchor="b">
+            <a:normAutofit/>
+          </a:bodyPr>
+          <a:lstStyle/>
+          <a:p>
+            <a:pPr algn="l"/>
+            <a:r>
+              <a:rPr lang="en-GB" sz="4800" b="1"/>
+              <a:t>Types of Graph?</a:t>
+            </a:r>
+          </a:p>
+        </p:txBody>
+      </p:sp>
+      <p:sp>
+        <p:nvSpPr>
+          <p:cNvPr id="3" name="Subtitle 2">
+            <a:extLst>
+              <a:ext uri="{FF2B5EF4-FFF2-40B4-BE49-F238E27FC236}">
+                <a16:creationId xmlns:a16="http://schemas.microsoft.com/office/drawing/2014/main" id="{22AD030D-A528-4C46-840A-D0B76A19935A}"/>
+              </a:ext>
+            </a:extLst>
+          </p:cNvPr>
+          <p:cNvSpPr>
+            <a:spLocks noGrp="1"/>
+          </p:cNvSpPr>
+          <p:nvPr>
+            <p:ph type="subTitle" idx="1"/>
+          </p:nvPr>
+        </p:nvSpPr>
+        <p:spPr>
+          <a:xfrm>
+            <a:off x="477981" y="4872922"/>
+            <a:ext cx="3933306" cy="1710758"/>
           </a:xfrm>
         </p:spPr>
         <p:txBody>
@@ -5638,36 +9295,12 @@
               <a:buChar char="•"/>
             </a:pPr>
             <a:r>
-              <a:rPr lang="en-GB" sz="2000" dirty="0"/>
-              <a:t>Based on </a:t>
-            </a:r>
-            <a:r>
-              <a:rPr lang="en-GB" sz="2000" b="1" dirty="0"/>
-              <a:t>weight</a:t>
-            </a:r>
-            <a:r>
-              <a:rPr lang="en-GB" sz="2000" dirty="0"/>
-              <a:t> graph is two types: </a:t>
-            </a:r>
-          </a:p>
-          <a:p>
-            <a:pPr marL="800100" lvl="1" indent="-342900" algn="just">
-              <a:buFont typeface="Arial" panose="020B0604020202020204" pitchFamily="34" charset="0"/>
-              <a:buChar char="•"/>
-            </a:pPr>
-            <a:r>
               <a:rPr lang="en-GB" sz="1600" b="1" dirty="0"/>
-              <a:t>Weighted Graph</a:t>
-            </a:r>
-          </a:p>
-          <a:p>
-            <a:pPr marL="800100" lvl="1" indent="-342900" algn="just">
-              <a:buFont typeface="Arial" panose="020B0604020202020204" pitchFamily="34" charset="0"/>
-              <a:buChar char="•"/>
-            </a:pPr>
-            <a:r>
-              <a:rPr lang="en-GB" sz="1600" b="1" dirty="0"/>
-              <a:t>Unweighted Graph</a:t>
+              <a:t>Cyclic Graph: </a:t>
+            </a:r>
+            <a:r>
+              <a:rPr lang="en-GB" sz="1600" dirty="0"/>
+              <a:t>A cyclic graph contains at least one cycle, which is a path that starts and ends at the same node..</a:t>
             </a:r>
           </a:p>
           <a:p>
@@ -5676,71 +9309,1164 @@
               <a:buChar char="•"/>
             </a:pPr>
             <a:r>
-              <a:rPr lang="en-GB" sz="2000" b="1" dirty="0"/>
-              <a:t>Weighted Graph: </a:t>
-            </a:r>
-            <a:r>
-              <a:rPr lang="en-GB" sz="2000" dirty="0"/>
-              <a:t>A graph in which edges have weights or costs associated with them. Example: A road network graph where the weights can represent the distance between two cities.</a:t>
-            </a:r>
-          </a:p>
+              <a:rPr lang="en-GB" sz="1600" b="1" dirty="0"/>
+              <a:t>Acyclic Graph: </a:t>
+            </a:r>
+            <a:r>
+              <a:rPr lang="en-GB" sz="1600" dirty="0"/>
+              <a:t>This type of graph has no cycles.</a:t>
+            </a:r>
+            <a:endParaRPr lang="en-GB" sz="1600" b="1" dirty="0"/>
+          </a:p>
+        </p:txBody>
+      </p:sp>
+      <p:sp>
+        <p:nvSpPr>
+          <p:cNvPr id="21" name="Rectangle 20">
+            <a:extLst>
+              <a:ext uri="{FF2B5EF4-FFF2-40B4-BE49-F238E27FC236}">
+                <a16:creationId xmlns:a16="http://schemas.microsoft.com/office/drawing/2014/main" id="{AF2F604E-43BE-4DC3-B983-E071523364F8}"/>
+              </a:ext>
+              <a:ext uri="{C183D7F6-B498-43B3-948B-1728B52AA6E4}">
+                <adec:decorative xmlns:adec="http://schemas.microsoft.com/office/drawing/2017/decorative" val="1"/>
+              </a:ext>
+            </a:extLst>
+          </p:cNvPr>
+          <p:cNvSpPr>
+            <a:spLocks noGrp="1" noRot="1" noChangeAspect="1" noMove="1" noResize="1" noEditPoints="1" noAdjustHandles="1" noChangeArrowheads="1" noChangeShapeType="1" noTextEdit="1"/>
+          </p:cNvSpPr>
+          <p:nvPr>
+            <p:extLst>
+              <p:ext uri="{386F3935-93C4-4BCD-93E2-E3B085C9AB24}">
+                <p16:designElem xmlns:p16="http://schemas.microsoft.com/office/powerpoint/2015/main" val="1"/>
+              </p:ext>
+            </p:extLst>
+          </p:nvPr>
+        </p:nvSpPr>
+        <p:spPr>
+          <a:xfrm rot="5400000">
+            <a:off x="759921" y="346791"/>
+            <a:ext cx="146304" cy="704088"/>
+          </a:xfrm>
+          <a:prstGeom prst="rect">
+            <a:avLst/>
+          </a:prstGeom>
+          <a:solidFill>
+            <a:schemeClr val="accent2"/>
+          </a:solidFill>
+          <a:ln>
+            <a:noFill/>
+          </a:ln>
+        </p:spPr>
+        <p:style>
+          <a:lnRef idx="2">
+            <a:schemeClr val="accent1">
+              <a:shade val="50000"/>
+            </a:schemeClr>
+          </a:lnRef>
+          <a:fillRef idx="1">
+            <a:schemeClr val="accent1"/>
+          </a:fillRef>
+          <a:effectRef idx="0">
+            <a:schemeClr val="accent1"/>
+          </a:effectRef>
+          <a:fontRef idx="minor">
+            <a:schemeClr val="lt1"/>
+          </a:fontRef>
+        </p:style>
+        <p:txBody>
+          <a:bodyPr rtlCol="0" anchor="ctr"/>
+          <a:lstStyle/>
+          <a:p>
+            <a:pPr algn="ctr"/>
+            <a:endParaRPr lang="en-US">
+              <a:solidFill>
+                <a:prstClr val="white"/>
+              </a:solidFill>
+              <a:latin typeface="Calibri" panose="020F0502020204030204"/>
+            </a:endParaRPr>
+          </a:p>
+        </p:txBody>
+      </p:sp>
+      <p:sp>
+        <p:nvSpPr>
+          <p:cNvPr id="23" name="Rectangle 22">
+            <a:extLst>
+              <a:ext uri="{FF2B5EF4-FFF2-40B4-BE49-F238E27FC236}">
+                <a16:creationId xmlns:a16="http://schemas.microsoft.com/office/drawing/2014/main" id="{08C9B587-E65E-4B52-B37C-ABEBB6E87928}"/>
+              </a:ext>
+              <a:ext uri="{C183D7F6-B498-43B3-948B-1728B52AA6E4}">
+                <adec:decorative xmlns:adec="http://schemas.microsoft.com/office/drawing/2017/decorative" val="1"/>
+              </a:ext>
+            </a:extLst>
+          </p:cNvPr>
+          <p:cNvSpPr>
+            <a:spLocks noGrp="1" noRot="1" noChangeAspect="1" noMove="1" noResize="1" noEditPoints="1" noAdjustHandles="1" noChangeArrowheads="1" noChangeShapeType="1" noTextEdit="1"/>
+          </p:cNvSpPr>
+          <p:nvPr>
+            <p:extLst>
+              <p:ext uri="{386F3935-93C4-4BCD-93E2-E3B085C9AB24}">
+                <p16:designElem xmlns:p16="http://schemas.microsoft.com/office/powerpoint/2015/main" val="1"/>
+              </p:ext>
+            </p:extLst>
+          </p:nvPr>
+        </p:nvSpPr>
+        <p:spPr>
+          <a:xfrm>
+            <a:off x="481029" y="4546920"/>
+            <a:ext cx="4023360" cy="18288"/>
+          </a:xfrm>
+          <a:prstGeom prst="rect">
+            <a:avLst/>
+          </a:prstGeom>
+          <a:solidFill>
+            <a:srgbClr val="D5D5D5"/>
+          </a:solidFill>
+          <a:ln w="3175">
+            <a:noFill/>
+          </a:ln>
+          <a:effectLst/>
+        </p:spPr>
+        <p:style>
+          <a:lnRef idx="2">
+            <a:schemeClr val="accent1">
+              <a:shade val="50000"/>
+            </a:schemeClr>
+          </a:lnRef>
+          <a:fillRef idx="1">
+            <a:schemeClr val="accent1"/>
+          </a:fillRef>
+          <a:effectRef idx="0">
+            <a:schemeClr val="accent1"/>
+          </a:effectRef>
+          <a:fontRef idx="minor">
+            <a:schemeClr val="lt1"/>
+          </a:fontRef>
+        </p:style>
+        <p:txBody>
+          <a:bodyPr rtlCol="0" anchor="ctr"/>
+          <a:lstStyle/>
+          <a:p>
+            <a:pPr marL="0" marR="0" lvl="0" indent="0" algn="ctr" defTabSz="914400" rtl="0" eaLnBrk="1" fontAlgn="auto" latinLnBrk="0" hangingPunct="1">
+              <a:lnSpc>
+                <a:spcPct val="100000"/>
+              </a:lnSpc>
+              <a:spcBef>
+                <a:spcPts val="0"/>
+              </a:spcBef>
+              <a:spcAft>
+                <a:spcPts val="0"/>
+              </a:spcAft>
+              <a:buClrTx/>
+              <a:buSzTx/>
+              <a:buFontTx/>
+              <a:buNone/>
+              <a:tabLst/>
+              <a:defRPr/>
+            </a:pPr>
+            <a:endParaRPr kumimoji="0" lang="en-US" sz="1800" b="0" i="0" u="none" strike="noStrike" kern="1200" cap="none" spc="0" normalizeH="0" baseline="0" noProof="0">
+              <a:ln>
+                <a:noFill/>
+              </a:ln>
+              <a:solidFill>
+                <a:prstClr val="white"/>
+              </a:solidFill>
+              <a:effectLst/>
+              <a:uLnTx/>
+              <a:uFillTx/>
+              <a:latin typeface="Calibri" panose="020F0502020204030204"/>
+              <a:ea typeface="+mn-ea"/>
+              <a:cs typeface="+mn-cs"/>
+            </a:endParaRPr>
+          </a:p>
+        </p:txBody>
+      </p:sp>
+      <p:pic>
+        <p:nvPicPr>
+          <p:cNvPr id="10" name="Picture 9">
+            <a:extLst>
+              <a:ext uri="{FF2B5EF4-FFF2-40B4-BE49-F238E27FC236}">
+                <a16:creationId xmlns:a16="http://schemas.microsoft.com/office/drawing/2014/main" id="{0618AADB-7824-8E9C-668C-2679CF5F4AA6}"/>
+              </a:ext>
+            </a:extLst>
+          </p:cNvPr>
+          <p:cNvPicPr>
+            <a:picLocks noChangeAspect="1"/>
+          </p:cNvPicPr>
+          <p:nvPr/>
+        </p:nvPicPr>
+        <p:blipFill>
+          <a:blip r:embed="rId3"/>
+          <a:stretch>
+            <a:fillRect/>
+          </a:stretch>
+        </p:blipFill>
+        <p:spPr>
+          <a:xfrm>
+            <a:off x="5414356" y="2127685"/>
+            <a:ext cx="6408836" cy="2451378"/>
+          </a:xfrm>
+          <a:prstGeom prst="rect">
+            <a:avLst/>
+          </a:prstGeom>
+        </p:spPr>
+      </p:pic>
+    </p:spTree>
+    <p:extLst>
+      <p:ext uri="{BB962C8B-B14F-4D97-AF65-F5344CB8AC3E}">
+        <p14:creationId xmlns:p14="http://schemas.microsoft.com/office/powerpoint/2010/main" val="162823555"/>
+      </p:ext>
+    </p:extLst>
+  </p:cSld>
+  <p:clrMapOvr>
+    <a:masterClrMapping/>
+  </p:clrMapOvr>
+</p:sld>
+</file>
+
+<file path=ppt/slides/slide7.xml><?xml version="1.0" encoding="utf-8"?>
+<p:sld xmlns:a="http://schemas.openxmlformats.org/drawingml/2006/main" xmlns:r="http://schemas.openxmlformats.org/officeDocument/2006/relationships" xmlns:p="http://schemas.openxmlformats.org/presentationml/2006/main">
+  <p:cSld>
+    <p:bg>
+      <p:bgPr>
+        <a:solidFill>
+          <a:schemeClr val="bg1"/>
+        </a:solidFill>
+        <a:effectLst/>
+      </p:bgPr>
+    </p:bg>
+    <p:spTree>
+      <p:nvGrpSpPr>
+        <p:cNvPr id="1" name=""/>
+        <p:cNvGrpSpPr/>
+        <p:nvPr/>
+      </p:nvGrpSpPr>
+      <p:grpSpPr>
+        <a:xfrm>
+          <a:off x="0" y="0"/>
+          <a:ext cx="0" cy="0"/>
+          <a:chOff x="0" y="0"/>
+          <a:chExt cx="0" cy="0"/>
+        </a:xfrm>
+      </p:grpSpPr>
+      <p:sp useBgFill="1">
+        <p:nvSpPr>
+          <p:cNvPr id="8" name="Rectangle 7">
+            <a:extLst>
+              <a:ext uri="{FF2B5EF4-FFF2-40B4-BE49-F238E27FC236}">
+                <a16:creationId xmlns:a16="http://schemas.microsoft.com/office/drawing/2014/main" id="{777A147A-9ED8-46B4-8660-1B3C2AA880B5}"/>
+              </a:ext>
+              <a:ext uri="{C183D7F6-B498-43B3-948B-1728B52AA6E4}">
+                <adec:decorative xmlns:adec="http://schemas.microsoft.com/office/drawing/2017/decorative" val="1"/>
+              </a:ext>
+            </a:extLst>
+          </p:cNvPr>
+          <p:cNvSpPr>
+            <a:spLocks noGrp="1" noRot="1" noChangeAspect="1" noMove="1" noResize="1" noEditPoints="1" noAdjustHandles="1" noChangeArrowheads="1" noChangeShapeType="1" noTextEdit="1"/>
+          </p:cNvSpPr>
+          <p:nvPr>
+            <p:extLst>
+              <p:ext uri="{386F3935-93C4-4BCD-93E2-E3B085C9AB24}">
+                <p16:designElem xmlns:p16="http://schemas.microsoft.com/office/powerpoint/2015/main" val="1"/>
+              </p:ext>
+            </p:extLst>
+          </p:nvPr>
+        </p:nvSpPr>
+        <p:spPr>
+          <a:xfrm>
+            <a:off x="0" y="0"/>
+            <a:ext cx="12188952" cy="6858000"/>
+          </a:xfrm>
+          <a:prstGeom prst="rect">
+            <a:avLst/>
+          </a:prstGeom>
+          <a:ln>
+            <a:noFill/>
+          </a:ln>
+        </p:spPr>
+        <p:style>
+          <a:lnRef idx="2">
+            <a:schemeClr val="accent1">
+              <a:shade val="50000"/>
+            </a:schemeClr>
+          </a:lnRef>
+          <a:fillRef idx="1">
+            <a:schemeClr val="accent1"/>
+          </a:fillRef>
+          <a:effectRef idx="0">
+            <a:schemeClr val="accent1"/>
+          </a:effectRef>
+          <a:fontRef idx="minor">
+            <a:schemeClr val="lt1"/>
+          </a:fontRef>
+        </p:style>
+        <p:txBody>
+          <a:bodyPr rtlCol="0" anchor="ctr"/>
+          <a:lstStyle/>
+          <a:p>
+            <a:pPr algn="ctr"/>
+            <a:endParaRPr lang="en-US"/>
+          </a:p>
+        </p:txBody>
+      </p:sp>
+      <p:sp>
+        <p:nvSpPr>
+          <p:cNvPr id="2" name="Title 1">
+            <a:extLst>
+              <a:ext uri="{FF2B5EF4-FFF2-40B4-BE49-F238E27FC236}">
+                <a16:creationId xmlns:a16="http://schemas.microsoft.com/office/drawing/2014/main" id="{61DDA2E0-1EDC-4437-8213-1C7EDD22A259}"/>
+              </a:ext>
+            </a:extLst>
+          </p:cNvPr>
+          <p:cNvSpPr>
+            <a:spLocks noGrp="1"/>
+          </p:cNvSpPr>
+          <p:nvPr>
+            <p:ph type="ctrTitle"/>
+          </p:nvPr>
+        </p:nvSpPr>
+        <p:spPr>
+          <a:xfrm>
+            <a:off x="841248" y="548640"/>
+            <a:ext cx="3600860" cy="5431536"/>
+          </a:xfrm>
+        </p:spPr>
+        <p:txBody>
+          <a:bodyPr vert="horz" lIns="91440" tIns="45720" rIns="91440" bIns="45720" rtlCol="0" anchor="ctr">
+            <a:normAutofit/>
+          </a:bodyPr>
+          <a:lstStyle/>
+          <a:p>
+            <a:pPr algn="l"/>
+            <a:r>
+              <a:rPr lang="en-US" sz="4600" b="1" kern="1200" dirty="0">
+                <a:solidFill>
+                  <a:schemeClr val="tx1"/>
+                </a:solidFill>
+                <a:latin typeface="+mj-lt"/>
+                <a:ea typeface="+mj-ea"/>
+                <a:cs typeface="+mj-cs"/>
+              </a:rPr>
+              <a:t>Terminologies of Graph?</a:t>
+            </a:r>
+          </a:p>
+        </p:txBody>
+      </p:sp>
+      <p:sp>
+        <p:nvSpPr>
+          <p:cNvPr id="10" name="sketch line">
+            <a:extLst>
+              <a:ext uri="{FF2B5EF4-FFF2-40B4-BE49-F238E27FC236}">
+                <a16:creationId xmlns:a16="http://schemas.microsoft.com/office/drawing/2014/main" id="{5D6C15A0-C087-4593-8414-2B4EC1CDC3DE}"/>
+              </a:ext>
+              <a:ext uri="{C183D7F6-B498-43B3-948B-1728B52AA6E4}">
+                <adec:decorative xmlns:adec="http://schemas.microsoft.com/office/drawing/2017/decorative" val="1"/>
+              </a:ext>
+            </a:extLst>
+          </p:cNvPr>
+          <p:cNvSpPr>
+            <a:spLocks noGrp="1" noRot="1" noChangeAspect="1" noMove="1" noResize="1" noEditPoints="1" noAdjustHandles="1" noChangeArrowheads="1" noChangeShapeType="1" noTextEdit="1"/>
+          </p:cNvSpPr>
+          <p:nvPr>
+            <p:extLst>
+              <p:ext uri="{386F3935-93C4-4BCD-93E2-E3B085C9AB24}">
+                <p16:designElem xmlns:p16="http://schemas.microsoft.com/office/powerpoint/2015/main" val="1"/>
+              </p:ext>
+            </p:extLst>
+          </p:nvPr>
+        </p:nvSpPr>
+        <p:spPr>
+          <a:xfrm rot="5400000">
+            <a:off x="2543983" y="3258715"/>
+            <a:ext cx="4480560" cy="18288"/>
+          </a:xfrm>
+          <a:custGeom>
+            <a:avLst/>
+            <a:gdLst>
+              <a:gd name="connsiteX0" fmla="*/ 0 w 4480560"/>
+              <a:gd name="connsiteY0" fmla="*/ 0 h 18288"/>
+              <a:gd name="connsiteX1" fmla="*/ 595274 w 4480560"/>
+              <a:gd name="connsiteY1" fmla="*/ 0 h 18288"/>
+              <a:gd name="connsiteX2" fmla="*/ 1100938 w 4480560"/>
+              <a:gd name="connsiteY2" fmla="*/ 0 h 18288"/>
+              <a:gd name="connsiteX3" fmla="*/ 1651406 w 4480560"/>
+              <a:gd name="connsiteY3" fmla="*/ 0 h 18288"/>
+              <a:gd name="connsiteX4" fmla="*/ 2336292 w 4480560"/>
+              <a:gd name="connsiteY4" fmla="*/ 0 h 18288"/>
+              <a:gd name="connsiteX5" fmla="*/ 2931566 w 4480560"/>
+              <a:gd name="connsiteY5" fmla="*/ 0 h 18288"/>
+              <a:gd name="connsiteX6" fmla="*/ 3482035 w 4480560"/>
+              <a:gd name="connsiteY6" fmla="*/ 0 h 18288"/>
+              <a:gd name="connsiteX7" fmla="*/ 4480560 w 4480560"/>
+              <a:gd name="connsiteY7" fmla="*/ 0 h 18288"/>
+              <a:gd name="connsiteX8" fmla="*/ 4480560 w 4480560"/>
+              <a:gd name="connsiteY8" fmla="*/ 18288 h 18288"/>
+              <a:gd name="connsiteX9" fmla="*/ 3840480 w 4480560"/>
+              <a:gd name="connsiteY9" fmla="*/ 18288 h 18288"/>
+              <a:gd name="connsiteX10" fmla="*/ 3290011 w 4480560"/>
+              <a:gd name="connsiteY10" fmla="*/ 18288 h 18288"/>
+              <a:gd name="connsiteX11" fmla="*/ 2560320 w 4480560"/>
+              <a:gd name="connsiteY11" fmla="*/ 18288 h 18288"/>
+              <a:gd name="connsiteX12" fmla="*/ 1965046 w 4480560"/>
+              <a:gd name="connsiteY12" fmla="*/ 18288 h 18288"/>
+              <a:gd name="connsiteX13" fmla="*/ 1459382 w 4480560"/>
+              <a:gd name="connsiteY13" fmla="*/ 18288 h 18288"/>
+              <a:gd name="connsiteX14" fmla="*/ 774497 w 4480560"/>
+              <a:gd name="connsiteY14" fmla="*/ 18288 h 18288"/>
+              <a:gd name="connsiteX15" fmla="*/ 0 w 4480560"/>
+              <a:gd name="connsiteY15" fmla="*/ 18288 h 18288"/>
+              <a:gd name="connsiteX16" fmla="*/ 0 w 4480560"/>
+              <a:gd name="connsiteY16" fmla="*/ 0 h 18288"/>
+            </a:gdLst>
+            <a:ahLst/>
+            <a:cxnLst>
+              <a:cxn ang="0">
+                <a:pos x="connsiteX0" y="connsiteY0"/>
+              </a:cxn>
+              <a:cxn ang="0">
+                <a:pos x="connsiteX1" y="connsiteY1"/>
+              </a:cxn>
+              <a:cxn ang="0">
+                <a:pos x="connsiteX2" y="connsiteY2"/>
+              </a:cxn>
+              <a:cxn ang="0">
+                <a:pos x="connsiteX3" y="connsiteY3"/>
+              </a:cxn>
+              <a:cxn ang="0">
+                <a:pos x="connsiteX4" y="connsiteY4"/>
+              </a:cxn>
+              <a:cxn ang="0">
+                <a:pos x="connsiteX5" y="connsiteY5"/>
+              </a:cxn>
+              <a:cxn ang="0">
+                <a:pos x="connsiteX6" y="connsiteY6"/>
+              </a:cxn>
+              <a:cxn ang="0">
+                <a:pos x="connsiteX7" y="connsiteY7"/>
+              </a:cxn>
+              <a:cxn ang="0">
+                <a:pos x="connsiteX8" y="connsiteY8"/>
+              </a:cxn>
+              <a:cxn ang="0">
+                <a:pos x="connsiteX9" y="connsiteY9"/>
+              </a:cxn>
+              <a:cxn ang="0">
+                <a:pos x="connsiteX10" y="connsiteY10"/>
+              </a:cxn>
+              <a:cxn ang="0">
+                <a:pos x="connsiteX11" y="connsiteY11"/>
+              </a:cxn>
+              <a:cxn ang="0">
+                <a:pos x="connsiteX12" y="connsiteY12"/>
+              </a:cxn>
+              <a:cxn ang="0">
+                <a:pos x="connsiteX13" y="connsiteY13"/>
+              </a:cxn>
+              <a:cxn ang="0">
+                <a:pos x="connsiteX14" y="connsiteY14"/>
+              </a:cxn>
+              <a:cxn ang="0">
+                <a:pos x="connsiteX15" y="connsiteY15"/>
+              </a:cxn>
+              <a:cxn ang="0">
+                <a:pos x="connsiteX16" y="connsiteY16"/>
+              </a:cxn>
+            </a:cxnLst>
+            <a:rect l="l" t="t" r="r" b="b"/>
+            <a:pathLst>
+              <a:path w="4480560" h="18288" fill="none" extrusionOk="0">
+                <a:moveTo>
+                  <a:pt x="0" y="0"/>
+                </a:moveTo>
+                <a:cubicBezTo>
+                  <a:pt x="267821" y="8731"/>
+                  <a:pt x="334105" y="2629"/>
+                  <a:pt x="595274" y="0"/>
+                </a:cubicBezTo>
+                <a:cubicBezTo>
+                  <a:pt x="856443" y="-2629"/>
+                  <a:pt x="863808" y="-13353"/>
+                  <a:pt x="1100938" y="0"/>
+                </a:cubicBezTo>
+                <a:cubicBezTo>
+                  <a:pt x="1338068" y="13353"/>
+                  <a:pt x="1431663" y="-25862"/>
+                  <a:pt x="1651406" y="0"/>
+                </a:cubicBezTo>
+                <a:cubicBezTo>
+                  <a:pt x="1871149" y="25862"/>
+                  <a:pt x="2173163" y="23827"/>
+                  <a:pt x="2336292" y="0"/>
+                </a:cubicBezTo>
+                <a:cubicBezTo>
+                  <a:pt x="2499421" y="-23827"/>
+                  <a:pt x="2720589" y="28148"/>
+                  <a:pt x="2931566" y="0"/>
+                </a:cubicBezTo>
+                <a:cubicBezTo>
+                  <a:pt x="3142543" y="-28148"/>
+                  <a:pt x="3323630" y="27022"/>
+                  <a:pt x="3482035" y="0"/>
+                </a:cubicBezTo>
+                <a:cubicBezTo>
+                  <a:pt x="3640440" y="-27022"/>
+                  <a:pt x="4012110" y="-20118"/>
+                  <a:pt x="4480560" y="0"/>
+                </a:cubicBezTo>
+                <a:cubicBezTo>
+                  <a:pt x="4480958" y="7429"/>
+                  <a:pt x="4480540" y="10822"/>
+                  <a:pt x="4480560" y="18288"/>
+                </a:cubicBezTo>
+                <a:cubicBezTo>
+                  <a:pt x="4314132" y="14924"/>
+                  <a:pt x="4028383" y="36632"/>
+                  <a:pt x="3840480" y="18288"/>
+                </a:cubicBezTo>
+                <a:cubicBezTo>
+                  <a:pt x="3652577" y="-56"/>
+                  <a:pt x="3547615" y="2848"/>
+                  <a:pt x="3290011" y="18288"/>
+                </a:cubicBezTo>
+                <a:cubicBezTo>
+                  <a:pt x="3032407" y="33728"/>
+                  <a:pt x="2830268" y="8719"/>
+                  <a:pt x="2560320" y="18288"/>
+                </a:cubicBezTo>
+                <a:cubicBezTo>
+                  <a:pt x="2290372" y="27857"/>
+                  <a:pt x="2147422" y="6728"/>
+                  <a:pt x="1965046" y="18288"/>
+                </a:cubicBezTo>
+                <a:cubicBezTo>
+                  <a:pt x="1782670" y="29848"/>
+                  <a:pt x="1689791" y="40680"/>
+                  <a:pt x="1459382" y="18288"/>
+                </a:cubicBezTo>
+                <a:cubicBezTo>
+                  <a:pt x="1228973" y="-4104"/>
+                  <a:pt x="915486" y="36501"/>
+                  <a:pt x="774497" y="18288"/>
+                </a:cubicBezTo>
+                <a:cubicBezTo>
+                  <a:pt x="633508" y="75"/>
+                  <a:pt x="361442" y="-11107"/>
+                  <a:pt x="0" y="18288"/>
+                </a:cubicBezTo>
+                <a:cubicBezTo>
+                  <a:pt x="-591" y="13205"/>
+                  <a:pt x="-663" y="6329"/>
+                  <a:pt x="0" y="0"/>
+                </a:cubicBezTo>
+                <a:close/>
+              </a:path>
+              <a:path w="4480560" h="18288" stroke="0" extrusionOk="0">
+                <a:moveTo>
+                  <a:pt x="0" y="0"/>
+                </a:moveTo>
+                <a:cubicBezTo>
+                  <a:pt x="285465" y="225"/>
+                  <a:pt x="322691" y="16223"/>
+                  <a:pt x="595274" y="0"/>
+                </a:cubicBezTo>
+                <a:cubicBezTo>
+                  <a:pt x="867857" y="-16223"/>
+                  <a:pt x="989129" y="-11242"/>
+                  <a:pt x="1100938" y="0"/>
+                </a:cubicBezTo>
+                <a:cubicBezTo>
+                  <a:pt x="1212747" y="11242"/>
+                  <a:pt x="1574350" y="-36410"/>
+                  <a:pt x="1830629" y="0"/>
+                </a:cubicBezTo>
+                <a:cubicBezTo>
+                  <a:pt x="2086908" y="36410"/>
+                  <a:pt x="2180922" y="4645"/>
+                  <a:pt x="2425903" y="0"/>
+                </a:cubicBezTo>
+                <a:cubicBezTo>
+                  <a:pt x="2670884" y="-4645"/>
+                  <a:pt x="2782024" y="22929"/>
+                  <a:pt x="3021178" y="0"/>
+                </a:cubicBezTo>
+                <a:cubicBezTo>
+                  <a:pt x="3260332" y="-22929"/>
+                  <a:pt x="3456982" y="-1586"/>
+                  <a:pt x="3750869" y="0"/>
+                </a:cubicBezTo>
+                <a:cubicBezTo>
+                  <a:pt x="4044756" y="1586"/>
+                  <a:pt x="4302726" y="17043"/>
+                  <a:pt x="4480560" y="0"/>
+                </a:cubicBezTo>
+                <a:cubicBezTo>
+                  <a:pt x="4479674" y="5429"/>
+                  <a:pt x="4481381" y="14046"/>
+                  <a:pt x="4480560" y="18288"/>
+                </a:cubicBezTo>
+                <a:cubicBezTo>
+                  <a:pt x="4279652" y="-6850"/>
+                  <a:pt x="4200762" y="41566"/>
+                  <a:pt x="3930091" y="18288"/>
+                </a:cubicBezTo>
+                <a:cubicBezTo>
+                  <a:pt x="3659420" y="-4990"/>
+                  <a:pt x="3456052" y="22294"/>
+                  <a:pt x="3290011" y="18288"/>
+                </a:cubicBezTo>
+                <a:cubicBezTo>
+                  <a:pt x="3123970" y="14282"/>
+                  <a:pt x="2882392" y="32818"/>
+                  <a:pt x="2649931" y="18288"/>
+                </a:cubicBezTo>
+                <a:cubicBezTo>
+                  <a:pt x="2417470" y="3758"/>
+                  <a:pt x="2238426" y="7337"/>
+                  <a:pt x="2054657" y="18288"/>
+                </a:cubicBezTo>
+                <a:cubicBezTo>
+                  <a:pt x="1870888" y="29239"/>
+                  <a:pt x="1566368" y="45040"/>
+                  <a:pt x="1324966" y="18288"/>
+                </a:cubicBezTo>
+                <a:cubicBezTo>
+                  <a:pt x="1083564" y="-8464"/>
+                  <a:pt x="787410" y="10946"/>
+                  <a:pt x="595274" y="18288"/>
+                </a:cubicBezTo>
+                <a:cubicBezTo>
+                  <a:pt x="403138" y="25630"/>
+                  <a:pt x="169622" y="10499"/>
+                  <a:pt x="0" y="18288"/>
+                </a:cubicBezTo>
+                <a:cubicBezTo>
+                  <a:pt x="668" y="13665"/>
+                  <a:pt x="578" y="5675"/>
+                  <a:pt x="0" y="0"/>
+                </a:cubicBezTo>
+                <a:close/>
+              </a:path>
+            </a:pathLst>
+          </a:custGeom>
+          <a:solidFill>
+            <a:schemeClr val="accent2"/>
+          </a:solidFill>
+          <a:ln w="41275" cap="rnd">
+            <a:solidFill>
+              <a:schemeClr val="accent2"/>
+            </a:solidFill>
+            <a:round/>
+            <a:extLst>
+              <a:ext uri="{C807C97D-BFC1-408E-A445-0C87EB9F89A2}">
+                <ask:lineSketchStyleProps xmlns:ask="http://schemas.microsoft.com/office/drawing/2018/sketchyshapes" sd="1219033472">
+                  <a:prstGeom prst="rect">
+                    <a:avLst/>
+                  </a:prstGeom>
+                  <ask:type>
+                    <ask:lineSketchFreehand/>
+                  </ask:type>
+                </ask:lineSketchStyleProps>
+              </a:ext>
+            </a:extLst>
+          </a:ln>
+        </p:spPr>
+        <p:style>
+          <a:lnRef idx="2">
+            <a:schemeClr val="accent1">
+              <a:shade val="50000"/>
+            </a:schemeClr>
+          </a:lnRef>
+          <a:fillRef idx="1">
+            <a:schemeClr val="accent1"/>
+          </a:fillRef>
+          <a:effectRef idx="0">
+            <a:schemeClr val="accent1"/>
+          </a:effectRef>
+          <a:fontRef idx="minor">
+            <a:schemeClr val="lt1"/>
+          </a:fontRef>
+        </p:style>
+        <p:txBody>
+          <a:bodyPr rtlCol="0" anchor="ctr"/>
+          <a:lstStyle/>
+          <a:p>
+            <a:pPr algn="ctr"/>
+            <a:endParaRPr lang="en-US"/>
+          </a:p>
+        </p:txBody>
+      </p:sp>
+      <p:sp>
+        <p:nvSpPr>
+          <p:cNvPr id="3" name="Subtitle 2">
+            <a:extLst>
+              <a:ext uri="{FF2B5EF4-FFF2-40B4-BE49-F238E27FC236}">
+                <a16:creationId xmlns:a16="http://schemas.microsoft.com/office/drawing/2014/main" id="{22AD030D-A528-4C46-840A-D0B76A19935A}"/>
+              </a:ext>
+            </a:extLst>
+          </p:cNvPr>
+          <p:cNvSpPr>
+            <a:spLocks noGrp="1"/>
+          </p:cNvSpPr>
+          <p:nvPr>
+            <p:ph type="subTitle" idx="1"/>
+          </p:nvPr>
+        </p:nvSpPr>
+        <p:spPr>
+          <a:xfrm>
+            <a:off x="5126418" y="552091"/>
+            <a:ext cx="6224335" cy="5431536"/>
+          </a:xfrm>
+        </p:spPr>
+        <p:txBody>
+          <a:bodyPr vert="horz" lIns="91440" tIns="45720" rIns="91440" bIns="45720" rtlCol="0" anchor="ctr">
+            <a:normAutofit/>
+          </a:bodyPr>
+          <a:lstStyle/>
+          <a:p>
+            <a:pPr marL="342900" indent="-228600" algn="just">
+              <a:buFont typeface="Arial" panose="020B0604020202020204" pitchFamily="34" charset="0"/>
+              <a:buChar char="•"/>
+            </a:pPr>
+            <a:r>
+              <a:rPr lang="en-US" sz="1900" b="1" dirty="0"/>
+              <a:t>Vertex (Node): </a:t>
+            </a:r>
+            <a:r>
+              <a:rPr lang="en-US" sz="1900" dirty="0"/>
+              <a:t>An individual element in the graph.</a:t>
+            </a:r>
+          </a:p>
+          <a:p>
+            <a:pPr marL="342900" indent="-228600" algn="just">
+              <a:buFont typeface="Arial" panose="020B0604020202020204" pitchFamily="34" charset="0"/>
+              <a:buChar char="•"/>
+            </a:pPr>
+            <a:r>
+              <a:rPr lang="en-US" sz="1900" b="1" dirty="0"/>
+              <a:t>Adjacent nodes:</a:t>
+            </a:r>
+            <a:r>
+              <a:rPr lang="en-US" sz="1900" dirty="0"/>
+              <a:t> Node </a:t>
+            </a:r>
+            <a:r>
+              <a:rPr lang="en-US" sz="1900" b="1" i="1" dirty="0"/>
+              <a:t>X</a:t>
+            </a:r>
+            <a:r>
+              <a:rPr lang="en-US" sz="1900" dirty="0"/>
+              <a:t> is adjacent node </a:t>
+            </a:r>
+            <a:r>
+              <a:rPr lang="en-US" sz="1900" b="1" i="1" dirty="0"/>
+              <a:t>Y</a:t>
+            </a:r>
+            <a:r>
+              <a:rPr lang="en-US" sz="1900" dirty="0"/>
+              <a:t> if there is an edge from node </a:t>
+            </a:r>
+            <a:r>
+              <a:rPr lang="en-US" sz="1900" b="1" i="1" dirty="0"/>
+              <a:t>X</a:t>
+            </a:r>
+            <a:r>
+              <a:rPr lang="en-US" sz="1900" dirty="0"/>
+              <a:t> to node </a:t>
+            </a:r>
+            <a:r>
+              <a:rPr lang="en-US" sz="1900" b="1" i="1" dirty="0"/>
+              <a:t>Y</a:t>
+            </a:r>
+            <a:r>
+              <a:rPr lang="en-US" sz="1900" dirty="0"/>
+              <a:t>.</a:t>
+            </a:r>
+          </a:p>
+          <a:p>
+            <a:pPr marL="342900" indent="-228600" algn="just">
+              <a:buFont typeface="Arial" panose="020B0604020202020204" pitchFamily="34" charset="0"/>
+              <a:buChar char="•"/>
+            </a:pPr>
+            <a:r>
+              <a:rPr lang="en-US" sz="1900" b="1" dirty="0"/>
+              <a:t>Edge: </a:t>
+            </a:r>
+            <a:r>
+              <a:rPr lang="en-US" sz="1900" dirty="0"/>
+              <a:t>A connection between two vertices. An edge may have a weight associated with it, representing the cost or distance between vertices.</a:t>
+            </a:r>
+          </a:p>
+          <a:p>
+            <a:pPr marL="342900" indent="-228600" algn="just">
+              <a:buFont typeface="Arial" panose="020B0604020202020204" pitchFamily="34" charset="0"/>
+              <a:buChar char="•"/>
+            </a:pPr>
+            <a:r>
+              <a:rPr lang="en-US" sz="1900" b="1" dirty="0"/>
+              <a:t>Degree: </a:t>
+            </a:r>
+            <a:r>
+              <a:rPr lang="en-US" sz="1900" dirty="0"/>
+              <a:t>The number of edges connected to a vertex. For directed graphs, the in-degree is the number of incoming edges, and the out-degree is the number of outgoing edges.</a:t>
+            </a:r>
+          </a:p>
+          <a:p>
+            <a:pPr marL="342900" indent="-228600" algn="just">
+              <a:buFont typeface="Arial" panose="020B0604020202020204" pitchFamily="34" charset="0"/>
+              <a:buChar char="•"/>
+            </a:pPr>
+            <a:r>
+              <a:rPr lang="en-US" sz="1900" b="1" dirty="0"/>
+              <a:t>Path: </a:t>
+            </a:r>
+            <a:r>
+              <a:rPr lang="en-US" sz="1900" dirty="0"/>
+              <a:t>A sequence of edges that connect a series of vertices.</a:t>
+            </a:r>
+          </a:p>
+          <a:p>
+            <a:pPr marL="342900" indent="-228600" algn="just">
+              <a:buFont typeface="Arial" panose="020B0604020202020204" pitchFamily="34" charset="0"/>
+              <a:buChar char="•"/>
+            </a:pPr>
+            <a:r>
+              <a:rPr lang="en-US" sz="1900" b="1" dirty="0"/>
+              <a:t>Cycle: </a:t>
+            </a:r>
+            <a:r>
+              <a:rPr lang="en-US" sz="1900" dirty="0"/>
+              <a:t>A path that starts and ends at the same vertex, with all vertices and edges distinct, except the starting and ending vertex.</a:t>
+            </a:r>
+          </a:p>
+          <a:p>
+            <a:pPr marL="342900" indent="-228600" algn="just">
+              <a:buFont typeface="Arial" panose="020B0604020202020204" pitchFamily="34" charset="0"/>
+              <a:buChar char="•"/>
+            </a:pPr>
+            <a:r>
+              <a:rPr lang="en-US" sz="1900" b="1" dirty="0"/>
+              <a:t>Connected Graph: </a:t>
+            </a:r>
+            <a:r>
+              <a:rPr lang="en-US" sz="1900" dirty="0"/>
+              <a:t>A graph in which there is a path between every pair of vertices.</a:t>
+            </a:r>
+          </a:p>
+        </p:txBody>
+      </p:sp>
+    </p:spTree>
+    <p:extLst>
+      <p:ext uri="{BB962C8B-B14F-4D97-AF65-F5344CB8AC3E}">
+        <p14:creationId xmlns:p14="http://schemas.microsoft.com/office/powerpoint/2010/main" val="1285933358"/>
+      </p:ext>
+    </p:extLst>
+  </p:cSld>
+  <p:clrMapOvr>
+    <a:masterClrMapping/>
+  </p:clrMapOvr>
+</p:sld>
+</file>
+
+<file path=ppt/slides/slide8.xml><?xml version="1.0" encoding="utf-8"?>
+<p:sld xmlns:a="http://schemas.openxmlformats.org/drawingml/2006/main" xmlns:r="http://schemas.openxmlformats.org/officeDocument/2006/relationships" xmlns:p="http://schemas.openxmlformats.org/presentationml/2006/main">
+  <p:cSld>
+    <p:bg>
+      <p:bgPr>
+        <a:solidFill>
+          <a:schemeClr val="bg1"/>
+        </a:solidFill>
+        <a:effectLst/>
+      </p:bgPr>
+    </p:bg>
+    <p:spTree>
+      <p:nvGrpSpPr>
+        <p:cNvPr id="1" name=""/>
+        <p:cNvGrpSpPr/>
+        <p:nvPr/>
+      </p:nvGrpSpPr>
+      <p:grpSpPr>
+        <a:xfrm>
+          <a:off x="0" y="0"/>
+          <a:ext cx="0" cy="0"/>
+          <a:chOff x="0" y="0"/>
+          <a:chExt cx="0" cy="0"/>
+        </a:xfrm>
+      </p:grpSpPr>
+      <p:sp useBgFill="1">
+        <p:nvSpPr>
+          <p:cNvPr id="13" name="Rectangle 12">
+            <a:extLst>
+              <a:ext uri="{FF2B5EF4-FFF2-40B4-BE49-F238E27FC236}">
+                <a16:creationId xmlns:a16="http://schemas.microsoft.com/office/drawing/2014/main" id="{91DC6ABD-215C-4EA8-A483-CEF5B99AB385}"/>
+              </a:ext>
+              <a:ext uri="{C183D7F6-B498-43B3-948B-1728B52AA6E4}">
+                <adec:decorative xmlns:adec="http://schemas.microsoft.com/office/drawing/2017/decorative" val="1"/>
+              </a:ext>
+            </a:extLst>
+          </p:cNvPr>
+          <p:cNvSpPr>
+            <a:spLocks noGrp="1" noRot="1" noChangeAspect="1" noMove="1" noResize="1" noEditPoints="1" noAdjustHandles="1" noChangeArrowheads="1" noChangeShapeType="1" noTextEdit="1"/>
+          </p:cNvSpPr>
+          <p:nvPr>
+            <p:extLst>
+              <p:ext uri="{386F3935-93C4-4BCD-93E2-E3B085C9AB24}">
+                <p16:designElem xmlns:p16="http://schemas.microsoft.com/office/powerpoint/2015/main" val="1"/>
+              </p:ext>
+            </p:extLst>
+          </p:nvPr>
+        </p:nvSpPr>
+        <p:spPr>
+          <a:xfrm>
+            <a:off x="0" y="0"/>
+            <a:ext cx="12191999" cy="6857365"/>
+          </a:xfrm>
+          <a:prstGeom prst="rect">
+            <a:avLst/>
+          </a:prstGeom>
+          <a:ln>
+            <a:noFill/>
+          </a:ln>
+        </p:spPr>
+        <p:style>
+          <a:lnRef idx="2">
+            <a:schemeClr val="accent1">
+              <a:shade val="50000"/>
+            </a:schemeClr>
+          </a:lnRef>
+          <a:fillRef idx="1">
+            <a:schemeClr val="accent1"/>
+          </a:fillRef>
+          <a:effectRef idx="0">
+            <a:schemeClr val="accent1"/>
+          </a:effectRef>
+          <a:fontRef idx="minor">
+            <a:schemeClr val="lt1"/>
+          </a:fontRef>
+        </p:style>
+        <p:txBody>
+          <a:bodyPr rtlCol="0" anchor="ctr"/>
+          <a:lstStyle/>
+          <a:p>
+            <a:pPr algn="ctr"/>
+            <a:endParaRPr lang="en-US"/>
+          </a:p>
+        </p:txBody>
+      </p:sp>
+      <p:sp>
+        <p:nvSpPr>
+          <p:cNvPr id="2" name="Title 1">
+            <a:extLst>
+              <a:ext uri="{FF2B5EF4-FFF2-40B4-BE49-F238E27FC236}">
+                <a16:creationId xmlns:a16="http://schemas.microsoft.com/office/drawing/2014/main" id="{61DDA2E0-1EDC-4437-8213-1C7EDD22A259}"/>
+              </a:ext>
+            </a:extLst>
+          </p:cNvPr>
+          <p:cNvSpPr>
+            <a:spLocks noGrp="1"/>
+          </p:cNvSpPr>
+          <p:nvPr>
+            <p:ph type="ctrTitle"/>
+          </p:nvPr>
+        </p:nvSpPr>
+        <p:spPr>
+          <a:xfrm>
+            <a:off x="599609" y="679731"/>
+            <a:ext cx="4171994" cy="3736540"/>
+          </a:xfrm>
+        </p:spPr>
+        <p:txBody>
+          <a:bodyPr>
+            <a:normAutofit/>
+          </a:bodyPr>
+          <a:lstStyle/>
+          <a:p>
+            <a:pPr algn="l"/>
+            <a:r>
+              <a:rPr lang="en-GB" sz="5100" b="1" dirty="0"/>
+              <a:t>Graph Representation</a:t>
+            </a:r>
+          </a:p>
+        </p:txBody>
+      </p:sp>
+      <p:sp>
+        <p:nvSpPr>
+          <p:cNvPr id="3" name="Subtitle 2">
+            <a:extLst>
+              <a:ext uri="{FF2B5EF4-FFF2-40B4-BE49-F238E27FC236}">
+                <a16:creationId xmlns:a16="http://schemas.microsoft.com/office/drawing/2014/main" id="{22AD030D-A528-4C46-840A-D0B76A19935A}"/>
+              </a:ext>
+            </a:extLst>
+          </p:cNvPr>
+          <p:cNvSpPr>
+            <a:spLocks noGrp="1"/>
+          </p:cNvSpPr>
+          <p:nvPr>
+            <p:ph type="subTitle" idx="1"/>
+          </p:nvPr>
+        </p:nvSpPr>
+        <p:spPr>
+          <a:xfrm>
+            <a:off x="599609" y="4685288"/>
+            <a:ext cx="4171994" cy="1697224"/>
+          </a:xfrm>
+        </p:spPr>
+        <p:txBody>
+          <a:bodyPr>
+            <a:normAutofit/>
+          </a:bodyPr>
+          <a:lstStyle/>
           <a:p>
             <a:pPr marL="342900" indent="-342900" algn="just">
               <a:buFont typeface="Arial" panose="020B0604020202020204" pitchFamily="34" charset="0"/>
               <a:buChar char="•"/>
             </a:pPr>
             <a:r>
-              <a:rPr lang="en-GB" sz="2000" b="1" dirty="0"/>
-              <a:t>Unweighted Graph: </a:t>
-            </a:r>
-            <a:r>
-              <a:rPr lang="en-GB" sz="2000" dirty="0"/>
-              <a:t>A graph in which edges have no weights or costs associated with them. Example: A social network graph where the edges represent friendships.</a:t>
-            </a:r>
-            <a:endParaRPr lang="en-GB" sz="2000" b="1" dirty="0"/>
+              <a:rPr lang="en-GB" sz="1400" b="1" dirty="0"/>
+              <a:t>Adjacency Matrix: </a:t>
+            </a:r>
+            <a:r>
+              <a:rPr lang="en-GB" sz="1400" dirty="0"/>
+              <a:t>In this method, the graph is stored in the form of the 2D matrix where rows and columns denote vertices. Each entry in the matrix represents the weight of the edge between those vertices. </a:t>
+            </a:r>
+          </a:p>
+          <a:p>
+            <a:pPr marL="342900" indent="-342900" algn="just">
+              <a:buFont typeface="Arial" panose="020B0604020202020204" pitchFamily="34" charset="0"/>
+              <a:buChar char="•"/>
+            </a:pPr>
+            <a:r>
+              <a:rPr lang="en-GB" sz="1400" dirty="0"/>
+              <a:t>If it is weighted graph, then just put the weight value instead of </a:t>
+            </a:r>
+            <a:r>
+              <a:rPr lang="en-GB" sz="1400" b="1" dirty="0"/>
+              <a:t>1</a:t>
+            </a:r>
+            <a:r>
+              <a:rPr lang="en-GB" sz="1400" dirty="0"/>
+              <a:t>.</a:t>
+            </a:r>
           </a:p>
         </p:txBody>
       </p:sp>
       <p:grpSp>
         <p:nvGrpSpPr>
-          <p:cNvPr id="22" name="Group 21">
-            <a:extLst>
-              <a:ext uri="{FF2B5EF4-FFF2-40B4-BE49-F238E27FC236}">
-                <a16:creationId xmlns:a16="http://schemas.microsoft.com/office/drawing/2014/main" id="{93326B14-7287-4B7F-978B-71D0A94C8762}"/>
-              </a:ext>
-            </a:extLst>
-          </p:cNvPr>
-          <p:cNvGrpSpPr/>
-          <p:nvPr/>
+          <p:cNvPr id="15" name="Group 14">
+            <a:extLst>
+              <a:ext uri="{FF2B5EF4-FFF2-40B4-BE49-F238E27FC236}">
+                <a16:creationId xmlns:a16="http://schemas.microsoft.com/office/drawing/2014/main" id="{3AF6A671-C637-4547-85F4-51B6D1881399}"/>
+              </a:ext>
+              <a:ext uri="{C183D7F6-B498-43B3-948B-1728B52AA6E4}">
+                <adec:decorative xmlns:adec="http://schemas.microsoft.com/office/drawing/2017/decorative" val="1"/>
+              </a:ext>
+            </a:extLst>
+          </p:cNvPr>
+          <p:cNvGrpSpPr>
+            <a:grpSpLocks noGrp="1" noUngrp="1" noRot="1" noChangeAspect="1" noMove="1" noResize="1"/>
+          </p:cNvGrpSpPr>
+          <p:nvPr>
+            <p:extLst>
+              <p:ext uri="{386F3935-93C4-4BCD-93E2-E3B085C9AB24}">
+                <p16:designElem xmlns:p16="http://schemas.microsoft.com/office/powerpoint/2015/main" val="1"/>
+              </p:ext>
+            </p:extLst>
+          </p:nvPr>
         </p:nvGrpSpPr>
         <p:grpSpPr>
           <a:xfrm>
-            <a:off x="2708579" y="4207978"/>
-            <a:ext cx="2205907" cy="1877468"/>
-            <a:chOff x="2671718" y="4449520"/>
-            <a:chExt cx="2205907" cy="1877468"/>
+            <a:off x="9416432" y="1"/>
+            <a:ext cx="2446384" cy="5777808"/>
+            <a:chOff x="329184" y="1"/>
+            <a:chExt cx="524256" cy="5777808"/>
           </a:xfrm>
         </p:grpSpPr>
+        <p:cxnSp>
+          <p:nvCxnSpPr>
+            <p:cNvPr id="16" name="Straight Connector 15">
+              <a:extLst>
+                <a:ext uri="{FF2B5EF4-FFF2-40B4-BE49-F238E27FC236}">
+                  <a16:creationId xmlns:a16="http://schemas.microsoft.com/office/drawing/2014/main" id="{C575CF26-3D3C-4C5A-A2B7-00432016EF62}"/>
+                </a:ext>
+                <a:ext uri="{C183D7F6-B498-43B3-948B-1728B52AA6E4}">
+                  <adec:decorative xmlns:adec="http://schemas.microsoft.com/office/drawing/2017/decorative" val="1"/>
+                </a:ext>
+              </a:extLst>
+            </p:cNvPr>
+            <p:cNvCxnSpPr>
+              <a:cxnSpLocks/>
+            </p:cNvCxnSpPr>
+            <p:nvPr>
+              <p:extLst>
+                <p:ext uri="{386F3935-93C4-4BCD-93E2-E3B085C9AB24}">
+                  <p16:designElem xmlns:p16="http://schemas.microsoft.com/office/powerpoint/2015/main" val="1"/>
+                </p:ext>
+              </p:extLst>
+            </p:nvPr>
+          </p:nvCxnSpPr>
+          <p:spPr>
+            <a:xfrm flipH="1">
+              <a:off x="329184" y="5777809"/>
+              <a:ext cx="521208" cy="0"/>
+            </a:xfrm>
+            <a:prstGeom prst="line">
+              <a:avLst/>
+            </a:prstGeom>
+            <a:ln w="152400">
+              <a:solidFill>
+                <a:schemeClr val="accent4"/>
+              </a:solidFill>
+            </a:ln>
+          </p:spPr>
+          <p:style>
+            <a:lnRef idx="1">
+              <a:schemeClr val="accent1"/>
+            </a:lnRef>
+            <a:fillRef idx="0">
+              <a:schemeClr val="accent1"/>
+            </a:fillRef>
+            <a:effectRef idx="0">
+              <a:schemeClr val="accent1"/>
+            </a:effectRef>
+            <a:fontRef idx="minor">
+              <a:schemeClr val="tx1"/>
+            </a:fontRef>
+          </p:style>
+        </p:cxnSp>
         <p:sp>
           <p:nvSpPr>
-            <p:cNvPr id="4" name="Oval 3">
+            <p:cNvPr id="17" name="Rectangle 16">
               <a:extLst>
                 <a:ext uri="{FF2B5EF4-FFF2-40B4-BE49-F238E27FC236}">
-                  <a16:creationId xmlns:a16="http://schemas.microsoft.com/office/drawing/2014/main" id="{9589F02D-B032-46ED-A616-2EA75156EB38}"/>
+                  <a16:creationId xmlns:a16="http://schemas.microsoft.com/office/drawing/2014/main" id="{99413ED5-9ED4-4772-BCE4-2BCAE6B12E35}"/>
+                </a:ext>
+                <a:ext uri="{C183D7F6-B498-43B3-948B-1728B52AA6E4}">
+                  <adec:decorative xmlns:adec="http://schemas.microsoft.com/office/drawing/2017/decorative" val="1"/>
                 </a:ext>
               </a:extLst>
             </p:cNvPr>
             <p:cNvSpPr/>
-            <p:nvPr/>
+            <p:nvPr>
+              <p:extLst>
+                <p:ext uri="{386F3935-93C4-4BCD-93E2-E3B085C9AB24}">
+                  <p16:designElem xmlns:p16="http://schemas.microsoft.com/office/powerpoint/2015/main" val="1"/>
+                </p:ext>
+              </p:extLst>
+            </p:nvPr>
           </p:nvSpPr>
           <p:spPr>
             <a:xfrm>
-              <a:off x="2886075" y="4604540"/>
-              <a:ext cx="457200" cy="428625"/>
+              <a:off x="329184" y="1"/>
+              <a:ext cx="524256" cy="5532119"/>
             </a:xfrm>
-            <a:prstGeom prst="ellipse">
+            <a:prstGeom prst="rect">
               <a:avLst/>
             </a:prstGeom>
+            <a:solidFill>
+              <a:schemeClr val="accent4"/>
+            </a:solidFill>
+            <a:ln>
+              <a:noFill/>
+            </a:ln>
           </p:spPr>
           <p:style>
             <a:lnRef idx="2">
@@ -5763,484 +10489,55 @@
             <a:lstStyle/>
             <a:p>
               <a:pPr algn="ctr"/>
-              <a:r>
-                <a:rPr lang="en-GB" dirty="0"/>
-                <a:t>A</a:t>
-              </a:r>
-            </a:p>
-          </p:txBody>
-        </p:sp>
-        <p:sp>
-          <p:nvSpPr>
-            <p:cNvPr id="6" name="Oval 5">
-              <a:extLst>
-                <a:ext uri="{FF2B5EF4-FFF2-40B4-BE49-F238E27FC236}">
-                  <a16:creationId xmlns:a16="http://schemas.microsoft.com/office/drawing/2014/main" id="{7D8632BF-6DAF-482D-AFEB-10AD14D928F5}"/>
-                </a:ext>
-              </a:extLst>
-            </p:cNvPr>
-            <p:cNvSpPr/>
-            <p:nvPr/>
-          </p:nvSpPr>
-          <p:spPr>
-            <a:xfrm>
-              <a:off x="4269582" y="4604540"/>
-              <a:ext cx="457200" cy="428625"/>
-            </a:xfrm>
-            <a:prstGeom prst="ellipse">
-              <a:avLst/>
-            </a:prstGeom>
-          </p:spPr>
-          <p:style>
-            <a:lnRef idx="2">
-              <a:schemeClr val="accent1">
-                <a:shade val="50000"/>
-              </a:schemeClr>
-            </a:lnRef>
-            <a:fillRef idx="1">
-              <a:schemeClr val="accent1"/>
-            </a:fillRef>
-            <a:effectRef idx="0">
-              <a:schemeClr val="accent1"/>
-            </a:effectRef>
-            <a:fontRef idx="minor">
-              <a:schemeClr val="lt1"/>
-            </a:fontRef>
-          </p:style>
-          <p:txBody>
-            <a:bodyPr rtlCol="0" anchor="ctr"/>
-            <a:lstStyle/>
-            <a:p>
-              <a:pPr algn="ctr"/>
-              <a:r>
-                <a:rPr lang="en-GB" dirty="0"/>
-                <a:t>B</a:t>
-              </a:r>
-            </a:p>
-          </p:txBody>
-        </p:sp>
-        <p:sp>
-          <p:nvSpPr>
-            <p:cNvPr id="7" name="Oval 6">
-              <a:extLst>
-                <a:ext uri="{FF2B5EF4-FFF2-40B4-BE49-F238E27FC236}">
-                  <a16:creationId xmlns:a16="http://schemas.microsoft.com/office/drawing/2014/main" id="{BB675182-F358-40AB-A4DE-B953E50B8ACF}"/>
-                </a:ext>
-              </a:extLst>
-            </p:cNvPr>
-            <p:cNvSpPr/>
-            <p:nvPr/>
-          </p:nvSpPr>
-          <p:spPr>
-            <a:xfrm>
-              <a:off x="2886075" y="5671340"/>
-              <a:ext cx="457200" cy="428625"/>
-            </a:xfrm>
-            <a:prstGeom prst="ellipse">
-              <a:avLst/>
-            </a:prstGeom>
-          </p:spPr>
-          <p:style>
-            <a:lnRef idx="2">
-              <a:schemeClr val="accent1">
-                <a:shade val="50000"/>
-              </a:schemeClr>
-            </a:lnRef>
-            <a:fillRef idx="1">
-              <a:schemeClr val="accent1"/>
-            </a:fillRef>
-            <a:effectRef idx="0">
-              <a:schemeClr val="accent1"/>
-            </a:effectRef>
-            <a:fontRef idx="minor">
-              <a:schemeClr val="lt1"/>
-            </a:fontRef>
-          </p:style>
-          <p:txBody>
-            <a:bodyPr rtlCol="0" anchor="ctr"/>
-            <a:lstStyle/>
-            <a:p>
-              <a:pPr algn="ctr"/>
-              <a:r>
-                <a:rPr lang="en-GB" dirty="0"/>
-                <a:t>C</a:t>
-              </a:r>
-            </a:p>
-          </p:txBody>
-        </p:sp>
-        <p:sp>
-          <p:nvSpPr>
-            <p:cNvPr id="8" name="Oval 7">
-              <a:extLst>
-                <a:ext uri="{FF2B5EF4-FFF2-40B4-BE49-F238E27FC236}">
-                  <a16:creationId xmlns:a16="http://schemas.microsoft.com/office/drawing/2014/main" id="{F4BD1A50-52E0-40E7-8038-CB6D81EA8F7F}"/>
-                </a:ext>
-              </a:extLst>
-            </p:cNvPr>
-            <p:cNvSpPr/>
-            <p:nvPr/>
-          </p:nvSpPr>
-          <p:spPr>
-            <a:xfrm>
-              <a:off x="4269582" y="5671340"/>
-              <a:ext cx="457200" cy="428625"/>
-            </a:xfrm>
-            <a:prstGeom prst="ellipse">
-              <a:avLst/>
-            </a:prstGeom>
-          </p:spPr>
-          <p:style>
-            <a:lnRef idx="2">
-              <a:schemeClr val="accent1">
-                <a:shade val="50000"/>
-              </a:schemeClr>
-            </a:lnRef>
-            <a:fillRef idx="1">
-              <a:schemeClr val="accent1"/>
-            </a:fillRef>
-            <a:effectRef idx="0">
-              <a:schemeClr val="accent1"/>
-            </a:effectRef>
-            <a:fontRef idx="minor">
-              <a:schemeClr val="lt1"/>
-            </a:fontRef>
-          </p:style>
-          <p:txBody>
-            <a:bodyPr rtlCol="0" anchor="ctr"/>
-            <a:lstStyle/>
-            <a:p>
-              <a:pPr algn="ctr"/>
-              <a:r>
-                <a:rPr lang="en-GB" dirty="0"/>
-                <a:t>D</a:t>
-              </a:r>
-            </a:p>
-          </p:txBody>
-        </p:sp>
-        <p:cxnSp>
-          <p:nvCxnSpPr>
-            <p:cNvPr id="9" name="Straight Connector 8">
-              <a:extLst>
-                <a:ext uri="{FF2B5EF4-FFF2-40B4-BE49-F238E27FC236}">
-                  <a16:creationId xmlns:a16="http://schemas.microsoft.com/office/drawing/2014/main" id="{E63F0497-F3EA-4D72-A581-9B7E9DD8EDC4}"/>
-                </a:ext>
-              </a:extLst>
-            </p:cNvPr>
-            <p:cNvCxnSpPr>
-              <a:cxnSpLocks/>
-              <a:stCxn id="4" idx="6"/>
-              <a:endCxn id="6" idx="2"/>
-            </p:cNvCxnSpPr>
-            <p:nvPr/>
-          </p:nvCxnSpPr>
-          <p:spPr>
-            <a:xfrm>
-              <a:off x="3343275" y="4818853"/>
-              <a:ext cx="926307" cy="0"/>
-            </a:xfrm>
-            <a:prstGeom prst="line">
-              <a:avLst/>
-            </a:prstGeom>
-            <a:ln w="28575"/>
-          </p:spPr>
-          <p:style>
-            <a:lnRef idx="1">
-              <a:schemeClr val="accent1"/>
-            </a:lnRef>
-            <a:fillRef idx="0">
-              <a:schemeClr val="accent1"/>
-            </a:fillRef>
-            <a:effectRef idx="0">
-              <a:schemeClr val="accent1"/>
-            </a:effectRef>
-            <a:fontRef idx="minor">
-              <a:schemeClr val="tx1"/>
-            </a:fontRef>
-          </p:style>
-        </p:cxnSp>
-        <p:cxnSp>
-          <p:nvCxnSpPr>
-            <p:cNvPr id="12" name="Straight Connector 11">
-              <a:extLst>
-                <a:ext uri="{FF2B5EF4-FFF2-40B4-BE49-F238E27FC236}">
-                  <a16:creationId xmlns:a16="http://schemas.microsoft.com/office/drawing/2014/main" id="{03E6D39A-F12A-42C1-9B94-CA47A2697295}"/>
-                </a:ext>
-              </a:extLst>
-            </p:cNvPr>
-            <p:cNvCxnSpPr>
-              <a:cxnSpLocks/>
-              <a:stCxn id="7" idx="0"/>
-              <a:endCxn id="4" idx="4"/>
-            </p:cNvCxnSpPr>
-            <p:nvPr/>
-          </p:nvCxnSpPr>
-          <p:spPr>
-            <a:xfrm flipV="1">
-              <a:off x="3114675" y="5033165"/>
-              <a:ext cx="0" cy="638175"/>
-            </a:xfrm>
-            <a:prstGeom prst="line">
-              <a:avLst/>
-            </a:prstGeom>
-            <a:ln w="28575"/>
-          </p:spPr>
-          <p:style>
-            <a:lnRef idx="1">
-              <a:schemeClr val="accent1"/>
-            </a:lnRef>
-            <a:fillRef idx="0">
-              <a:schemeClr val="accent1"/>
-            </a:fillRef>
-            <a:effectRef idx="0">
-              <a:schemeClr val="accent1"/>
-            </a:effectRef>
-            <a:fontRef idx="minor">
-              <a:schemeClr val="tx1"/>
-            </a:fontRef>
-          </p:style>
-        </p:cxnSp>
-        <p:cxnSp>
-          <p:nvCxnSpPr>
-            <p:cNvPr id="16" name="Straight Connector 15">
-              <a:extLst>
-                <a:ext uri="{FF2B5EF4-FFF2-40B4-BE49-F238E27FC236}">
-                  <a16:creationId xmlns:a16="http://schemas.microsoft.com/office/drawing/2014/main" id="{9B898528-5633-4D4A-AABF-BA95936DB354}"/>
-                </a:ext>
-              </a:extLst>
-            </p:cNvPr>
-            <p:cNvCxnSpPr>
-              <a:cxnSpLocks/>
-              <a:endCxn id="6" idx="4"/>
-            </p:cNvCxnSpPr>
-            <p:nvPr/>
-          </p:nvCxnSpPr>
-          <p:spPr>
-            <a:xfrm flipV="1">
-              <a:off x="4498182" y="5033165"/>
-              <a:ext cx="0" cy="852487"/>
-            </a:xfrm>
-            <a:prstGeom prst="line">
-              <a:avLst/>
-            </a:prstGeom>
-            <a:ln w="28575"/>
-          </p:spPr>
-          <p:style>
-            <a:lnRef idx="1">
-              <a:schemeClr val="accent1"/>
-            </a:lnRef>
-            <a:fillRef idx="0">
-              <a:schemeClr val="accent1"/>
-            </a:fillRef>
-            <a:effectRef idx="0">
-              <a:schemeClr val="accent1"/>
-            </a:effectRef>
-            <a:fontRef idx="minor">
-              <a:schemeClr val="tx1"/>
-            </a:fontRef>
-          </p:style>
-        </p:cxnSp>
-        <p:cxnSp>
-          <p:nvCxnSpPr>
-            <p:cNvPr id="19" name="Straight Connector 18">
-              <a:extLst>
-                <a:ext uri="{FF2B5EF4-FFF2-40B4-BE49-F238E27FC236}">
-                  <a16:creationId xmlns:a16="http://schemas.microsoft.com/office/drawing/2014/main" id="{F682EFA7-21C8-4A43-8A7C-F8847AB492B4}"/>
-                </a:ext>
-              </a:extLst>
-            </p:cNvPr>
-            <p:cNvCxnSpPr>
-              <a:cxnSpLocks/>
-              <a:stCxn id="8" idx="2"/>
-              <a:endCxn id="7" idx="6"/>
-            </p:cNvCxnSpPr>
-            <p:nvPr/>
-          </p:nvCxnSpPr>
-          <p:spPr>
-            <a:xfrm flipH="1">
-              <a:off x="3343275" y="5885653"/>
-              <a:ext cx="926307" cy="0"/>
-            </a:xfrm>
-            <a:prstGeom prst="line">
-              <a:avLst/>
-            </a:prstGeom>
-            <a:ln w="28575"/>
-          </p:spPr>
-          <p:style>
-            <a:lnRef idx="1">
-              <a:schemeClr val="accent1"/>
-            </a:lnRef>
-            <a:fillRef idx="0">
-              <a:schemeClr val="accent1"/>
-            </a:fillRef>
-            <a:effectRef idx="0">
-              <a:schemeClr val="accent1"/>
-            </a:effectRef>
-            <a:fontRef idx="minor">
-              <a:schemeClr val="tx1"/>
-            </a:fontRef>
-          </p:style>
-        </p:cxnSp>
-        <p:sp>
-          <p:nvSpPr>
-            <p:cNvPr id="21" name="TextBox 20">
-              <a:extLst>
-                <a:ext uri="{FF2B5EF4-FFF2-40B4-BE49-F238E27FC236}">
-                  <a16:creationId xmlns:a16="http://schemas.microsoft.com/office/drawing/2014/main" id="{34A8D34C-4E6F-4F07-AD54-0FE7A5E6A202}"/>
-                </a:ext>
-              </a:extLst>
-            </p:cNvPr>
-            <p:cNvSpPr txBox="1"/>
-            <p:nvPr/>
-          </p:nvSpPr>
-          <p:spPr>
-            <a:xfrm>
-              <a:off x="3661539" y="4449520"/>
-              <a:ext cx="301686" cy="369332"/>
-            </a:xfrm>
-            <a:prstGeom prst="rect">
-              <a:avLst/>
-            </a:prstGeom>
-            <a:noFill/>
-          </p:spPr>
-          <p:txBody>
-            <a:bodyPr wrap="none" rtlCol="0">
-              <a:spAutoFit/>
-            </a:bodyPr>
-            <a:lstStyle/>
-            <a:p>
-              <a:r>
-                <a:rPr lang="en-GB" b="1" dirty="0"/>
-                <a:t>5</a:t>
-              </a:r>
-            </a:p>
-          </p:txBody>
-        </p:sp>
-        <p:sp>
-          <p:nvSpPr>
-            <p:cNvPr id="23" name="TextBox 22">
-              <a:extLst>
-                <a:ext uri="{FF2B5EF4-FFF2-40B4-BE49-F238E27FC236}">
-                  <a16:creationId xmlns:a16="http://schemas.microsoft.com/office/drawing/2014/main" id="{A86BA009-1563-4DCF-9D2A-9F7A19570064}"/>
-                </a:ext>
-              </a:extLst>
-            </p:cNvPr>
-            <p:cNvSpPr txBox="1"/>
-            <p:nvPr/>
-          </p:nvSpPr>
-          <p:spPr>
-            <a:xfrm>
-              <a:off x="4575939" y="5167586"/>
-              <a:ext cx="301686" cy="369332"/>
-            </a:xfrm>
-            <a:prstGeom prst="rect">
-              <a:avLst/>
-            </a:prstGeom>
-            <a:noFill/>
-          </p:spPr>
-          <p:txBody>
-            <a:bodyPr wrap="none" rtlCol="0">
-              <a:spAutoFit/>
-            </a:bodyPr>
-            <a:lstStyle/>
-            <a:p>
-              <a:r>
-                <a:rPr lang="en-GB" b="1" dirty="0"/>
-                <a:t>2</a:t>
-              </a:r>
-            </a:p>
-          </p:txBody>
-        </p:sp>
-        <p:sp>
-          <p:nvSpPr>
-            <p:cNvPr id="24" name="TextBox 23">
-              <a:extLst>
-                <a:ext uri="{FF2B5EF4-FFF2-40B4-BE49-F238E27FC236}">
-                  <a16:creationId xmlns:a16="http://schemas.microsoft.com/office/drawing/2014/main" id="{C5F3E726-9D50-49B4-ABBF-BE0F0DBA495B}"/>
-                </a:ext>
-              </a:extLst>
-            </p:cNvPr>
-            <p:cNvSpPr txBox="1"/>
-            <p:nvPr/>
-          </p:nvSpPr>
-          <p:spPr>
-            <a:xfrm>
-              <a:off x="3673810" y="5957656"/>
-              <a:ext cx="301686" cy="369332"/>
-            </a:xfrm>
-            <a:prstGeom prst="rect">
-              <a:avLst/>
-            </a:prstGeom>
-            <a:noFill/>
-          </p:spPr>
-          <p:txBody>
-            <a:bodyPr wrap="none" rtlCol="0">
-              <a:spAutoFit/>
-            </a:bodyPr>
-            <a:lstStyle/>
-            <a:p>
-              <a:r>
-                <a:rPr lang="en-GB" b="1" dirty="0"/>
-                <a:t>6</a:t>
-              </a:r>
-            </a:p>
-          </p:txBody>
-        </p:sp>
-        <p:sp>
-          <p:nvSpPr>
-            <p:cNvPr id="25" name="TextBox 24">
-              <a:extLst>
-                <a:ext uri="{FF2B5EF4-FFF2-40B4-BE49-F238E27FC236}">
-                  <a16:creationId xmlns:a16="http://schemas.microsoft.com/office/drawing/2014/main" id="{B8609993-2238-4B14-BACE-9E8429053F82}"/>
-                </a:ext>
-              </a:extLst>
-            </p:cNvPr>
-            <p:cNvSpPr txBox="1"/>
-            <p:nvPr/>
-          </p:nvSpPr>
-          <p:spPr>
-            <a:xfrm>
-              <a:off x="2671718" y="5176314"/>
-              <a:ext cx="301686" cy="369332"/>
-            </a:xfrm>
-            <a:prstGeom prst="rect">
-              <a:avLst/>
-            </a:prstGeom>
-            <a:noFill/>
-          </p:spPr>
-          <p:txBody>
-            <a:bodyPr wrap="none" rtlCol="0">
-              <a:spAutoFit/>
-            </a:bodyPr>
-            <a:lstStyle/>
-            <a:p>
-              <a:r>
-                <a:rPr lang="en-GB" b="1" dirty="0"/>
-                <a:t>1</a:t>
-              </a:r>
+              <a:endParaRPr lang="en-US"/>
             </a:p>
           </p:txBody>
         </p:sp>
       </p:grpSp>
       <p:sp>
         <p:nvSpPr>
-          <p:cNvPr id="28" name="Oval 27">
-            <a:extLst>
-              <a:ext uri="{FF2B5EF4-FFF2-40B4-BE49-F238E27FC236}">
-                <a16:creationId xmlns:a16="http://schemas.microsoft.com/office/drawing/2014/main" id="{6DBDCFDB-BC8B-4E7D-8ECE-22EDF52635D5}"/>
-              </a:ext>
-            </a:extLst>
-          </p:cNvPr>
-          <p:cNvSpPr/>
-          <p:nvPr/>
+          <p:cNvPr id="19" name="Rectangle 18">
+            <a:extLst>
+              <a:ext uri="{FF2B5EF4-FFF2-40B4-BE49-F238E27FC236}">
+                <a16:creationId xmlns:a16="http://schemas.microsoft.com/office/drawing/2014/main" id="{04357C93-F0CB-4A1C-8F77-4E9063789819}"/>
+              </a:ext>
+              <a:ext uri="{C183D7F6-B498-43B3-948B-1728B52AA6E4}">
+                <adec:decorative xmlns:adec="http://schemas.microsoft.com/office/drawing/2017/decorative" val="1"/>
+              </a:ext>
+            </a:extLst>
+          </p:cNvPr>
+          <p:cNvSpPr>
+            <a:spLocks noGrp="1" noRot="1" noChangeAspect="1" noMove="1" noResize="1" noEditPoints="1" noAdjustHandles="1" noChangeArrowheads="1" noChangeShapeType="1" noTextEdit="1"/>
+          </p:cNvSpPr>
+          <p:nvPr>
+            <p:extLst>
+              <p:ext uri="{386F3935-93C4-4BCD-93E2-E3B085C9AB24}">
+                <p16:designElem xmlns:p16="http://schemas.microsoft.com/office/powerpoint/2015/main" val="1"/>
+              </p:ext>
+            </p:extLst>
+          </p:nvPr>
         </p:nvSpPr>
         <p:spPr>
           <a:xfrm>
-            <a:off x="6805222" y="4362998"/>
-            <a:ext cx="457200" cy="428625"/>
+            <a:off x="5386598" y="269324"/>
+            <a:ext cx="6116779" cy="6208776"/>
           </a:xfrm>
-          <a:prstGeom prst="ellipse">
+          <a:prstGeom prst="rect">
             <a:avLst/>
           </a:prstGeom>
+          <a:solidFill>
+            <a:schemeClr val="bg1"/>
+          </a:solidFill>
+          <a:ln>
+            <a:noFill/>
+          </a:ln>
+          <a:effectLst>
+            <a:outerShdw blurRad="139700" dist="127000" dir="5400000" algn="t" rotWithShape="0">
+              <a:prstClr val="black">
+                <a:alpha val="15000"/>
+              </a:prstClr>
+            </a:outerShdw>
+          </a:effectLst>
         </p:spPr>
         <p:style>
           <a:lnRef idx="2">
@@ -6263,1711 +10560,7 @@
           <a:lstStyle/>
           <a:p>
             <a:pPr algn="ctr"/>
-            <a:r>
-              <a:rPr lang="en-GB" dirty="0"/>
-              <a:t>A</a:t>
-            </a:r>
-          </a:p>
-        </p:txBody>
-      </p:sp>
-      <p:sp>
-        <p:nvSpPr>
-          <p:cNvPr id="29" name="Oval 28">
-            <a:extLst>
-              <a:ext uri="{FF2B5EF4-FFF2-40B4-BE49-F238E27FC236}">
-                <a16:creationId xmlns:a16="http://schemas.microsoft.com/office/drawing/2014/main" id="{66B0D9C5-6D00-4E5A-B69B-5098457FC6DC}"/>
-              </a:ext>
-            </a:extLst>
-          </p:cNvPr>
-          <p:cNvSpPr/>
-          <p:nvPr/>
-        </p:nvSpPr>
-        <p:spPr>
-          <a:xfrm>
-            <a:off x="8188729" y="4362998"/>
-            <a:ext cx="457200" cy="428625"/>
-          </a:xfrm>
-          <a:prstGeom prst="ellipse">
-            <a:avLst/>
-          </a:prstGeom>
-        </p:spPr>
-        <p:style>
-          <a:lnRef idx="2">
-            <a:schemeClr val="accent1">
-              <a:shade val="50000"/>
-            </a:schemeClr>
-          </a:lnRef>
-          <a:fillRef idx="1">
-            <a:schemeClr val="accent1"/>
-          </a:fillRef>
-          <a:effectRef idx="0">
-            <a:schemeClr val="accent1"/>
-          </a:effectRef>
-          <a:fontRef idx="minor">
-            <a:schemeClr val="lt1"/>
-          </a:fontRef>
-        </p:style>
-        <p:txBody>
-          <a:bodyPr rtlCol="0" anchor="ctr"/>
-          <a:lstStyle/>
-          <a:p>
-            <a:pPr algn="ctr"/>
-            <a:r>
-              <a:rPr lang="en-GB" dirty="0"/>
-              <a:t>B</a:t>
-            </a:r>
-          </a:p>
-        </p:txBody>
-      </p:sp>
-      <p:sp>
-        <p:nvSpPr>
-          <p:cNvPr id="30" name="Oval 29">
-            <a:extLst>
-              <a:ext uri="{FF2B5EF4-FFF2-40B4-BE49-F238E27FC236}">
-                <a16:creationId xmlns:a16="http://schemas.microsoft.com/office/drawing/2014/main" id="{C33C6611-02B1-40C6-A578-5FA9ABEDF7CF}"/>
-              </a:ext>
-            </a:extLst>
-          </p:cNvPr>
-          <p:cNvSpPr/>
-          <p:nvPr/>
-        </p:nvSpPr>
-        <p:spPr>
-          <a:xfrm>
-            <a:off x="6805222" y="5429798"/>
-            <a:ext cx="457200" cy="428625"/>
-          </a:xfrm>
-          <a:prstGeom prst="ellipse">
-            <a:avLst/>
-          </a:prstGeom>
-        </p:spPr>
-        <p:style>
-          <a:lnRef idx="2">
-            <a:schemeClr val="accent1">
-              <a:shade val="50000"/>
-            </a:schemeClr>
-          </a:lnRef>
-          <a:fillRef idx="1">
-            <a:schemeClr val="accent1"/>
-          </a:fillRef>
-          <a:effectRef idx="0">
-            <a:schemeClr val="accent1"/>
-          </a:effectRef>
-          <a:fontRef idx="minor">
-            <a:schemeClr val="lt1"/>
-          </a:fontRef>
-        </p:style>
-        <p:txBody>
-          <a:bodyPr rtlCol="0" anchor="ctr"/>
-          <a:lstStyle/>
-          <a:p>
-            <a:pPr algn="ctr"/>
-            <a:r>
-              <a:rPr lang="en-GB" dirty="0"/>
-              <a:t>C</a:t>
-            </a:r>
-          </a:p>
-        </p:txBody>
-      </p:sp>
-      <p:sp>
-        <p:nvSpPr>
-          <p:cNvPr id="31" name="Oval 30">
-            <a:extLst>
-              <a:ext uri="{FF2B5EF4-FFF2-40B4-BE49-F238E27FC236}">
-                <a16:creationId xmlns:a16="http://schemas.microsoft.com/office/drawing/2014/main" id="{0B2E5BE8-18AE-4E1C-8C70-DA603BB94F92}"/>
-              </a:ext>
-            </a:extLst>
-          </p:cNvPr>
-          <p:cNvSpPr/>
-          <p:nvPr/>
-        </p:nvSpPr>
-        <p:spPr>
-          <a:xfrm>
-            <a:off x="8188729" y="5429798"/>
-            <a:ext cx="457200" cy="428625"/>
-          </a:xfrm>
-          <a:prstGeom prst="ellipse">
-            <a:avLst/>
-          </a:prstGeom>
-        </p:spPr>
-        <p:style>
-          <a:lnRef idx="2">
-            <a:schemeClr val="accent1">
-              <a:shade val="50000"/>
-            </a:schemeClr>
-          </a:lnRef>
-          <a:fillRef idx="1">
-            <a:schemeClr val="accent1"/>
-          </a:fillRef>
-          <a:effectRef idx="0">
-            <a:schemeClr val="accent1"/>
-          </a:effectRef>
-          <a:fontRef idx="minor">
-            <a:schemeClr val="lt1"/>
-          </a:fontRef>
-        </p:style>
-        <p:txBody>
-          <a:bodyPr rtlCol="0" anchor="ctr"/>
-          <a:lstStyle/>
-          <a:p>
-            <a:pPr algn="ctr"/>
-            <a:r>
-              <a:rPr lang="en-GB" dirty="0"/>
-              <a:t>D</a:t>
-            </a:r>
-          </a:p>
-        </p:txBody>
-      </p:sp>
-      <p:cxnSp>
-        <p:nvCxnSpPr>
-          <p:cNvPr id="32" name="Straight Connector 31">
-            <a:extLst>
-              <a:ext uri="{FF2B5EF4-FFF2-40B4-BE49-F238E27FC236}">
-                <a16:creationId xmlns:a16="http://schemas.microsoft.com/office/drawing/2014/main" id="{C11D3A0E-F452-44CC-9177-17746F24A6EA}"/>
-              </a:ext>
-            </a:extLst>
-          </p:cNvPr>
-          <p:cNvCxnSpPr>
-            <a:cxnSpLocks/>
-            <a:stCxn id="28" idx="6"/>
-            <a:endCxn id="29" idx="2"/>
-          </p:cNvCxnSpPr>
-          <p:nvPr/>
-        </p:nvCxnSpPr>
-        <p:spPr>
-          <a:xfrm>
-            <a:off x="7262422" y="4577311"/>
-            <a:ext cx="926307" cy="0"/>
-          </a:xfrm>
-          <a:prstGeom prst="line">
-            <a:avLst/>
-          </a:prstGeom>
-          <a:ln w="28575"/>
-        </p:spPr>
-        <p:style>
-          <a:lnRef idx="1">
-            <a:schemeClr val="accent1"/>
-          </a:lnRef>
-          <a:fillRef idx="0">
-            <a:schemeClr val="accent1"/>
-          </a:fillRef>
-          <a:effectRef idx="0">
-            <a:schemeClr val="accent1"/>
-          </a:effectRef>
-          <a:fontRef idx="minor">
-            <a:schemeClr val="tx1"/>
-          </a:fontRef>
-        </p:style>
-      </p:cxnSp>
-      <p:cxnSp>
-        <p:nvCxnSpPr>
-          <p:cNvPr id="33" name="Straight Connector 32">
-            <a:extLst>
-              <a:ext uri="{FF2B5EF4-FFF2-40B4-BE49-F238E27FC236}">
-                <a16:creationId xmlns:a16="http://schemas.microsoft.com/office/drawing/2014/main" id="{6F8F7030-4C8E-47C2-8460-730C0EEB23A3}"/>
-              </a:ext>
-            </a:extLst>
-          </p:cNvPr>
-          <p:cNvCxnSpPr>
-            <a:cxnSpLocks/>
-            <a:stCxn id="30" idx="0"/>
-            <a:endCxn id="28" idx="4"/>
-          </p:cNvCxnSpPr>
-          <p:nvPr/>
-        </p:nvCxnSpPr>
-        <p:spPr>
-          <a:xfrm flipV="1">
-            <a:off x="7033822" y="4791623"/>
-            <a:ext cx="0" cy="638175"/>
-          </a:xfrm>
-          <a:prstGeom prst="line">
-            <a:avLst/>
-          </a:prstGeom>
-          <a:ln w="28575"/>
-        </p:spPr>
-        <p:style>
-          <a:lnRef idx="1">
-            <a:schemeClr val="accent1"/>
-          </a:lnRef>
-          <a:fillRef idx="0">
-            <a:schemeClr val="accent1"/>
-          </a:fillRef>
-          <a:effectRef idx="0">
-            <a:schemeClr val="accent1"/>
-          </a:effectRef>
-          <a:fontRef idx="minor">
-            <a:schemeClr val="tx1"/>
-          </a:fontRef>
-        </p:style>
-      </p:cxnSp>
-      <p:cxnSp>
-        <p:nvCxnSpPr>
-          <p:cNvPr id="34" name="Straight Connector 33">
-            <a:extLst>
-              <a:ext uri="{FF2B5EF4-FFF2-40B4-BE49-F238E27FC236}">
-                <a16:creationId xmlns:a16="http://schemas.microsoft.com/office/drawing/2014/main" id="{4EBD0116-49BE-4F0D-A2FF-F68A1A1D5D17}"/>
-              </a:ext>
-            </a:extLst>
-          </p:cNvPr>
-          <p:cNvCxnSpPr>
-            <a:cxnSpLocks/>
-            <a:endCxn id="29" idx="4"/>
-          </p:cNvCxnSpPr>
-          <p:nvPr/>
-        </p:nvCxnSpPr>
-        <p:spPr>
-          <a:xfrm flipV="1">
-            <a:off x="8417329" y="4791623"/>
-            <a:ext cx="0" cy="852487"/>
-          </a:xfrm>
-          <a:prstGeom prst="line">
-            <a:avLst/>
-          </a:prstGeom>
-          <a:ln w="28575"/>
-        </p:spPr>
-        <p:style>
-          <a:lnRef idx="1">
-            <a:schemeClr val="accent1"/>
-          </a:lnRef>
-          <a:fillRef idx="0">
-            <a:schemeClr val="accent1"/>
-          </a:fillRef>
-          <a:effectRef idx="0">
-            <a:schemeClr val="accent1"/>
-          </a:effectRef>
-          <a:fontRef idx="minor">
-            <a:schemeClr val="tx1"/>
-          </a:fontRef>
-        </p:style>
-      </p:cxnSp>
-      <p:cxnSp>
-        <p:nvCxnSpPr>
-          <p:cNvPr id="35" name="Straight Connector 34">
-            <a:extLst>
-              <a:ext uri="{FF2B5EF4-FFF2-40B4-BE49-F238E27FC236}">
-                <a16:creationId xmlns:a16="http://schemas.microsoft.com/office/drawing/2014/main" id="{E591B430-F888-4348-AD83-E8D8A0CE8FE5}"/>
-              </a:ext>
-            </a:extLst>
-          </p:cNvPr>
-          <p:cNvCxnSpPr>
-            <a:cxnSpLocks/>
-            <a:stCxn id="31" idx="2"/>
-            <a:endCxn id="30" idx="6"/>
-          </p:cNvCxnSpPr>
-          <p:nvPr/>
-        </p:nvCxnSpPr>
-        <p:spPr>
-          <a:xfrm flipH="1">
-            <a:off x="7262422" y="5644111"/>
-            <a:ext cx="926307" cy="0"/>
-          </a:xfrm>
-          <a:prstGeom prst="line">
-            <a:avLst/>
-          </a:prstGeom>
-          <a:ln w="28575"/>
-        </p:spPr>
-        <p:style>
-          <a:lnRef idx="1">
-            <a:schemeClr val="accent1"/>
-          </a:lnRef>
-          <a:fillRef idx="0">
-            <a:schemeClr val="accent1"/>
-          </a:fillRef>
-          <a:effectRef idx="0">
-            <a:schemeClr val="accent1"/>
-          </a:effectRef>
-          <a:fontRef idx="minor">
-            <a:schemeClr val="tx1"/>
-          </a:fontRef>
-        </p:style>
-      </p:cxnSp>
-      <p:sp>
-        <p:nvSpPr>
-          <p:cNvPr id="26" name="TextBox 25">
-            <a:extLst>
-              <a:ext uri="{FF2B5EF4-FFF2-40B4-BE49-F238E27FC236}">
-                <a16:creationId xmlns:a16="http://schemas.microsoft.com/office/drawing/2014/main" id="{A4DC6DFB-89CF-464A-AF48-E7866379F0B6}"/>
-              </a:ext>
-            </a:extLst>
-          </p:cNvPr>
-          <p:cNvSpPr txBox="1"/>
-          <p:nvPr/>
-        </p:nvSpPr>
-        <p:spPr>
-          <a:xfrm>
-            <a:off x="2955999" y="6049469"/>
-            <a:ext cx="1742208" cy="369332"/>
-          </a:xfrm>
-          <a:prstGeom prst="rect">
-            <a:avLst/>
-          </a:prstGeom>
-          <a:noFill/>
-        </p:spPr>
-        <p:txBody>
-          <a:bodyPr wrap="none" rtlCol="0">
-            <a:spAutoFit/>
-          </a:bodyPr>
-          <a:lstStyle/>
-          <a:p>
-            <a:r>
-              <a:rPr lang="en-GB" b="1" dirty="0"/>
-              <a:t>Weighted Graph</a:t>
-            </a:r>
-          </a:p>
-        </p:txBody>
-      </p:sp>
-      <p:sp>
-        <p:nvSpPr>
-          <p:cNvPr id="42" name="TextBox 41">
-            <a:extLst>
-              <a:ext uri="{FF2B5EF4-FFF2-40B4-BE49-F238E27FC236}">
-                <a16:creationId xmlns:a16="http://schemas.microsoft.com/office/drawing/2014/main" id="{7F68A3FE-F712-4FA7-A05B-76D28EE47214}"/>
-              </a:ext>
-            </a:extLst>
-          </p:cNvPr>
-          <p:cNvSpPr txBox="1"/>
-          <p:nvPr/>
-        </p:nvSpPr>
-        <p:spPr>
-          <a:xfrm>
-            <a:off x="6817993" y="6049004"/>
-            <a:ext cx="1982466" cy="369332"/>
-          </a:xfrm>
-          <a:prstGeom prst="rect">
-            <a:avLst/>
-          </a:prstGeom>
-          <a:noFill/>
-        </p:spPr>
-        <p:txBody>
-          <a:bodyPr wrap="none" rtlCol="0">
-            <a:spAutoFit/>
-          </a:bodyPr>
-          <a:lstStyle/>
-          <a:p>
-            <a:r>
-              <a:rPr lang="en-GB" b="1" dirty="0"/>
-              <a:t>Unweighted Graph</a:t>
-            </a:r>
-          </a:p>
-        </p:txBody>
-      </p:sp>
-    </p:spTree>
-    <p:extLst>
-      <p:ext uri="{BB962C8B-B14F-4D97-AF65-F5344CB8AC3E}">
-        <p14:creationId xmlns:p14="http://schemas.microsoft.com/office/powerpoint/2010/main" val="2209941119"/>
-      </p:ext>
-    </p:extLst>
-  </p:cSld>
-  <p:clrMapOvr>
-    <a:masterClrMapping/>
-  </p:clrMapOvr>
-</p:sld>
-</file>
-
-<file path=ppt/slides/slide6.xml><?xml version="1.0" encoding="utf-8"?>
-<p:sld xmlns:a="http://schemas.openxmlformats.org/drawingml/2006/main" xmlns:r="http://schemas.openxmlformats.org/officeDocument/2006/relationships" xmlns:p="http://schemas.openxmlformats.org/presentationml/2006/main">
-  <p:cSld>
-    <p:spTree>
-      <p:nvGrpSpPr>
-        <p:cNvPr id="1" name=""/>
-        <p:cNvGrpSpPr/>
-        <p:nvPr/>
-      </p:nvGrpSpPr>
-      <p:grpSpPr>
-        <a:xfrm>
-          <a:off x="0" y="0"/>
-          <a:ext cx="0" cy="0"/>
-          <a:chOff x="0" y="0"/>
-          <a:chExt cx="0" cy="0"/>
-        </a:xfrm>
-      </p:grpSpPr>
-      <p:sp>
-        <p:nvSpPr>
-          <p:cNvPr id="2" name="Title 1">
-            <a:extLst>
-              <a:ext uri="{FF2B5EF4-FFF2-40B4-BE49-F238E27FC236}">
-                <a16:creationId xmlns:a16="http://schemas.microsoft.com/office/drawing/2014/main" id="{61DDA2E0-1EDC-4437-8213-1C7EDD22A259}"/>
-              </a:ext>
-            </a:extLst>
-          </p:cNvPr>
-          <p:cNvSpPr>
-            <a:spLocks noGrp="1"/>
-          </p:cNvSpPr>
-          <p:nvPr>
-            <p:ph type="ctrTitle"/>
-          </p:nvPr>
-        </p:nvSpPr>
-        <p:spPr>
-          <a:xfrm>
-            <a:off x="909638" y="531012"/>
-            <a:ext cx="7577138" cy="623891"/>
-          </a:xfrm>
-        </p:spPr>
-        <p:txBody>
-          <a:bodyPr>
-            <a:normAutofit/>
-          </a:bodyPr>
-          <a:lstStyle/>
-          <a:p>
-            <a:pPr algn="l"/>
-            <a:r>
-              <a:rPr lang="en-GB" sz="3600" b="1" dirty="0"/>
-              <a:t>Types of Graph?</a:t>
-            </a:r>
-          </a:p>
-        </p:txBody>
-      </p:sp>
-      <p:sp>
-        <p:nvSpPr>
-          <p:cNvPr id="3" name="Subtitle 2">
-            <a:extLst>
-              <a:ext uri="{FF2B5EF4-FFF2-40B4-BE49-F238E27FC236}">
-                <a16:creationId xmlns:a16="http://schemas.microsoft.com/office/drawing/2014/main" id="{22AD030D-A528-4C46-840A-D0B76A19935A}"/>
-              </a:ext>
-            </a:extLst>
-          </p:cNvPr>
-          <p:cNvSpPr>
-            <a:spLocks noGrp="1"/>
-          </p:cNvSpPr>
-          <p:nvPr>
-            <p:ph type="subTitle" idx="1"/>
-          </p:nvPr>
-        </p:nvSpPr>
-        <p:spPr>
-          <a:xfrm>
-            <a:off x="909638" y="1587492"/>
-            <a:ext cx="10677525" cy="2798772"/>
-          </a:xfrm>
-        </p:spPr>
-        <p:txBody>
-          <a:bodyPr>
-            <a:normAutofit/>
-          </a:bodyPr>
-          <a:lstStyle/>
-          <a:p>
-            <a:pPr marL="342900" indent="-342900" algn="just">
-              <a:buFont typeface="Arial" panose="020B0604020202020204" pitchFamily="34" charset="0"/>
-              <a:buChar char="•"/>
-            </a:pPr>
-            <a:r>
-              <a:rPr lang="en-GB" sz="2000" b="1" dirty="0"/>
-              <a:t>Cyclic Graph: </a:t>
-            </a:r>
-            <a:r>
-              <a:rPr lang="en-GB" sz="2000" dirty="0"/>
-              <a:t>A cyclic graph contains at least one cycle, which is a path that starts and ends at the same node..</a:t>
-            </a:r>
-          </a:p>
-          <a:p>
-            <a:pPr marL="342900" indent="-342900" algn="just">
-              <a:buFont typeface="Arial" panose="020B0604020202020204" pitchFamily="34" charset="0"/>
-              <a:buChar char="•"/>
-            </a:pPr>
-            <a:r>
-              <a:rPr lang="en-GB" sz="2000" b="1" dirty="0"/>
-              <a:t>Acyclic Graph: </a:t>
-            </a:r>
-            <a:r>
-              <a:rPr lang="en-GB" sz="2000" dirty="0"/>
-              <a:t>This type of graph has no cycles.</a:t>
-            </a:r>
-            <a:endParaRPr lang="en-GB" sz="2000" b="1" dirty="0"/>
-          </a:p>
-        </p:txBody>
-      </p:sp>
-      <p:sp>
-        <p:nvSpPr>
-          <p:cNvPr id="4" name="Oval 3">
-            <a:extLst>
-              <a:ext uri="{FF2B5EF4-FFF2-40B4-BE49-F238E27FC236}">
-                <a16:creationId xmlns:a16="http://schemas.microsoft.com/office/drawing/2014/main" id="{9589F02D-B032-46ED-A616-2EA75156EB38}"/>
-              </a:ext>
-            </a:extLst>
-          </p:cNvPr>
-          <p:cNvSpPr/>
-          <p:nvPr/>
-        </p:nvSpPr>
-        <p:spPr>
-          <a:xfrm>
-            <a:off x="2992383" y="3957639"/>
-            <a:ext cx="457200" cy="428625"/>
-          </a:xfrm>
-          <a:prstGeom prst="ellipse">
-            <a:avLst/>
-          </a:prstGeom>
-        </p:spPr>
-        <p:style>
-          <a:lnRef idx="2">
-            <a:schemeClr val="accent1">
-              <a:shade val="50000"/>
-            </a:schemeClr>
-          </a:lnRef>
-          <a:fillRef idx="1">
-            <a:schemeClr val="accent1"/>
-          </a:fillRef>
-          <a:effectRef idx="0">
-            <a:schemeClr val="accent1"/>
-          </a:effectRef>
-          <a:fontRef idx="minor">
-            <a:schemeClr val="lt1"/>
-          </a:fontRef>
-        </p:style>
-        <p:txBody>
-          <a:bodyPr rtlCol="0" anchor="ctr"/>
-          <a:lstStyle/>
-          <a:p>
-            <a:pPr algn="ctr"/>
-            <a:r>
-              <a:rPr lang="en-GB" dirty="0"/>
-              <a:t>A</a:t>
-            </a:r>
-          </a:p>
-        </p:txBody>
-      </p:sp>
-      <p:sp>
-        <p:nvSpPr>
-          <p:cNvPr id="6" name="Oval 5">
-            <a:extLst>
-              <a:ext uri="{FF2B5EF4-FFF2-40B4-BE49-F238E27FC236}">
-                <a16:creationId xmlns:a16="http://schemas.microsoft.com/office/drawing/2014/main" id="{7D8632BF-6DAF-482D-AFEB-10AD14D928F5}"/>
-              </a:ext>
-            </a:extLst>
-          </p:cNvPr>
-          <p:cNvSpPr/>
-          <p:nvPr/>
-        </p:nvSpPr>
-        <p:spPr>
-          <a:xfrm>
-            <a:off x="4375890" y="3957639"/>
-            <a:ext cx="457200" cy="428625"/>
-          </a:xfrm>
-          <a:prstGeom prst="ellipse">
-            <a:avLst/>
-          </a:prstGeom>
-        </p:spPr>
-        <p:style>
-          <a:lnRef idx="2">
-            <a:schemeClr val="accent1">
-              <a:shade val="50000"/>
-            </a:schemeClr>
-          </a:lnRef>
-          <a:fillRef idx="1">
-            <a:schemeClr val="accent1"/>
-          </a:fillRef>
-          <a:effectRef idx="0">
-            <a:schemeClr val="accent1"/>
-          </a:effectRef>
-          <a:fontRef idx="minor">
-            <a:schemeClr val="lt1"/>
-          </a:fontRef>
-        </p:style>
-        <p:txBody>
-          <a:bodyPr rtlCol="0" anchor="ctr"/>
-          <a:lstStyle/>
-          <a:p>
-            <a:pPr algn="ctr"/>
-            <a:r>
-              <a:rPr lang="en-GB" dirty="0"/>
-              <a:t>B</a:t>
-            </a:r>
-          </a:p>
-        </p:txBody>
-      </p:sp>
-      <p:sp>
-        <p:nvSpPr>
-          <p:cNvPr id="7" name="Oval 6">
-            <a:extLst>
-              <a:ext uri="{FF2B5EF4-FFF2-40B4-BE49-F238E27FC236}">
-                <a16:creationId xmlns:a16="http://schemas.microsoft.com/office/drawing/2014/main" id="{BB675182-F358-40AB-A4DE-B953E50B8ACF}"/>
-              </a:ext>
-            </a:extLst>
-          </p:cNvPr>
-          <p:cNvSpPr/>
-          <p:nvPr/>
-        </p:nvSpPr>
-        <p:spPr>
-          <a:xfrm>
-            <a:off x="2992383" y="5024439"/>
-            <a:ext cx="457200" cy="428625"/>
-          </a:xfrm>
-          <a:prstGeom prst="ellipse">
-            <a:avLst/>
-          </a:prstGeom>
-        </p:spPr>
-        <p:style>
-          <a:lnRef idx="2">
-            <a:schemeClr val="accent1">
-              <a:shade val="50000"/>
-            </a:schemeClr>
-          </a:lnRef>
-          <a:fillRef idx="1">
-            <a:schemeClr val="accent1"/>
-          </a:fillRef>
-          <a:effectRef idx="0">
-            <a:schemeClr val="accent1"/>
-          </a:effectRef>
-          <a:fontRef idx="minor">
-            <a:schemeClr val="lt1"/>
-          </a:fontRef>
-        </p:style>
-        <p:txBody>
-          <a:bodyPr rtlCol="0" anchor="ctr"/>
-          <a:lstStyle/>
-          <a:p>
-            <a:pPr algn="ctr"/>
-            <a:r>
-              <a:rPr lang="en-GB" dirty="0"/>
-              <a:t>C</a:t>
-            </a:r>
-          </a:p>
-        </p:txBody>
-      </p:sp>
-      <p:sp>
-        <p:nvSpPr>
-          <p:cNvPr id="8" name="Oval 7">
-            <a:extLst>
-              <a:ext uri="{FF2B5EF4-FFF2-40B4-BE49-F238E27FC236}">
-                <a16:creationId xmlns:a16="http://schemas.microsoft.com/office/drawing/2014/main" id="{F4BD1A50-52E0-40E7-8038-CB6D81EA8F7F}"/>
-              </a:ext>
-            </a:extLst>
-          </p:cNvPr>
-          <p:cNvSpPr/>
-          <p:nvPr/>
-        </p:nvSpPr>
-        <p:spPr>
-          <a:xfrm>
-            <a:off x="4375890" y="5024439"/>
-            <a:ext cx="457200" cy="428625"/>
-          </a:xfrm>
-          <a:prstGeom prst="ellipse">
-            <a:avLst/>
-          </a:prstGeom>
-        </p:spPr>
-        <p:style>
-          <a:lnRef idx="2">
-            <a:schemeClr val="accent1">
-              <a:shade val="50000"/>
-            </a:schemeClr>
-          </a:lnRef>
-          <a:fillRef idx="1">
-            <a:schemeClr val="accent1"/>
-          </a:fillRef>
-          <a:effectRef idx="0">
-            <a:schemeClr val="accent1"/>
-          </a:effectRef>
-          <a:fontRef idx="minor">
-            <a:schemeClr val="lt1"/>
-          </a:fontRef>
-        </p:style>
-        <p:txBody>
-          <a:bodyPr rtlCol="0" anchor="ctr"/>
-          <a:lstStyle/>
-          <a:p>
-            <a:pPr algn="ctr"/>
-            <a:r>
-              <a:rPr lang="en-GB" dirty="0"/>
-              <a:t>D</a:t>
-            </a:r>
-          </a:p>
-        </p:txBody>
-      </p:sp>
-      <p:cxnSp>
-        <p:nvCxnSpPr>
-          <p:cNvPr id="9" name="Straight Connector 8">
-            <a:extLst>
-              <a:ext uri="{FF2B5EF4-FFF2-40B4-BE49-F238E27FC236}">
-                <a16:creationId xmlns:a16="http://schemas.microsoft.com/office/drawing/2014/main" id="{E63F0497-F3EA-4D72-A581-9B7E9DD8EDC4}"/>
-              </a:ext>
-            </a:extLst>
-          </p:cNvPr>
-          <p:cNvCxnSpPr>
-            <a:cxnSpLocks/>
-            <a:stCxn id="4" idx="6"/>
-            <a:endCxn id="6" idx="2"/>
-          </p:cNvCxnSpPr>
-          <p:nvPr/>
-        </p:nvCxnSpPr>
-        <p:spPr>
-          <a:xfrm>
-            <a:off x="3449583" y="4171952"/>
-            <a:ext cx="926307" cy="0"/>
-          </a:xfrm>
-          <a:prstGeom prst="line">
-            <a:avLst/>
-          </a:prstGeom>
-          <a:ln w="28575"/>
-        </p:spPr>
-        <p:style>
-          <a:lnRef idx="1">
-            <a:schemeClr val="accent1"/>
-          </a:lnRef>
-          <a:fillRef idx="0">
-            <a:schemeClr val="accent1"/>
-          </a:fillRef>
-          <a:effectRef idx="0">
-            <a:schemeClr val="accent1"/>
-          </a:effectRef>
-          <a:fontRef idx="minor">
-            <a:schemeClr val="tx1"/>
-          </a:fontRef>
-        </p:style>
-      </p:cxnSp>
-      <p:cxnSp>
-        <p:nvCxnSpPr>
-          <p:cNvPr id="12" name="Straight Connector 11">
-            <a:extLst>
-              <a:ext uri="{FF2B5EF4-FFF2-40B4-BE49-F238E27FC236}">
-                <a16:creationId xmlns:a16="http://schemas.microsoft.com/office/drawing/2014/main" id="{03E6D39A-F12A-42C1-9B94-CA47A2697295}"/>
-              </a:ext>
-            </a:extLst>
-          </p:cNvPr>
-          <p:cNvCxnSpPr>
-            <a:cxnSpLocks/>
-            <a:stCxn id="7" idx="0"/>
-            <a:endCxn id="4" idx="4"/>
-          </p:cNvCxnSpPr>
-          <p:nvPr/>
-        </p:nvCxnSpPr>
-        <p:spPr>
-          <a:xfrm flipV="1">
-            <a:off x="3220983" y="4386264"/>
-            <a:ext cx="0" cy="638175"/>
-          </a:xfrm>
-          <a:prstGeom prst="line">
-            <a:avLst/>
-          </a:prstGeom>
-          <a:ln w="28575"/>
-        </p:spPr>
-        <p:style>
-          <a:lnRef idx="1">
-            <a:schemeClr val="accent1"/>
-          </a:lnRef>
-          <a:fillRef idx="0">
-            <a:schemeClr val="accent1"/>
-          </a:fillRef>
-          <a:effectRef idx="0">
-            <a:schemeClr val="accent1"/>
-          </a:effectRef>
-          <a:fontRef idx="minor">
-            <a:schemeClr val="tx1"/>
-          </a:fontRef>
-        </p:style>
-      </p:cxnSp>
-      <p:cxnSp>
-        <p:nvCxnSpPr>
-          <p:cNvPr id="16" name="Straight Connector 15">
-            <a:extLst>
-              <a:ext uri="{FF2B5EF4-FFF2-40B4-BE49-F238E27FC236}">
-                <a16:creationId xmlns:a16="http://schemas.microsoft.com/office/drawing/2014/main" id="{9B898528-5633-4D4A-AABF-BA95936DB354}"/>
-              </a:ext>
-            </a:extLst>
-          </p:cNvPr>
-          <p:cNvCxnSpPr>
-            <a:cxnSpLocks/>
-            <a:endCxn id="6" idx="4"/>
-          </p:cNvCxnSpPr>
-          <p:nvPr/>
-        </p:nvCxnSpPr>
-        <p:spPr>
-          <a:xfrm flipV="1">
-            <a:off x="4604490" y="4386264"/>
-            <a:ext cx="0" cy="852487"/>
-          </a:xfrm>
-          <a:prstGeom prst="line">
-            <a:avLst/>
-          </a:prstGeom>
-          <a:ln w="28575"/>
-        </p:spPr>
-        <p:style>
-          <a:lnRef idx="1">
-            <a:schemeClr val="accent1"/>
-          </a:lnRef>
-          <a:fillRef idx="0">
-            <a:schemeClr val="accent1"/>
-          </a:fillRef>
-          <a:effectRef idx="0">
-            <a:schemeClr val="accent1"/>
-          </a:effectRef>
-          <a:fontRef idx="minor">
-            <a:schemeClr val="tx1"/>
-          </a:fontRef>
-        </p:style>
-      </p:cxnSp>
-      <p:cxnSp>
-        <p:nvCxnSpPr>
-          <p:cNvPr id="19" name="Straight Connector 18">
-            <a:extLst>
-              <a:ext uri="{FF2B5EF4-FFF2-40B4-BE49-F238E27FC236}">
-                <a16:creationId xmlns:a16="http://schemas.microsoft.com/office/drawing/2014/main" id="{F682EFA7-21C8-4A43-8A7C-F8847AB492B4}"/>
-              </a:ext>
-            </a:extLst>
-          </p:cNvPr>
-          <p:cNvCxnSpPr>
-            <a:cxnSpLocks/>
-            <a:stCxn id="8" idx="2"/>
-            <a:endCxn id="7" idx="6"/>
-          </p:cNvCxnSpPr>
-          <p:nvPr/>
-        </p:nvCxnSpPr>
-        <p:spPr>
-          <a:xfrm flipH="1">
-            <a:off x="3449583" y="5238752"/>
-            <a:ext cx="926307" cy="0"/>
-          </a:xfrm>
-          <a:prstGeom prst="line">
-            <a:avLst/>
-          </a:prstGeom>
-          <a:ln w="28575"/>
-        </p:spPr>
-        <p:style>
-          <a:lnRef idx="1">
-            <a:schemeClr val="accent1"/>
-          </a:lnRef>
-          <a:fillRef idx="0">
-            <a:schemeClr val="accent1"/>
-          </a:fillRef>
-          <a:effectRef idx="0">
-            <a:schemeClr val="accent1"/>
-          </a:effectRef>
-          <a:fontRef idx="minor">
-            <a:schemeClr val="tx1"/>
-          </a:fontRef>
-        </p:style>
-      </p:cxnSp>
-      <p:sp>
-        <p:nvSpPr>
-          <p:cNvPr id="28" name="Oval 27">
-            <a:extLst>
-              <a:ext uri="{FF2B5EF4-FFF2-40B4-BE49-F238E27FC236}">
-                <a16:creationId xmlns:a16="http://schemas.microsoft.com/office/drawing/2014/main" id="{6DBDCFDB-BC8B-4E7D-8ECE-22EDF52635D5}"/>
-              </a:ext>
-            </a:extLst>
-          </p:cNvPr>
-          <p:cNvSpPr/>
-          <p:nvPr/>
-        </p:nvSpPr>
-        <p:spPr>
-          <a:xfrm>
-            <a:off x="6874669" y="3957639"/>
-            <a:ext cx="457200" cy="428625"/>
-          </a:xfrm>
-          <a:prstGeom prst="ellipse">
-            <a:avLst/>
-          </a:prstGeom>
-        </p:spPr>
-        <p:style>
-          <a:lnRef idx="2">
-            <a:schemeClr val="accent1">
-              <a:shade val="50000"/>
-            </a:schemeClr>
-          </a:lnRef>
-          <a:fillRef idx="1">
-            <a:schemeClr val="accent1"/>
-          </a:fillRef>
-          <a:effectRef idx="0">
-            <a:schemeClr val="accent1"/>
-          </a:effectRef>
-          <a:fontRef idx="minor">
-            <a:schemeClr val="lt1"/>
-          </a:fontRef>
-        </p:style>
-        <p:txBody>
-          <a:bodyPr rtlCol="0" anchor="ctr"/>
-          <a:lstStyle/>
-          <a:p>
-            <a:pPr algn="ctr"/>
-            <a:r>
-              <a:rPr lang="en-GB" dirty="0"/>
-              <a:t>A</a:t>
-            </a:r>
-          </a:p>
-        </p:txBody>
-      </p:sp>
-      <p:sp>
-        <p:nvSpPr>
-          <p:cNvPr id="29" name="Oval 28">
-            <a:extLst>
-              <a:ext uri="{FF2B5EF4-FFF2-40B4-BE49-F238E27FC236}">
-                <a16:creationId xmlns:a16="http://schemas.microsoft.com/office/drawing/2014/main" id="{66B0D9C5-6D00-4E5A-B69B-5098457FC6DC}"/>
-              </a:ext>
-            </a:extLst>
-          </p:cNvPr>
-          <p:cNvSpPr/>
-          <p:nvPr/>
-        </p:nvSpPr>
-        <p:spPr>
-          <a:xfrm>
-            <a:off x="8258176" y="3957639"/>
-            <a:ext cx="457200" cy="428625"/>
-          </a:xfrm>
-          <a:prstGeom prst="ellipse">
-            <a:avLst/>
-          </a:prstGeom>
-        </p:spPr>
-        <p:style>
-          <a:lnRef idx="2">
-            <a:schemeClr val="accent1">
-              <a:shade val="50000"/>
-            </a:schemeClr>
-          </a:lnRef>
-          <a:fillRef idx="1">
-            <a:schemeClr val="accent1"/>
-          </a:fillRef>
-          <a:effectRef idx="0">
-            <a:schemeClr val="accent1"/>
-          </a:effectRef>
-          <a:fontRef idx="minor">
-            <a:schemeClr val="lt1"/>
-          </a:fontRef>
-        </p:style>
-        <p:txBody>
-          <a:bodyPr rtlCol="0" anchor="ctr"/>
-          <a:lstStyle/>
-          <a:p>
-            <a:pPr algn="ctr"/>
-            <a:r>
-              <a:rPr lang="en-GB" dirty="0"/>
-              <a:t>B</a:t>
-            </a:r>
-          </a:p>
-        </p:txBody>
-      </p:sp>
-      <p:sp>
-        <p:nvSpPr>
-          <p:cNvPr id="30" name="Oval 29">
-            <a:extLst>
-              <a:ext uri="{FF2B5EF4-FFF2-40B4-BE49-F238E27FC236}">
-                <a16:creationId xmlns:a16="http://schemas.microsoft.com/office/drawing/2014/main" id="{C33C6611-02B1-40C6-A578-5FA9ABEDF7CF}"/>
-              </a:ext>
-            </a:extLst>
-          </p:cNvPr>
-          <p:cNvSpPr/>
-          <p:nvPr/>
-        </p:nvSpPr>
-        <p:spPr>
-          <a:xfrm>
-            <a:off x="6874669" y="5024439"/>
-            <a:ext cx="457200" cy="428625"/>
-          </a:xfrm>
-          <a:prstGeom prst="ellipse">
-            <a:avLst/>
-          </a:prstGeom>
-        </p:spPr>
-        <p:style>
-          <a:lnRef idx="2">
-            <a:schemeClr val="accent1">
-              <a:shade val="50000"/>
-            </a:schemeClr>
-          </a:lnRef>
-          <a:fillRef idx="1">
-            <a:schemeClr val="accent1"/>
-          </a:fillRef>
-          <a:effectRef idx="0">
-            <a:schemeClr val="accent1"/>
-          </a:effectRef>
-          <a:fontRef idx="minor">
-            <a:schemeClr val="lt1"/>
-          </a:fontRef>
-        </p:style>
-        <p:txBody>
-          <a:bodyPr rtlCol="0" anchor="ctr"/>
-          <a:lstStyle/>
-          <a:p>
-            <a:pPr algn="ctr"/>
-            <a:r>
-              <a:rPr lang="en-GB" dirty="0"/>
-              <a:t>C</a:t>
-            </a:r>
-          </a:p>
-        </p:txBody>
-      </p:sp>
-      <p:sp>
-        <p:nvSpPr>
-          <p:cNvPr id="31" name="Oval 30">
-            <a:extLst>
-              <a:ext uri="{FF2B5EF4-FFF2-40B4-BE49-F238E27FC236}">
-                <a16:creationId xmlns:a16="http://schemas.microsoft.com/office/drawing/2014/main" id="{0B2E5BE8-18AE-4E1C-8C70-DA603BB94F92}"/>
-              </a:ext>
-            </a:extLst>
-          </p:cNvPr>
-          <p:cNvSpPr/>
-          <p:nvPr/>
-        </p:nvSpPr>
-        <p:spPr>
-          <a:xfrm>
-            <a:off x="8258176" y="5024439"/>
-            <a:ext cx="457200" cy="428625"/>
-          </a:xfrm>
-          <a:prstGeom prst="ellipse">
-            <a:avLst/>
-          </a:prstGeom>
-        </p:spPr>
-        <p:style>
-          <a:lnRef idx="2">
-            <a:schemeClr val="accent1">
-              <a:shade val="50000"/>
-            </a:schemeClr>
-          </a:lnRef>
-          <a:fillRef idx="1">
-            <a:schemeClr val="accent1"/>
-          </a:fillRef>
-          <a:effectRef idx="0">
-            <a:schemeClr val="accent1"/>
-          </a:effectRef>
-          <a:fontRef idx="minor">
-            <a:schemeClr val="lt1"/>
-          </a:fontRef>
-        </p:style>
-        <p:txBody>
-          <a:bodyPr rtlCol="0" anchor="ctr"/>
-          <a:lstStyle/>
-          <a:p>
-            <a:pPr algn="ctr"/>
-            <a:r>
-              <a:rPr lang="en-GB" dirty="0"/>
-              <a:t>D</a:t>
-            </a:r>
-          </a:p>
-        </p:txBody>
-      </p:sp>
-      <p:cxnSp>
-        <p:nvCxnSpPr>
-          <p:cNvPr id="32" name="Straight Connector 31">
-            <a:extLst>
-              <a:ext uri="{FF2B5EF4-FFF2-40B4-BE49-F238E27FC236}">
-                <a16:creationId xmlns:a16="http://schemas.microsoft.com/office/drawing/2014/main" id="{C11D3A0E-F452-44CC-9177-17746F24A6EA}"/>
-              </a:ext>
-            </a:extLst>
-          </p:cNvPr>
-          <p:cNvCxnSpPr>
-            <a:cxnSpLocks/>
-            <a:stCxn id="28" idx="6"/>
-            <a:endCxn id="29" idx="2"/>
-          </p:cNvCxnSpPr>
-          <p:nvPr/>
-        </p:nvCxnSpPr>
-        <p:spPr>
-          <a:xfrm>
-            <a:off x="7331869" y="4171952"/>
-            <a:ext cx="926307" cy="0"/>
-          </a:xfrm>
-          <a:prstGeom prst="line">
-            <a:avLst/>
-          </a:prstGeom>
-          <a:ln w="28575"/>
-        </p:spPr>
-        <p:style>
-          <a:lnRef idx="1">
-            <a:schemeClr val="accent1"/>
-          </a:lnRef>
-          <a:fillRef idx="0">
-            <a:schemeClr val="accent1"/>
-          </a:fillRef>
-          <a:effectRef idx="0">
-            <a:schemeClr val="accent1"/>
-          </a:effectRef>
-          <a:fontRef idx="minor">
-            <a:schemeClr val="tx1"/>
-          </a:fontRef>
-        </p:style>
-      </p:cxnSp>
-      <p:cxnSp>
-        <p:nvCxnSpPr>
-          <p:cNvPr id="33" name="Straight Connector 32">
-            <a:extLst>
-              <a:ext uri="{FF2B5EF4-FFF2-40B4-BE49-F238E27FC236}">
-                <a16:creationId xmlns:a16="http://schemas.microsoft.com/office/drawing/2014/main" id="{6F8F7030-4C8E-47C2-8460-730C0EEB23A3}"/>
-              </a:ext>
-            </a:extLst>
-          </p:cNvPr>
-          <p:cNvCxnSpPr>
-            <a:cxnSpLocks/>
-            <a:stCxn id="30" idx="0"/>
-            <a:endCxn id="28" idx="4"/>
-          </p:cNvCxnSpPr>
-          <p:nvPr/>
-        </p:nvCxnSpPr>
-        <p:spPr>
-          <a:xfrm flipV="1">
-            <a:off x="7103269" y="4386264"/>
-            <a:ext cx="0" cy="638175"/>
-          </a:xfrm>
-          <a:prstGeom prst="line">
-            <a:avLst/>
-          </a:prstGeom>
-          <a:ln w="28575"/>
-        </p:spPr>
-        <p:style>
-          <a:lnRef idx="1">
-            <a:schemeClr val="accent1"/>
-          </a:lnRef>
-          <a:fillRef idx="0">
-            <a:schemeClr val="accent1"/>
-          </a:fillRef>
-          <a:effectRef idx="0">
-            <a:schemeClr val="accent1"/>
-          </a:effectRef>
-          <a:fontRef idx="minor">
-            <a:schemeClr val="tx1"/>
-          </a:fontRef>
-        </p:style>
-      </p:cxnSp>
-      <p:cxnSp>
-        <p:nvCxnSpPr>
-          <p:cNvPr id="35" name="Straight Connector 34">
-            <a:extLst>
-              <a:ext uri="{FF2B5EF4-FFF2-40B4-BE49-F238E27FC236}">
-                <a16:creationId xmlns:a16="http://schemas.microsoft.com/office/drawing/2014/main" id="{E591B430-F888-4348-AD83-E8D8A0CE8FE5}"/>
-              </a:ext>
-            </a:extLst>
-          </p:cNvPr>
-          <p:cNvCxnSpPr>
-            <a:cxnSpLocks/>
-            <a:stCxn id="31" idx="2"/>
-            <a:endCxn id="30" idx="6"/>
-          </p:cNvCxnSpPr>
-          <p:nvPr/>
-        </p:nvCxnSpPr>
-        <p:spPr>
-          <a:xfrm flipH="1">
-            <a:off x="7331869" y="5238752"/>
-            <a:ext cx="926307" cy="0"/>
-          </a:xfrm>
-          <a:prstGeom prst="line">
-            <a:avLst/>
-          </a:prstGeom>
-          <a:ln w="28575"/>
-        </p:spPr>
-        <p:style>
-          <a:lnRef idx="1">
-            <a:schemeClr val="accent1"/>
-          </a:lnRef>
-          <a:fillRef idx="0">
-            <a:schemeClr val="accent1"/>
-          </a:fillRef>
-          <a:effectRef idx="0">
-            <a:schemeClr val="accent1"/>
-          </a:effectRef>
-          <a:fontRef idx="minor">
-            <a:schemeClr val="tx1"/>
-          </a:fontRef>
-        </p:style>
-      </p:cxnSp>
-      <p:sp>
-        <p:nvSpPr>
-          <p:cNvPr id="26" name="TextBox 25">
-            <a:extLst>
-              <a:ext uri="{FF2B5EF4-FFF2-40B4-BE49-F238E27FC236}">
-                <a16:creationId xmlns:a16="http://schemas.microsoft.com/office/drawing/2014/main" id="{A4DC6DFB-89CF-464A-AF48-E7866379F0B6}"/>
-              </a:ext>
-            </a:extLst>
-          </p:cNvPr>
-          <p:cNvSpPr txBox="1"/>
-          <p:nvPr/>
-        </p:nvSpPr>
-        <p:spPr>
-          <a:xfrm>
-            <a:off x="3253532" y="5685943"/>
-            <a:ext cx="1354858" cy="369332"/>
-          </a:xfrm>
-          <a:prstGeom prst="rect">
-            <a:avLst/>
-          </a:prstGeom>
-          <a:noFill/>
-        </p:spPr>
-        <p:txBody>
-          <a:bodyPr wrap="none" rtlCol="0">
-            <a:spAutoFit/>
-          </a:bodyPr>
-          <a:lstStyle/>
-          <a:p>
-            <a:r>
-              <a:rPr lang="en-GB" b="1" dirty="0"/>
-              <a:t>Cyclic Graph</a:t>
-            </a:r>
-          </a:p>
-        </p:txBody>
-      </p:sp>
-      <p:sp>
-        <p:nvSpPr>
-          <p:cNvPr id="42" name="TextBox 41">
-            <a:extLst>
-              <a:ext uri="{FF2B5EF4-FFF2-40B4-BE49-F238E27FC236}">
-                <a16:creationId xmlns:a16="http://schemas.microsoft.com/office/drawing/2014/main" id="{7F68A3FE-F712-4FA7-A05B-76D28EE47214}"/>
-              </a:ext>
-            </a:extLst>
-          </p:cNvPr>
-          <p:cNvSpPr txBox="1"/>
-          <p:nvPr/>
-        </p:nvSpPr>
-        <p:spPr>
-          <a:xfrm>
-            <a:off x="7103269" y="5644110"/>
-            <a:ext cx="1468672" cy="369332"/>
-          </a:xfrm>
-          <a:prstGeom prst="rect">
-            <a:avLst/>
-          </a:prstGeom>
-          <a:noFill/>
-        </p:spPr>
-        <p:txBody>
-          <a:bodyPr wrap="none" rtlCol="0">
-            <a:spAutoFit/>
-          </a:bodyPr>
-          <a:lstStyle/>
-          <a:p>
-            <a:r>
-              <a:rPr lang="en-GB" b="1" dirty="0"/>
-              <a:t>Acyclic Graph</a:t>
-            </a:r>
-          </a:p>
-        </p:txBody>
-      </p:sp>
-      <p:cxnSp>
-        <p:nvCxnSpPr>
-          <p:cNvPr id="27" name="Straight Connector 26">
-            <a:extLst>
-              <a:ext uri="{FF2B5EF4-FFF2-40B4-BE49-F238E27FC236}">
-                <a16:creationId xmlns:a16="http://schemas.microsoft.com/office/drawing/2014/main" id="{619DC65F-2D11-4A30-9EAF-D42052FE97FB}"/>
-              </a:ext>
-            </a:extLst>
-          </p:cNvPr>
-          <p:cNvCxnSpPr>
-            <a:cxnSpLocks/>
-            <a:stCxn id="6" idx="3"/>
-            <a:endCxn id="7" idx="7"/>
-          </p:cNvCxnSpPr>
-          <p:nvPr/>
-        </p:nvCxnSpPr>
-        <p:spPr>
-          <a:xfrm flipH="1">
-            <a:off x="3382628" y="4323493"/>
-            <a:ext cx="1060217" cy="763717"/>
-          </a:xfrm>
-          <a:prstGeom prst="line">
-            <a:avLst/>
-          </a:prstGeom>
-          <a:ln w="28575"/>
-        </p:spPr>
-        <p:style>
-          <a:lnRef idx="1">
-            <a:schemeClr val="accent1"/>
-          </a:lnRef>
-          <a:fillRef idx="0">
-            <a:schemeClr val="accent1"/>
-          </a:fillRef>
-          <a:effectRef idx="0">
-            <a:schemeClr val="accent1"/>
-          </a:effectRef>
-          <a:fontRef idx="minor">
-            <a:schemeClr val="tx1"/>
-          </a:fontRef>
-        </p:style>
-      </p:cxnSp>
-    </p:spTree>
-    <p:extLst>
-      <p:ext uri="{BB962C8B-B14F-4D97-AF65-F5344CB8AC3E}">
-        <p14:creationId xmlns:p14="http://schemas.microsoft.com/office/powerpoint/2010/main" val="162823555"/>
-      </p:ext>
-    </p:extLst>
-  </p:cSld>
-  <p:clrMapOvr>
-    <a:masterClrMapping/>
-  </p:clrMapOvr>
-</p:sld>
-</file>
-
-<file path=ppt/slides/slide7.xml><?xml version="1.0" encoding="utf-8"?>
-<p:sld xmlns:a="http://schemas.openxmlformats.org/drawingml/2006/main" xmlns:r="http://schemas.openxmlformats.org/officeDocument/2006/relationships" xmlns:p="http://schemas.openxmlformats.org/presentationml/2006/main">
-  <p:cSld>
-    <p:spTree>
-      <p:nvGrpSpPr>
-        <p:cNvPr id="1" name=""/>
-        <p:cNvGrpSpPr/>
-        <p:nvPr/>
-      </p:nvGrpSpPr>
-      <p:grpSpPr>
-        <a:xfrm>
-          <a:off x="0" y="0"/>
-          <a:ext cx="0" cy="0"/>
-          <a:chOff x="0" y="0"/>
-          <a:chExt cx="0" cy="0"/>
-        </a:xfrm>
-      </p:grpSpPr>
-      <p:sp>
-        <p:nvSpPr>
-          <p:cNvPr id="2" name="Title 1">
-            <a:extLst>
-              <a:ext uri="{FF2B5EF4-FFF2-40B4-BE49-F238E27FC236}">
-                <a16:creationId xmlns:a16="http://schemas.microsoft.com/office/drawing/2014/main" id="{61DDA2E0-1EDC-4437-8213-1C7EDD22A259}"/>
-              </a:ext>
-            </a:extLst>
-          </p:cNvPr>
-          <p:cNvSpPr>
-            <a:spLocks noGrp="1"/>
-          </p:cNvSpPr>
-          <p:nvPr>
-            <p:ph type="ctrTitle"/>
-          </p:nvPr>
-        </p:nvSpPr>
-        <p:spPr>
-          <a:xfrm>
-            <a:off x="909638" y="531012"/>
-            <a:ext cx="7577138" cy="623891"/>
-          </a:xfrm>
-        </p:spPr>
-        <p:txBody>
-          <a:bodyPr>
-            <a:normAutofit/>
-          </a:bodyPr>
-          <a:lstStyle/>
-          <a:p>
-            <a:pPr algn="l"/>
-            <a:r>
-              <a:rPr lang="en-GB" sz="3600" b="1" dirty="0"/>
-              <a:t>Terminologies of Graph?</a:t>
-            </a:r>
-          </a:p>
-        </p:txBody>
-      </p:sp>
-      <p:sp>
-        <p:nvSpPr>
-          <p:cNvPr id="3" name="Subtitle 2">
-            <a:extLst>
-              <a:ext uri="{FF2B5EF4-FFF2-40B4-BE49-F238E27FC236}">
-                <a16:creationId xmlns:a16="http://schemas.microsoft.com/office/drawing/2014/main" id="{22AD030D-A528-4C46-840A-D0B76A19935A}"/>
-              </a:ext>
-            </a:extLst>
-          </p:cNvPr>
-          <p:cNvSpPr>
-            <a:spLocks noGrp="1"/>
-          </p:cNvSpPr>
-          <p:nvPr>
-            <p:ph type="subTitle" idx="1"/>
-          </p:nvPr>
-        </p:nvSpPr>
-        <p:spPr>
-          <a:xfrm>
-            <a:off x="909638" y="1587492"/>
-            <a:ext cx="10677525" cy="4198946"/>
-          </a:xfrm>
-        </p:spPr>
-        <p:txBody>
-          <a:bodyPr>
-            <a:normAutofit/>
-          </a:bodyPr>
-          <a:lstStyle/>
-          <a:p>
-            <a:pPr marL="342900" indent="-342900" algn="just">
-              <a:buFont typeface="Arial" panose="020B0604020202020204" pitchFamily="34" charset="0"/>
-              <a:buChar char="•"/>
-            </a:pPr>
-            <a:r>
-              <a:rPr lang="en-GB" sz="2000" b="1" dirty="0">
-                <a:solidFill>
-                  <a:srgbClr val="FF0000"/>
-                </a:solidFill>
-              </a:rPr>
-              <a:t>Vertex (Node):</a:t>
-            </a:r>
-            <a:r>
-              <a:rPr lang="en-GB" sz="2000" b="1" dirty="0"/>
-              <a:t> </a:t>
-            </a:r>
-            <a:r>
-              <a:rPr lang="en-GB" sz="2000" dirty="0"/>
-              <a:t>An individual element in the graph.</a:t>
-            </a:r>
-          </a:p>
-          <a:p>
-            <a:pPr marL="342900" indent="-342900" algn="just">
-              <a:buFont typeface="Arial" panose="020B0604020202020204" pitchFamily="34" charset="0"/>
-              <a:buChar char="•"/>
-            </a:pPr>
-            <a:r>
-              <a:rPr lang="en-GB" sz="2000" b="1" dirty="0">
-                <a:solidFill>
-                  <a:srgbClr val="FF0000"/>
-                </a:solidFill>
-              </a:rPr>
-              <a:t>Adjacent nodes:</a:t>
-            </a:r>
-            <a:r>
-              <a:rPr lang="en-GB" sz="2000" dirty="0"/>
-              <a:t> Node </a:t>
-            </a:r>
-            <a:r>
-              <a:rPr lang="en-GB" sz="2000" b="1" i="1" dirty="0"/>
-              <a:t>X</a:t>
-            </a:r>
-            <a:r>
-              <a:rPr lang="en-GB" sz="2000" dirty="0"/>
-              <a:t> is adjacent node </a:t>
-            </a:r>
-            <a:r>
-              <a:rPr lang="en-GB" sz="2000" b="1" i="1" dirty="0"/>
-              <a:t>Y</a:t>
-            </a:r>
-            <a:r>
-              <a:rPr lang="en-GB" sz="2000" dirty="0"/>
-              <a:t> if there is an edge from node </a:t>
-            </a:r>
-            <a:r>
-              <a:rPr lang="en-GB" sz="2000" b="1" i="1" dirty="0"/>
-              <a:t>X</a:t>
-            </a:r>
-            <a:r>
-              <a:rPr lang="en-GB" sz="2000" dirty="0"/>
-              <a:t> to node </a:t>
-            </a:r>
-            <a:r>
-              <a:rPr lang="en-GB" sz="2000" b="1" i="1" dirty="0"/>
-              <a:t>Y</a:t>
-            </a:r>
-            <a:r>
-              <a:rPr lang="en-GB" sz="2000" dirty="0"/>
-              <a:t>.</a:t>
-            </a:r>
-          </a:p>
-          <a:p>
-            <a:pPr marL="342900" indent="-342900" algn="just">
-              <a:buFont typeface="Arial" panose="020B0604020202020204" pitchFamily="34" charset="0"/>
-              <a:buChar char="•"/>
-            </a:pPr>
-            <a:r>
-              <a:rPr lang="en-GB" sz="2000" b="1" dirty="0">
-                <a:solidFill>
-                  <a:srgbClr val="FF0000"/>
-                </a:solidFill>
-              </a:rPr>
-              <a:t>Edge:</a:t>
-            </a:r>
-            <a:r>
-              <a:rPr lang="en-GB" sz="2000" b="1" dirty="0"/>
-              <a:t> </a:t>
-            </a:r>
-            <a:r>
-              <a:rPr lang="en-GB" sz="2000" dirty="0"/>
-              <a:t>A connection between two vertices. An edge may have a weight associated with it, representing the cost or distance between vertices.</a:t>
-            </a:r>
-          </a:p>
-          <a:p>
-            <a:pPr marL="342900" indent="-342900" algn="just">
-              <a:buFont typeface="Arial" panose="020B0604020202020204" pitchFamily="34" charset="0"/>
-              <a:buChar char="•"/>
-            </a:pPr>
-            <a:r>
-              <a:rPr lang="en-GB" sz="2000" b="1" dirty="0">
-                <a:solidFill>
-                  <a:srgbClr val="FF0000"/>
-                </a:solidFill>
-              </a:rPr>
-              <a:t>Degree:</a:t>
-            </a:r>
-            <a:r>
-              <a:rPr lang="en-GB" sz="2000" b="1" dirty="0"/>
-              <a:t> </a:t>
-            </a:r>
-            <a:r>
-              <a:rPr lang="en-GB" sz="2000" dirty="0"/>
-              <a:t>The number of edges connected to a vertex. For directed graphs, the in-degree is the number of incoming edges, and the out-degree is the number of outgoing edges.</a:t>
-            </a:r>
-          </a:p>
-          <a:p>
-            <a:pPr marL="342900" indent="-342900" algn="just">
-              <a:buFont typeface="Arial" panose="020B0604020202020204" pitchFamily="34" charset="0"/>
-              <a:buChar char="•"/>
-            </a:pPr>
-            <a:r>
-              <a:rPr lang="en-GB" sz="2000" b="1" dirty="0">
-                <a:solidFill>
-                  <a:srgbClr val="FF0000"/>
-                </a:solidFill>
-              </a:rPr>
-              <a:t>Path:</a:t>
-            </a:r>
-            <a:r>
-              <a:rPr lang="en-GB" sz="2000" b="1" dirty="0"/>
-              <a:t> </a:t>
-            </a:r>
-            <a:r>
-              <a:rPr lang="en-GB" sz="2000" dirty="0"/>
-              <a:t>A sequence of edges that connect a series of vertices.</a:t>
-            </a:r>
-          </a:p>
-          <a:p>
-            <a:pPr marL="342900" indent="-342900" algn="just">
-              <a:buFont typeface="Arial" panose="020B0604020202020204" pitchFamily="34" charset="0"/>
-              <a:buChar char="•"/>
-            </a:pPr>
-            <a:r>
-              <a:rPr lang="en-GB" sz="2000" b="1" dirty="0">
-                <a:solidFill>
-                  <a:srgbClr val="FF0000"/>
-                </a:solidFill>
-              </a:rPr>
-              <a:t>Cycle:</a:t>
-            </a:r>
-            <a:r>
-              <a:rPr lang="en-GB" sz="2000" b="1" dirty="0"/>
-              <a:t> </a:t>
-            </a:r>
-            <a:r>
-              <a:rPr lang="en-GB" sz="2000" dirty="0"/>
-              <a:t>A path that starts and ends at the same vertex, with all vertices and edges distinct, except the starting and ending vertex.</a:t>
-            </a:r>
-          </a:p>
-          <a:p>
-            <a:pPr marL="342900" indent="-342900" algn="just">
-              <a:buFont typeface="Arial" panose="020B0604020202020204" pitchFamily="34" charset="0"/>
-              <a:buChar char="•"/>
-            </a:pPr>
-            <a:r>
-              <a:rPr lang="en-GB" sz="2000" b="1" dirty="0">
-                <a:solidFill>
-                  <a:srgbClr val="FF0000"/>
-                </a:solidFill>
-              </a:rPr>
-              <a:t>Connected Graph: </a:t>
-            </a:r>
-            <a:r>
-              <a:rPr lang="en-GB" sz="2000" dirty="0"/>
-              <a:t>A graph in which there is a path between every pair of vertices.</a:t>
-            </a:r>
-          </a:p>
-        </p:txBody>
-      </p:sp>
-    </p:spTree>
-    <p:extLst>
-      <p:ext uri="{BB962C8B-B14F-4D97-AF65-F5344CB8AC3E}">
-        <p14:creationId xmlns:p14="http://schemas.microsoft.com/office/powerpoint/2010/main" val="1285933358"/>
-      </p:ext>
-    </p:extLst>
-  </p:cSld>
-  <p:clrMapOvr>
-    <a:masterClrMapping/>
-  </p:clrMapOvr>
-</p:sld>
-</file>
-
-<file path=ppt/slides/slide8.xml><?xml version="1.0" encoding="utf-8"?>
-<p:sld xmlns:a="http://schemas.openxmlformats.org/drawingml/2006/main" xmlns:r="http://schemas.openxmlformats.org/officeDocument/2006/relationships" xmlns:p="http://schemas.openxmlformats.org/presentationml/2006/main">
-  <p:cSld>
-    <p:spTree>
-      <p:nvGrpSpPr>
-        <p:cNvPr id="1" name=""/>
-        <p:cNvGrpSpPr/>
-        <p:nvPr/>
-      </p:nvGrpSpPr>
-      <p:grpSpPr>
-        <a:xfrm>
-          <a:off x="0" y="0"/>
-          <a:ext cx="0" cy="0"/>
-          <a:chOff x="0" y="0"/>
-          <a:chExt cx="0" cy="0"/>
-        </a:xfrm>
-      </p:grpSpPr>
-      <p:sp>
-        <p:nvSpPr>
-          <p:cNvPr id="2" name="Title 1">
-            <a:extLst>
-              <a:ext uri="{FF2B5EF4-FFF2-40B4-BE49-F238E27FC236}">
-                <a16:creationId xmlns:a16="http://schemas.microsoft.com/office/drawing/2014/main" id="{61DDA2E0-1EDC-4437-8213-1C7EDD22A259}"/>
-              </a:ext>
-            </a:extLst>
-          </p:cNvPr>
-          <p:cNvSpPr>
-            <a:spLocks noGrp="1"/>
-          </p:cNvSpPr>
-          <p:nvPr>
-            <p:ph type="ctrTitle"/>
-          </p:nvPr>
-        </p:nvSpPr>
-        <p:spPr>
-          <a:xfrm>
-            <a:off x="909638" y="531012"/>
-            <a:ext cx="7577138" cy="623891"/>
-          </a:xfrm>
-        </p:spPr>
-        <p:txBody>
-          <a:bodyPr>
-            <a:normAutofit/>
-          </a:bodyPr>
-          <a:lstStyle/>
-          <a:p>
-            <a:pPr algn="l"/>
-            <a:r>
-              <a:rPr lang="en-GB" sz="3600" b="1" dirty="0"/>
-              <a:t>Graph Representation</a:t>
-            </a:r>
-          </a:p>
-        </p:txBody>
-      </p:sp>
-      <p:sp>
-        <p:nvSpPr>
-          <p:cNvPr id="3" name="Subtitle 2">
-            <a:extLst>
-              <a:ext uri="{FF2B5EF4-FFF2-40B4-BE49-F238E27FC236}">
-                <a16:creationId xmlns:a16="http://schemas.microsoft.com/office/drawing/2014/main" id="{22AD030D-A528-4C46-840A-D0B76A19935A}"/>
-              </a:ext>
-            </a:extLst>
-          </p:cNvPr>
-          <p:cNvSpPr>
-            <a:spLocks noGrp="1"/>
-          </p:cNvSpPr>
-          <p:nvPr>
-            <p:ph type="subTitle" idx="1"/>
-          </p:nvPr>
-        </p:nvSpPr>
-        <p:spPr>
-          <a:xfrm>
-            <a:off x="909638" y="1587492"/>
-            <a:ext cx="10677525" cy="4198946"/>
-          </a:xfrm>
-        </p:spPr>
-        <p:txBody>
-          <a:bodyPr>
-            <a:normAutofit/>
-          </a:bodyPr>
-          <a:lstStyle/>
-          <a:p>
-            <a:pPr marL="342900" indent="-342900" algn="just">
-              <a:buFont typeface="Arial" panose="020B0604020202020204" pitchFamily="34" charset="0"/>
-              <a:buChar char="•"/>
-            </a:pPr>
-            <a:r>
-              <a:rPr lang="en-GB" sz="2000" b="1" dirty="0">
-                <a:solidFill>
-                  <a:srgbClr val="FF0000"/>
-                </a:solidFill>
-              </a:rPr>
-              <a:t>Adjacency Matrix:</a:t>
-            </a:r>
-            <a:r>
-              <a:rPr lang="en-GB" sz="2000" b="1" dirty="0"/>
-              <a:t> </a:t>
-            </a:r>
-            <a:r>
-              <a:rPr lang="en-GB" sz="2000" dirty="0"/>
-              <a:t>In this method, the graph is stored in the form of the 2D matrix where rows and columns denote vertices. Each entry in the matrix represents the weight of the edge between those vertices. </a:t>
-            </a:r>
-          </a:p>
-          <a:p>
-            <a:pPr marL="342900" indent="-342900" algn="just">
-              <a:buFont typeface="Arial" panose="020B0604020202020204" pitchFamily="34" charset="0"/>
-              <a:buChar char="•"/>
-            </a:pPr>
-            <a:r>
-              <a:rPr lang="en-GB" sz="2000" dirty="0"/>
-              <a:t>If it is weighted graph, then just put the weight value instead of </a:t>
-            </a:r>
-            <a:r>
-              <a:rPr lang="en-GB" sz="2000" b="1" dirty="0"/>
-              <a:t>1</a:t>
-            </a:r>
-            <a:r>
-              <a:rPr lang="en-GB" sz="2000" dirty="0"/>
-              <a:t>.</a:t>
-            </a:r>
+            <a:endParaRPr lang="en-US"/>
           </a:p>
         </p:txBody>
       </p:sp>
@@ -7999,8 +10592,8 @@
         </p:blipFill>
         <p:spPr>
           <a:xfrm>
-            <a:off x="3814762" y="3429000"/>
-            <a:ext cx="4806399" cy="2956237"/>
+            <a:off x="5640572" y="1648997"/>
+            <a:ext cx="5608830" cy="3449430"/>
           </a:xfrm>
           <a:prstGeom prst="rect">
             <a:avLst/>
@@ -8023,6 +10616,14 @@
 <file path=ppt/slides/slide9.xml><?xml version="1.0" encoding="utf-8"?>
 <p:sld xmlns:a="http://schemas.openxmlformats.org/drawingml/2006/main" xmlns:r="http://schemas.openxmlformats.org/officeDocument/2006/relationships" xmlns:p="http://schemas.openxmlformats.org/presentationml/2006/main">
   <p:cSld>
+    <p:bg>
+      <p:bgPr>
+        <a:solidFill>
+          <a:schemeClr val="bg1"/>
+        </a:solidFill>
+        <a:effectLst/>
+      </p:bgPr>
+    </p:bg>
     <p:spTree>
       <p:nvGrpSpPr>
         <p:cNvPr id="1" name=""/>
@@ -8037,37 +10638,432 @@
           <a:chExt cx="0" cy="0"/>
         </a:xfrm>
       </p:grpSpPr>
-      <p:sp>
-        <p:nvSpPr>
-          <p:cNvPr id="2" name="Title 1">
-            <a:extLst>
-              <a:ext uri="{FF2B5EF4-FFF2-40B4-BE49-F238E27FC236}">
-                <a16:creationId xmlns:a16="http://schemas.microsoft.com/office/drawing/2014/main" id="{61DDA2E0-1EDC-4437-8213-1C7EDD22A259}"/>
-              </a:ext>
-            </a:extLst>
-          </p:cNvPr>
-          <p:cNvSpPr>
-            <a:spLocks noGrp="1"/>
-          </p:cNvSpPr>
-          <p:nvPr>
-            <p:ph type="ctrTitle"/>
+      <p:sp useBgFill="1">
+        <p:nvSpPr>
+          <p:cNvPr id="2055" name="Rectangle 2054">
+            <a:extLst>
+              <a:ext uri="{FF2B5EF4-FFF2-40B4-BE49-F238E27FC236}">
+                <a16:creationId xmlns:a16="http://schemas.microsoft.com/office/drawing/2014/main" id="{5DCB5928-DC7D-4612-9922-441966E15627}"/>
+              </a:ext>
+              <a:ext uri="{C183D7F6-B498-43B3-948B-1728B52AA6E4}">
+                <adec:decorative xmlns:adec="http://schemas.microsoft.com/office/drawing/2017/decorative" val="1"/>
+              </a:ext>
+            </a:extLst>
+          </p:cNvPr>
+          <p:cNvSpPr>
+            <a:spLocks noGrp="1" noRot="1" noChangeAspect="1" noMove="1" noResize="1" noEditPoints="1" noAdjustHandles="1" noChangeArrowheads="1" noChangeShapeType="1" noTextEdit="1"/>
+          </p:cNvSpPr>
+          <p:nvPr>
+            <p:extLst>
+              <p:ext uri="{386F3935-93C4-4BCD-93E2-E3B085C9AB24}">
+                <p16:designElem xmlns:p16="http://schemas.microsoft.com/office/powerpoint/2015/main" val="1"/>
+              </p:ext>
+            </p:extLst>
           </p:nvPr>
         </p:nvSpPr>
         <p:spPr>
           <a:xfrm>
-            <a:off x="909638" y="531012"/>
-            <a:ext cx="7577138" cy="623891"/>
+            <a:off x="0" y="0"/>
+            <a:ext cx="12192000" cy="6858000"/>
+          </a:xfrm>
+          <a:prstGeom prst="rect">
+            <a:avLst/>
+          </a:prstGeom>
+          <a:ln>
+            <a:noFill/>
+          </a:ln>
+        </p:spPr>
+        <p:style>
+          <a:lnRef idx="2">
+            <a:schemeClr val="accent1">
+              <a:shade val="50000"/>
+            </a:schemeClr>
+          </a:lnRef>
+          <a:fillRef idx="1">
+            <a:schemeClr val="accent1"/>
+          </a:fillRef>
+          <a:effectRef idx="0">
+            <a:schemeClr val="accent1"/>
+          </a:effectRef>
+          <a:fontRef idx="minor">
+            <a:schemeClr val="lt1"/>
+          </a:fontRef>
+        </p:style>
+        <p:txBody>
+          <a:bodyPr rtlCol="0" anchor="ctr"/>
+          <a:lstStyle/>
+          <a:p>
+            <a:pPr algn="ctr"/>
+            <a:endParaRPr lang="en-US"/>
+          </a:p>
+        </p:txBody>
+      </p:sp>
+      <p:sp useBgFill="1">
+        <p:nvSpPr>
+          <p:cNvPr id="2057" name="Freeform: Shape 2056">
+            <a:extLst>
+              <a:ext uri="{FF2B5EF4-FFF2-40B4-BE49-F238E27FC236}">
+                <a16:creationId xmlns:a16="http://schemas.microsoft.com/office/drawing/2014/main" id="{682C1161-1736-45EC-99B7-33F3CAE9D517}"/>
+              </a:ext>
+              <a:ext uri="{C183D7F6-B498-43B3-948B-1728B52AA6E4}">
+                <adec:decorative xmlns:adec="http://schemas.microsoft.com/office/drawing/2017/decorative" val="1"/>
+              </a:ext>
+            </a:extLst>
+          </p:cNvPr>
+          <p:cNvSpPr>
+            <a:spLocks noGrp="1" noRot="1" noChangeAspect="1" noMove="1" noResize="1" noEditPoints="1" noAdjustHandles="1" noChangeArrowheads="1" noChangeShapeType="1" noTextEdit="1"/>
+          </p:cNvSpPr>
+          <p:nvPr>
+            <p:extLst>
+              <p:ext uri="{386F3935-93C4-4BCD-93E2-E3B085C9AB24}">
+                <p16:designElem xmlns:p16="http://schemas.microsoft.com/office/powerpoint/2015/main" val="1"/>
+              </p:ext>
+            </p:extLst>
+          </p:nvPr>
+        </p:nvSpPr>
+        <p:spPr>
+          <a:xfrm>
+            <a:off x="0" y="0"/>
+            <a:ext cx="4959047" cy="6858000"/>
+          </a:xfrm>
+          <a:custGeom>
+            <a:avLst/>
+            <a:gdLst>
+              <a:gd name="connsiteX0" fmla="*/ 0 w 4959047"/>
+              <a:gd name="connsiteY0" fmla="*/ 0 h 6858000"/>
+              <a:gd name="connsiteX1" fmla="*/ 4110127 w 4959047"/>
+              <a:gd name="connsiteY1" fmla="*/ 0 h 6858000"/>
+              <a:gd name="connsiteX2" fmla="*/ 4179024 w 4959047"/>
+              <a:gd name="connsiteY2" fmla="*/ 123368 h 6858000"/>
+              <a:gd name="connsiteX3" fmla="*/ 4959047 w 4959047"/>
+              <a:gd name="connsiteY3" fmla="*/ 3429000 h 6858000"/>
+              <a:gd name="connsiteX4" fmla="*/ 4179024 w 4959047"/>
+              <a:gd name="connsiteY4" fmla="*/ 6734633 h 6858000"/>
+              <a:gd name="connsiteX5" fmla="*/ 4110127 w 4959047"/>
+              <a:gd name="connsiteY5" fmla="*/ 6858000 h 6858000"/>
+              <a:gd name="connsiteX6" fmla="*/ 0 w 4959047"/>
+              <a:gd name="connsiteY6" fmla="*/ 6858000 h 6858000"/>
+            </a:gdLst>
+            <a:ahLst/>
+            <a:cxnLst>
+              <a:cxn ang="0">
+                <a:pos x="connsiteX0" y="connsiteY0"/>
+              </a:cxn>
+              <a:cxn ang="0">
+                <a:pos x="connsiteX1" y="connsiteY1"/>
+              </a:cxn>
+              <a:cxn ang="0">
+                <a:pos x="connsiteX2" y="connsiteY2"/>
+              </a:cxn>
+              <a:cxn ang="0">
+                <a:pos x="connsiteX3" y="connsiteY3"/>
+              </a:cxn>
+              <a:cxn ang="0">
+                <a:pos x="connsiteX4" y="connsiteY4"/>
+              </a:cxn>
+              <a:cxn ang="0">
+                <a:pos x="connsiteX5" y="connsiteY5"/>
+              </a:cxn>
+              <a:cxn ang="0">
+                <a:pos x="connsiteX6" y="connsiteY6"/>
+              </a:cxn>
+            </a:cxnLst>
+            <a:rect l="l" t="t" r="r" b="b"/>
+            <a:pathLst>
+              <a:path w="4959047" h="6858000">
+                <a:moveTo>
+                  <a:pt x="0" y="0"/>
+                </a:moveTo>
+                <a:lnTo>
+                  <a:pt x="4110127" y="0"/>
+                </a:lnTo>
+                <a:lnTo>
+                  <a:pt x="4179024" y="123368"/>
+                </a:lnTo>
+                <a:cubicBezTo>
+                  <a:pt x="4668929" y="1045156"/>
+                  <a:pt x="4959047" y="2189404"/>
+                  <a:pt x="4959047" y="3429000"/>
+                </a:cubicBezTo>
+                <a:cubicBezTo>
+                  <a:pt x="4959047" y="4668597"/>
+                  <a:pt x="4668929" y="5812845"/>
+                  <a:pt x="4179024" y="6734633"/>
+                </a:cubicBezTo>
+                <a:lnTo>
+                  <a:pt x="4110127" y="6858000"/>
+                </a:lnTo>
+                <a:lnTo>
+                  <a:pt x="0" y="6858000"/>
+                </a:lnTo>
+                <a:close/>
+              </a:path>
+            </a:pathLst>
+          </a:custGeom>
+          <a:ln w="9525">
+            <a:solidFill>
+              <a:srgbClr val="E6E6E6"/>
+            </a:solidFill>
+          </a:ln>
+          <a:effectLst>
+            <a:outerShdw blurRad="76200" dist="38100" algn="l" rotWithShape="0">
+              <a:schemeClr val="bg1">
+                <a:lumMod val="85000"/>
+                <a:alpha val="50000"/>
+              </a:schemeClr>
+            </a:outerShdw>
+          </a:effectLst>
+        </p:spPr>
+        <p:style>
+          <a:lnRef idx="2">
+            <a:schemeClr val="accent1">
+              <a:shade val="50000"/>
+            </a:schemeClr>
+          </a:lnRef>
+          <a:fillRef idx="1">
+            <a:schemeClr val="accent1"/>
+          </a:fillRef>
+          <a:effectRef idx="0">
+            <a:schemeClr val="accent1"/>
+          </a:effectRef>
+          <a:fontRef idx="minor">
+            <a:schemeClr val="lt1"/>
+          </a:fontRef>
+        </p:style>
+        <p:txBody>
+          <a:bodyPr wrap="square" rtlCol="0" anchor="ctr">
+            <a:noAutofit/>
+          </a:bodyPr>
+          <a:lstStyle/>
+          <a:p>
+            <a:pPr marL="0" marR="0" lvl="0" indent="0" algn="ctr" defTabSz="914400" rtl="0" eaLnBrk="1" fontAlgn="auto" latinLnBrk="0" hangingPunct="1">
+              <a:lnSpc>
+                <a:spcPct val="100000"/>
+              </a:lnSpc>
+              <a:spcBef>
+                <a:spcPts val="0"/>
+              </a:spcBef>
+              <a:spcAft>
+                <a:spcPts val="0"/>
+              </a:spcAft>
+              <a:buClrTx/>
+              <a:buSzTx/>
+              <a:buFontTx/>
+              <a:buNone/>
+              <a:tabLst/>
+              <a:defRPr/>
+            </a:pPr>
+            <a:endParaRPr kumimoji="0" lang="en-US" sz="1800" b="0" i="0" u="none" strike="noStrike" kern="1200" cap="none" spc="0" normalizeH="0" baseline="0" noProof="0">
+              <a:ln>
+                <a:noFill/>
+              </a:ln>
+              <a:solidFill>
+                <a:prstClr val="white"/>
+              </a:solidFill>
+              <a:effectLst/>
+              <a:uLnTx/>
+              <a:uFillTx/>
+              <a:latin typeface="Calibri" panose="020F0502020204030204"/>
+              <a:ea typeface="+mn-ea"/>
+              <a:cs typeface="+mn-cs"/>
+            </a:endParaRPr>
+          </a:p>
+        </p:txBody>
+      </p:sp>
+      <p:sp useBgFill="1">
+        <p:nvSpPr>
+          <p:cNvPr id="2059" name="Freeform: Shape 2058">
+            <a:extLst>
+              <a:ext uri="{FF2B5EF4-FFF2-40B4-BE49-F238E27FC236}">
+                <a16:creationId xmlns:a16="http://schemas.microsoft.com/office/drawing/2014/main" id="{84D4DDB8-B68F-45B0-9F62-C4279996F672}"/>
+              </a:ext>
+              <a:ext uri="{C183D7F6-B498-43B3-948B-1728B52AA6E4}">
+                <adec:decorative xmlns:adec="http://schemas.microsoft.com/office/drawing/2017/decorative" val="1"/>
+              </a:ext>
+            </a:extLst>
+          </p:cNvPr>
+          <p:cNvSpPr>
+            <a:spLocks noGrp="1" noRot="1" noChangeAspect="1" noMove="1" noResize="1" noEditPoints="1" noAdjustHandles="1" noChangeArrowheads="1" noChangeShapeType="1" noTextEdit="1"/>
+          </p:cNvSpPr>
+          <p:nvPr>
+            <p:extLst>
+              <p:ext uri="{386F3935-93C4-4BCD-93E2-E3B085C9AB24}">
+                <p16:designElem xmlns:p16="http://schemas.microsoft.com/office/powerpoint/2015/main" val="1"/>
+              </p:ext>
+            </p:extLst>
+          </p:nvPr>
+        </p:nvSpPr>
+        <p:spPr>
+          <a:xfrm>
+            <a:off x="0" y="0"/>
+            <a:ext cx="4948887" cy="6858000"/>
+          </a:xfrm>
+          <a:custGeom>
+            <a:avLst/>
+            <a:gdLst>
+              <a:gd name="connsiteX0" fmla="*/ 0 w 4948887"/>
+              <a:gd name="connsiteY0" fmla="*/ 0 h 6858000"/>
+              <a:gd name="connsiteX1" fmla="*/ 4099967 w 4948887"/>
+              <a:gd name="connsiteY1" fmla="*/ 0 h 6858000"/>
+              <a:gd name="connsiteX2" fmla="*/ 4168864 w 4948887"/>
+              <a:gd name="connsiteY2" fmla="*/ 123368 h 6858000"/>
+              <a:gd name="connsiteX3" fmla="*/ 4948887 w 4948887"/>
+              <a:gd name="connsiteY3" fmla="*/ 3429000 h 6858000"/>
+              <a:gd name="connsiteX4" fmla="*/ 4168864 w 4948887"/>
+              <a:gd name="connsiteY4" fmla="*/ 6734633 h 6858000"/>
+              <a:gd name="connsiteX5" fmla="*/ 4099967 w 4948887"/>
+              <a:gd name="connsiteY5" fmla="*/ 6858000 h 6858000"/>
+              <a:gd name="connsiteX6" fmla="*/ 0 w 4948887"/>
+              <a:gd name="connsiteY6" fmla="*/ 6858000 h 6858000"/>
+            </a:gdLst>
+            <a:ahLst/>
+            <a:cxnLst>
+              <a:cxn ang="0">
+                <a:pos x="connsiteX0" y="connsiteY0"/>
+              </a:cxn>
+              <a:cxn ang="0">
+                <a:pos x="connsiteX1" y="connsiteY1"/>
+              </a:cxn>
+              <a:cxn ang="0">
+                <a:pos x="connsiteX2" y="connsiteY2"/>
+              </a:cxn>
+              <a:cxn ang="0">
+                <a:pos x="connsiteX3" y="connsiteY3"/>
+              </a:cxn>
+              <a:cxn ang="0">
+                <a:pos x="connsiteX4" y="connsiteY4"/>
+              </a:cxn>
+              <a:cxn ang="0">
+                <a:pos x="connsiteX5" y="connsiteY5"/>
+              </a:cxn>
+              <a:cxn ang="0">
+                <a:pos x="connsiteX6" y="connsiteY6"/>
+              </a:cxn>
+            </a:cxnLst>
+            <a:rect l="l" t="t" r="r" b="b"/>
+            <a:pathLst>
+              <a:path w="4948887" h="6858000">
+                <a:moveTo>
+                  <a:pt x="0" y="0"/>
+                </a:moveTo>
+                <a:lnTo>
+                  <a:pt x="4099967" y="0"/>
+                </a:lnTo>
+                <a:lnTo>
+                  <a:pt x="4168864" y="123368"/>
+                </a:lnTo>
+                <a:cubicBezTo>
+                  <a:pt x="4658769" y="1045156"/>
+                  <a:pt x="4948887" y="2189404"/>
+                  <a:pt x="4948887" y="3429000"/>
+                </a:cubicBezTo>
+                <a:cubicBezTo>
+                  <a:pt x="4948887" y="4668597"/>
+                  <a:pt x="4658769" y="5812845"/>
+                  <a:pt x="4168864" y="6734633"/>
+                </a:cubicBezTo>
+                <a:lnTo>
+                  <a:pt x="4099967" y="6858000"/>
+                </a:lnTo>
+                <a:lnTo>
+                  <a:pt x="0" y="6858000"/>
+                </a:lnTo>
+                <a:close/>
+              </a:path>
+            </a:pathLst>
+          </a:custGeom>
+          <a:ln w="9525">
+            <a:noFill/>
+          </a:ln>
+          <a:effectLst/>
+        </p:spPr>
+        <p:style>
+          <a:lnRef idx="2">
+            <a:schemeClr val="accent1">
+              <a:shade val="50000"/>
+            </a:schemeClr>
+          </a:lnRef>
+          <a:fillRef idx="1">
+            <a:schemeClr val="accent1"/>
+          </a:fillRef>
+          <a:effectRef idx="0">
+            <a:schemeClr val="accent1"/>
+          </a:effectRef>
+          <a:fontRef idx="minor">
+            <a:schemeClr val="lt1"/>
+          </a:fontRef>
+        </p:style>
+        <p:txBody>
+          <a:bodyPr wrap="square" rtlCol="0" anchor="ctr">
+            <a:noAutofit/>
+          </a:bodyPr>
+          <a:lstStyle/>
+          <a:p>
+            <a:pPr marL="0" marR="0" lvl="0" indent="0" algn="ctr" defTabSz="914400" rtl="0" eaLnBrk="1" fontAlgn="auto" latinLnBrk="0" hangingPunct="1">
+              <a:lnSpc>
+                <a:spcPct val="100000"/>
+              </a:lnSpc>
+              <a:spcBef>
+                <a:spcPts val="0"/>
+              </a:spcBef>
+              <a:spcAft>
+                <a:spcPts val="0"/>
+              </a:spcAft>
+              <a:buClrTx/>
+              <a:buSzTx/>
+              <a:buFontTx/>
+              <a:buNone/>
+              <a:tabLst/>
+              <a:defRPr/>
+            </a:pPr>
+            <a:endParaRPr kumimoji="0" lang="en-US" sz="1800" b="0" i="0" u="none" strike="noStrike" kern="1200" cap="none" spc="0" normalizeH="0" baseline="0" noProof="0">
+              <a:ln>
+                <a:noFill/>
+              </a:ln>
+              <a:solidFill>
+                <a:prstClr val="white"/>
+              </a:solidFill>
+              <a:effectLst/>
+              <a:uLnTx/>
+              <a:uFillTx/>
+              <a:latin typeface="Calibri" panose="020F0502020204030204"/>
+              <a:ea typeface="+mn-ea"/>
+              <a:cs typeface="+mn-cs"/>
+            </a:endParaRPr>
+          </a:p>
+        </p:txBody>
+      </p:sp>
+      <p:sp>
+        <p:nvSpPr>
+          <p:cNvPr id="2" name="Title 1">
+            <a:extLst>
+              <a:ext uri="{FF2B5EF4-FFF2-40B4-BE49-F238E27FC236}">
+                <a16:creationId xmlns:a16="http://schemas.microsoft.com/office/drawing/2014/main" id="{61DDA2E0-1EDC-4437-8213-1C7EDD22A259}"/>
+              </a:ext>
+            </a:extLst>
+          </p:cNvPr>
+          <p:cNvSpPr>
+            <a:spLocks noGrp="1"/>
+          </p:cNvSpPr>
+          <p:nvPr>
+            <p:ph type="ctrTitle"/>
+          </p:nvPr>
+        </p:nvSpPr>
+        <p:spPr>
+          <a:xfrm>
+            <a:off x="477981" y="1122363"/>
+            <a:ext cx="4023360" cy="3204134"/>
           </a:xfrm>
         </p:spPr>
         <p:txBody>
-          <a:bodyPr>
+          <a:bodyPr anchor="b">
             <a:normAutofit/>
           </a:bodyPr>
           <a:lstStyle/>
           <a:p>
             <a:pPr algn="l"/>
             <a:r>
-              <a:rPr lang="en-GB" sz="3600" b="1" dirty="0"/>
+              <a:rPr lang="en-GB" sz="4800" b="1"/>
               <a:t>Graph Representation</a:t>
             </a:r>
           </a:p>
@@ -8091,8 +11087,8 @@
         </p:nvSpPr>
         <p:spPr>
           <a:xfrm>
-            <a:off x="909638" y="1587492"/>
-            <a:ext cx="10677525" cy="1727208"/>
+            <a:off x="477981" y="4872922"/>
+            <a:ext cx="3933306" cy="1208141"/>
           </a:xfrm>
         </p:spPr>
         <p:txBody>
@@ -8106,17 +11102,174 @@
               <a:buChar char="•"/>
             </a:pPr>
             <a:r>
-              <a:rPr lang="en-GB" sz="2000" b="1" dirty="0">
-                <a:solidFill>
-                  <a:srgbClr val="FF0000"/>
-                </a:solidFill>
-              </a:rPr>
+              <a:rPr lang="en-GB" sz="1600" b="1" dirty="0"/>
               <a:t>Adjacency List: </a:t>
             </a:r>
             <a:r>
-              <a:rPr lang="en-GB" sz="2000" dirty="0"/>
+              <a:rPr lang="en-GB" sz="1600" dirty="0"/>
               <a:t>This graph is represented as a collection of linked lists. There is an array of pointer which points to the edges connected to that vertex.</a:t>
             </a:r>
+          </a:p>
+        </p:txBody>
+      </p:sp>
+      <p:sp>
+        <p:nvSpPr>
+          <p:cNvPr id="2061" name="Rectangle 2060">
+            <a:extLst>
+              <a:ext uri="{FF2B5EF4-FFF2-40B4-BE49-F238E27FC236}">
+                <a16:creationId xmlns:a16="http://schemas.microsoft.com/office/drawing/2014/main" id="{AF2F604E-43BE-4DC3-B983-E071523364F8}"/>
+              </a:ext>
+              <a:ext uri="{C183D7F6-B498-43B3-948B-1728B52AA6E4}">
+                <adec:decorative xmlns:adec="http://schemas.microsoft.com/office/drawing/2017/decorative" val="1"/>
+              </a:ext>
+            </a:extLst>
+          </p:cNvPr>
+          <p:cNvSpPr>
+            <a:spLocks noGrp="1" noRot="1" noChangeAspect="1" noMove="1" noResize="1" noEditPoints="1" noAdjustHandles="1" noChangeArrowheads="1" noChangeShapeType="1" noTextEdit="1"/>
+          </p:cNvSpPr>
+          <p:nvPr>
+            <p:extLst>
+              <p:ext uri="{386F3935-93C4-4BCD-93E2-E3B085C9AB24}">
+                <p16:designElem xmlns:p16="http://schemas.microsoft.com/office/powerpoint/2015/main" val="1"/>
+              </p:ext>
+            </p:extLst>
+          </p:nvPr>
+        </p:nvSpPr>
+        <p:spPr>
+          <a:xfrm rot="5400000">
+            <a:off x="759921" y="346791"/>
+            <a:ext cx="146304" cy="704088"/>
+          </a:xfrm>
+          <a:prstGeom prst="rect">
+            <a:avLst/>
+          </a:prstGeom>
+          <a:solidFill>
+            <a:schemeClr val="accent2"/>
+          </a:solidFill>
+          <a:ln>
+            <a:noFill/>
+          </a:ln>
+        </p:spPr>
+        <p:style>
+          <a:lnRef idx="2">
+            <a:schemeClr val="accent1">
+              <a:shade val="50000"/>
+            </a:schemeClr>
+          </a:lnRef>
+          <a:fillRef idx="1">
+            <a:schemeClr val="accent1"/>
+          </a:fillRef>
+          <a:effectRef idx="0">
+            <a:schemeClr val="accent1"/>
+          </a:effectRef>
+          <a:fontRef idx="minor">
+            <a:schemeClr val="lt1"/>
+          </a:fontRef>
+        </p:style>
+        <p:txBody>
+          <a:bodyPr rtlCol="0" anchor="ctr"/>
+          <a:lstStyle/>
+          <a:p>
+            <a:pPr algn="ctr"/>
+            <a:endParaRPr lang="en-US">
+              <a:solidFill>
+                <a:prstClr val="white"/>
+              </a:solidFill>
+              <a:latin typeface="Calibri" panose="020F0502020204030204"/>
+            </a:endParaRPr>
+          </a:p>
+        </p:txBody>
+      </p:sp>
+      <p:sp>
+        <p:nvSpPr>
+          <p:cNvPr id="2063" name="Rectangle 2062">
+            <a:extLst>
+              <a:ext uri="{FF2B5EF4-FFF2-40B4-BE49-F238E27FC236}">
+                <a16:creationId xmlns:a16="http://schemas.microsoft.com/office/drawing/2014/main" id="{08C9B587-E65E-4B52-B37C-ABEBB6E87928}"/>
+              </a:ext>
+              <a:ext uri="{C183D7F6-B498-43B3-948B-1728B52AA6E4}">
+                <adec:decorative xmlns:adec="http://schemas.microsoft.com/office/drawing/2017/decorative" val="1"/>
+              </a:ext>
+            </a:extLst>
+          </p:cNvPr>
+          <p:cNvSpPr>
+            <a:spLocks noGrp="1" noRot="1" noChangeAspect="1" noMove="1" noResize="1" noEditPoints="1" noAdjustHandles="1" noChangeArrowheads="1" noChangeShapeType="1" noTextEdit="1"/>
+          </p:cNvSpPr>
+          <p:nvPr>
+            <p:extLst>
+              <p:ext uri="{386F3935-93C4-4BCD-93E2-E3B085C9AB24}">
+                <p16:designElem xmlns:p16="http://schemas.microsoft.com/office/powerpoint/2015/main" val="1"/>
+              </p:ext>
+            </p:extLst>
+          </p:nvPr>
+        </p:nvSpPr>
+        <p:spPr>
+          <a:xfrm>
+            <a:off x="481029" y="4546920"/>
+            <a:ext cx="4023360" cy="18288"/>
+          </a:xfrm>
+          <a:prstGeom prst="rect">
+            <a:avLst/>
+          </a:prstGeom>
+          <a:solidFill>
+            <a:srgbClr val="D5D5D5"/>
+          </a:solidFill>
+          <a:ln w="3175">
+            <a:noFill/>
+          </a:ln>
+          <a:effectLst/>
+        </p:spPr>
+        <p:style>
+          <a:lnRef idx="2">
+            <a:schemeClr val="accent1">
+              <a:shade val="50000"/>
+            </a:schemeClr>
+          </a:lnRef>
+          <a:fillRef idx="1">
+            <a:schemeClr val="accent1"/>
+          </a:fillRef>
+          <a:effectRef idx="0">
+            <a:schemeClr val="accent1"/>
+          </a:effectRef>
+          <a:fontRef idx="minor">
+            <a:schemeClr val="lt1"/>
+          </a:fontRef>
+        </p:style>
+        <p:txBody>
+          <a:bodyPr rtlCol="0" anchor="ctr"/>
+          <a:lstStyle/>
+          <a:p>
+            <a:pPr marL="0" marR="0" lvl="0" indent="0" algn="ctr" defTabSz="914400" rtl="0" eaLnBrk="1" fontAlgn="auto" latinLnBrk="0" hangingPunct="1">
+              <a:lnSpc>
+                <a:spcPct val="100000"/>
+              </a:lnSpc>
+              <a:spcBef>
+                <a:spcPts val="0"/>
+              </a:spcBef>
+              <a:spcAft>
+                <a:spcPts val="0"/>
+              </a:spcAft>
+              <a:buClrTx/>
+              <a:buSzTx/>
+              <a:buFontTx/>
+              <a:buNone/>
+              <a:tabLst/>
+              <a:defRPr/>
+            </a:pPr>
+            <a:endParaRPr kumimoji="0" lang="en-US" sz="1800" b="0" i="0" u="none" strike="noStrike" kern="1200" cap="none" spc="0" normalizeH="0" baseline="0" noProof="0">
+              <a:ln>
+                <a:noFill/>
+              </a:ln>
+              <a:solidFill>
+                <a:prstClr val="white"/>
+              </a:solidFill>
+              <a:effectLst/>
+              <a:uLnTx/>
+              <a:uFillTx/>
+              <a:latin typeface="Calibri" panose="020F0502020204030204"/>
+              <a:ea typeface="+mn-ea"/>
+              <a:cs typeface="+mn-cs"/>
+            </a:endParaRPr>
           </a:p>
         </p:txBody>
       </p:sp>
@@ -8142,15 +11295,14 @@
               </a:ext>
             </a:extLst>
           </a:blip>
-          <a:srcRect/>
           <a:stretch>
             <a:fillRect/>
           </a:stretch>
         </p:blipFill>
         <p:spPr bwMode="auto">
           <a:xfrm>
-            <a:off x="2424113" y="2408233"/>
-            <a:ext cx="6829425" cy="4200525"/>
+            <a:off x="5414356" y="1382657"/>
+            <a:ext cx="6408836" cy="3941434"/>
           </a:xfrm>
           <a:prstGeom prst="rect">
             <a:avLst/>

--- a/Data Structure & Algorithm PDF/Graph Data Structure.pptx
+++ b/Data Structure & Algorithm PDF/Graph Data Structure.pptx
@@ -5,22 +5,27 @@
     <p:sldMasterId id="2147483648" r:id="rId1"/>
   </p:sldMasterIdLst>
   <p:notesMasterIdLst>
-    <p:notesMasterId r:id="rId15"/>
+    <p:notesMasterId r:id="rId20"/>
   </p:notesMasterIdLst>
   <p:sldIdLst>
     <p:sldId id="256" r:id="rId2"/>
     <p:sldId id="257" r:id="rId3"/>
     <p:sldId id="258" r:id="rId4"/>
-    <p:sldId id="261" r:id="rId5"/>
-    <p:sldId id="268" r:id="rId6"/>
-    <p:sldId id="263" r:id="rId7"/>
-    <p:sldId id="264" r:id="rId8"/>
-    <p:sldId id="265" r:id="rId9"/>
-    <p:sldId id="266" r:id="rId10"/>
-    <p:sldId id="260" r:id="rId11"/>
-    <p:sldId id="267" r:id="rId12"/>
-    <p:sldId id="259" r:id="rId13"/>
-    <p:sldId id="269" r:id="rId14"/>
+    <p:sldId id="274" r:id="rId5"/>
+    <p:sldId id="261" r:id="rId6"/>
+    <p:sldId id="268" r:id="rId7"/>
+    <p:sldId id="263" r:id="rId8"/>
+    <p:sldId id="264" r:id="rId9"/>
+    <p:sldId id="265" r:id="rId10"/>
+    <p:sldId id="266" r:id="rId11"/>
+    <p:sldId id="273" r:id="rId12"/>
+    <p:sldId id="267" r:id="rId13"/>
+    <p:sldId id="271" r:id="rId14"/>
+    <p:sldId id="270" r:id="rId15"/>
+    <p:sldId id="272" r:id="rId16"/>
+    <p:sldId id="260" r:id="rId17"/>
+    <p:sldId id="259" r:id="rId18"/>
+    <p:sldId id="269" r:id="rId19"/>
   </p:sldIdLst>
   <p:sldSz cx="12192000" cy="6858000"/>
   <p:notesSz cx="6858000" cy="9144000"/>
@@ -209,7 +214,7 @@
           <a:p>
             <a:fld id="{9B4F25D7-A056-4806-B71F-130CE78E7078}" type="datetimeFigureOut">
               <a:rPr lang="en-GB" smtClean="0"/>
-              <a:t>17/07/2025</a:t>
+              <a:t>01/08/2025</a:t>
             </a:fld>
             <a:endParaRPr lang="en-GB"/>
           </a:p>
@@ -626,7 +631,7 @@
           <a:p>
             <a:fld id="{8D13D04B-705D-4A11-9596-E5D0B2D701B7}" type="slidenum">
               <a:rPr lang="en-GB" smtClean="0"/>
-              <a:t>4</a:t>
+              <a:t>5</a:t>
             </a:fld>
             <a:endParaRPr lang="en-GB"/>
           </a:p>
@@ -710,7 +715,7 @@
           <a:p>
             <a:fld id="{8D13D04B-705D-4A11-9596-E5D0B2D701B7}" type="slidenum">
               <a:rPr lang="en-GB" smtClean="0"/>
-              <a:t>5</a:t>
+              <a:t>6</a:t>
             </a:fld>
             <a:endParaRPr lang="en-GB"/>
           </a:p>
@@ -794,7 +799,7 @@
           <a:p>
             <a:fld id="{8D13D04B-705D-4A11-9596-E5D0B2D701B7}" type="slidenum">
               <a:rPr lang="en-GB" smtClean="0"/>
-              <a:t>6</a:t>
+              <a:t>7</a:t>
             </a:fld>
             <a:endParaRPr lang="en-GB"/>
           </a:p>
@@ -878,7 +883,7 @@
           <a:p>
             <a:fld id="{8D13D04B-705D-4A11-9596-E5D0B2D701B7}" type="slidenum">
               <a:rPr lang="en-GB" smtClean="0"/>
-              <a:t>7</a:t>
+              <a:t>8</a:t>
             </a:fld>
             <a:endParaRPr lang="en-GB"/>
           </a:p>
@@ -962,7 +967,7 @@
           <a:p>
             <a:fld id="{8D13D04B-705D-4A11-9596-E5D0B2D701B7}" type="slidenum">
               <a:rPr lang="en-GB" smtClean="0"/>
-              <a:t>8</a:t>
+              <a:t>9</a:t>
             </a:fld>
             <a:endParaRPr lang="en-GB"/>
           </a:p>
@@ -1046,7 +1051,7 @@
           <a:p>
             <a:fld id="{8D13D04B-705D-4A11-9596-E5D0B2D701B7}" type="slidenum">
               <a:rPr lang="en-GB" smtClean="0"/>
-              <a:t>9</a:t>
+              <a:t>10</a:t>
             </a:fld>
             <a:endParaRPr lang="en-GB"/>
           </a:p>
@@ -1214,7 +1219,7 @@
           <a:p>
             <a:fld id="{832005E5-BA8D-4043-A0D1-8E94E9F30C16}" type="datetimeFigureOut">
               <a:rPr lang="en-GB" smtClean="0"/>
-              <a:t>17/07/2025</a:t>
+              <a:t>01/08/2025</a:t>
             </a:fld>
             <a:endParaRPr lang="en-GB"/>
           </a:p>
@@ -1414,7 +1419,7 @@
           <a:p>
             <a:fld id="{832005E5-BA8D-4043-A0D1-8E94E9F30C16}" type="datetimeFigureOut">
               <a:rPr lang="en-GB" smtClean="0"/>
-              <a:t>17/07/2025</a:t>
+              <a:t>01/08/2025</a:t>
             </a:fld>
             <a:endParaRPr lang="en-GB"/>
           </a:p>
@@ -1624,7 +1629,7 @@
           <a:p>
             <a:fld id="{832005E5-BA8D-4043-A0D1-8E94E9F30C16}" type="datetimeFigureOut">
               <a:rPr lang="en-GB" smtClean="0"/>
-              <a:t>17/07/2025</a:t>
+              <a:t>01/08/2025</a:t>
             </a:fld>
             <a:endParaRPr lang="en-GB"/>
           </a:p>
@@ -1824,7 +1829,7 @@
           <a:p>
             <a:fld id="{832005E5-BA8D-4043-A0D1-8E94E9F30C16}" type="datetimeFigureOut">
               <a:rPr lang="en-GB" smtClean="0"/>
-              <a:t>17/07/2025</a:t>
+              <a:t>01/08/2025</a:t>
             </a:fld>
             <a:endParaRPr lang="en-GB"/>
           </a:p>
@@ -2100,7 +2105,7 @@
           <a:p>
             <a:fld id="{832005E5-BA8D-4043-A0D1-8E94E9F30C16}" type="datetimeFigureOut">
               <a:rPr lang="en-GB" smtClean="0"/>
-              <a:t>17/07/2025</a:t>
+              <a:t>01/08/2025</a:t>
             </a:fld>
             <a:endParaRPr lang="en-GB"/>
           </a:p>
@@ -2368,7 +2373,7 @@
           <a:p>
             <a:fld id="{832005E5-BA8D-4043-A0D1-8E94E9F30C16}" type="datetimeFigureOut">
               <a:rPr lang="en-GB" smtClean="0"/>
-              <a:t>17/07/2025</a:t>
+              <a:t>01/08/2025</a:t>
             </a:fld>
             <a:endParaRPr lang="en-GB"/>
           </a:p>
@@ -2783,7 +2788,7 @@
           <a:p>
             <a:fld id="{832005E5-BA8D-4043-A0D1-8E94E9F30C16}" type="datetimeFigureOut">
               <a:rPr lang="en-GB" smtClean="0"/>
-              <a:t>17/07/2025</a:t>
+              <a:t>01/08/2025</a:t>
             </a:fld>
             <a:endParaRPr lang="en-GB"/>
           </a:p>
@@ -2925,7 +2930,7 @@
           <a:p>
             <a:fld id="{832005E5-BA8D-4043-A0D1-8E94E9F30C16}" type="datetimeFigureOut">
               <a:rPr lang="en-GB" smtClean="0"/>
-              <a:t>17/07/2025</a:t>
+              <a:t>01/08/2025</a:t>
             </a:fld>
             <a:endParaRPr lang="en-GB"/>
           </a:p>
@@ -3038,7 +3043,7 @@
           <a:p>
             <a:fld id="{832005E5-BA8D-4043-A0D1-8E94E9F30C16}" type="datetimeFigureOut">
               <a:rPr lang="en-GB" smtClean="0"/>
-              <a:t>17/07/2025</a:t>
+              <a:t>01/08/2025</a:t>
             </a:fld>
             <a:endParaRPr lang="en-GB"/>
           </a:p>
@@ -3351,7 +3356,7 @@
           <a:p>
             <a:fld id="{832005E5-BA8D-4043-A0D1-8E94E9F30C16}" type="datetimeFigureOut">
               <a:rPr lang="en-GB" smtClean="0"/>
-              <a:t>17/07/2025</a:t>
+              <a:t>01/08/2025</a:t>
             </a:fld>
             <a:endParaRPr lang="en-GB"/>
           </a:p>
@@ -3640,7 +3645,7 @@
           <a:p>
             <a:fld id="{832005E5-BA8D-4043-A0D1-8E94E9F30C16}" type="datetimeFigureOut">
               <a:rPr lang="en-GB" smtClean="0"/>
-              <a:t>17/07/2025</a:t>
+              <a:t>01/08/2025</a:t>
             </a:fld>
             <a:endParaRPr lang="en-GB"/>
           </a:p>
@@ -3883,7 +3888,7 @@
           <a:p>
             <a:fld id="{832005E5-BA8D-4043-A0D1-8E94E9F30C16}" type="datetimeFigureOut">
               <a:rPr lang="en-GB" smtClean="0"/>
-              <a:t>17/07/2025</a:t>
+              <a:t>01/08/2025</a:t>
             </a:fld>
             <a:endParaRPr lang="en-GB"/>
           </a:p>
@@ -4769,6 +4774,725 @@
       </p:grpSpPr>
       <p:sp useBgFill="1">
         <p:nvSpPr>
+          <p:cNvPr id="2055" name="Rectangle 2054">
+            <a:extLst>
+              <a:ext uri="{FF2B5EF4-FFF2-40B4-BE49-F238E27FC236}">
+                <a16:creationId xmlns:a16="http://schemas.microsoft.com/office/drawing/2014/main" id="{5DCB5928-DC7D-4612-9922-441966E15627}"/>
+              </a:ext>
+              <a:ext uri="{C183D7F6-B498-43B3-948B-1728B52AA6E4}">
+                <adec:decorative xmlns:adec="http://schemas.microsoft.com/office/drawing/2017/decorative" val="1"/>
+              </a:ext>
+            </a:extLst>
+          </p:cNvPr>
+          <p:cNvSpPr>
+            <a:spLocks noGrp="1" noRot="1" noChangeAspect="1" noMove="1" noResize="1" noEditPoints="1" noAdjustHandles="1" noChangeArrowheads="1" noChangeShapeType="1" noTextEdit="1"/>
+          </p:cNvSpPr>
+          <p:nvPr>
+            <p:extLst>
+              <p:ext uri="{386F3935-93C4-4BCD-93E2-E3B085C9AB24}">
+                <p16:designElem xmlns:p16="http://schemas.microsoft.com/office/powerpoint/2015/main" val="1"/>
+              </p:ext>
+            </p:extLst>
+          </p:nvPr>
+        </p:nvSpPr>
+        <p:spPr>
+          <a:xfrm>
+            <a:off x="0" y="0"/>
+            <a:ext cx="12192000" cy="6858000"/>
+          </a:xfrm>
+          <a:prstGeom prst="rect">
+            <a:avLst/>
+          </a:prstGeom>
+          <a:ln>
+            <a:noFill/>
+          </a:ln>
+        </p:spPr>
+        <p:style>
+          <a:lnRef idx="2">
+            <a:schemeClr val="accent1">
+              <a:shade val="50000"/>
+            </a:schemeClr>
+          </a:lnRef>
+          <a:fillRef idx="1">
+            <a:schemeClr val="accent1"/>
+          </a:fillRef>
+          <a:effectRef idx="0">
+            <a:schemeClr val="accent1"/>
+          </a:effectRef>
+          <a:fontRef idx="minor">
+            <a:schemeClr val="lt1"/>
+          </a:fontRef>
+        </p:style>
+        <p:txBody>
+          <a:bodyPr rtlCol="0" anchor="ctr"/>
+          <a:lstStyle/>
+          <a:p>
+            <a:pPr algn="ctr"/>
+            <a:endParaRPr lang="en-US"/>
+          </a:p>
+        </p:txBody>
+      </p:sp>
+      <p:sp useBgFill="1">
+        <p:nvSpPr>
+          <p:cNvPr id="2057" name="Freeform: Shape 2056">
+            <a:extLst>
+              <a:ext uri="{FF2B5EF4-FFF2-40B4-BE49-F238E27FC236}">
+                <a16:creationId xmlns:a16="http://schemas.microsoft.com/office/drawing/2014/main" id="{682C1161-1736-45EC-99B7-33F3CAE9D517}"/>
+              </a:ext>
+              <a:ext uri="{C183D7F6-B498-43B3-948B-1728B52AA6E4}">
+                <adec:decorative xmlns:adec="http://schemas.microsoft.com/office/drawing/2017/decorative" val="1"/>
+              </a:ext>
+            </a:extLst>
+          </p:cNvPr>
+          <p:cNvSpPr>
+            <a:spLocks noGrp="1" noRot="1" noChangeAspect="1" noMove="1" noResize="1" noEditPoints="1" noAdjustHandles="1" noChangeArrowheads="1" noChangeShapeType="1" noTextEdit="1"/>
+          </p:cNvSpPr>
+          <p:nvPr>
+            <p:extLst>
+              <p:ext uri="{386F3935-93C4-4BCD-93E2-E3B085C9AB24}">
+                <p16:designElem xmlns:p16="http://schemas.microsoft.com/office/powerpoint/2015/main" val="1"/>
+              </p:ext>
+            </p:extLst>
+          </p:nvPr>
+        </p:nvSpPr>
+        <p:spPr>
+          <a:xfrm>
+            <a:off x="0" y="0"/>
+            <a:ext cx="4959047" cy="6858000"/>
+          </a:xfrm>
+          <a:custGeom>
+            <a:avLst/>
+            <a:gdLst>
+              <a:gd name="connsiteX0" fmla="*/ 0 w 4959047"/>
+              <a:gd name="connsiteY0" fmla="*/ 0 h 6858000"/>
+              <a:gd name="connsiteX1" fmla="*/ 4110127 w 4959047"/>
+              <a:gd name="connsiteY1" fmla="*/ 0 h 6858000"/>
+              <a:gd name="connsiteX2" fmla="*/ 4179024 w 4959047"/>
+              <a:gd name="connsiteY2" fmla="*/ 123368 h 6858000"/>
+              <a:gd name="connsiteX3" fmla="*/ 4959047 w 4959047"/>
+              <a:gd name="connsiteY3" fmla="*/ 3429000 h 6858000"/>
+              <a:gd name="connsiteX4" fmla="*/ 4179024 w 4959047"/>
+              <a:gd name="connsiteY4" fmla="*/ 6734633 h 6858000"/>
+              <a:gd name="connsiteX5" fmla="*/ 4110127 w 4959047"/>
+              <a:gd name="connsiteY5" fmla="*/ 6858000 h 6858000"/>
+              <a:gd name="connsiteX6" fmla="*/ 0 w 4959047"/>
+              <a:gd name="connsiteY6" fmla="*/ 6858000 h 6858000"/>
+            </a:gdLst>
+            <a:ahLst/>
+            <a:cxnLst>
+              <a:cxn ang="0">
+                <a:pos x="connsiteX0" y="connsiteY0"/>
+              </a:cxn>
+              <a:cxn ang="0">
+                <a:pos x="connsiteX1" y="connsiteY1"/>
+              </a:cxn>
+              <a:cxn ang="0">
+                <a:pos x="connsiteX2" y="connsiteY2"/>
+              </a:cxn>
+              <a:cxn ang="0">
+                <a:pos x="connsiteX3" y="connsiteY3"/>
+              </a:cxn>
+              <a:cxn ang="0">
+                <a:pos x="connsiteX4" y="connsiteY4"/>
+              </a:cxn>
+              <a:cxn ang="0">
+                <a:pos x="connsiteX5" y="connsiteY5"/>
+              </a:cxn>
+              <a:cxn ang="0">
+                <a:pos x="connsiteX6" y="connsiteY6"/>
+              </a:cxn>
+            </a:cxnLst>
+            <a:rect l="l" t="t" r="r" b="b"/>
+            <a:pathLst>
+              <a:path w="4959047" h="6858000">
+                <a:moveTo>
+                  <a:pt x="0" y="0"/>
+                </a:moveTo>
+                <a:lnTo>
+                  <a:pt x="4110127" y="0"/>
+                </a:lnTo>
+                <a:lnTo>
+                  <a:pt x="4179024" y="123368"/>
+                </a:lnTo>
+                <a:cubicBezTo>
+                  <a:pt x="4668929" y="1045156"/>
+                  <a:pt x="4959047" y="2189404"/>
+                  <a:pt x="4959047" y="3429000"/>
+                </a:cubicBezTo>
+                <a:cubicBezTo>
+                  <a:pt x="4959047" y="4668597"/>
+                  <a:pt x="4668929" y="5812845"/>
+                  <a:pt x="4179024" y="6734633"/>
+                </a:cubicBezTo>
+                <a:lnTo>
+                  <a:pt x="4110127" y="6858000"/>
+                </a:lnTo>
+                <a:lnTo>
+                  <a:pt x="0" y="6858000"/>
+                </a:lnTo>
+                <a:close/>
+              </a:path>
+            </a:pathLst>
+          </a:custGeom>
+          <a:ln w="9525">
+            <a:solidFill>
+              <a:srgbClr val="E6E6E6"/>
+            </a:solidFill>
+          </a:ln>
+          <a:effectLst>
+            <a:outerShdw blurRad="76200" dist="38100" algn="l" rotWithShape="0">
+              <a:schemeClr val="bg1">
+                <a:lumMod val="85000"/>
+                <a:alpha val="50000"/>
+              </a:schemeClr>
+            </a:outerShdw>
+          </a:effectLst>
+        </p:spPr>
+        <p:style>
+          <a:lnRef idx="2">
+            <a:schemeClr val="accent1">
+              <a:shade val="50000"/>
+            </a:schemeClr>
+          </a:lnRef>
+          <a:fillRef idx="1">
+            <a:schemeClr val="accent1"/>
+          </a:fillRef>
+          <a:effectRef idx="0">
+            <a:schemeClr val="accent1"/>
+          </a:effectRef>
+          <a:fontRef idx="minor">
+            <a:schemeClr val="lt1"/>
+          </a:fontRef>
+        </p:style>
+        <p:txBody>
+          <a:bodyPr wrap="square" rtlCol="0" anchor="ctr">
+            <a:noAutofit/>
+          </a:bodyPr>
+          <a:lstStyle/>
+          <a:p>
+            <a:pPr marL="0" marR="0" lvl="0" indent="0" algn="ctr" defTabSz="914400" rtl="0" eaLnBrk="1" fontAlgn="auto" latinLnBrk="0" hangingPunct="1">
+              <a:lnSpc>
+                <a:spcPct val="100000"/>
+              </a:lnSpc>
+              <a:spcBef>
+                <a:spcPts val="0"/>
+              </a:spcBef>
+              <a:spcAft>
+                <a:spcPts val="0"/>
+              </a:spcAft>
+              <a:buClrTx/>
+              <a:buSzTx/>
+              <a:buFontTx/>
+              <a:buNone/>
+              <a:tabLst/>
+              <a:defRPr/>
+            </a:pPr>
+            <a:endParaRPr kumimoji="0" lang="en-US" sz="1800" b="0" i="0" u="none" strike="noStrike" kern="1200" cap="none" spc="0" normalizeH="0" baseline="0" noProof="0">
+              <a:ln>
+                <a:noFill/>
+              </a:ln>
+              <a:solidFill>
+                <a:prstClr val="white"/>
+              </a:solidFill>
+              <a:effectLst/>
+              <a:uLnTx/>
+              <a:uFillTx/>
+              <a:latin typeface="Calibri" panose="020F0502020204030204"/>
+              <a:ea typeface="+mn-ea"/>
+              <a:cs typeface="+mn-cs"/>
+            </a:endParaRPr>
+          </a:p>
+        </p:txBody>
+      </p:sp>
+      <p:sp useBgFill="1">
+        <p:nvSpPr>
+          <p:cNvPr id="2059" name="Freeform: Shape 2058">
+            <a:extLst>
+              <a:ext uri="{FF2B5EF4-FFF2-40B4-BE49-F238E27FC236}">
+                <a16:creationId xmlns:a16="http://schemas.microsoft.com/office/drawing/2014/main" id="{84D4DDB8-B68F-45B0-9F62-C4279996F672}"/>
+              </a:ext>
+              <a:ext uri="{C183D7F6-B498-43B3-948B-1728B52AA6E4}">
+                <adec:decorative xmlns:adec="http://schemas.microsoft.com/office/drawing/2017/decorative" val="1"/>
+              </a:ext>
+            </a:extLst>
+          </p:cNvPr>
+          <p:cNvSpPr>
+            <a:spLocks noGrp="1" noRot="1" noChangeAspect="1" noMove="1" noResize="1" noEditPoints="1" noAdjustHandles="1" noChangeArrowheads="1" noChangeShapeType="1" noTextEdit="1"/>
+          </p:cNvSpPr>
+          <p:nvPr>
+            <p:extLst>
+              <p:ext uri="{386F3935-93C4-4BCD-93E2-E3B085C9AB24}">
+                <p16:designElem xmlns:p16="http://schemas.microsoft.com/office/powerpoint/2015/main" val="1"/>
+              </p:ext>
+            </p:extLst>
+          </p:nvPr>
+        </p:nvSpPr>
+        <p:spPr>
+          <a:xfrm>
+            <a:off x="0" y="0"/>
+            <a:ext cx="4948887" cy="6858000"/>
+          </a:xfrm>
+          <a:custGeom>
+            <a:avLst/>
+            <a:gdLst>
+              <a:gd name="connsiteX0" fmla="*/ 0 w 4948887"/>
+              <a:gd name="connsiteY0" fmla="*/ 0 h 6858000"/>
+              <a:gd name="connsiteX1" fmla="*/ 4099967 w 4948887"/>
+              <a:gd name="connsiteY1" fmla="*/ 0 h 6858000"/>
+              <a:gd name="connsiteX2" fmla="*/ 4168864 w 4948887"/>
+              <a:gd name="connsiteY2" fmla="*/ 123368 h 6858000"/>
+              <a:gd name="connsiteX3" fmla="*/ 4948887 w 4948887"/>
+              <a:gd name="connsiteY3" fmla="*/ 3429000 h 6858000"/>
+              <a:gd name="connsiteX4" fmla="*/ 4168864 w 4948887"/>
+              <a:gd name="connsiteY4" fmla="*/ 6734633 h 6858000"/>
+              <a:gd name="connsiteX5" fmla="*/ 4099967 w 4948887"/>
+              <a:gd name="connsiteY5" fmla="*/ 6858000 h 6858000"/>
+              <a:gd name="connsiteX6" fmla="*/ 0 w 4948887"/>
+              <a:gd name="connsiteY6" fmla="*/ 6858000 h 6858000"/>
+            </a:gdLst>
+            <a:ahLst/>
+            <a:cxnLst>
+              <a:cxn ang="0">
+                <a:pos x="connsiteX0" y="connsiteY0"/>
+              </a:cxn>
+              <a:cxn ang="0">
+                <a:pos x="connsiteX1" y="connsiteY1"/>
+              </a:cxn>
+              <a:cxn ang="0">
+                <a:pos x="connsiteX2" y="connsiteY2"/>
+              </a:cxn>
+              <a:cxn ang="0">
+                <a:pos x="connsiteX3" y="connsiteY3"/>
+              </a:cxn>
+              <a:cxn ang="0">
+                <a:pos x="connsiteX4" y="connsiteY4"/>
+              </a:cxn>
+              <a:cxn ang="0">
+                <a:pos x="connsiteX5" y="connsiteY5"/>
+              </a:cxn>
+              <a:cxn ang="0">
+                <a:pos x="connsiteX6" y="connsiteY6"/>
+              </a:cxn>
+            </a:cxnLst>
+            <a:rect l="l" t="t" r="r" b="b"/>
+            <a:pathLst>
+              <a:path w="4948887" h="6858000">
+                <a:moveTo>
+                  <a:pt x="0" y="0"/>
+                </a:moveTo>
+                <a:lnTo>
+                  <a:pt x="4099967" y="0"/>
+                </a:lnTo>
+                <a:lnTo>
+                  <a:pt x="4168864" y="123368"/>
+                </a:lnTo>
+                <a:cubicBezTo>
+                  <a:pt x="4658769" y="1045156"/>
+                  <a:pt x="4948887" y="2189404"/>
+                  <a:pt x="4948887" y="3429000"/>
+                </a:cubicBezTo>
+                <a:cubicBezTo>
+                  <a:pt x="4948887" y="4668597"/>
+                  <a:pt x="4658769" y="5812845"/>
+                  <a:pt x="4168864" y="6734633"/>
+                </a:cubicBezTo>
+                <a:lnTo>
+                  <a:pt x="4099967" y="6858000"/>
+                </a:lnTo>
+                <a:lnTo>
+                  <a:pt x="0" y="6858000"/>
+                </a:lnTo>
+                <a:close/>
+              </a:path>
+            </a:pathLst>
+          </a:custGeom>
+          <a:ln w="9525">
+            <a:noFill/>
+          </a:ln>
+          <a:effectLst/>
+        </p:spPr>
+        <p:style>
+          <a:lnRef idx="2">
+            <a:schemeClr val="accent1">
+              <a:shade val="50000"/>
+            </a:schemeClr>
+          </a:lnRef>
+          <a:fillRef idx="1">
+            <a:schemeClr val="accent1"/>
+          </a:fillRef>
+          <a:effectRef idx="0">
+            <a:schemeClr val="accent1"/>
+          </a:effectRef>
+          <a:fontRef idx="minor">
+            <a:schemeClr val="lt1"/>
+          </a:fontRef>
+        </p:style>
+        <p:txBody>
+          <a:bodyPr wrap="square" rtlCol="0" anchor="ctr">
+            <a:noAutofit/>
+          </a:bodyPr>
+          <a:lstStyle/>
+          <a:p>
+            <a:pPr marL="0" marR="0" lvl="0" indent="0" algn="ctr" defTabSz="914400" rtl="0" eaLnBrk="1" fontAlgn="auto" latinLnBrk="0" hangingPunct="1">
+              <a:lnSpc>
+                <a:spcPct val="100000"/>
+              </a:lnSpc>
+              <a:spcBef>
+                <a:spcPts val="0"/>
+              </a:spcBef>
+              <a:spcAft>
+                <a:spcPts val="0"/>
+              </a:spcAft>
+              <a:buClrTx/>
+              <a:buSzTx/>
+              <a:buFontTx/>
+              <a:buNone/>
+              <a:tabLst/>
+              <a:defRPr/>
+            </a:pPr>
+            <a:endParaRPr kumimoji="0" lang="en-US" sz="1800" b="0" i="0" u="none" strike="noStrike" kern="1200" cap="none" spc="0" normalizeH="0" baseline="0" noProof="0">
+              <a:ln>
+                <a:noFill/>
+              </a:ln>
+              <a:solidFill>
+                <a:prstClr val="white"/>
+              </a:solidFill>
+              <a:effectLst/>
+              <a:uLnTx/>
+              <a:uFillTx/>
+              <a:latin typeface="Calibri" panose="020F0502020204030204"/>
+              <a:ea typeface="+mn-ea"/>
+              <a:cs typeface="+mn-cs"/>
+            </a:endParaRPr>
+          </a:p>
+        </p:txBody>
+      </p:sp>
+      <p:sp>
+        <p:nvSpPr>
+          <p:cNvPr id="2" name="Title 1">
+            <a:extLst>
+              <a:ext uri="{FF2B5EF4-FFF2-40B4-BE49-F238E27FC236}">
+                <a16:creationId xmlns:a16="http://schemas.microsoft.com/office/drawing/2014/main" id="{61DDA2E0-1EDC-4437-8213-1C7EDD22A259}"/>
+              </a:ext>
+            </a:extLst>
+          </p:cNvPr>
+          <p:cNvSpPr>
+            <a:spLocks noGrp="1"/>
+          </p:cNvSpPr>
+          <p:nvPr>
+            <p:ph type="ctrTitle"/>
+          </p:nvPr>
+        </p:nvSpPr>
+        <p:spPr>
+          <a:xfrm>
+            <a:off x="477981" y="1122363"/>
+            <a:ext cx="4023360" cy="3204134"/>
+          </a:xfrm>
+        </p:spPr>
+        <p:txBody>
+          <a:bodyPr anchor="b">
+            <a:normAutofit/>
+          </a:bodyPr>
+          <a:lstStyle/>
+          <a:p>
+            <a:pPr algn="l"/>
+            <a:r>
+              <a:rPr lang="en-GB" sz="4800" b="1"/>
+              <a:t>Graph Representation</a:t>
+            </a:r>
+          </a:p>
+        </p:txBody>
+      </p:sp>
+      <p:sp>
+        <p:nvSpPr>
+          <p:cNvPr id="3" name="Subtitle 2">
+            <a:extLst>
+              <a:ext uri="{FF2B5EF4-FFF2-40B4-BE49-F238E27FC236}">
+                <a16:creationId xmlns:a16="http://schemas.microsoft.com/office/drawing/2014/main" id="{22AD030D-A528-4C46-840A-D0B76A19935A}"/>
+              </a:ext>
+            </a:extLst>
+          </p:cNvPr>
+          <p:cNvSpPr>
+            <a:spLocks noGrp="1"/>
+          </p:cNvSpPr>
+          <p:nvPr>
+            <p:ph type="subTitle" idx="1"/>
+          </p:nvPr>
+        </p:nvSpPr>
+        <p:spPr>
+          <a:xfrm>
+            <a:off x="477981" y="4872922"/>
+            <a:ext cx="3933306" cy="1208141"/>
+          </a:xfrm>
+        </p:spPr>
+        <p:txBody>
+          <a:bodyPr>
+            <a:normAutofit/>
+          </a:bodyPr>
+          <a:lstStyle/>
+          <a:p>
+            <a:pPr marL="342900" indent="-342900" algn="just">
+              <a:buFont typeface="Arial" panose="020B0604020202020204" pitchFamily="34" charset="0"/>
+              <a:buChar char="•"/>
+            </a:pPr>
+            <a:r>
+              <a:rPr lang="en-GB" sz="1600" b="1" dirty="0"/>
+              <a:t>Adjacency List: </a:t>
+            </a:r>
+            <a:r>
+              <a:rPr lang="en-GB" sz="1600" dirty="0"/>
+              <a:t>This graph is represented as a collection of linked lists. There is an array of pointer which points to the edges connected to that vertex.</a:t>
+            </a:r>
+          </a:p>
+        </p:txBody>
+      </p:sp>
+      <p:sp>
+        <p:nvSpPr>
+          <p:cNvPr id="2061" name="Rectangle 2060">
+            <a:extLst>
+              <a:ext uri="{FF2B5EF4-FFF2-40B4-BE49-F238E27FC236}">
+                <a16:creationId xmlns:a16="http://schemas.microsoft.com/office/drawing/2014/main" id="{AF2F604E-43BE-4DC3-B983-E071523364F8}"/>
+              </a:ext>
+              <a:ext uri="{C183D7F6-B498-43B3-948B-1728B52AA6E4}">
+                <adec:decorative xmlns:adec="http://schemas.microsoft.com/office/drawing/2017/decorative" val="1"/>
+              </a:ext>
+            </a:extLst>
+          </p:cNvPr>
+          <p:cNvSpPr>
+            <a:spLocks noGrp="1" noRot="1" noChangeAspect="1" noMove="1" noResize="1" noEditPoints="1" noAdjustHandles="1" noChangeArrowheads="1" noChangeShapeType="1" noTextEdit="1"/>
+          </p:cNvSpPr>
+          <p:nvPr>
+            <p:extLst>
+              <p:ext uri="{386F3935-93C4-4BCD-93E2-E3B085C9AB24}">
+                <p16:designElem xmlns:p16="http://schemas.microsoft.com/office/powerpoint/2015/main" val="1"/>
+              </p:ext>
+            </p:extLst>
+          </p:nvPr>
+        </p:nvSpPr>
+        <p:spPr>
+          <a:xfrm rot="5400000">
+            <a:off x="759921" y="346791"/>
+            <a:ext cx="146304" cy="704088"/>
+          </a:xfrm>
+          <a:prstGeom prst="rect">
+            <a:avLst/>
+          </a:prstGeom>
+          <a:solidFill>
+            <a:schemeClr val="accent2"/>
+          </a:solidFill>
+          <a:ln>
+            <a:noFill/>
+          </a:ln>
+        </p:spPr>
+        <p:style>
+          <a:lnRef idx="2">
+            <a:schemeClr val="accent1">
+              <a:shade val="50000"/>
+            </a:schemeClr>
+          </a:lnRef>
+          <a:fillRef idx="1">
+            <a:schemeClr val="accent1"/>
+          </a:fillRef>
+          <a:effectRef idx="0">
+            <a:schemeClr val="accent1"/>
+          </a:effectRef>
+          <a:fontRef idx="minor">
+            <a:schemeClr val="lt1"/>
+          </a:fontRef>
+        </p:style>
+        <p:txBody>
+          <a:bodyPr rtlCol="0" anchor="ctr"/>
+          <a:lstStyle/>
+          <a:p>
+            <a:pPr algn="ctr"/>
+            <a:endParaRPr lang="en-US">
+              <a:solidFill>
+                <a:prstClr val="white"/>
+              </a:solidFill>
+              <a:latin typeface="Calibri" panose="020F0502020204030204"/>
+            </a:endParaRPr>
+          </a:p>
+        </p:txBody>
+      </p:sp>
+      <p:sp>
+        <p:nvSpPr>
+          <p:cNvPr id="2063" name="Rectangle 2062">
+            <a:extLst>
+              <a:ext uri="{FF2B5EF4-FFF2-40B4-BE49-F238E27FC236}">
+                <a16:creationId xmlns:a16="http://schemas.microsoft.com/office/drawing/2014/main" id="{08C9B587-E65E-4B52-B37C-ABEBB6E87928}"/>
+              </a:ext>
+              <a:ext uri="{C183D7F6-B498-43B3-948B-1728B52AA6E4}">
+                <adec:decorative xmlns:adec="http://schemas.microsoft.com/office/drawing/2017/decorative" val="1"/>
+              </a:ext>
+            </a:extLst>
+          </p:cNvPr>
+          <p:cNvSpPr>
+            <a:spLocks noGrp="1" noRot="1" noChangeAspect="1" noMove="1" noResize="1" noEditPoints="1" noAdjustHandles="1" noChangeArrowheads="1" noChangeShapeType="1" noTextEdit="1"/>
+          </p:cNvSpPr>
+          <p:nvPr>
+            <p:extLst>
+              <p:ext uri="{386F3935-93C4-4BCD-93E2-E3B085C9AB24}">
+                <p16:designElem xmlns:p16="http://schemas.microsoft.com/office/powerpoint/2015/main" val="1"/>
+              </p:ext>
+            </p:extLst>
+          </p:nvPr>
+        </p:nvSpPr>
+        <p:spPr>
+          <a:xfrm>
+            <a:off x="481029" y="4546920"/>
+            <a:ext cx="4023360" cy="18288"/>
+          </a:xfrm>
+          <a:prstGeom prst="rect">
+            <a:avLst/>
+          </a:prstGeom>
+          <a:solidFill>
+            <a:srgbClr val="D5D5D5"/>
+          </a:solidFill>
+          <a:ln w="3175">
+            <a:noFill/>
+          </a:ln>
+          <a:effectLst/>
+        </p:spPr>
+        <p:style>
+          <a:lnRef idx="2">
+            <a:schemeClr val="accent1">
+              <a:shade val="50000"/>
+            </a:schemeClr>
+          </a:lnRef>
+          <a:fillRef idx="1">
+            <a:schemeClr val="accent1"/>
+          </a:fillRef>
+          <a:effectRef idx="0">
+            <a:schemeClr val="accent1"/>
+          </a:effectRef>
+          <a:fontRef idx="minor">
+            <a:schemeClr val="lt1"/>
+          </a:fontRef>
+        </p:style>
+        <p:txBody>
+          <a:bodyPr rtlCol="0" anchor="ctr"/>
+          <a:lstStyle/>
+          <a:p>
+            <a:pPr marL="0" marR="0" lvl="0" indent="0" algn="ctr" defTabSz="914400" rtl="0" eaLnBrk="1" fontAlgn="auto" latinLnBrk="0" hangingPunct="1">
+              <a:lnSpc>
+                <a:spcPct val="100000"/>
+              </a:lnSpc>
+              <a:spcBef>
+                <a:spcPts val="0"/>
+              </a:spcBef>
+              <a:spcAft>
+                <a:spcPts val="0"/>
+              </a:spcAft>
+              <a:buClrTx/>
+              <a:buSzTx/>
+              <a:buFontTx/>
+              <a:buNone/>
+              <a:tabLst/>
+              <a:defRPr/>
+            </a:pPr>
+            <a:endParaRPr kumimoji="0" lang="en-US" sz="1800" b="0" i="0" u="none" strike="noStrike" kern="1200" cap="none" spc="0" normalizeH="0" baseline="0" noProof="0">
+              <a:ln>
+                <a:noFill/>
+              </a:ln>
+              <a:solidFill>
+                <a:prstClr val="white"/>
+              </a:solidFill>
+              <a:effectLst/>
+              <a:uLnTx/>
+              <a:uFillTx/>
+              <a:latin typeface="Calibri" panose="020F0502020204030204"/>
+              <a:ea typeface="+mn-ea"/>
+              <a:cs typeface="+mn-cs"/>
+            </a:endParaRPr>
+          </a:p>
+        </p:txBody>
+      </p:sp>
+      <p:pic>
+        <p:nvPicPr>
+          <p:cNvPr id="2050" name="Picture 2" descr="Lightbox">
+            <a:extLst>
+              <a:ext uri="{FF2B5EF4-FFF2-40B4-BE49-F238E27FC236}">
+                <a16:creationId xmlns:a16="http://schemas.microsoft.com/office/drawing/2014/main" id="{3C7171E0-E039-49B1-9CE3-92FCDB52BB77}"/>
+              </a:ext>
+            </a:extLst>
+          </p:cNvPr>
+          <p:cNvPicPr>
+            <a:picLocks noChangeAspect="1" noChangeArrowheads="1"/>
+          </p:cNvPicPr>
+          <p:nvPr/>
+        </p:nvPicPr>
+        <p:blipFill>
+          <a:blip r:embed="rId3">
+            <a:extLst>
+              <a:ext uri="{28A0092B-C50C-407E-A947-70E740481C1C}">
+                <a14:useLocalDpi xmlns:a14="http://schemas.microsoft.com/office/drawing/2010/main" val="0"/>
+              </a:ext>
+            </a:extLst>
+          </a:blip>
+          <a:stretch>
+            <a:fillRect/>
+          </a:stretch>
+        </p:blipFill>
+        <p:spPr bwMode="auto">
+          <a:xfrm>
+            <a:off x="5414356" y="1382657"/>
+            <a:ext cx="6408836" cy="3941434"/>
+          </a:xfrm>
+          <a:prstGeom prst="rect">
+            <a:avLst/>
+          </a:prstGeom>
+          <a:noFill/>
+          <a:extLst>
+            <a:ext uri="{909E8E84-426E-40DD-AFC4-6F175D3DCCD1}">
+              <a14:hiddenFill xmlns:a14="http://schemas.microsoft.com/office/drawing/2010/main">
+                <a:solidFill>
+                  <a:srgbClr val="FFFFFF"/>
+                </a:solidFill>
+              </a14:hiddenFill>
+            </a:ext>
+          </a:extLst>
+        </p:spPr>
+      </p:pic>
+    </p:spTree>
+    <p:extLst>
+      <p:ext uri="{BB962C8B-B14F-4D97-AF65-F5344CB8AC3E}">
+        <p14:creationId xmlns:p14="http://schemas.microsoft.com/office/powerpoint/2010/main" val="3313316942"/>
+      </p:ext>
+    </p:extLst>
+  </p:cSld>
+  <p:clrMapOvr>
+    <a:masterClrMapping/>
+  </p:clrMapOvr>
+</p:sld>
+</file>
+
+<file path=ppt/slides/slide11.xml><?xml version="1.0" encoding="utf-8"?>
+<p:sld xmlns:a="http://schemas.openxmlformats.org/drawingml/2006/main" xmlns:r="http://schemas.openxmlformats.org/officeDocument/2006/relationships" xmlns:p="http://schemas.openxmlformats.org/presentationml/2006/main">
+  <p:cSld>
+    <p:bg>
+      <p:bgPr>
+        <a:solidFill>
+          <a:schemeClr val="bg1"/>
+        </a:solidFill>
+        <a:effectLst/>
+      </p:bgPr>
+    </p:bg>
+    <p:spTree>
+      <p:nvGrpSpPr>
+        <p:cNvPr id="1" name=""/>
+        <p:cNvGrpSpPr/>
+        <p:nvPr/>
+      </p:nvGrpSpPr>
+      <p:grpSpPr>
+        <a:xfrm>
+          <a:off x="0" y="0"/>
+          <a:ext cx="0" cy="0"/>
+          <a:chOff x="0" y="0"/>
+          <a:chExt cx="0" cy="0"/>
+        </a:xfrm>
+      </p:grpSpPr>
+      <p:sp useBgFill="1">
+        <p:nvSpPr>
           <p:cNvPr id="8" name="Rectangle 7">
             <a:extLst>
               <a:ext uri="{FF2B5EF4-FFF2-40B4-BE49-F238E27FC236}">
@@ -5114,7 +5838,7 @@
           <p:cNvPr id="2" name="Title 1">
             <a:extLst>
               <a:ext uri="{FF2B5EF4-FFF2-40B4-BE49-F238E27FC236}">
-                <a16:creationId xmlns:a16="http://schemas.microsoft.com/office/drawing/2014/main" id="{61DDA2E0-1EDC-4437-8213-1C7EDD22A259}"/>
+                <a16:creationId xmlns:a16="http://schemas.microsoft.com/office/drawing/2014/main" id="{38377355-3991-F17E-6CB3-C7EC2B391E4E}"/>
               </a:ext>
             </a:extLst>
           </p:cNvPr>
@@ -5122,7 +5846,7 @@
             <a:spLocks noGrp="1"/>
           </p:cNvSpPr>
           <p:nvPr>
-            <p:ph type="ctrTitle"/>
+            <p:ph type="title"/>
           </p:nvPr>
         </p:nvSpPr>
         <p:spPr>
@@ -5132,32 +5856,24 @@
           </a:xfrm>
         </p:spPr>
         <p:txBody>
-          <a:bodyPr vert="horz" lIns="91440" tIns="45720" rIns="91440" bIns="45720" rtlCol="0" anchor="ctr">
+          <a:bodyPr anchor="ctr">
             <a:normAutofit/>
           </a:bodyPr>
           <a:lstStyle/>
           <a:p>
-            <a:pPr algn="l"/>
-            <a:r>
-              <a:rPr lang="en-US" sz="4800" b="1" kern="1200">
-                <a:solidFill>
-                  <a:schemeClr val="tx1"/>
-                </a:solidFill>
-                <a:latin typeface="+mj-lt"/>
-                <a:ea typeface="+mj-ea"/>
-                <a:cs typeface="+mj-cs"/>
-              </a:rPr>
-              <a:t>Applications of Graph</a:t>
-            </a:r>
-          </a:p>
-        </p:txBody>
-      </p:sp>
-      <p:sp>
-        <p:nvSpPr>
-          <p:cNvPr id="3" name="Subtitle 2">
-            <a:extLst>
-              <a:ext uri="{FF2B5EF4-FFF2-40B4-BE49-F238E27FC236}">
-                <a16:creationId xmlns:a16="http://schemas.microsoft.com/office/drawing/2014/main" id="{22AD030D-A528-4C46-840A-D0B76A19935A}"/>
+            <a:r>
+              <a:rPr lang="en-GB" sz="4800"/>
+              <a:t>Graph Operations</a:t>
+            </a:r>
+          </a:p>
+        </p:txBody>
+      </p:sp>
+      <p:sp>
+        <p:nvSpPr>
+          <p:cNvPr id="3" name="Content Placeholder 2">
+            <a:extLst>
+              <a:ext uri="{FF2B5EF4-FFF2-40B4-BE49-F238E27FC236}">
+                <a16:creationId xmlns:a16="http://schemas.microsoft.com/office/drawing/2014/main" id="{6D3AE42F-7C12-9405-0613-927F0447EDF8}"/>
               </a:ext>
             </a:extLst>
           </p:cNvPr>
@@ -5165,7 +5881,7 @@
             <a:spLocks noGrp="1"/>
           </p:cNvSpPr>
           <p:nvPr>
-            <p:ph type="subTitle" idx="1"/>
+            <p:ph idx="1"/>
           </p:nvPr>
         </p:nvSpPr>
         <p:spPr>
@@ -5175,86 +5891,35 @@
           </a:xfrm>
         </p:spPr>
         <p:txBody>
-          <a:bodyPr vert="horz" lIns="91440" tIns="45720" rIns="91440" bIns="45720" rtlCol="0" anchor="ctr">
+          <a:bodyPr anchor="ctr">
             <a:normAutofit/>
           </a:bodyPr>
           <a:lstStyle/>
           <a:p>
-            <a:pPr marL="342900" indent="-228600" algn="just">
-              <a:buFont typeface="Arial" panose="020B0604020202020204" pitchFamily="34" charset="0"/>
-              <a:buChar char="•"/>
-            </a:pPr>
-            <a:r>
-              <a:rPr lang="en-US" sz="1400" b="1" dirty="0"/>
-              <a:t>Social Networks: </a:t>
-            </a:r>
-            <a:r>
-              <a:rPr lang="en-US" sz="1400" dirty="0"/>
-              <a:t>In platforms like Facebook, Twitter, and LinkedIn, users are represented as nodes, and their connections (friends, followers, or colleagues) as edges. Graphs are ideal for tasks like friend recommendations, finding influencers, or community detection.</a:t>
-            </a:r>
-          </a:p>
-          <a:p>
-            <a:pPr marL="342900" indent="-228600" algn="just">
-              <a:buFont typeface="Arial" panose="020B0604020202020204" pitchFamily="34" charset="0"/>
-              <a:buChar char="•"/>
-            </a:pPr>
-            <a:r>
-              <a:rPr lang="en-US" sz="1400" b="1" dirty="0"/>
-              <a:t>Navigation and Mapping: </a:t>
-            </a:r>
-            <a:r>
-              <a:rPr lang="en-US" sz="1400" dirty="0"/>
-              <a:t>In </a:t>
-            </a:r>
-            <a:r>
-              <a:rPr lang="en-US" sz="1400" b="1" dirty="0"/>
-              <a:t>GPS</a:t>
-            </a:r>
-            <a:r>
-              <a:rPr lang="en-US" sz="1400" dirty="0"/>
-              <a:t> systems and mapping applications (like Google Maps), locations are represented as nodes, and roads as edges with weights (such as distance or time). Graphs make it easy to calculate shortest paths, optimize routes, and find nearby places.</a:t>
-            </a:r>
-          </a:p>
-          <a:p>
-            <a:pPr marL="342900" indent="-228600" algn="just">
-              <a:buFont typeface="Arial" panose="020B0604020202020204" pitchFamily="34" charset="0"/>
-              <a:buChar char="•"/>
-            </a:pPr>
-            <a:r>
-              <a:rPr lang="en-US" sz="1400" b="1" dirty="0"/>
-              <a:t>Search Engines: </a:t>
-            </a:r>
-            <a:r>
-              <a:rPr lang="en-US" sz="1400" dirty="0"/>
-              <a:t>Graphs help represent relationships between web pages, with each page as a node and hyperlinks as directed edges. PageRank, Google's algorithm, is a graph-based algorithm that ranks pages based on their relevance.</a:t>
-            </a:r>
-          </a:p>
-          <a:p>
-            <a:pPr marL="342900" indent="-228600" algn="just">
-              <a:buFont typeface="Arial" panose="020B0604020202020204" pitchFamily="34" charset="0"/>
-              <a:buChar char="•"/>
-            </a:pPr>
-            <a:r>
-              <a:rPr lang="en-US" sz="1400" b="1" dirty="0"/>
-              <a:t>Recommendation Systems: </a:t>
-            </a:r>
-            <a:r>
-              <a:rPr lang="en-US" sz="1400" dirty="0"/>
-              <a:t>Graphs are used in recommendation engines (e.g., Netflix, Amazon) where users and products form nodes, and edges represent interactions (such as viewing or purchasing). Graphs help recommend similar items or suggest items based on social connections or similar tastes.</a:t>
-            </a:r>
-          </a:p>
-          <a:p>
-            <a:pPr marL="342900" indent="-228600" algn="just">
-              <a:buFont typeface="Arial" panose="020B0604020202020204" pitchFamily="34" charset="0"/>
-              <a:buChar char="•"/>
-            </a:pPr>
-            <a:r>
-              <a:rPr lang="en-US" sz="1400" b="1" dirty="0"/>
-              <a:t>Computer Networks:</a:t>
-            </a:r>
-            <a:r>
-              <a:rPr lang="en-US" sz="1400" dirty="0"/>
-              <a:t> Network routers and devices form a graph, with devices as nodes and connections as edges. Graphs help in routing algorithms, load balancing, and optimizing network performance.</a:t>
+            <a:r>
+              <a:rPr lang="en-GB" sz="2400" dirty="0"/>
+              <a:t>There are two types of graph operations:</a:t>
+            </a:r>
+          </a:p>
+          <a:p>
+            <a:pPr lvl="1"/>
+            <a:r>
+              <a:rPr lang="en-GB" dirty="0"/>
+              <a:t>Insertion</a:t>
+            </a:r>
+          </a:p>
+          <a:p>
+            <a:pPr lvl="1"/>
+            <a:r>
+              <a:rPr lang="en-GB" dirty="0"/>
+              <a:t>Deletion</a:t>
+            </a:r>
+          </a:p>
+          <a:p>
+            <a:pPr lvl="1"/>
+            <a:r>
+              <a:rPr lang="en-GB" dirty="0"/>
+              <a:t>Traverse</a:t>
             </a:r>
           </a:p>
         </p:txBody>
@@ -5314,7 +5979,7 @@
     </p:spTree>
     <p:extLst>
       <p:ext uri="{BB962C8B-B14F-4D97-AF65-F5344CB8AC3E}">
-        <p14:creationId xmlns:p14="http://schemas.microsoft.com/office/powerpoint/2010/main" val="134553676"/>
+        <p14:creationId xmlns:p14="http://schemas.microsoft.com/office/powerpoint/2010/main" val="1284130996"/>
       </p:ext>
     </p:extLst>
   </p:cSld>
@@ -5324,7 +5989,7 @@
 </p:sld>
 </file>
 
-<file path=ppt/slides/slide11.xml><?xml version="1.0" encoding="utf-8"?>
+<file path=ppt/slides/slide12.xml><?xml version="1.0" encoding="utf-8"?>
 <p:sld xmlns:a="http://schemas.openxmlformats.org/drawingml/2006/main" xmlns:r="http://schemas.openxmlformats.org/officeDocument/2006/relationships" xmlns:p="http://schemas.openxmlformats.org/presentationml/2006/main">
   <p:cSld>
     <p:bg>
@@ -5439,7 +6104,7 @@
           <a:p>
             <a:pPr algn="l"/>
             <a:r>
-              <a:rPr lang="en-US" sz="5400" b="1" kern="1200">
+              <a:rPr lang="en-US" sz="5400" b="1" kern="1200" dirty="0">
                 <a:solidFill>
                   <a:schemeClr val="tx1"/>
                 </a:solidFill>
@@ -5813,8 +6478,8 @@
         </p:nvSpPr>
         <p:spPr>
           <a:xfrm>
-            <a:off x="5126418" y="552091"/>
-            <a:ext cx="6224335" cy="5431536"/>
+            <a:off x="5126418" y="29576"/>
+            <a:ext cx="6224335" cy="6828423"/>
           </a:xfrm>
         </p:spPr>
         <p:txBody>
@@ -5829,100 +6494,80 @@
             </a:pPr>
             <a:r>
               <a:rPr lang="en-US" sz="1900" b="1" dirty="0"/>
-              <a:t>Shortest Path Algorithms:</a:t>
-            </a:r>
-          </a:p>
-          <a:p>
-            <a:pPr marL="800100" lvl="1" indent="-228600" algn="just">
-              <a:buFont typeface="Arial" panose="020B0604020202020204" pitchFamily="34" charset="0"/>
-              <a:buChar char="•"/>
+              <a:t>Graph Traversal Algorithms:</a:t>
+            </a:r>
+          </a:p>
+          <a:p>
+            <a:pPr marL="914400" lvl="1" indent="-342900" algn="just">
+              <a:buFont typeface="Wingdings" panose="05000000000000000000" pitchFamily="2" charset="2"/>
+              <a:buChar char="Ø"/>
             </a:pPr>
             <a:r>
+              <a:rPr lang="en-US" sz="1900" b="1" dirty="0">
+                <a:solidFill>
+                  <a:srgbClr val="00B0F0"/>
+                </a:solidFill>
+              </a:rPr>
+              <a:t>Depth-First Search (DFS):</a:t>
+            </a:r>
+            <a:r>
               <a:rPr lang="en-US" sz="1900" b="1" dirty="0"/>
-              <a:t>Dijkstra’s Algorithm: </a:t>
+              <a:t> </a:t>
+            </a:r>
+            <a:r>
+              <a:rPr lang="en-GB" sz="1900" dirty="0"/>
+              <a:t>Explores as far as possible along each branch before backtracking. Used for pathfinding, detecting cycles, and topological sorting.</a:t>
+            </a:r>
+            <a:endParaRPr lang="en-US" sz="1900" dirty="0"/>
+          </a:p>
+          <a:p>
+            <a:pPr marL="914400" lvl="1" indent="-342900" algn="just">
+              <a:buFont typeface="Wingdings" panose="05000000000000000000" pitchFamily="2" charset="2"/>
+              <a:buChar char="Ø"/>
+            </a:pPr>
+            <a:r>
+              <a:rPr lang="en-GB" sz="1900" b="1" dirty="0">
+                <a:solidFill>
+                  <a:srgbClr val="00B0F0"/>
+                </a:solidFill>
+              </a:rPr>
+              <a:t>Breadth-First Search (BFS):</a:t>
+            </a:r>
+            <a:r>
+              <a:rPr lang="en-GB" sz="1900" b="1" dirty="0"/>
+              <a:t> </a:t>
+            </a:r>
+            <a:r>
+              <a:rPr lang="en-GB" sz="1900" dirty="0"/>
+              <a:t>Explores all neighbors at the current depth before moving to the next level. Ideal for shortest path in unweighted graphs and connected components</a:t>
             </a:r>
             <a:r>
               <a:rPr lang="en-US" sz="1900" dirty="0"/>
-              <a:t>Finds the shortest path from a source vertex to all other vertices in a weighted graph (non-negative weights).</a:t>
-            </a:r>
-          </a:p>
-          <a:p>
-            <a:pPr marL="800100" lvl="1" indent="-228600" algn="just">
-              <a:buFont typeface="Arial" panose="020B0604020202020204" pitchFamily="34" charset="0"/>
-              <a:buChar char="•"/>
+              <a:t>.</a:t>
+            </a:r>
+          </a:p>
+          <a:p>
+            <a:pPr marL="914400" lvl="1" indent="-342900" algn="just">
+              <a:buFont typeface="Wingdings" panose="05000000000000000000" pitchFamily="2" charset="2"/>
+              <a:buChar char="Ø"/>
             </a:pPr>
             <a:r>
-              <a:rPr lang="en-US" sz="1900" b="1" dirty="0"/>
-              <a:t>Bellman-Ford Algorithm: </a:t>
-            </a:r>
-            <a:r>
-              <a:rPr lang="en-US" sz="1900" dirty="0"/>
-              <a:t>Finds shortest paths in graphs that may have negative weights.</a:t>
-            </a:r>
-          </a:p>
-          <a:p>
-            <a:pPr marL="800100" lvl="1" indent="-228600" algn="just">
-              <a:buFont typeface="Arial" panose="020B0604020202020204" pitchFamily="34" charset="0"/>
-              <a:buChar char="•"/>
-            </a:pPr>
-            <a:r>
-              <a:rPr lang="en-US" sz="1900" b="1" dirty="0"/>
-              <a:t>Floyd-</a:t>
-            </a:r>
-            <a:r>
-              <a:rPr lang="en-US" sz="1900" b="1" dirty="0" err="1"/>
-              <a:t>Warshall</a:t>
-            </a:r>
-            <a:r>
-              <a:rPr lang="en-US" sz="1900" b="1" dirty="0"/>
-              <a:t> Algorithm: </a:t>
-            </a:r>
-            <a:r>
-              <a:rPr lang="en-US" sz="1900" dirty="0"/>
-              <a:t>Computes shortest paths between all pairs of vertices, typically used in dense graphs.</a:t>
-            </a:r>
-          </a:p>
-          <a:p>
-            <a:pPr marL="342900" indent="-228600" algn="just">
-              <a:buFont typeface="Arial" panose="020B0604020202020204" pitchFamily="34" charset="0"/>
-              <a:buChar char="•"/>
-            </a:pPr>
-            <a:r>
-              <a:rPr lang="en-US" sz="1900" b="1" dirty="0"/>
-              <a:t>Minimum Spanning Tree (MST): </a:t>
-            </a:r>
-            <a:r>
-              <a:rPr lang="en-US" sz="1900" dirty="0"/>
-              <a:t>A spanning tree connects all vertices in a graph without cycles and with the minimum possible total edge weight.</a:t>
-            </a:r>
-          </a:p>
-          <a:p>
-            <a:pPr marL="800100" lvl="1" indent="-228600" algn="just">
-              <a:buFont typeface="Arial" panose="020B0604020202020204" pitchFamily="34" charset="0"/>
-              <a:buChar char="•"/>
-            </a:pPr>
-            <a:r>
-              <a:rPr lang="en-US" sz="1900" b="1" dirty="0"/>
-              <a:t>Prim’s Algorithm: </a:t>
-            </a:r>
-            <a:r>
-              <a:rPr lang="en-US" sz="1900" dirty="0"/>
-              <a:t>Builds the MST by starting from a single vertex and adding the minimum edge to grow the tree.</a:t>
-            </a:r>
-          </a:p>
-          <a:p>
-            <a:pPr marL="800100" lvl="1" indent="-228600" algn="just">
-              <a:buFont typeface="Arial" panose="020B0604020202020204" pitchFamily="34" charset="0"/>
-              <a:buChar char="•"/>
-            </a:pPr>
-            <a:r>
-              <a:rPr lang="en-US" sz="1900" b="1" dirty="0"/>
-              <a:t>Kruskal’s Algorithm: </a:t>
-            </a:r>
-            <a:r>
-              <a:rPr lang="en-US" sz="1900" dirty="0"/>
-              <a:t>Builds the MST by selecting edges in order of increasing weight, ensuring no cycles are formed.</a:t>
-            </a:r>
+              <a:rPr lang="en-GB" sz="1900" b="1" dirty="0">
+                <a:solidFill>
+                  <a:srgbClr val="00B0F0"/>
+                </a:solidFill>
+              </a:rPr>
+              <a:t>Bidirectional Search:</a:t>
+            </a:r>
+            <a:r>
+              <a:rPr lang="en-GB" sz="1900" b="1" dirty="0"/>
+              <a:t> </a:t>
+            </a:r>
+            <a:r>
+              <a:rPr lang="en-GB" sz="1900" dirty="0"/>
+              <a:t>Runs two BFS searches (from source and target) simultaneously to find the shortest path faster in large graphs.</a:t>
+            </a:r>
+            <a:endParaRPr lang="en-US" sz="1900" dirty="0"/>
           </a:p>
         </p:txBody>
       </p:sp>
@@ -5939,7 +6584,2422 @@
 </p:sld>
 </file>
 
-<file path=ppt/slides/slide12.xml><?xml version="1.0" encoding="utf-8"?>
+<file path=ppt/slides/slide13.xml><?xml version="1.0" encoding="utf-8"?>
+<p:sld xmlns:a="http://schemas.openxmlformats.org/drawingml/2006/main" xmlns:r="http://schemas.openxmlformats.org/officeDocument/2006/relationships" xmlns:p="http://schemas.openxmlformats.org/presentationml/2006/main">
+  <p:cSld>
+    <p:bg>
+      <p:bgPr>
+        <a:solidFill>
+          <a:schemeClr val="bg1"/>
+        </a:solidFill>
+        <a:effectLst/>
+      </p:bgPr>
+    </p:bg>
+    <p:spTree>
+      <p:nvGrpSpPr>
+        <p:cNvPr id="1" name=""/>
+        <p:cNvGrpSpPr/>
+        <p:nvPr/>
+      </p:nvGrpSpPr>
+      <p:grpSpPr>
+        <a:xfrm>
+          <a:off x="0" y="0"/>
+          <a:ext cx="0" cy="0"/>
+          <a:chOff x="0" y="0"/>
+          <a:chExt cx="0" cy="0"/>
+        </a:xfrm>
+      </p:grpSpPr>
+      <p:sp useBgFill="1">
+        <p:nvSpPr>
+          <p:cNvPr id="8" name="Rectangle 7">
+            <a:extLst>
+              <a:ext uri="{FF2B5EF4-FFF2-40B4-BE49-F238E27FC236}">
+                <a16:creationId xmlns:a16="http://schemas.microsoft.com/office/drawing/2014/main" id="{777A147A-9ED8-46B4-8660-1B3C2AA880B5}"/>
+              </a:ext>
+              <a:ext uri="{C183D7F6-B498-43B3-948B-1728B52AA6E4}">
+                <adec:decorative xmlns:adec="http://schemas.microsoft.com/office/drawing/2017/decorative" val="1"/>
+              </a:ext>
+            </a:extLst>
+          </p:cNvPr>
+          <p:cNvSpPr>
+            <a:spLocks noGrp="1" noRot="1" noChangeAspect="1" noMove="1" noResize="1" noEditPoints="1" noAdjustHandles="1" noChangeArrowheads="1" noChangeShapeType="1" noTextEdit="1"/>
+          </p:cNvSpPr>
+          <p:nvPr>
+            <p:extLst>
+              <p:ext uri="{386F3935-93C4-4BCD-93E2-E3B085C9AB24}">
+                <p16:designElem xmlns:p16="http://schemas.microsoft.com/office/powerpoint/2015/main" val="1"/>
+              </p:ext>
+            </p:extLst>
+          </p:nvPr>
+        </p:nvSpPr>
+        <p:spPr>
+          <a:xfrm>
+            <a:off x="0" y="0"/>
+            <a:ext cx="12188952" cy="6858000"/>
+          </a:xfrm>
+          <a:prstGeom prst="rect">
+            <a:avLst/>
+          </a:prstGeom>
+          <a:ln>
+            <a:noFill/>
+          </a:ln>
+        </p:spPr>
+        <p:style>
+          <a:lnRef idx="2">
+            <a:schemeClr val="accent1">
+              <a:shade val="50000"/>
+            </a:schemeClr>
+          </a:lnRef>
+          <a:fillRef idx="1">
+            <a:schemeClr val="accent1"/>
+          </a:fillRef>
+          <a:effectRef idx="0">
+            <a:schemeClr val="accent1"/>
+          </a:effectRef>
+          <a:fontRef idx="minor">
+            <a:schemeClr val="lt1"/>
+          </a:fontRef>
+        </p:style>
+        <p:txBody>
+          <a:bodyPr rtlCol="0" anchor="ctr"/>
+          <a:lstStyle/>
+          <a:p>
+            <a:pPr algn="ctr"/>
+            <a:endParaRPr lang="en-US"/>
+          </a:p>
+        </p:txBody>
+      </p:sp>
+      <p:sp>
+        <p:nvSpPr>
+          <p:cNvPr id="2" name="Title 1">
+            <a:extLst>
+              <a:ext uri="{FF2B5EF4-FFF2-40B4-BE49-F238E27FC236}">
+                <a16:creationId xmlns:a16="http://schemas.microsoft.com/office/drawing/2014/main" id="{61DDA2E0-1EDC-4437-8213-1C7EDD22A259}"/>
+              </a:ext>
+            </a:extLst>
+          </p:cNvPr>
+          <p:cNvSpPr>
+            <a:spLocks noGrp="1"/>
+          </p:cNvSpPr>
+          <p:nvPr>
+            <p:ph type="ctrTitle"/>
+          </p:nvPr>
+        </p:nvSpPr>
+        <p:spPr>
+          <a:xfrm>
+            <a:off x="841248" y="548640"/>
+            <a:ext cx="3600860" cy="5431536"/>
+          </a:xfrm>
+        </p:spPr>
+        <p:txBody>
+          <a:bodyPr vert="horz" lIns="91440" tIns="45720" rIns="91440" bIns="45720" rtlCol="0" anchor="ctr">
+            <a:normAutofit/>
+          </a:bodyPr>
+          <a:lstStyle/>
+          <a:p>
+            <a:pPr algn="l"/>
+            <a:r>
+              <a:rPr lang="en-US" sz="5400" b="1" kern="1200">
+                <a:solidFill>
+                  <a:schemeClr val="tx1"/>
+                </a:solidFill>
+                <a:latin typeface="+mj-lt"/>
+                <a:ea typeface="+mj-ea"/>
+                <a:cs typeface="+mj-cs"/>
+              </a:rPr>
+              <a:t>Graph Algorithms</a:t>
+            </a:r>
+          </a:p>
+        </p:txBody>
+      </p:sp>
+      <p:sp>
+        <p:nvSpPr>
+          <p:cNvPr id="10" name="sketch line">
+            <a:extLst>
+              <a:ext uri="{FF2B5EF4-FFF2-40B4-BE49-F238E27FC236}">
+                <a16:creationId xmlns:a16="http://schemas.microsoft.com/office/drawing/2014/main" id="{5D6C15A0-C087-4593-8414-2B4EC1CDC3DE}"/>
+              </a:ext>
+              <a:ext uri="{C183D7F6-B498-43B3-948B-1728B52AA6E4}">
+                <adec:decorative xmlns:adec="http://schemas.microsoft.com/office/drawing/2017/decorative" val="1"/>
+              </a:ext>
+            </a:extLst>
+          </p:cNvPr>
+          <p:cNvSpPr>
+            <a:spLocks noGrp="1" noRot="1" noChangeAspect="1" noMove="1" noResize="1" noEditPoints="1" noAdjustHandles="1" noChangeArrowheads="1" noChangeShapeType="1" noTextEdit="1"/>
+          </p:cNvSpPr>
+          <p:nvPr>
+            <p:extLst>
+              <p:ext uri="{386F3935-93C4-4BCD-93E2-E3B085C9AB24}">
+                <p16:designElem xmlns:p16="http://schemas.microsoft.com/office/powerpoint/2015/main" val="1"/>
+              </p:ext>
+            </p:extLst>
+          </p:nvPr>
+        </p:nvSpPr>
+        <p:spPr>
+          <a:xfrm rot="5400000">
+            <a:off x="2543983" y="3258715"/>
+            <a:ext cx="4480560" cy="18288"/>
+          </a:xfrm>
+          <a:custGeom>
+            <a:avLst/>
+            <a:gdLst>
+              <a:gd name="connsiteX0" fmla="*/ 0 w 4480560"/>
+              <a:gd name="connsiteY0" fmla="*/ 0 h 18288"/>
+              <a:gd name="connsiteX1" fmla="*/ 595274 w 4480560"/>
+              <a:gd name="connsiteY1" fmla="*/ 0 h 18288"/>
+              <a:gd name="connsiteX2" fmla="*/ 1100938 w 4480560"/>
+              <a:gd name="connsiteY2" fmla="*/ 0 h 18288"/>
+              <a:gd name="connsiteX3" fmla="*/ 1651406 w 4480560"/>
+              <a:gd name="connsiteY3" fmla="*/ 0 h 18288"/>
+              <a:gd name="connsiteX4" fmla="*/ 2336292 w 4480560"/>
+              <a:gd name="connsiteY4" fmla="*/ 0 h 18288"/>
+              <a:gd name="connsiteX5" fmla="*/ 2931566 w 4480560"/>
+              <a:gd name="connsiteY5" fmla="*/ 0 h 18288"/>
+              <a:gd name="connsiteX6" fmla="*/ 3482035 w 4480560"/>
+              <a:gd name="connsiteY6" fmla="*/ 0 h 18288"/>
+              <a:gd name="connsiteX7" fmla="*/ 4480560 w 4480560"/>
+              <a:gd name="connsiteY7" fmla="*/ 0 h 18288"/>
+              <a:gd name="connsiteX8" fmla="*/ 4480560 w 4480560"/>
+              <a:gd name="connsiteY8" fmla="*/ 18288 h 18288"/>
+              <a:gd name="connsiteX9" fmla="*/ 3840480 w 4480560"/>
+              <a:gd name="connsiteY9" fmla="*/ 18288 h 18288"/>
+              <a:gd name="connsiteX10" fmla="*/ 3290011 w 4480560"/>
+              <a:gd name="connsiteY10" fmla="*/ 18288 h 18288"/>
+              <a:gd name="connsiteX11" fmla="*/ 2560320 w 4480560"/>
+              <a:gd name="connsiteY11" fmla="*/ 18288 h 18288"/>
+              <a:gd name="connsiteX12" fmla="*/ 1965046 w 4480560"/>
+              <a:gd name="connsiteY12" fmla="*/ 18288 h 18288"/>
+              <a:gd name="connsiteX13" fmla="*/ 1459382 w 4480560"/>
+              <a:gd name="connsiteY13" fmla="*/ 18288 h 18288"/>
+              <a:gd name="connsiteX14" fmla="*/ 774497 w 4480560"/>
+              <a:gd name="connsiteY14" fmla="*/ 18288 h 18288"/>
+              <a:gd name="connsiteX15" fmla="*/ 0 w 4480560"/>
+              <a:gd name="connsiteY15" fmla="*/ 18288 h 18288"/>
+              <a:gd name="connsiteX16" fmla="*/ 0 w 4480560"/>
+              <a:gd name="connsiteY16" fmla="*/ 0 h 18288"/>
+            </a:gdLst>
+            <a:ahLst/>
+            <a:cxnLst>
+              <a:cxn ang="0">
+                <a:pos x="connsiteX0" y="connsiteY0"/>
+              </a:cxn>
+              <a:cxn ang="0">
+                <a:pos x="connsiteX1" y="connsiteY1"/>
+              </a:cxn>
+              <a:cxn ang="0">
+                <a:pos x="connsiteX2" y="connsiteY2"/>
+              </a:cxn>
+              <a:cxn ang="0">
+                <a:pos x="connsiteX3" y="connsiteY3"/>
+              </a:cxn>
+              <a:cxn ang="0">
+                <a:pos x="connsiteX4" y="connsiteY4"/>
+              </a:cxn>
+              <a:cxn ang="0">
+                <a:pos x="connsiteX5" y="connsiteY5"/>
+              </a:cxn>
+              <a:cxn ang="0">
+                <a:pos x="connsiteX6" y="connsiteY6"/>
+              </a:cxn>
+              <a:cxn ang="0">
+                <a:pos x="connsiteX7" y="connsiteY7"/>
+              </a:cxn>
+              <a:cxn ang="0">
+                <a:pos x="connsiteX8" y="connsiteY8"/>
+              </a:cxn>
+              <a:cxn ang="0">
+                <a:pos x="connsiteX9" y="connsiteY9"/>
+              </a:cxn>
+              <a:cxn ang="0">
+                <a:pos x="connsiteX10" y="connsiteY10"/>
+              </a:cxn>
+              <a:cxn ang="0">
+                <a:pos x="connsiteX11" y="connsiteY11"/>
+              </a:cxn>
+              <a:cxn ang="0">
+                <a:pos x="connsiteX12" y="connsiteY12"/>
+              </a:cxn>
+              <a:cxn ang="0">
+                <a:pos x="connsiteX13" y="connsiteY13"/>
+              </a:cxn>
+              <a:cxn ang="0">
+                <a:pos x="connsiteX14" y="connsiteY14"/>
+              </a:cxn>
+              <a:cxn ang="0">
+                <a:pos x="connsiteX15" y="connsiteY15"/>
+              </a:cxn>
+              <a:cxn ang="0">
+                <a:pos x="connsiteX16" y="connsiteY16"/>
+              </a:cxn>
+            </a:cxnLst>
+            <a:rect l="l" t="t" r="r" b="b"/>
+            <a:pathLst>
+              <a:path w="4480560" h="18288" fill="none" extrusionOk="0">
+                <a:moveTo>
+                  <a:pt x="0" y="0"/>
+                </a:moveTo>
+                <a:cubicBezTo>
+                  <a:pt x="267821" y="8731"/>
+                  <a:pt x="334105" y="2629"/>
+                  <a:pt x="595274" y="0"/>
+                </a:cubicBezTo>
+                <a:cubicBezTo>
+                  <a:pt x="856443" y="-2629"/>
+                  <a:pt x="863808" y="-13353"/>
+                  <a:pt x="1100938" y="0"/>
+                </a:cubicBezTo>
+                <a:cubicBezTo>
+                  <a:pt x="1338068" y="13353"/>
+                  <a:pt x="1431663" y="-25862"/>
+                  <a:pt x="1651406" y="0"/>
+                </a:cubicBezTo>
+                <a:cubicBezTo>
+                  <a:pt x="1871149" y="25862"/>
+                  <a:pt x="2173163" y="23827"/>
+                  <a:pt x="2336292" y="0"/>
+                </a:cubicBezTo>
+                <a:cubicBezTo>
+                  <a:pt x="2499421" y="-23827"/>
+                  <a:pt x="2720589" y="28148"/>
+                  <a:pt x="2931566" y="0"/>
+                </a:cubicBezTo>
+                <a:cubicBezTo>
+                  <a:pt x="3142543" y="-28148"/>
+                  <a:pt x="3323630" y="27022"/>
+                  <a:pt x="3482035" y="0"/>
+                </a:cubicBezTo>
+                <a:cubicBezTo>
+                  <a:pt x="3640440" y="-27022"/>
+                  <a:pt x="4012110" y="-20118"/>
+                  <a:pt x="4480560" y="0"/>
+                </a:cubicBezTo>
+                <a:cubicBezTo>
+                  <a:pt x="4480958" y="7429"/>
+                  <a:pt x="4480540" y="10822"/>
+                  <a:pt x="4480560" y="18288"/>
+                </a:cubicBezTo>
+                <a:cubicBezTo>
+                  <a:pt x="4314132" y="14924"/>
+                  <a:pt x="4028383" y="36632"/>
+                  <a:pt x="3840480" y="18288"/>
+                </a:cubicBezTo>
+                <a:cubicBezTo>
+                  <a:pt x="3652577" y="-56"/>
+                  <a:pt x="3547615" y="2848"/>
+                  <a:pt x="3290011" y="18288"/>
+                </a:cubicBezTo>
+                <a:cubicBezTo>
+                  <a:pt x="3032407" y="33728"/>
+                  <a:pt x="2830268" y="8719"/>
+                  <a:pt x="2560320" y="18288"/>
+                </a:cubicBezTo>
+                <a:cubicBezTo>
+                  <a:pt x="2290372" y="27857"/>
+                  <a:pt x="2147422" y="6728"/>
+                  <a:pt x="1965046" y="18288"/>
+                </a:cubicBezTo>
+                <a:cubicBezTo>
+                  <a:pt x="1782670" y="29848"/>
+                  <a:pt x="1689791" y="40680"/>
+                  <a:pt x="1459382" y="18288"/>
+                </a:cubicBezTo>
+                <a:cubicBezTo>
+                  <a:pt x="1228973" y="-4104"/>
+                  <a:pt x="915486" y="36501"/>
+                  <a:pt x="774497" y="18288"/>
+                </a:cubicBezTo>
+                <a:cubicBezTo>
+                  <a:pt x="633508" y="75"/>
+                  <a:pt x="361442" y="-11107"/>
+                  <a:pt x="0" y="18288"/>
+                </a:cubicBezTo>
+                <a:cubicBezTo>
+                  <a:pt x="-591" y="13205"/>
+                  <a:pt x="-663" y="6329"/>
+                  <a:pt x="0" y="0"/>
+                </a:cubicBezTo>
+                <a:close/>
+              </a:path>
+              <a:path w="4480560" h="18288" stroke="0" extrusionOk="0">
+                <a:moveTo>
+                  <a:pt x="0" y="0"/>
+                </a:moveTo>
+                <a:cubicBezTo>
+                  <a:pt x="285465" y="225"/>
+                  <a:pt x="322691" y="16223"/>
+                  <a:pt x="595274" y="0"/>
+                </a:cubicBezTo>
+                <a:cubicBezTo>
+                  <a:pt x="867857" y="-16223"/>
+                  <a:pt x="989129" y="-11242"/>
+                  <a:pt x="1100938" y="0"/>
+                </a:cubicBezTo>
+                <a:cubicBezTo>
+                  <a:pt x="1212747" y="11242"/>
+                  <a:pt x="1574350" y="-36410"/>
+                  <a:pt x="1830629" y="0"/>
+                </a:cubicBezTo>
+                <a:cubicBezTo>
+                  <a:pt x="2086908" y="36410"/>
+                  <a:pt x="2180922" y="4645"/>
+                  <a:pt x="2425903" y="0"/>
+                </a:cubicBezTo>
+                <a:cubicBezTo>
+                  <a:pt x="2670884" y="-4645"/>
+                  <a:pt x="2782024" y="22929"/>
+                  <a:pt x="3021178" y="0"/>
+                </a:cubicBezTo>
+                <a:cubicBezTo>
+                  <a:pt x="3260332" y="-22929"/>
+                  <a:pt x="3456982" y="-1586"/>
+                  <a:pt x="3750869" y="0"/>
+                </a:cubicBezTo>
+                <a:cubicBezTo>
+                  <a:pt x="4044756" y="1586"/>
+                  <a:pt x="4302726" y="17043"/>
+                  <a:pt x="4480560" y="0"/>
+                </a:cubicBezTo>
+                <a:cubicBezTo>
+                  <a:pt x="4479674" y="5429"/>
+                  <a:pt x="4481381" y="14046"/>
+                  <a:pt x="4480560" y="18288"/>
+                </a:cubicBezTo>
+                <a:cubicBezTo>
+                  <a:pt x="4279652" y="-6850"/>
+                  <a:pt x="4200762" y="41566"/>
+                  <a:pt x="3930091" y="18288"/>
+                </a:cubicBezTo>
+                <a:cubicBezTo>
+                  <a:pt x="3659420" y="-4990"/>
+                  <a:pt x="3456052" y="22294"/>
+                  <a:pt x="3290011" y="18288"/>
+                </a:cubicBezTo>
+                <a:cubicBezTo>
+                  <a:pt x="3123970" y="14282"/>
+                  <a:pt x="2882392" y="32818"/>
+                  <a:pt x="2649931" y="18288"/>
+                </a:cubicBezTo>
+                <a:cubicBezTo>
+                  <a:pt x="2417470" y="3758"/>
+                  <a:pt x="2238426" y="7337"/>
+                  <a:pt x="2054657" y="18288"/>
+                </a:cubicBezTo>
+                <a:cubicBezTo>
+                  <a:pt x="1870888" y="29239"/>
+                  <a:pt x="1566368" y="45040"/>
+                  <a:pt x="1324966" y="18288"/>
+                </a:cubicBezTo>
+                <a:cubicBezTo>
+                  <a:pt x="1083564" y="-8464"/>
+                  <a:pt x="787410" y="10946"/>
+                  <a:pt x="595274" y="18288"/>
+                </a:cubicBezTo>
+                <a:cubicBezTo>
+                  <a:pt x="403138" y="25630"/>
+                  <a:pt x="169622" y="10499"/>
+                  <a:pt x="0" y="18288"/>
+                </a:cubicBezTo>
+                <a:cubicBezTo>
+                  <a:pt x="668" y="13665"/>
+                  <a:pt x="578" y="5675"/>
+                  <a:pt x="0" y="0"/>
+                </a:cubicBezTo>
+                <a:close/>
+              </a:path>
+            </a:pathLst>
+          </a:custGeom>
+          <a:solidFill>
+            <a:schemeClr val="accent2"/>
+          </a:solidFill>
+          <a:ln w="41275" cap="rnd">
+            <a:solidFill>
+              <a:schemeClr val="accent2"/>
+            </a:solidFill>
+            <a:round/>
+            <a:extLst>
+              <a:ext uri="{C807C97D-BFC1-408E-A445-0C87EB9F89A2}">
+                <ask:lineSketchStyleProps xmlns:ask="http://schemas.microsoft.com/office/drawing/2018/sketchyshapes" sd="1219033472">
+                  <a:prstGeom prst="rect">
+                    <a:avLst/>
+                  </a:prstGeom>
+                  <ask:type>
+                    <ask:lineSketchFreehand/>
+                  </ask:type>
+                </ask:lineSketchStyleProps>
+              </a:ext>
+            </a:extLst>
+          </a:ln>
+        </p:spPr>
+        <p:style>
+          <a:lnRef idx="2">
+            <a:schemeClr val="accent1">
+              <a:shade val="50000"/>
+            </a:schemeClr>
+          </a:lnRef>
+          <a:fillRef idx="1">
+            <a:schemeClr val="accent1"/>
+          </a:fillRef>
+          <a:effectRef idx="0">
+            <a:schemeClr val="accent1"/>
+          </a:effectRef>
+          <a:fontRef idx="minor">
+            <a:schemeClr val="lt1"/>
+          </a:fontRef>
+        </p:style>
+        <p:txBody>
+          <a:bodyPr rtlCol="0" anchor="ctr"/>
+          <a:lstStyle/>
+          <a:p>
+            <a:pPr algn="ctr"/>
+            <a:endParaRPr lang="en-US"/>
+          </a:p>
+        </p:txBody>
+      </p:sp>
+      <p:sp>
+        <p:nvSpPr>
+          <p:cNvPr id="3" name="Subtitle 2">
+            <a:extLst>
+              <a:ext uri="{FF2B5EF4-FFF2-40B4-BE49-F238E27FC236}">
+                <a16:creationId xmlns:a16="http://schemas.microsoft.com/office/drawing/2014/main" id="{22AD030D-A528-4C46-840A-D0B76A19935A}"/>
+              </a:ext>
+            </a:extLst>
+          </p:cNvPr>
+          <p:cNvSpPr>
+            <a:spLocks noGrp="1"/>
+          </p:cNvSpPr>
+          <p:nvPr>
+            <p:ph type="subTitle" idx="1"/>
+          </p:nvPr>
+        </p:nvSpPr>
+        <p:spPr>
+          <a:xfrm>
+            <a:off x="5126418" y="29576"/>
+            <a:ext cx="6224335" cy="6828423"/>
+          </a:xfrm>
+        </p:spPr>
+        <p:txBody>
+          <a:bodyPr vert="horz" lIns="91440" tIns="45720" rIns="91440" bIns="45720" rtlCol="0" anchor="ctr">
+            <a:normAutofit/>
+          </a:bodyPr>
+          <a:lstStyle/>
+          <a:p>
+            <a:pPr marL="342900" indent="-228600" algn="just">
+              <a:buFont typeface="Arial" panose="020B0604020202020204" pitchFamily="34" charset="0"/>
+              <a:buChar char="•"/>
+            </a:pPr>
+            <a:r>
+              <a:rPr lang="en-US" sz="1900" b="1" dirty="0"/>
+              <a:t>Shortest Path Algorithms:</a:t>
+            </a:r>
+          </a:p>
+          <a:p>
+            <a:pPr marL="914400" lvl="1" indent="-342900" algn="just">
+              <a:buFont typeface="Wingdings" panose="05000000000000000000" pitchFamily="2" charset="2"/>
+              <a:buChar char="Ø"/>
+            </a:pPr>
+            <a:r>
+              <a:rPr lang="en-US" sz="1900" b="1" dirty="0">
+                <a:solidFill>
+                  <a:srgbClr val="00B0F0"/>
+                </a:solidFill>
+              </a:rPr>
+              <a:t>Dijkstra’s Algorithm:</a:t>
+            </a:r>
+            <a:r>
+              <a:rPr lang="en-US" sz="1900" b="1" dirty="0"/>
+              <a:t> </a:t>
+            </a:r>
+            <a:r>
+              <a:rPr lang="en-US" sz="1900" dirty="0"/>
+              <a:t>Finds the shortest path from a source vertex to all other vertices in a weighted graph (</a:t>
+            </a:r>
+            <a:r>
+              <a:rPr lang="en-US" sz="1900" b="1" dirty="0">
+                <a:solidFill>
+                  <a:srgbClr val="FF0000"/>
+                </a:solidFill>
+              </a:rPr>
+              <a:t>non-negative weights</a:t>
+            </a:r>
+            <a:r>
+              <a:rPr lang="en-US" sz="1900" dirty="0"/>
+              <a:t>).</a:t>
+            </a:r>
+          </a:p>
+          <a:p>
+            <a:pPr marL="914400" lvl="1" indent="-342900" algn="just">
+              <a:buFont typeface="Wingdings" panose="05000000000000000000" pitchFamily="2" charset="2"/>
+              <a:buChar char="Ø"/>
+            </a:pPr>
+            <a:r>
+              <a:rPr lang="en-US" sz="1900" b="1" dirty="0">
+                <a:solidFill>
+                  <a:srgbClr val="00B0F0"/>
+                </a:solidFill>
+              </a:rPr>
+              <a:t>Bellman-Ford Algorithm:</a:t>
+            </a:r>
+            <a:r>
+              <a:rPr lang="en-US" sz="1900" b="1" dirty="0"/>
+              <a:t> </a:t>
+            </a:r>
+            <a:r>
+              <a:rPr lang="en-US" sz="1900" dirty="0"/>
+              <a:t>Finds shortest paths in graphs that may have negative weights.</a:t>
+            </a:r>
+          </a:p>
+          <a:p>
+            <a:pPr marL="914400" lvl="1" indent="-342900" algn="just">
+              <a:buFont typeface="Wingdings" panose="05000000000000000000" pitchFamily="2" charset="2"/>
+              <a:buChar char="Ø"/>
+            </a:pPr>
+            <a:r>
+              <a:rPr lang="en-US" sz="1900" b="1" dirty="0">
+                <a:solidFill>
+                  <a:srgbClr val="00B0F0"/>
+                </a:solidFill>
+              </a:rPr>
+              <a:t>Floyd-</a:t>
+            </a:r>
+            <a:r>
+              <a:rPr lang="en-US" sz="1900" b="1" dirty="0" err="1">
+                <a:solidFill>
+                  <a:srgbClr val="00B0F0"/>
+                </a:solidFill>
+              </a:rPr>
+              <a:t>Warshall</a:t>
+            </a:r>
+            <a:r>
+              <a:rPr lang="en-US" sz="1900" b="1" dirty="0">
+                <a:solidFill>
+                  <a:srgbClr val="00B0F0"/>
+                </a:solidFill>
+              </a:rPr>
+              <a:t> Algorithm:</a:t>
+            </a:r>
+            <a:r>
+              <a:rPr lang="en-US" sz="1900" b="1" dirty="0"/>
+              <a:t> </a:t>
+            </a:r>
+            <a:r>
+              <a:rPr lang="en-US" sz="1900" dirty="0"/>
+              <a:t>Computes shortest paths between all pairs of vertices, typically used in dense graphs.</a:t>
+            </a:r>
+          </a:p>
+          <a:p>
+            <a:pPr marL="914400" lvl="1" indent="-342900" algn="just">
+              <a:buFont typeface="Wingdings" panose="05000000000000000000" pitchFamily="2" charset="2"/>
+              <a:buChar char="Ø"/>
+            </a:pPr>
+            <a:r>
+              <a:rPr lang="en-GB" sz="1900" b="1" dirty="0">
+                <a:solidFill>
+                  <a:srgbClr val="00B0F0"/>
+                </a:solidFill>
+              </a:rPr>
+              <a:t>A* Algorithm:</a:t>
+            </a:r>
+            <a:r>
+              <a:rPr lang="en-GB" sz="1900" dirty="0"/>
+              <a:t> A heuristic-based search for shortest paths, often used in pathfinding (e.g., games, robotics) by combining actual costs and estimated costs to the goal.</a:t>
+            </a:r>
+          </a:p>
+          <a:p>
+            <a:pPr marL="914400" lvl="1" indent="-342900" algn="just">
+              <a:buFont typeface="Wingdings" panose="05000000000000000000" pitchFamily="2" charset="2"/>
+              <a:buChar char="Ø"/>
+            </a:pPr>
+            <a:r>
+              <a:rPr lang="en-GB" sz="1900" b="1" dirty="0">
+                <a:solidFill>
+                  <a:srgbClr val="00B0F0"/>
+                </a:solidFill>
+              </a:rPr>
+              <a:t>Johnson’s Algorithm:</a:t>
+            </a:r>
+            <a:r>
+              <a:rPr lang="en-GB" sz="1900" dirty="0"/>
+              <a:t> Finds all-pairs shortest paths in sparse graphs with negative weights by combining Bellman-Ford and Dijkstra’s.</a:t>
+            </a:r>
+            <a:endParaRPr lang="en-US" sz="1900" dirty="0"/>
+          </a:p>
+        </p:txBody>
+      </p:sp>
+    </p:spTree>
+    <p:extLst>
+      <p:ext uri="{BB962C8B-B14F-4D97-AF65-F5344CB8AC3E}">
+        <p14:creationId xmlns:p14="http://schemas.microsoft.com/office/powerpoint/2010/main" val="3661559679"/>
+      </p:ext>
+    </p:extLst>
+  </p:cSld>
+  <p:clrMapOvr>
+    <a:masterClrMapping/>
+  </p:clrMapOvr>
+</p:sld>
+</file>
+
+<file path=ppt/slides/slide14.xml><?xml version="1.0" encoding="utf-8"?>
+<p:sld xmlns:a="http://schemas.openxmlformats.org/drawingml/2006/main" xmlns:r="http://schemas.openxmlformats.org/officeDocument/2006/relationships" xmlns:p="http://schemas.openxmlformats.org/presentationml/2006/main">
+  <p:cSld>
+    <p:bg>
+      <p:bgPr>
+        <a:solidFill>
+          <a:schemeClr val="bg1"/>
+        </a:solidFill>
+        <a:effectLst/>
+      </p:bgPr>
+    </p:bg>
+    <p:spTree>
+      <p:nvGrpSpPr>
+        <p:cNvPr id="1" name=""/>
+        <p:cNvGrpSpPr/>
+        <p:nvPr/>
+      </p:nvGrpSpPr>
+      <p:grpSpPr>
+        <a:xfrm>
+          <a:off x="0" y="0"/>
+          <a:ext cx="0" cy="0"/>
+          <a:chOff x="0" y="0"/>
+          <a:chExt cx="0" cy="0"/>
+        </a:xfrm>
+      </p:grpSpPr>
+      <p:sp useBgFill="1">
+        <p:nvSpPr>
+          <p:cNvPr id="8" name="Rectangle 7">
+            <a:extLst>
+              <a:ext uri="{FF2B5EF4-FFF2-40B4-BE49-F238E27FC236}">
+                <a16:creationId xmlns:a16="http://schemas.microsoft.com/office/drawing/2014/main" id="{777A147A-9ED8-46B4-8660-1B3C2AA880B5}"/>
+              </a:ext>
+              <a:ext uri="{C183D7F6-B498-43B3-948B-1728B52AA6E4}">
+                <adec:decorative xmlns:adec="http://schemas.microsoft.com/office/drawing/2017/decorative" val="1"/>
+              </a:ext>
+            </a:extLst>
+          </p:cNvPr>
+          <p:cNvSpPr>
+            <a:spLocks noGrp="1" noRot="1" noChangeAspect="1" noMove="1" noResize="1" noEditPoints="1" noAdjustHandles="1" noChangeArrowheads="1" noChangeShapeType="1" noTextEdit="1"/>
+          </p:cNvSpPr>
+          <p:nvPr>
+            <p:extLst>
+              <p:ext uri="{386F3935-93C4-4BCD-93E2-E3B085C9AB24}">
+                <p16:designElem xmlns:p16="http://schemas.microsoft.com/office/powerpoint/2015/main" val="1"/>
+              </p:ext>
+            </p:extLst>
+          </p:nvPr>
+        </p:nvSpPr>
+        <p:spPr>
+          <a:xfrm>
+            <a:off x="0" y="0"/>
+            <a:ext cx="12188952" cy="6858000"/>
+          </a:xfrm>
+          <a:prstGeom prst="rect">
+            <a:avLst/>
+          </a:prstGeom>
+          <a:ln>
+            <a:noFill/>
+          </a:ln>
+        </p:spPr>
+        <p:style>
+          <a:lnRef idx="2">
+            <a:schemeClr val="accent1">
+              <a:shade val="50000"/>
+            </a:schemeClr>
+          </a:lnRef>
+          <a:fillRef idx="1">
+            <a:schemeClr val="accent1"/>
+          </a:fillRef>
+          <a:effectRef idx="0">
+            <a:schemeClr val="accent1"/>
+          </a:effectRef>
+          <a:fontRef idx="minor">
+            <a:schemeClr val="lt1"/>
+          </a:fontRef>
+        </p:style>
+        <p:txBody>
+          <a:bodyPr rtlCol="0" anchor="ctr"/>
+          <a:lstStyle/>
+          <a:p>
+            <a:pPr algn="ctr"/>
+            <a:endParaRPr lang="en-US"/>
+          </a:p>
+        </p:txBody>
+      </p:sp>
+      <p:sp>
+        <p:nvSpPr>
+          <p:cNvPr id="2" name="Title 1">
+            <a:extLst>
+              <a:ext uri="{FF2B5EF4-FFF2-40B4-BE49-F238E27FC236}">
+                <a16:creationId xmlns:a16="http://schemas.microsoft.com/office/drawing/2014/main" id="{61DDA2E0-1EDC-4437-8213-1C7EDD22A259}"/>
+              </a:ext>
+            </a:extLst>
+          </p:cNvPr>
+          <p:cNvSpPr>
+            <a:spLocks noGrp="1"/>
+          </p:cNvSpPr>
+          <p:nvPr>
+            <p:ph type="ctrTitle"/>
+          </p:nvPr>
+        </p:nvSpPr>
+        <p:spPr>
+          <a:xfrm>
+            <a:off x="841248" y="548640"/>
+            <a:ext cx="3600860" cy="5431536"/>
+          </a:xfrm>
+        </p:spPr>
+        <p:txBody>
+          <a:bodyPr vert="horz" lIns="91440" tIns="45720" rIns="91440" bIns="45720" rtlCol="0" anchor="ctr">
+            <a:normAutofit/>
+          </a:bodyPr>
+          <a:lstStyle/>
+          <a:p>
+            <a:pPr algn="l"/>
+            <a:r>
+              <a:rPr lang="en-US" sz="5400" b="1" kern="1200">
+                <a:solidFill>
+                  <a:schemeClr val="tx1"/>
+                </a:solidFill>
+                <a:latin typeface="+mj-lt"/>
+                <a:ea typeface="+mj-ea"/>
+                <a:cs typeface="+mj-cs"/>
+              </a:rPr>
+              <a:t>Graph Algorithms</a:t>
+            </a:r>
+          </a:p>
+        </p:txBody>
+      </p:sp>
+      <p:sp>
+        <p:nvSpPr>
+          <p:cNvPr id="10" name="sketch line">
+            <a:extLst>
+              <a:ext uri="{FF2B5EF4-FFF2-40B4-BE49-F238E27FC236}">
+                <a16:creationId xmlns:a16="http://schemas.microsoft.com/office/drawing/2014/main" id="{5D6C15A0-C087-4593-8414-2B4EC1CDC3DE}"/>
+              </a:ext>
+              <a:ext uri="{C183D7F6-B498-43B3-948B-1728B52AA6E4}">
+                <adec:decorative xmlns:adec="http://schemas.microsoft.com/office/drawing/2017/decorative" val="1"/>
+              </a:ext>
+            </a:extLst>
+          </p:cNvPr>
+          <p:cNvSpPr>
+            <a:spLocks noGrp="1" noRot="1" noChangeAspect="1" noMove="1" noResize="1" noEditPoints="1" noAdjustHandles="1" noChangeArrowheads="1" noChangeShapeType="1" noTextEdit="1"/>
+          </p:cNvSpPr>
+          <p:nvPr>
+            <p:extLst>
+              <p:ext uri="{386F3935-93C4-4BCD-93E2-E3B085C9AB24}">
+                <p16:designElem xmlns:p16="http://schemas.microsoft.com/office/powerpoint/2015/main" val="1"/>
+              </p:ext>
+            </p:extLst>
+          </p:nvPr>
+        </p:nvSpPr>
+        <p:spPr>
+          <a:xfrm rot="5400000">
+            <a:off x="2543983" y="3258715"/>
+            <a:ext cx="4480560" cy="18288"/>
+          </a:xfrm>
+          <a:custGeom>
+            <a:avLst/>
+            <a:gdLst>
+              <a:gd name="connsiteX0" fmla="*/ 0 w 4480560"/>
+              <a:gd name="connsiteY0" fmla="*/ 0 h 18288"/>
+              <a:gd name="connsiteX1" fmla="*/ 595274 w 4480560"/>
+              <a:gd name="connsiteY1" fmla="*/ 0 h 18288"/>
+              <a:gd name="connsiteX2" fmla="*/ 1100938 w 4480560"/>
+              <a:gd name="connsiteY2" fmla="*/ 0 h 18288"/>
+              <a:gd name="connsiteX3" fmla="*/ 1651406 w 4480560"/>
+              <a:gd name="connsiteY3" fmla="*/ 0 h 18288"/>
+              <a:gd name="connsiteX4" fmla="*/ 2336292 w 4480560"/>
+              <a:gd name="connsiteY4" fmla="*/ 0 h 18288"/>
+              <a:gd name="connsiteX5" fmla="*/ 2931566 w 4480560"/>
+              <a:gd name="connsiteY5" fmla="*/ 0 h 18288"/>
+              <a:gd name="connsiteX6" fmla="*/ 3482035 w 4480560"/>
+              <a:gd name="connsiteY6" fmla="*/ 0 h 18288"/>
+              <a:gd name="connsiteX7" fmla="*/ 4480560 w 4480560"/>
+              <a:gd name="connsiteY7" fmla="*/ 0 h 18288"/>
+              <a:gd name="connsiteX8" fmla="*/ 4480560 w 4480560"/>
+              <a:gd name="connsiteY8" fmla="*/ 18288 h 18288"/>
+              <a:gd name="connsiteX9" fmla="*/ 3840480 w 4480560"/>
+              <a:gd name="connsiteY9" fmla="*/ 18288 h 18288"/>
+              <a:gd name="connsiteX10" fmla="*/ 3290011 w 4480560"/>
+              <a:gd name="connsiteY10" fmla="*/ 18288 h 18288"/>
+              <a:gd name="connsiteX11" fmla="*/ 2560320 w 4480560"/>
+              <a:gd name="connsiteY11" fmla="*/ 18288 h 18288"/>
+              <a:gd name="connsiteX12" fmla="*/ 1965046 w 4480560"/>
+              <a:gd name="connsiteY12" fmla="*/ 18288 h 18288"/>
+              <a:gd name="connsiteX13" fmla="*/ 1459382 w 4480560"/>
+              <a:gd name="connsiteY13" fmla="*/ 18288 h 18288"/>
+              <a:gd name="connsiteX14" fmla="*/ 774497 w 4480560"/>
+              <a:gd name="connsiteY14" fmla="*/ 18288 h 18288"/>
+              <a:gd name="connsiteX15" fmla="*/ 0 w 4480560"/>
+              <a:gd name="connsiteY15" fmla="*/ 18288 h 18288"/>
+              <a:gd name="connsiteX16" fmla="*/ 0 w 4480560"/>
+              <a:gd name="connsiteY16" fmla="*/ 0 h 18288"/>
+            </a:gdLst>
+            <a:ahLst/>
+            <a:cxnLst>
+              <a:cxn ang="0">
+                <a:pos x="connsiteX0" y="connsiteY0"/>
+              </a:cxn>
+              <a:cxn ang="0">
+                <a:pos x="connsiteX1" y="connsiteY1"/>
+              </a:cxn>
+              <a:cxn ang="0">
+                <a:pos x="connsiteX2" y="connsiteY2"/>
+              </a:cxn>
+              <a:cxn ang="0">
+                <a:pos x="connsiteX3" y="connsiteY3"/>
+              </a:cxn>
+              <a:cxn ang="0">
+                <a:pos x="connsiteX4" y="connsiteY4"/>
+              </a:cxn>
+              <a:cxn ang="0">
+                <a:pos x="connsiteX5" y="connsiteY5"/>
+              </a:cxn>
+              <a:cxn ang="0">
+                <a:pos x="connsiteX6" y="connsiteY6"/>
+              </a:cxn>
+              <a:cxn ang="0">
+                <a:pos x="connsiteX7" y="connsiteY7"/>
+              </a:cxn>
+              <a:cxn ang="0">
+                <a:pos x="connsiteX8" y="connsiteY8"/>
+              </a:cxn>
+              <a:cxn ang="0">
+                <a:pos x="connsiteX9" y="connsiteY9"/>
+              </a:cxn>
+              <a:cxn ang="0">
+                <a:pos x="connsiteX10" y="connsiteY10"/>
+              </a:cxn>
+              <a:cxn ang="0">
+                <a:pos x="connsiteX11" y="connsiteY11"/>
+              </a:cxn>
+              <a:cxn ang="0">
+                <a:pos x="connsiteX12" y="connsiteY12"/>
+              </a:cxn>
+              <a:cxn ang="0">
+                <a:pos x="connsiteX13" y="connsiteY13"/>
+              </a:cxn>
+              <a:cxn ang="0">
+                <a:pos x="connsiteX14" y="connsiteY14"/>
+              </a:cxn>
+              <a:cxn ang="0">
+                <a:pos x="connsiteX15" y="connsiteY15"/>
+              </a:cxn>
+              <a:cxn ang="0">
+                <a:pos x="connsiteX16" y="connsiteY16"/>
+              </a:cxn>
+            </a:cxnLst>
+            <a:rect l="l" t="t" r="r" b="b"/>
+            <a:pathLst>
+              <a:path w="4480560" h="18288" fill="none" extrusionOk="0">
+                <a:moveTo>
+                  <a:pt x="0" y="0"/>
+                </a:moveTo>
+                <a:cubicBezTo>
+                  <a:pt x="267821" y="8731"/>
+                  <a:pt x="334105" y="2629"/>
+                  <a:pt x="595274" y="0"/>
+                </a:cubicBezTo>
+                <a:cubicBezTo>
+                  <a:pt x="856443" y="-2629"/>
+                  <a:pt x="863808" y="-13353"/>
+                  <a:pt x="1100938" y="0"/>
+                </a:cubicBezTo>
+                <a:cubicBezTo>
+                  <a:pt x="1338068" y="13353"/>
+                  <a:pt x="1431663" y="-25862"/>
+                  <a:pt x="1651406" y="0"/>
+                </a:cubicBezTo>
+                <a:cubicBezTo>
+                  <a:pt x="1871149" y="25862"/>
+                  <a:pt x="2173163" y="23827"/>
+                  <a:pt x="2336292" y="0"/>
+                </a:cubicBezTo>
+                <a:cubicBezTo>
+                  <a:pt x="2499421" y="-23827"/>
+                  <a:pt x="2720589" y="28148"/>
+                  <a:pt x="2931566" y="0"/>
+                </a:cubicBezTo>
+                <a:cubicBezTo>
+                  <a:pt x="3142543" y="-28148"/>
+                  <a:pt x="3323630" y="27022"/>
+                  <a:pt x="3482035" y="0"/>
+                </a:cubicBezTo>
+                <a:cubicBezTo>
+                  <a:pt x="3640440" y="-27022"/>
+                  <a:pt x="4012110" y="-20118"/>
+                  <a:pt x="4480560" y="0"/>
+                </a:cubicBezTo>
+                <a:cubicBezTo>
+                  <a:pt x="4480958" y="7429"/>
+                  <a:pt x="4480540" y="10822"/>
+                  <a:pt x="4480560" y="18288"/>
+                </a:cubicBezTo>
+                <a:cubicBezTo>
+                  <a:pt x="4314132" y="14924"/>
+                  <a:pt x="4028383" y="36632"/>
+                  <a:pt x="3840480" y="18288"/>
+                </a:cubicBezTo>
+                <a:cubicBezTo>
+                  <a:pt x="3652577" y="-56"/>
+                  <a:pt x="3547615" y="2848"/>
+                  <a:pt x="3290011" y="18288"/>
+                </a:cubicBezTo>
+                <a:cubicBezTo>
+                  <a:pt x="3032407" y="33728"/>
+                  <a:pt x="2830268" y="8719"/>
+                  <a:pt x="2560320" y="18288"/>
+                </a:cubicBezTo>
+                <a:cubicBezTo>
+                  <a:pt x="2290372" y="27857"/>
+                  <a:pt x="2147422" y="6728"/>
+                  <a:pt x="1965046" y="18288"/>
+                </a:cubicBezTo>
+                <a:cubicBezTo>
+                  <a:pt x="1782670" y="29848"/>
+                  <a:pt x="1689791" y="40680"/>
+                  <a:pt x="1459382" y="18288"/>
+                </a:cubicBezTo>
+                <a:cubicBezTo>
+                  <a:pt x="1228973" y="-4104"/>
+                  <a:pt x="915486" y="36501"/>
+                  <a:pt x="774497" y="18288"/>
+                </a:cubicBezTo>
+                <a:cubicBezTo>
+                  <a:pt x="633508" y="75"/>
+                  <a:pt x="361442" y="-11107"/>
+                  <a:pt x="0" y="18288"/>
+                </a:cubicBezTo>
+                <a:cubicBezTo>
+                  <a:pt x="-591" y="13205"/>
+                  <a:pt x="-663" y="6329"/>
+                  <a:pt x="0" y="0"/>
+                </a:cubicBezTo>
+                <a:close/>
+              </a:path>
+              <a:path w="4480560" h="18288" stroke="0" extrusionOk="0">
+                <a:moveTo>
+                  <a:pt x="0" y="0"/>
+                </a:moveTo>
+                <a:cubicBezTo>
+                  <a:pt x="285465" y="225"/>
+                  <a:pt x="322691" y="16223"/>
+                  <a:pt x="595274" y="0"/>
+                </a:cubicBezTo>
+                <a:cubicBezTo>
+                  <a:pt x="867857" y="-16223"/>
+                  <a:pt x="989129" y="-11242"/>
+                  <a:pt x="1100938" y="0"/>
+                </a:cubicBezTo>
+                <a:cubicBezTo>
+                  <a:pt x="1212747" y="11242"/>
+                  <a:pt x="1574350" y="-36410"/>
+                  <a:pt x="1830629" y="0"/>
+                </a:cubicBezTo>
+                <a:cubicBezTo>
+                  <a:pt x="2086908" y="36410"/>
+                  <a:pt x="2180922" y="4645"/>
+                  <a:pt x="2425903" y="0"/>
+                </a:cubicBezTo>
+                <a:cubicBezTo>
+                  <a:pt x="2670884" y="-4645"/>
+                  <a:pt x="2782024" y="22929"/>
+                  <a:pt x="3021178" y="0"/>
+                </a:cubicBezTo>
+                <a:cubicBezTo>
+                  <a:pt x="3260332" y="-22929"/>
+                  <a:pt x="3456982" y="-1586"/>
+                  <a:pt x="3750869" y="0"/>
+                </a:cubicBezTo>
+                <a:cubicBezTo>
+                  <a:pt x="4044756" y="1586"/>
+                  <a:pt x="4302726" y="17043"/>
+                  <a:pt x="4480560" y="0"/>
+                </a:cubicBezTo>
+                <a:cubicBezTo>
+                  <a:pt x="4479674" y="5429"/>
+                  <a:pt x="4481381" y="14046"/>
+                  <a:pt x="4480560" y="18288"/>
+                </a:cubicBezTo>
+                <a:cubicBezTo>
+                  <a:pt x="4279652" y="-6850"/>
+                  <a:pt x="4200762" y="41566"/>
+                  <a:pt x="3930091" y="18288"/>
+                </a:cubicBezTo>
+                <a:cubicBezTo>
+                  <a:pt x="3659420" y="-4990"/>
+                  <a:pt x="3456052" y="22294"/>
+                  <a:pt x="3290011" y="18288"/>
+                </a:cubicBezTo>
+                <a:cubicBezTo>
+                  <a:pt x="3123970" y="14282"/>
+                  <a:pt x="2882392" y="32818"/>
+                  <a:pt x="2649931" y="18288"/>
+                </a:cubicBezTo>
+                <a:cubicBezTo>
+                  <a:pt x="2417470" y="3758"/>
+                  <a:pt x="2238426" y="7337"/>
+                  <a:pt x="2054657" y="18288"/>
+                </a:cubicBezTo>
+                <a:cubicBezTo>
+                  <a:pt x="1870888" y="29239"/>
+                  <a:pt x="1566368" y="45040"/>
+                  <a:pt x="1324966" y="18288"/>
+                </a:cubicBezTo>
+                <a:cubicBezTo>
+                  <a:pt x="1083564" y="-8464"/>
+                  <a:pt x="787410" y="10946"/>
+                  <a:pt x="595274" y="18288"/>
+                </a:cubicBezTo>
+                <a:cubicBezTo>
+                  <a:pt x="403138" y="25630"/>
+                  <a:pt x="169622" y="10499"/>
+                  <a:pt x="0" y="18288"/>
+                </a:cubicBezTo>
+                <a:cubicBezTo>
+                  <a:pt x="668" y="13665"/>
+                  <a:pt x="578" y="5675"/>
+                  <a:pt x="0" y="0"/>
+                </a:cubicBezTo>
+                <a:close/>
+              </a:path>
+            </a:pathLst>
+          </a:custGeom>
+          <a:solidFill>
+            <a:schemeClr val="accent2"/>
+          </a:solidFill>
+          <a:ln w="41275" cap="rnd">
+            <a:solidFill>
+              <a:schemeClr val="accent2"/>
+            </a:solidFill>
+            <a:round/>
+            <a:extLst>
+              <a:ext uri="{C807C97D-BFC1-408E-A445-0C87EB9F89A2}">
+                <ask:lineSketchStyleProps xmlns:ask="http://schemas.microsoft.com/office/drawing/2018/sketchyshapes" sd="1219033472">
+                  <a:prstGeom prst="rect">
+                    <a:avLst/>
+                  </a:prstGeom>
+                  <ask:type>
+                    <ask:lineSketchFreehand/>
+                  </ask:type>
+                </ask:lineSketchStyleProps>
+              </a:ext>
+            </a:extLst>
+          </a:ln>
+        </p:spPr>
+        <p:style>
+          <a:lnRef idx="2">
+            <a:schemeClr val="accent1">
+              <a:shade val="50000"/>
+            </a:schemeClr>
+          </a:lnRef>
+          <a:fillRef idx="1">
+            <a:schemeClr val="accent1"/>
+          </a:fillRef>
+          <a:effectRef idx="0">
+            <a:schemeClr val="accent1"/>
+          </a:effectRef>
+          <a:fontRef idx="minor">
+            <a:schemeClr val="lt1"/>
+          </a:fontRef>
+        </p:style>
+        <p:txBody>
+          <a:bodyPr rtlCol="0" anchor="ctr"/>
+          <a:lstStyle/>
+          <a:p>
+            <a:pPr algn="ctr"/>
+            <a:endParaRPr lang="en-US"/>
+          </a:p>
+        </p:txBody>
+      </p:sp>
+      <p:sp>
+        <p:nvSpPr>
+          <p:cNvPr id="3" name="Subtitle 2">
+            <a:extLst>
+              <a:ext uri="{FF2B5EF4-FFF2-40B4-BE49-F238E27FC236}">
+                <a16:creationId xmlns:a16="http://schemas.microsoft.com/office/drawing/2014/main" id="{22AD030D-A528-4C46-840A-D0B76A19935A}"/>
+              </a:ext>
+            </a:extLst>
+          </p:cNvPr>
+          <p:cNvSpPr>
+            <a:spLocks noGrp="1"/>
+          </p:cNvSpPr>
+          <p:nvPr>
+            <p:ph type="subTitle" idx="1"/>
+          </p:nvPr>
+        </p:nvSpPr>
+        <p:spPr>
+          <a:xfrm>
+            <a:off x="5126418" y="552091"/>
+            <a:ext cx="6224335" cy="5431536"/>
+          </a:xfrm>
+        </p:spPr>
+        <p:txBody>
+          <a:bodyPr vert="horz" lIns="91440" tIns="45720" rIns="91440" bIns="45720" rtlCol="0" anchor="ctr">
+            <a:normAutofit/>
+          </a:bodyPr>
+          <a:lstStyle/>
+          <a:p>
+            <a:pPr marL="342900" indent="-228600" algn="just">
+              <a:buFont typeface="Arial" panose="020B0604020202020204" pitchFamily="34" charset="0"/>
+              <a:buChar char="•"/>
+            </a:pPr>
+            <a:r>
+              <a:rPr lang="en-US" sz="1900" b="1" dirty="0"/>
+              <a:t>Minimum Spanning Tree (MST): </a:t>
+            </a:r>
+            <a:r>
+              <a:rPr lang="en-US" sz="1900" dirty="0"/>
+              <a:t>A spanning tree connects all vertices in a graph without cycles and with the minimum possible total edge weight.</a:t>
+            </a:r>
+          </a:p>
+          <a:p>
+            <a:pPr marL="800100" lvl="1" indent="-228600" algn="just">
+              <a:buFont typeface="Arial" panose="020B0604020202020204" pitchFamily="34" charset="0"/>
+              <a:buChar char="•"/>
+            </a:pPr>
+            <a:r>
+              <a:rPr lang="en-US" sz="1900" b="1" dirty="0">
+                <a:solidFill>
+                  <a:srgbClr val="00B0F0"/>
+                </a:solidFill>
+              </a:rPr>
+              <a:t>Prim’s Algorithm:</a:t>
+            </a:r>
+            <a:r>
+              <a:rPr lang="en-US" sz="1900" b="1" dirty="0"/>
+              <a:t> </a:t>
+            </a:r>
+            <a:r>
+              <a:rPr lang="en-US" sz="1900" dirty="0"/>
+              <a:t>Builds the MST by starting from a single vertex and adding the minimum edge to grow the tree.</a:t>
+            </a:r>
+          </a:p>
+          <a:p>
+            <a:pPr marL="800100" lvl="1" indent="-228600" algn="just">
+              <a:buFont typeface="Arial" panose="020B0604020202020204" pitchFamily="34" charset="0"/>
+              <a:buChar char="•"/>
+            </a:pPr>
+            <a:r>
+              <a:rPr lang="en-US" sz="1900" b="1" dirty="0">
+                <a:solidFill>
+                  <a:srgbClr val="00B0F0"/>
+                </a:solidFill>
+              </a:rPr>
+              <a:t>Kruskal’s Algorithm:</a:t>
+            </a:r>
+            <a:r>
+              <a:rPr lang="en-US" sz="1900" b="1" dirty="0"/>
+              <a:t> </a:t>
+            </a:r>
+            <a:r>
+              <a:rPr lang="en-US" sz="1900" dirty="0"/>
+              <a:t>Builds the MST by selecting edges in order of increasing weight, ensuring no cycles are formed.</a:t>
+            </a:r>
+          </a:p>
+        </p:txBody>
+      </p:sp>
+    </p:spTree>
+    <p:extLst>
+      <p:ext uri="{BB962C8B-B14F-4D97-AF65-F5344CB8AC3E}">
+        <p14:creationId xmlns:p14="http://schemas.microsoft.com/office/powerpoint/2010/main" val="4264289594"/>
+      </p:ext>
+    </p:extLst>
+  </p:cSld>
+  <p:clrMapOvr>
+    <a:masterClrMapping/>
+  </p:clrMapOvr>
+</p:sld>
+</file>
+
+<file path=ppt/slides/slide15.xml><?xml version="1.0" encoding="utf-8"?>
+<p:sld xmlns:a="http://schemas.openxmlformats.org/drawingml/2006/main" xmlns:r="http://schemas.openxmlformats.org/officeDocument/2006/relationships" xmlns:p="http://schemas.openxmlformats.org/presentationml/2006/main">
+  <p:cSld>
+    <p:bg>
+      <p:bgPr>
+        <a:solidFill>
+          <a:schemeClr val="bg1"/>
+        </a:solidFill>
+        <a:effectLst/>
+      </p:bgPr>
+    </p:bg>
+    <p:spTree>
+      <p:nvGrpSpPr>
+        <p:cNvPr id="1" name=""/>
+        <p:cNvGrpSpPr/>
+        <p:nvPr/>
+      </p:nvGrpSpPr>
+      <p:grpSpPr>
+        <a:xfrm>
+          <a:off x="0" y="0"/>
+          <a:ext cx="0" cy="0"/>
+          <a:chOff x="0" y="0"/>
+          <a:chExt cx="0" cy="0"/>
+        </a:xfrm>
+      </p:grpSpPr>
+      <p:sp useBgFill="1">
+        <p:nvSpPr>
+          <p:cNvPr id="8" name="Rectangle 7">
+            <a:extLst>
+              <a:ext uri="{FF2B5EF4-FFF2-40B4-BE49-F238E27FC236}">
+                <a16:creationId xmlns:a16="http://schemas.microsoft.com/office/drawing/2014/main" id="{777A147A-9ED8-46B4-8660-1B3C2AA880B5}"/>
+              </a:ext>
+              <a:ext uri="{C183D7F6-B498-43B3-948B-1728B52AA6E4}">
+                <adec:decorative xmlns:adec="http://schemas.microsoft.com/office/drawing/2017/decorative" val="1"/>
+              </a:ext>
+            </a:extLst>
+          </p:cNvPr>
+          <p:cNvSpPr>
+            <a:spLocks noGrp="1" noRot="1" noChangeAspect="1" noMove="1" noResize="1" noEditPoints="1" noAdjustHandles="1" noChangeArrowheads="1" noChangeShapeType="1" noTextEdit="1"/>
+          </p:cNvSpPr>
+          <p:nvPr>
+            <p:extLst>
+              <p:ext uri="{386F3935-93C4-4BCD-93E2-E3B085C9AB24}">
+                <p16:designElem xmlns:p16="http://schemas.microsoft.com/office/powerpoint/2015/main" val="1"/>
+              </p:ext>
+            </p:extLst>
+          </p:nvPr>
+        </p:nvSpPr>
+        <p:spPr>
+          <a:xfrm>
+            <a:off x="0" y="0"/>
+            <a:ext cx="12188952" cy="6858000"/>
+          </a:xfrm>
+          <a:prstGeom prst="rect">
+            <a:avLst/>
+          </a:prstGeom>
+          <a:ln>
+            <a:noFill/>
+          </a:ln>
+        </p:spPr>
+        <p:style>
+          <a:lnRef idx="2">
+            <a:schemeClr val="accent1">
+              <a:shade val="50000"/>
+            </a:schemeClr>
+          </a:lnRef>
+          <a:fillRef idx="1">
+            <a:schemeClr val="accent1"/>
+          </a:fillRef>
+          <a:effectRef idx="0">
+            <a:schemeClr val="accent1"/>
+          </a:effectRef>
+          <a:fontRef idx="minor">
+            <a:schemeClr val="lt1"/>
+          </a:fontRef>
+        </p:style>
+        <p:txBody>
+          <a:bodyPr rtlCol="0" anchor="ctr"/>
+          <a:lstStyle/>
+          <a:p>
+            <a:pPr algn="ctr"/>
+            <a:endParaRPr lang="en-US"/>
+          </a:p>
+        </p:txBody>
+      </p:sp>
+      <p:sp>
+        <p:nvSpPr>
+          <p:cNvPr id="2" name="Title 1">
+            <a:extLst>
+              <a:ext uri="{FF2B5EF4-FFF2-40B4-BE49-F238E27FC236}">
+                <a16:creationId xmlns:a16="http://schemas.microsoft.com/office/drawing/2014/main" id="{61DDA2E0-1EDC-4437-8213-1C7EDD22A259}"/>
+              </a:ext>
+            </a:extLst>
+          </p:cNvPr>
+          <p:cNvSpPr>
+            <a:spLocks noGrp="1"/>
+          </p:cNvSpPr>
+          <p:nvPr>
+            <p:ph type="ctrTitle"/>
+          </p:nvPr>
+        </p:nvSpPr>
+        <p:spPr>
+          <a:xfrm>
+            <a:off x="841248" y="548640"/>
+            <a:ext cx="3600860" cy="5431536"/>
+          </a:xfrm>
+        </p:spPr>
+        <p:txBody>
+          <a:bodyPr vert="horz" lIns="91440" tIns="45720" rIns="91440" bIns="45720" rtlCol="0" anchor="ctr">
+            <a:normAutofit/>
+          </a:bodyPr>
+          <a:lstStyle/>
+          <a:p>
+            <a:pPr algn="l"/>
+            <a:r>
+              <a:rPr lang="en-US" sz="5400" b="1" kern="1200">
+                <a:solidFill>
+                  <a:schemeClr val="tx1"/>
+                </a:solidFill>
+                <a:latin typeface="+mj-lt"/>
+                <a:ea typeface="+mj-ea"/>
+                <a:cs typeface="+mj-cs"/>
+              </a:rPr>
+              <a:t>Graph Algorithms</a:t>
+            </a:r>
+          </a:p>
+        </p:txBody>
+      </p:sp>
+      <p:sp>
+        <p:nvSpPr>
+          <p:cNvPr id="10" name="sketch line">
+            <a:extLst>
+              <a:ext uri="{FF2B5EF4-FFF2-40B4-BE49-F238E27FC236}">
+                <a16:creationId xmlns:a16="http://schemas.microsoft.com/office/drawing/2014/main" id="{5D6C15A0-C087-4593-8414-2B4EC1CDC3DE}"/>
+              </a:ext>
+              <a:ext uri="{C183D7F6-B498-43B3-948B-1728B52AA6E4}">
+                <adec:decorative xmlns:adec="http://schemas.microsoft.com/office/drawing/2017/decorative" val="1"/>
+              </a:ext>
+            </a:extLst>
+          </p:cNvPr>
+          <p:cNvSpPr>
+            <a:spLocks noGrp="1" noRot="1" noChangeAspect="1" noMove="1" noResize="1" noEditPoints="1" noAdjustHandles="1" noChangeArrowheads="1" noChangeShapeType="1" noTextEdit="1"/>
+          </p:cNvSpPr>
+          <p:nvPr>
+            <p:extLst>
+              <p:ext uri="{386F3935-93C4-4BCD-93E2-E3B085C9AB24}">
+                <p16:designElem xmlns:p16="http://schemas.microsoft.com/office/powerpoint/2015/main" val="1"/>
+              </p:ext>
+            </p:extLst>
+          </p:nvPr>
+        </p:nvSpPr>
+        <p:spPr>
+          <a:xfrm rot="5400000">
+            <a:off x="2543983" y="3258715"/>
+            <a:ext cx="4480560" cy="18288"/>
+          </a:xfrm>
+          <a:custGeom>
+            <a:avLst/>
+            <a:gdLst>
+              <a:gd name="connsiteX0" fmla="*/ 0 w 4480560"/>
+              <a:gd name="connsiteY0" fmla="*/ 0 h 18288"/>
+              <a:gd name="connsiteX1" fmla="*/ 595274 w 4480560"/>
+              <a:gd name="connsiteY1" fmla="*/ 0 h 18288"/>
+              <a:gd name="connsiteX2" fmla="*/ 1100938 w 4480560"/>
+              <a:gd name="connsiteY2" fmla="*/ 0 h 18288"/>
+              <a:gd name="connsiteX3" fmla="*/ 1651406 w 4480560"/>
+              <a:gd name="connsiteY3" fmla="*/ 0 h 18288"/>
+              <a:gd name="connsiteX4" fmla="*/ 2336292 w 4480560"/>
+              <a:gd name="connsiteY4" fmla="*/ 0 h 18288"/>
+              <a:gd name="connsiteX5" fmla="*/ 2931566 w 4480560"/>
+              <a:gd name="connsiteY5" fmla="*/ 0 h 18288"/>
+              <a:gd name="connsiteX6" fmla="*/ 3482035 w 4480560"/>
+              <a:gd name="connsiteY6" fmla="*/ 0 h 18288"/>
+              <a:gd name="connsiteX7" fmla="*/ 4480560 w 4480560"/>
+              <a:gd name="connsiteY7" fmla="*/ 0 h 18288"/>
+              <a:gd name="connsiteX8" fmla="*/ 4480560 w 4480560"/>
+              <a:gd name="connsiteY8" fmla="*/ 18288 h 18288"/>
+              <a:gd name="connsiteX9" fmla="*/ 3840480 w 4480560"/>
+              <a:gd name="connsiteY9" fmla="*/ 18288 h 18288"/>
+              <a:gd name="connsiteX10" fmla="*/ 3290011 w 4480560"/>
+              <a:gd name="connsiteY10" fmla="*/ 18288 h 18288"/>
+              <a:gd name="connsiteX11" fmla="*/ 2560320 w 4480560"/>
+              <a:gd name="connsiteY11" fmla="*/ 18288 h 18288"/>
+              <a:gd name="connsiteX12" fmla="*/ 1965046 w 4480560"/>
+              <a:gd name="connsiteY12" fmla="*/ 18288 h 18288"/>
+              <a:gd name="connsiteX13" fmla="*/ 1459382 w 4480560"/>
+              <a:gd name="connsiteY13" fmla="*/ 18288 h 18288"/>
+              <a:gd name="connsiteX14" fmla="*/ 774497 w 4480560"/>
+              <a:gd name="connsiteY14" fmla="*/ 18288 h 18288"/>
+              <a:gd name="connsiteX15" fmla="*/ 0 w 4480560"/>
+              <a:gd name="connsiteY15" fmla="*/ 18288 h 18288"/>
+              <a:gd name="connsiteX16" fmla="*/ 0 w 4480560"/>
+              <a:gd name="connsiteY16" fmla="*/ 0 h 18288"/>
+            </a:gdLst>
+            <a:ahLst/>
+            <a:cxnLst>
+              <a:cxn ang="0">
+                <a:pos x="connsiteX0" y="connsiteY0"/>
+              </a:cxn>
+              <a:cxn ang="0">
+                <a:pos x="connsiteX1" y="connsiteY1"/>
+              </a:cxn>
+              <a:cxn ang="0">
+                <a:pos x="connsiteX2" y="connsiteY2"/>
+              </a:cxn>
+              <a:cxn ang="0">
+                <a:pos x="connsiteX3" y="connsiteY3"/>
+              </a:cxn>
+              <a:cxn ang="0">
+                <a:pos x="connsiteX4" y="connsiteY4"/>
+              </a:cxn>
+              <a:cxn ang="0">
+                <a:pos x="connsiteX5" y="connsiteY5"/>
+              </a:cxn>
+              <a:cxn ang="0">
+                <a:pos x="connsiteX6" y="connsiteY6"/>
+              </a:cxn>
+              <a:cxn ang="0">
+                <a:pos x="connsiteX7" y="connsiteY7"/>
+              </a:cxn>
+              <a:cxn ang="0">
+                <a:pos x="connsiteX8" y="connsiteY8"/>
+              </a:cxn>
+              <a:cxn ang="0">
+                <a:pos x="connsiteX9" y="connsiteY9"/>
+              </a:cxn>
+              <a:cxn ang="0">
+                <a:pos x="connsiteX10" y="connsiteY10"/>
+              </a:cxn>
+              <a:cxn ang="0">
+                <a:pos x="connsiteX11" y="connsiteY11"/>
+              </a:cxn>
+              <a:cxn ang="0">
+                <a:pos x="connsiteX12" y="connsiteY12"/>
+              </a:cxn>
+              <a:cxn ang="0">
+                <a:pos x="connsiteX13" y="connsiteY13"/>
+              </a:cxn>
+              <a:cxn ang="0">
+                <a:pos x="connsiteX14" y="connsiteY14"/>
+              </a:cxn>
+              <a:cxn ang="0">
+                <a:pos x="connsiteX15" y="connsiteY15"/>
+              </a:cxn>
+              <a:cxn ang="0">
+                <a:pos x="connsiteX16" y="connsiteY16"/>
+              </a:cxn>
+            </a:cxnLst>
+            <a:rect l="l" t="t" r="r" b="b"/>
+            <a:pathLst>
+              <a:path w="4480560" h="18288" fill="none" extrusionOk="0">
+                <a:moveTo>
+                  <a:pt x="0" y="0"/>
+                </a:moveTo>
+                <a:cubicBezTo>
+                  <a:pt x="267821" y="8731"/>
+                  <a:pt x="334105" y="2629"/>
+                  <a:pt x="595274" y="0"/>
+                </a:cubicBezTo>
+                <a:cubicBezTo>
+                  <a:pt x="856443" y="-2629"/>
+                  <a:pt x="863808" y="-13353"/>
+                  <a:pt x="1100938" y="0"/>
+                </a:cubicBezTo>
+                <a:cubicBezTo>
+                  <a:pt x="1338068" y="13353"/>
+                  <a:pt x="1431663" y="-25862"/>
+                  <a:pt x="1651406" y="0"/>
+                </a:cubicBezTo>
+                <a:cubicBezTo>
+                  <a:pt x="1871149" y="25862"/>
+                  <a:pt x="2173163" y="23827"/>
+                  <a:pt x="2336292" y="0"/>
+                </a:cubicBezTo>
+                <a:cubicBezTo>
+                  <a:pt x="2499421" y="-23827"/>
+                  <a:pt x="2720589" y="28148"/>
+                  <a:pt x="2931566" y="0"/>
+                </a:cubicBezTo>
+                <a:cubicBezTo>
+                  <a:pt x="3142543" y="-28148"/>
+                  <a:pt x="3323630" y="27022"/>
+                  <a:pt x="3482035" y="0"/>
+                </a:cubicBezTo>
+                <a:cubicBezTo>
+                  <a:pt x="3640440" y="-27022"/>
+                  <a:pt x="4012110" y="-20118"/>
+                  <a:pt x="4480560" y="0"/>
+                </a:cubicBezTo>
+                <a:cubicBezTo>
+                  <a:pt x="4480958" y="7429"/>
+                  <a:pt x="4480540" y="10822"/>
+                  <a:pt x="4480560" y="18288"/>
+                </a:cubicBezTo>
+                <a:cubicBezTo>
+                  <a:pt x="4314132" y="14924"/>
+                  <a:pt x="4028383" y="36632"/>
+                  <a:pt x="3840480" y="18288"/>
+                </a:cubicBezTo>
+                <a:cubicBezTo>
+                  <a:pt x="3652577" y="-56"/>
+                  <a:pt x="3547615" y="2848"/>
+                  <a:pt x="3290011" y="18288"/>
+                </a:cubicBezTo>
+                <a:cubicBezTo>
+                  <a:pt x="3032407" y="33728"/>
+                  <a:pt x="2830268" y="8719"/>
+                  <a:pt x="2560320" y="18288"/>
+                </a:cubicBezTo>
+                <a:cubicBezTo>
+                  <a:pt x="2290372" y="27857"/>
+                  <a:pt x="2147422" y="6728"/>
+                  <a:pt x="1965046" y="18288"/>
+                </a:cubicBezTo>
+                <a:cubicBezTo>
+                  <a:pt x="1782670" y="29848"/>
+                  <a:pt x="1689791" y="40680"/>
+                  <a:pt x="1459382" y="18288"/>
+                </a:cubicBezTo>
+                <a:cubicBezTo>
+                  <a:pt x="1228973" y="-4104"/>
+                  <a:pt x="915486" y="36501"/>
+                  <a:pt x="774497" y="18288"/>
+                </a:cubicBezTo>
+                <a:cubicBezTo>
+                  <a:pt x="633508" y="75"/>
+                  <a:pt x="361442" y="-11107"/>
+                  <a:pt x="0" y="18288"/>
+                </a:cubicBezTo>
+                <a:cubicBezTo>
+                  <a:pt x="-591" y="13205"/>
+                  <a:pt x="-663" y="6329"/>
+                  <a:pt x="0" y="0"/>
+                </a:cubicBezTo>
+                <a:close/>
+              </a:path>
+              <a:path w="4480560" h="18288" stroke="0" extrusionOk="0">
+                <a:moveTo>
+                  <a:pt x="0" y="0"/>
+                </a:moveTo>
+                <a:cubicBezTo>
+                  <a:pt x="285465" y="225"/>
+                  <a:pt x="322691" y="16223"/>
+                  <a:pt x="595274" y="0"/>
+                </a:cubicBezTo>
+                <a:cubicBezTo>
+                  <a:pt x="867857" y="-16223"/>
+                  <a:pt x="989129" y="-11242"/>
+                  <a:pt x="1100938" y="0"/>
+                </a:cubicBezTo>
+                <a:cubicBezTo>
+                  <a:pt x="1212747" y="11242"/>
+                  <a:pt x="1574350" y="-36410"/>
+                  <a:pt x="1830629" y="0"/>
+                </a:cubicBezTo>
+                <a:cubicBezTo>
+                  <a:pt x="2086908" y="36410"/>
+                  <a:pt x="2180922" y="4645"/>
+                  <a:pt x="2425903" y="0"/>
+                </a:cubicBezTo>
+                <a:cubicBezTo>
+                  <a:pt x="2670884" y="-4645"/>
+                  <a:pt x="2782024" y="22929"/>
+                  <a:pt x="3021178" y="0"/>
+                </a:cubicBezTo>
+                <a:cubicBezTo>
+                  <a:pt x="3260332" y="-22929"/>
+                  <a:pt x="3456982" y="-1586"/>
+                  <a:pt x="3750869" y="0"/>
+                </a:cubicBezTo>
+                <a:cubicBezTo>
+                  <a:pt x="4044756" y="1586"/>
+                  <a:pt x="4302726" y="17043"/>
+                  <a:pt x="4480560" y="0"/>
+                </a:cubicBezTo>
+                <a:cubicBezTo>
+                  <a:pt x="4479674" y="5429"/>
+                  <a:pt x="4481381" y="14046"/>
+                  <a:pt x="4480560" y="18288"/>
+                </a:cubicBezTo>
+                <a:cubicBezTo>
+                  <a:pt x="4279652" y="-6850"/>
+                  <a:pt x="4200762" y="41566"/>
+                  <a:pt x="3930091" y="18288"/>
+                </a:cubicBezTo>
+                <a:cubicBezTo>
+                  <a:pt x="3659420" y="-4990"/>
+                  <a:pt x="3456052" y="22294"/>
+                  <a:pt x="3290011" y="18288"/>
+                </a:cubicBezTo>
+                <a:cubicBezTo>
+                  <a:pt x="3123970" y="14282"/>
+                  <a:pt x="2882392" y="32818"/>
+                  <a:pt x="2649931" y="18288"/>
+                </a:cubicBezTo>
+                <a:cubicBezTo>
+                  <a:pt x="2417470" y="3758"/>
+                  <a:pt x="2238426" y="7337"/>
+                  <a:pt x="2054657" y="18288"/>
+                </a:cubicBezTo>
+                <a:cubicBezTo>
+                  <a:pt x="1870888" y="29239"/>
+                  <a:pt x="1566368" y="45040"/>
+                  <a:pt x="1324966" y="18288"/>
+                </a:cubicBezTo>
+                <a:cubicBezTo>
+                  <a:pt x="1083564" y="-8464"/>
+                  <a:pt x="787410" y="10946"/>
+                  <a:pt x="595274" y="18288"/>
+                </a:cubicBezTo>
+                <a:cubicBezTo>
+                  <a:pt x="403138" y="25630"/>
+                  <a:pt x="169622" y="10499"/>
+                  <a:pt x="0" y="18288"/>
+                </a:cubicBezTo>
+                <a:cubicBezTo>
+                  <a:pt x="668" y="13665"/>
+                  <a:pt x="578" y="5675"/>
+                  <a:pt x="0" y="0"/>
+                </a:cubicBezTo>
+                <a:close/>
+              </a:path>
+            </a:pathLst>
+          </a:custGeom>
+          <a:solidFill>
+            <a:schemeClr val="accent2"/>
+          </a:solidFill>
+          <a:ln w="41275" cap="rnd">
+            <a:solidFill>
+              <a:schemeClr val="accent2"/>
+            </a:solidFill>
+            <a:round/>
+            <a:extLst>
+              <a:ext uri="{C807C97D-BFC1-408E-A445-0C87EB9F89A2}">
+                <ask:lineSketchStyleProps xmlns:ask="http://schemas.microsoft.com/office/drawing/2018/sketchyshapes" sd="1219033472">
+                  <a:prstGeom prst="rect">
+                    <a:avLst/>
+                  </a:prstGeom>
+                  <ask:type>
+                    <ask:lineSketchFreehand/>
+                  </ask:type>
+                </ask:lineSketchStyleProps>
+              </a:ext>
+            </a:extLst>
+          </a:ln>
+        </p:spPr>
+        <p:style>
+          <a:lnRef idx="2">
+            <a:schemeClr val="accent1">
+              <a:shade val="50000"/>
+            </a:schemeClr>
+          </a:lnRef>
+          <a:fillRef idx="1">
+            <a:schemeClr val="accent1"/>
+          </a:fillRef>
+          <a:effectRef idx="0">
+            <a:schemeClr val="accent1"/>
+          </a:effectRef>
+          <a:fontRef idx="minor">
+            <a:schemeClr val="lt1"/>
+          </a:fontRef>
+        </p:style>
+        <p:txBody>
+          <a:bodyPr rtlCol="0" anchor="ctr"/>
+          <a:lstStyle/>
+          <a:p>
+            <a:pPr algn="ctr"/>
+            <a:endParaRPr lang="en-US"/>
+          </a:p>
+        </p:txBody>
+      </p:sp>
+      <p:sp>
+        <p:nvSpPr>
+          <p:cNvPr id="3" name="Subtitle 2">
+            <a:extLst>
+              <a:ext uri="{FF2B5EF4-FFF2-40B4-BE49-F238E27FC236}">
+                <a16:creationId xmlns:a16="http://schemas.microsoft.com/office/drawing/2014/main" id="{22AD030D-A528-4C46-840A-D0B76A19935A}"/>
+              </a:ext>
+            </a:extLst>
+          </p:cNvPr>
+          <p:cNvSpPr>
+            <a:spLocks noGrp="1"/>
+          </p:cNvSpPr>
+          <p:nvPr>
+            <p:ph type="subTitle" idx="1"/>
+          </p:nvPr>
+        </p:nvSpPr>
+        <p:spPr>
+          <a:xfrm>
+            <a:off x="5126418" y="552091"/>
+            <a:ext cx="6224335" cy="5431536"/>
+          </a:xfrm>
+        </p:spPr>
+        <p:txBody>
+          <a:bodyPr vert="horz" lIns="91440" tIns="45720" rIns="91440" bIns="45720" rtlCol="0" anchor="ctr">
+            <a:normAutofit/>
+          </a:bodyPr>
+          <a:lstStyle/>
+          <a:p>
+            <a:pPr marL="342900" indent="-228600" algn="just">
+              <a:buFont typeface="Arial" panose="020B0604020202020204" pitchFamily="34" charset="0"/>
+              <a:buChar char="•"/>
+            </a:pPr>
+            <a:r>
+              <a:rPr lang="en-US" sz="1900" b="1" dirty="0"/>
+              <a:t>Topological Sorting: </a:t>
+            </a:r>
+            <a:r>
+              <a:rPr lang="en-GB" sz="1900" dirty="0"/>
+              <a:t>Used in directed acyclic graphs (DAGs) to order nodes such that if there’s an edge from </a:t>
+            </a:r>
+            <a:r>
+              <a:rPr lang="en-GB" sz="1900" b="1" dirty="0">
+                <a:solidFill>
+                  <a:srgbClr val="FF0000"/>
+                </a:solidFill>
+              </a:rPr>
+              <a:t>u</a:t>
+            </a:r>
+            <a:r>
+              <a:rPr lang="en-GB" sz="1900" dirty="0"/>
+              <a:t> to </a:t>
+            </a:r>
+            <a:r>
+              <a:rPr lang="en-GB" sz="1900" b="1" dirty="0">
+                <a:solidFill>
+                  <a:srgbClr val="FF0000"/>
+                </a:solidFill>
+              </a:rPr>
+              <a:t>v, u</a:t>
+            </a:r>
+            <a:r>
+              <a:rPr lang="en-GB" sz="1900" dirty="0"/>
+              <a:t> comes before </a:t>
+            </a:r>
+            <a:r>
+              <a:rPr lang="en-GB" sz="1900" b="1" dirty="0">
+                <a:solidFill>
+                  <a:srgbClr val="FF0000"/>
+                </a:solidFill>
+              </a:rPr>
+              <a:t>v</a:t>
+            </a:r>
+            <a:r>
+              <a:rPr lang="en-GB" sz="1900" dirty="0"/>
+              <a:t>.</a:t>
+            </a:r>
+            <a:endParaRPr lang="en-US" sz="1900" dirty="0"/>
+          </a:p>
+          <a:p>
+            <a:pPr marL="800100" lvl="1" indent="-228600" algn="just">
+              <a:buFont typeface="Arial" panose="020B0604020202020204" pitchFamily="34" charset="0"/>
+              <a:buChar char="•"/>
+            </a:pPr>
+            <a:r>
+              <a:rPr lang="en-GB" sz="1900" b="1" dirty="0">
+                <a:solidFill>
+                  <a:srgbClr val="00B0F0"/>
+                </a:solidFill>
+              </a:rPr>
+              <a:t>DFS-based Topological Sort:</a:t>
+            </a:r>
+            <a:r>
+              <a:rPr lang="en-GB" sz="1900" b="1" dirty="0"/>
+              <a:t> </a:t>
+            </a:r>
+            <a:r>
+              <a:rPr lang="en-GB" sz="1900" dirty="0"/>
+              <a:t>Uses DFS to produce a linear ordering of nodes.</a:t>
+            </a:r>
+          </a:p>
+          <a:p>
+            <a:pPr marL="800100" lvl="1" indent="-228600" algn="just">
+              <a:buFont typeface="Arial" panose="020B0604020202020204" pitchFamily="34" charset="0"/>
+              <a:buChar char="•"/>
+            </a:pPr>
+            <a:r>
+              <a:rPr lang="en-GB" sz="1900" b="1" dirty="0">
+                <a:solidFill>
+                  <a:srgbClr val="00B0F0"/>
+                </a:solidFill>
+              </a:rPr>
+              <a:t>Kahn’s Algorithm:</a:t>
+            </a:r>
+            <a:r>
+              <a:rPr lang="en-GB" sz="1900" b="1" dirty="0"/>
+              <a:t> </a:t>
+            </a:r>
+            <a:r>
+              <a:rPr lang="en-GB" sz="1900" dirty="0"/>
+              <a:t>Uses in-degree of nodes, repeatedly removing nodes with zero in-degree to build the ordering.</a:t>
+            </a:r>
+          </a:p>
+        </p:txBody>
+      </p:sp>
+    </p:spTree>
+    <p:extLst>
+      <p:ext uri="{BB962C8B-B14F-4D97-AF65-F5344CB8AC3E}">
+        <p14:creationId xmlns:p14="http://schemas.microsoft.com/office/powerpoint/2010/main" val="557047300"/>
+      </p:ext>
+    </p:extLst>
+  </p:cSld>
+  <p:clrMapOvr>
+    <a:masterClrMapping/>
+  </p:clrMapOvr>
+</p:sld>
+</file>
+
+<file path=ppt/slides/slide16.xml><?xml version="1.0" encoding="utf-8"?>
+<p:sld xmlns:a="http://schemas.openxmlformats.org/drawingml/2006/main" xmlns:r="http://schemas.openxmlformats.org/officeDocument/2006/relationships" xmlns:p="http://schemas.openxmlformats.org/presentationml/2006/main">
+  <p:cSld>
+    <p:bg>
+      <p:bgPr>
+        <a:solidFill>
+          <a:schemeClr val="bg1"/>
+        </a:solidFill>
+        <a:effectLst/>
+      </p:bgPr>
+    </p:bg>
+    <p:spTree>
+      <p:nvGrpSpPr>
+        <p:cNvPr id="1" name=""/>
+        <p:cNvGrpSpPr/>
+        <p:nvPr/>
+      </p:nvGrpSpPr>
+      <p:grpSpPr>
+        <a:xfrm>
+          <a:off x="0" y="0"/>
+          <a:ext cx="0" cy="0"/>
+          <a:chOff x="0" y="0"/>
+          <a:chExt cx="0" cy="0"/>
+        </a:xfrm>
+      </p:grpSpPr>
+      <p:sp useBgFill="1">
+        <p:nvSpPr>
+          <p:cNvPr id="8" name="Rectangle 7">
+            <a:extLst>
+              <a:ext uri="{FF2B5EF4-FFF2-40B4-BE49-F238E27FC236}">
+                <a16:creationId xmlns:a16="http://schemas.microsoft.com/office/drawing/2014/main" id="{B6CDA21F-E7AF-4C75-8395-33F58D5B0E45}"/>
+              </a:ext>
+              <a:ext uri="{C183D7F6-B498-43B3-948B-1728B52AA6E4}">
+                <adec:decorative xmlns:adec="http://schemas.microsoft.com/office/drawing/2017/decorative" val="1"/>
+              </a:ext>
+            </a:extLst>
+          </p:cNvPr>
+          <p:cNvSpPr>
+            <a:spLocks noGrp="1" noRot="1" noChangeAspect="1" noMove="1" noResize="1" noEditPoints="1" noAdjustHandles="1" noChangeArrowheads="1" noChangeShapeType="1" noTextEdit="1"/>
+          </p:cNvSpPr>
+          <p:nvPr>
+            <p:extLst>
+              <p:ext uri="{386F3935-93C4-4BCD-93E2-E3B085C9AB24}">
+                <p16:designElem xmlns:p16="http://schemas.microsoft.com/office/powerpoint/2015/main" val="1"/>
+              </p:ext>
+            </p:extLst>
+          </p:nvPr>
+        </p:nvSpPr>
+        <p:spPr>
+          <a:xfrm>
+            <a:off x="0" y="0"/>
+            <a:ext cx="12191999" cy="6857365"/>
+          </a:xfrm>
+          <a:prstGeom prst="rect">
+            <a:avLst/>
+          </a:prstGeom>
+          <a:ln>
+            <a:noFill/>
+          </a:ln>
+        </p:spPr>
+        <p:style>
+          <a:lnRef idx="2">
+            <a:schemeClr val="accent1">
+              <a:shade val="50000"/>
+            </a:schemeClr>
+          </a:lnRef>
+          <a:fillRef idx="1">
+            <a:schemeClr val="accent1"/>
+          </a:fillRef>
+          <a:effectRef idx="0">
+            <a:schemeClr val="accent1"/>
+          </a:effectRef>
+          <a:fontRef idx="minor">
+            <a:schemeClr val="lt1"/>
+          </a:fontRef>
+        </p:style>
+        <p:txBody>
+          <a:bodyPr rtlCol="0" anchor="ctr"/>
+          <a:lstStyle/>
+          <a:p>
+            <a:pPr algn="ctr"/>
+            <a:endParaRPr lang="en-US"/>
+          </a:p>
+        </p:txBody>
+      </p:sp>
+      <p:grpSp>
+        <p:nvGrpSpPr>
+          <p:cNvPr id="10" name="Group 9">
+            <a:extLst>
+              <a:ext uri="{FF2B5EF4-FFF2-40B4-BE49-F238E27FC236}">
+                <a16:creationId xmlns:a16="http://schemas.microsoft.com/office/drawing/2014/main" id="{AE1C45F0-260A-458C-96ED-C1F6D2151219}"/>
+              </a:ext>
+              <a:ext uri="{C183D7F6-B498-43B3-948B-1728B52AA6E4}">
+                <adec:decorative xmlns:adec="http://schemas.microsoft.com/office/drawing/2017/decorative" val="1"/>
+              </a:ext>
+            </a:extLst>
+          </p:cNvPr>
+          <p:cNvGrpSpPr>
+            <a:grpSpLocks noGrp="1" noUngrp="1" noRot="1" noChangeAspect="1" noMove="1" noResize="1"/>
+          </p:cNvGrpSpPr>
+          <p:nvPr>
+            <p:extLst>
+              <p:ext uri="{386F3935-93C4-4BCD-93E2-E3B085C9AB24}">
+                <p16:designElem xmlns:p16="http://schemas.microsoft.com/office/powerpoint/2015/main" val="1"/>
+              </p:ext>
+            </p:extLst>
+          </p:nvPr>
+        </p:nvGrpSpPr>
+        <p:grpSpPr>
+          <a:xfrm>
+            <a:off x="4" y="1216597"/>
+            <a:ext cx="731521" cy="673460"/>
+            <a:chOff x="3940602" y="308034"/>
+            <a:chExt cx="2116791" cy="3428999"/>
+          </a:xfrm>
+          <a:solidFill>
+            <a:schemeClr val="accent4"/>
+          </a:solidFill>
+        </p:grpSpPr>
+        <p:sp>
+          <p:nvSpPr>
+            <p:cNvPr id="11" name="Rectangle 10">
+              <a:extLst>
+                <a:ext uri="{FF2B5EF4-FFF2-40B4-BE49-F238E27FC236}">
+                  <a16:creationId xmlns:a16="http://schemas.microsoft.com/office/drawing/2014/main" id="{A6604B49-AD5C-4590-B051-06C8222ECD99}"/>
+                </a:ext>
+                <a:ext uri="{C183D7F6-B498-43B3-948B-1728B52AA6E4}">
+                  <adec:decorative xmlns:adec="http://schemas.microsoft.com/office/drawing/2017/decorative" val="1"/>
+                </a:ext>
+              </a:extLst>
+            </p:cNvPr>
+            <p:cNvSpPr/>
+            <p:nvPr>
+              <p:extLst>
+                <p:ext uri="{386F3935-93C4-4BCD-93E2-E3B085C9AB24}">
+                  <p16:designElem xmlns:p16="http://schemas.microsoft.com/office/powerpoint/2015/main" val="1"/>
+                </p:ext>
+              </p:extLst>
+            </p:nvPr>
+          </p:nvSpPr>
+          <p:spPr>
+            <a:xfrm>
+              <a:off x="3940602" y="308034"/>
+              <a:ext cx="566743" cy="3428999"/>
+            </a:xfrm>
+            <a:prstGeom prst="rect">
+              <a:avLst/>
+            </a:prstGeom>
+            <a:grpFill/>
+            <a:ln>
+              <a:noFill/>
+            </a:ln>
+          </p:spPr>
+          <p:style>
+            <a:lnRef idx="2">
+              <a:schemeClr val="accent1">
+                <a:shade val="50000"/>
+              </a:schemeClr>
+            </a:lnRef>
+            <a:fillRef idx="1">
+              <a:schemeClr val="accent1"/>
+            </a:fillRef>
+            <a:effectRef idx="0">
+              <a:schemeClr val="accent1"/>
+            </a:effectRef>
+            <a:fontRef idx="minor">
+              <a:schemeClr val="lt1"/>
+            </a:fontRef>
+          </p:style>
+          <p:txBody>
+            <a:bodyPr rtlCol="0" anchor="ctr"/>
+            <a:lstStyle/>
+            <a:p>
+              <a:pPr algn="ctr"/>
+              <a:endParaRPr lang="en-US"/>
+            </a:p>
+          </p:txBody>
+        </p:sp>
+        <p:sp>
+          <p:nvSpPr>
+            <p:cNvPr id="12" name="Rectangle 11">
+              <a:extLst>
+                <a:ext uri="{FF2B5EF4-FFF2-40B4-BE49-F238E27FC236}">
+                  <a16:creationId xmlns:a16="http://schemas.microsoft.com/office/drawing/2014/main" id="{743ECCAF-29C5-4537-947C-7EA1292463DB}"/>
+                </a:ext>
+                <a:ext uri="{C183D7F6-B498-43B3-948B-1728B52AA6E4}">
+                  <adec:decorative xmlns:adec="http://schemas.microsoft.com/office/drawing/2017/decorative" val="1"/>
+                </a:ext>
+              </a:extLst>
+            </p:cNvPr>
+            <p:cNvSpPr/>
+            <p:nvPr>
+              <p:extLst>
+                <p:ext uri="{386F3935-93C4-4BCD-93E2-E3B085C9AB24}">
+                  <p16:designElem xmlns:p16="http://schemas.microsoft.com/office/powerpoint/2015/main" val="1"/>
+                </p:ext>
+              </p:extLst>
+            </p:nvPr>
+          </p:nvSpPr>
+          <p:spPr>
+            <a:xfrm>
+              <a:off x="4715626" y="308034"/>
+              <a:ext cx="566743" cy="3428999"/>
+            </a:xfrm>
+            <a:prstGeom prst="rect">
+              <a:avLst/>
+            </a:prstGeom>
+            <a:grpFill/>
+            <a:ln>
+              <a:noFill/>
+            </a:ln>
+          </p:spPr>
+          <p:style>
+            <a:lnRef idx="2">
+              <a:schemeClr val="accent1">
+                <a:shade val="50000"/>
+              </a:schemeClr>
+            </a:lnRef>
+            <a:fillRef idx="1">
+              <a:schemeClr val="accent1"/>
+            </a:fillRef>
+            <a:effectRef idx="0">
+              <a:schemeClr val="accent1"/>
+            </a:effectRef>
+            <a:fontRef idx="minor">
+              <a:schemeClr val="lt1"/>
+            </a:fontRef>
+          </p:style>
+          <p:txBody>
+            <a:bodyPr rtlCol="0" anchor="ctr"/>
+            <a:lstStyle/>
+            <a:p>
+              <a:pPr algn="ctr"/>
+              <a:endParaRPr lang="en-US"/>
+            </a:p>
+          </p:txBody>
+        </p:sp>
+        <p:sp>
+          <p:nvSpPr>
+            <p:cNvPr id="13" name="Rectangle 12">
+              <a:extLst>
+                <a:ext uri="{FF2B5EF4-FFF2-40B4-BE49-F238E27FC236}">
+                  <a16:creationId xmlns:a16="http://schemas.microsoft.com/office/drawing/2014/main" id="{ED49787B-8DE6-4467-AD0A-8DECC6E0C2D6}"/>
+                </a:ext>
+                <a:ext uri="{C183D7F6-B498-43B3-948B-1728B52AA6E4}">
+                  <adec:decorative xmlns:adec="http://schemas.microsoft.com/office/drawing/2017/decorative" val="1"/>
+                </a:ext>
+              </a:extLst>
+            </p:cNvPr>
+            <p:cNvSpPr/>
+            <p:nvPr>
+              <p:extLst>
+                <p:ext uri="{386F3935-93C4-4BCD-93E2-E3B085C9AB24}">
+                  <p16:designElem xmlns:p16="http://schemas.microsoft.com/office/powerpoint/2015/main" val="1"/>
+                </p:ext>
+              </p:extLst>
+            </p:nvPr>
+          </p:nvSpPr>
+          <p:spPr>
+            <a:xfrm>
+              <a:off x="5490650" y="308034"/>
+              <a:ext cx="566743" cy="3428999"/>
+            </a:xfrm>
+            <a:prstGeom prst="rect">
+              <a:avLst/>
+            </a:prstGeom>
+            <a:grpFill/>
+            <a:ln>
+              <a:noFill/>
+            </a:ln>
+          </p:spPr>
+          <p:style>
+            <a:lnRef idx="2">
+              <a:schemeClr val="accent1">
+                <a:shade val="50000"/>
+              </a:schemeClr>
+            </a:lnRef>
+            <a:fillRef idx="1">
+              <a:schemeClr val="accent1"/>
+            </a:fillRef>
+            <a:effectRef idx="0">
+              <a:schemeClr val="accent1"/>
+            </a:effectRef>
+            <a:fontRef idx="minor">
+              <a:schemeClr val="lt1"/>
+            </a:fontRef>
+          </p:style>
+          <p:txBody>
+            <a:bodyPr rtlCol="0" anchor="ctr"/>
+            <a:lstStyle/>
+            <a:p>
+              <a:pPr algn="ctr"/>
+              <a:endParaRPr lang="en-US"/>
+            </a:p>
+          </p:txBody>
+        </p:sp>
+      </p:grpSp>
+      <p:sp>
+        <p:nvSpPr>
+          <p:cNvPr id="15" name="Rectangle 14">
+            <a:extLst>
+              <a:ext uri="{FF2B5EF4-FFF2-40B4-BE49-F238E27FC236}">
+                <a16:creationId xmlns:a16="http://schemas.microsoft.com/office/drawing/2014/main" id="{D5B0017B-2ECA-49AF-B397-DC140825DF8D}"/>
+              </a:ext>
+              <a:ext uri="{C183D7F6-B498-43B3-948B-1728B52AA6E4}">
+                <adec:decorative xmlns:adec="http://schemas.microsoft.com/office/drawing/2017/decorative" val="1"/>
+              </a:ext>
+            </a:extLst>
+          </p:cNvPr>
+          <p:cNvSpPr>
+            <a:spLocks noGrp="1" noRot="1" noChangeAspect="1" noMove="1" noResize="1" noEditPoints="1" noAdjustHandles="1" noChangeArrowheads="1" noChangeShapeType="1" noTextEdit="1"/>
+          </p:cNvSpPr>
+          <p:nvPr>
+            <p:extLst>
+              <p:ext uri="{386F3935-93C4-4BCD-93E2-E3B085C9AB24}">
+                <p16:designElem xmlns:p16="http://schemas.microsoft.com/office/powerpoint/2015/main" val="1"/>
+              </p:ext>
+            </p:extLst>
+          </p:nvPr>
+        </p:nvSpPr>
+        <p:spPr>
+          <a:xfrm>
+            <a:off x="640079" y="613954"/>
+            <a:ext cx="10907487" cy="1894116"/>
+          </a:xfrm>
+          <a:prstGeom prst="rect">
+            <a:avLst/>
+          </a:prstGeom>
+          <a:solidFill>
+            <a:schemeClr val="bg1"/>
+          </a:solidFill>
+          <a:ln>
+            <a:noFill/>
+          </a:ln>
+          <a:effectLst>
+            <a:outerShdw blurRad="139700" dist="127000" dir="5400000" algn="t" rotWithShape="0">
+              <a:prstClr val="black">
+                <a:alpha val="15000"/>
+              </a:prstClr>
+            </a:outerShdw>
+          </a:effectLst>
+        </p:spPr>
+        <p:style>
+          <a:lnRef idx="2">
+            <a:schemeClr val="accent1">
+              <a:shade val="50000"/>
+            </a:schemeClr>
+          </a:lnRef>
+          <a:fillRef idx="1">
+            <a:schemeClr val="accent1"/>
+          </a:fillRef>
+          <a:effectRef idx="0">
+            <a:schemeClr val="accent1"/>
+          </a:effectRef>
+          <a:fontRef idx="minor">
+            <a:schemeClr val="lt1"/>
+          </a:fontRef>
+        </p:style>
+        <p:txBody>
+          <a:bodyPr rtlCol="0" anchor="ctr"/>
+          <a:lstStyle/>
+          <a:p>
+            <a:pPr algn="ctr"/>
+            <a:endParaRPr lang="en-US"/>
+          </a:p>
+        </p:txBody>
+      </p:sp>
+      <p:sp>
+        <p:nvSpPr>
+          <p:cNvPr id="2" name="Title 1">
+            <a:extLst>
+              <a:ext uri="{FF2B5EF4-FFF2-40B4-BE49-F238E27FC236}">
+                <a16:creationId xmlns:a16="http://schemas.microsoft.com/office/drawing/2014/main" id="{61DDA2E0-1EDC-4437-8213-1C7EDD22A259}"/>
+              </a:ext>
+            </a:extLst>
+          </p:cNvPr>
+          <p:cNvSpPr>
+            <a:spLocks noGrp="1"/>
+          </p:cNvSpPr>
+          <p:nvPr>
+            <p:ph type="ctrTitle"/>
+          </p:nvPr>
+        </p:nvSpPr>
+        <p:spPr>
+          <a:xfrm>
+            <a:off x="1043631" y="809898"/>
+            <a:ext cx="9942716" cy="1554480"/>
+          </a:xfrm>
+        </p:spPr>
+        <p:txBody>
+          <a:bodyPr vert="horz" lIns="91440" tIns="45720" rIns="91440" bIns="45720" rtlCol="0" anchor="ctr">
+            <a:normAutofit/>
+          </a:bodyPr>
+          <a:lstStyle/>
+          <a:p>
+            <a:pPr algn="l"/>
+            <a:r>
+              <a:rPr lang="en-US" sz="4800" b="1" kern="1200">
+                <a:solidFill>
+                  <a:schemeClr val="tx1"/>
+                </a:solidFill>
+                <a:latin typeface="+mj-lt"/>
+                <a:ea typeface="+mj-ea"/>
+                <a:cs typeface="+mj-cs"/>
+              </a:rPr>
+              <a:t>Applications of Graph</a:t>
+            </a:r>
+          </a:p>
+        </p:txBody>
+      </p:sp>
+      <p:sp>
+        <p:nvSpPr>
+          <p:cNvPr id="3" name="Subtitle 2">
+            <a:extLst>
+              <a:ext uri="{FF2B5EF4-FFF2-40B4-BE49-F238E27FC236}">
+                <a16:creationId xmlns:a16="http://schemas.microsoft.com/office/drawing/2014/main" id="{22AD030D-A528-4C46-840A-D0B76A19935A}"/>
+              </a:ext>
+            </a:extLst>
+          </p:cNvPr>
+          <p:cNvSpPr>
+            <a:spLocks noGrp="1"/>
+          </p:cNvSpPr>
+          <p:nvPr>
+            <p:ph type="subTitle" idx="1"/>
+          </p:nvPr>
+        </p:nvSpPr>
+        <p:spPr>
+          <a:xfrm>
+            <a:off x="1045028" y="3017522"/>
+            <a:ext cx="9941319" cy="3124658"/>
+          </a:xfrm>
+        </p:spPr>
+        <p:txBody>
+          <a:bodyPr vert="horz" lIns="91440" tIns="45720" rIns="91440" bIns="45720" rtlCol="0" anchor="ctr">
+            <a:normAutofit/>
+          </a:bodyPr>
+          <a:lstStyle/>
+          <a:p>
+            <a:pPr marL="342900" indent="-228600" algn="just">
+              <a:buFont typeface="Arial" panose="020B0604020202020204" pitchFamily="34" charset="0"/>
+              <a:buChar char="•"/>
+            </a:pPr>
+            <a:r>
+              <a:rPr lang="en-US" sz="1400" b="1" dirty="0"/>
+              <a:t>Social Networks: </a:t>
+            </a:r>
+            <a:r>
+              <a:rPr lang="en-US" sz="1400" dirty="0"/>
+              <a:t>In platforms like Facebook, Twitter, and LinkedIn, users are represented as nodes, and their connections (friends, followers, or colleagues) as edges. Graphs are ideal for tasks like friend recommendations, finding influencers, or community detection.</a:t>
+            </a:r>
+          </a:p>
+          <a:p>
+            <a:pPr marL="342900" indent="-228600" algn="just">
+              <a:buFont typeface="Arial" panose="020B0604020202020204" pitchFamily="34" charset="0"/>
+              <a:buChar char="•"/>
+            </a:pPr>
+            <a:r>
+              <a:rPr lang="en-US" sz="1400" b="1" dirty="0"/>
+              <a:t>Navigation and Mapping: </a:t>
+            </a:r>
+            <a:r>
+              <a:rPr lang="en-US" sz="1400" dirty="0"/>
+              <a:t>In </a:t>
+            </a:r>
+            <a:r>
+              <a:rPr lang="en-US" sz="1400" b="1" dirty="0"/>
+              <a:t>GPS</a:t>
+            </a:r>
+            <a:r>
+              <a:rPr lang="en-US" sz="1400" dirty="0"/>
+              <a:t> systems and mapping applications (like Google Maps), locations are represented as nodes, and roads as edges with weights (such as distance or time). Graphs make it easy to calculate shortest paths, optimize routes, and find nearby places.</a:t>
+            </a:r>
+          </a:p>
+          <a:p>
+            <a:pPr marL="342900" indent="-228600" algn="just">
+              <a:buFont typeface="Arial" panose="020B0604020202020204" pitchFamily="34" charset="0"/>
+              <a:buChar char="•"/>
+            </a:pPr>
+            <a:r>
+              <a:rPr lang="en-US" sz="1400" b="1" dirty="0"/>
+              <a:t>Search Engines: </a:t>
+            </a:r>
+            <a:r>
+              <a:rPr lang="en-US" sz="1400" dirty="0"/>
+              <a:t>Graphs help represent relationships between web pages, with each page as a node and hyperlinks as directed edges. PageRank, Google's algorithm, is a graph-based algorithm that ranks pages based on their relevance.</a:t>
+            </a:r>
+          </a:p>
+          <a:p>
+            <a:pPr marL="342900" indent="-228600" algn="just">
+              <a:buFont typeface="Arial" panose="020B0604020202020204" pitchFamily="34" charset="0"/>
+              <a:buChar char="•"/>
+            </a:pPr>
+            <a:r>
+              <a:rPr lang="en-US" sz="1400" b="1" dirty="0"/>
+              <a:t>Recommendation Systems: </a:t>
+            </a:r>
+            <a:r>
+              <a:rPr lang="en-US" sz="1400" dirty="0"/>
+              <a:t>Graphs are used in recommendation engines (e.g., Netflix, Amazon) where users and products form nodes, and edges represent interactions (such as viewing or purchasing). Graphs help recommend similar items or suggest items based on social connections or similar tastes.</a:t>
+            </a:r>
+          </a:p>
+          <a:p>
+            <a:pPr marL="342900" indent="-228600" algn="just">
+              <a:buFont typeface="Arial" panose="020B0604020202020204" pitchFamily="34" charset="0"/>
+              <a:buChar char="•"/>
+            </a:pPr>
+            <a:r>
+              <a:rPr lang="en-US" sz="1400" b="1" dirty="0"/>
+              <a:t>Computer Networks:</a:t>
+            </a:r>
+            <a:r>
+              <a:rPr lang="en-US" sz="1400" dirty="0"/>
+              <a:t> Network routers and devices form a graph, with devices as nodes and connections as edges. Graphs help in routing algorithms, load balancing, and optimizing network performance.</a:t>
+            </a:r>
+          </a:p>
+        </p:txBody>
+      </p:sp>
+      <p:cxnSp>
+        <p:nvCxnSpPr>
+          <p:cNvPr id="17" name="Straight Connector 16">
+            <a:extLst>
+              <a:ext uri="{FF2B5EF4-FFF2-40B4-BE49-F238E27FC236}">
+                <a16:creationId xmlns:a16="http://schemas.microsoft.com/office/drawing/2014/main" id="{6CF1BAF6-AD41-4082-B212-8A1F9A2E8779}"/>
+              </a:ext>
+              <a:ext uri="{C183D7F6-B498-43B3-948B-1728B52AA6E4}">
+                <adec:decorative xmlns:adec="http://schemas.microsoft.com/office/drawing/2017/decorative" val="1"/>
+              </a:ext>
+            </a:extLst>
+          </p:cNvPr>
+          <p:cNvCxnSpPr>
+            <a:cxnSpLocks noGrp="1" noRot="1" noChangeAspect="1" noMove="1" noResize="1" noEditPoints="1" noAdjustHandles="1" noChangeArrowheads="1" noChangeShapeType="1"/>
+          </p:cNvCxnSpPr>
+          <p:nvPr>
+            <p:extLst>
+              <p:ext uri="{386F3935-93C4-4BCD-93E2-E3B085C9AB24}">
+                <p16:designElem xmlns:p16="http://schemas.microsoft.com/office/powerpoint/2015/main" val="1"/>
+              </p:ext>
+            </p:extLst>
+          </p:nvPr>
+        </p:nvCxnSpPr>
+        <p:spPr>
+          <a:xfrm flipH="1">
+            <a:off x="838200" y="6485313"/>
+            <a:ext cx="10515600" cy="0"/>
+          </a:xfrm>
+          <a:prstGeom prst="line">
+            <a:avLst/>
+          </a:prstGeom>
+          <a:ln w="57150">
+            <a:solidFill>
+              <a:schemeClr val="accent4"/>
+            </a:solidFill>
+          </a:ln>
+        </p:spPr>
+        <p:style>
+          <a:lnRef idx="1">
+            <a:schemeClr val="accent1"/>
+          </a:lnRef>
+          <a:fillRef idx="0">
+            <a:schemeClr val="accent1"/>
+          </a:fillRef>
+          <a:effectRef idx="0">
+            <a:schemeClr val="accent1"/>
+          </a:effectRef>
+          <a:fontRef idx="minor">
+            <a:schemeClr val="tx1"/>
+          </a:fontRef>
+        </p:style>
+      </p:cxnSp>
+    </p:spTree>
+    <p:extLst>
+      <p:ext uri="{BB962C8B-B14F-4D97-AF65-F5344CB8AC3E}">
+        <p14:creationId xmlns:p14="http://schemas.microsoft.com/office/powerpoint/2010/main" val="134553676"/>
+      </p:ext>
+    </p:extLst>
+  </p:cSld>
+  <p:clrMapOvr>
+    <a:masterClrMapping/>
+  </p:clrMapOvr>
+</p:sld>
+</file>
+
+<file path=ppt/slides/slide17.xml><?xml version="1.0" encoding="utf-8"?>
 <p:sld xmlns:a="http://schemas.openxmlformats.org/drawingml/2006/main" xmlns:r="http://schemas.openxmlformats.org/officeDocument/2006/relationships" xmlns:p="http://schemas.openxmlformats.org/presentationml/2006/main">
   <p:cSld>
     <p:spTree>
@@ -6064,7 +9124,7 @@
 </p:sld>
 </file>
 
-<file path=ppt/slides/slide13.xml><?xml version="1.0" encoding="utf-8"?>
+<file path=ppt/slides/slide18.xml><?xml version="1.0" encoding="utf-8"?>
 <p:sld xmlns:a="http://schemas.openxmlformats.org/drawingml/2006/main" xmlns:r="http://schemas.openxmlformats.org/officeDocument/2006/relationships" xmlns:p="http://schemas.openxmlformats.org/presentationml/2006/main">
   <p:cSld>
     <p:bg>
@@ -6846,7 +9906,7 @@
         <p:spPr>
           <a:xfrm>
             <a:off x="793660" y="2288613"/>
-            <a:ext cx="10143668" cy="3435531"/>
+            <a:ext cx="10143668" cy="4147845"/>
           </a:xfrm>
         </p:spPr>
         <p:txBody>
@@ -6860,7 +9920,7 @@
               <a:buChar char="•"/>
             </a:pPr>
             <a:r>
-              <a:rPr lang="en-US" dirty="0"/>
+              <a:rPr lang="en-US" sz="2000" dirty="0"/>
               <a:t>Introduction Of Graph</a:t>
             </a:r>
           </a:p>
@@ -6870,8 +9930,8 @@
               <a:buChar char="•"/>
             </a:pPr>
             <a:r>
-              <a:rPr lang="en-US" dirty="0"/>
-              <a:t>Types Of Graph</a:t>
+              <a:rPr lang="en-US" sz="2000" dirty="0"/>
+              <a:t>Difference between Tree and Graph Data Structure</a:t>
             </a:r>
           </a:p>
           <a:p>
@@ -6880,8 +9940,8 @@
               <a:buChar char="•"/>
             </a:pPr>
             <a:r>
-              <a:rPr lang="en-US" dirty="0"/>
-              <a:t>Terminologies Of Graph</a:t>
+              <a:rPr lang="en-US" sz="2000" dirty="0"/>
+              <a:t>Types Of Graph</a:t>
             </a:r>
           </a:p>
           <a:p>
@@ -6890,8 +9950,8 @@
               <a:buChar char="•"/>
             </a:pPr>
             <a:r>
-              <a:rPr lang="en-US" dirty="0"/>
-              <a:t>Graph Representation</a:t>
+              <a:rPr lang="en-US" sz="2000" dirty="0"/>
+              <a:t>Terminologies Of Graph</a:t>
             </a:r>
           </a:p>
           <a:p>
@@ -6900,8 +9960,8 @@
               <a:buChar char="•"/>
             </a:pPr>
             <a:r>
-              <a:rPr lang="en-US" dirty="0"/>
-              <a:t>Applications Of Graph</a:t>
+              <a:rPr lang="en-US" sz="2000" dirty="0"/>
+              <a:t>Graph Representation</a:t>
             </a:r>
           </a:p>
           <a:p>
@@ -6909,14 +9969,44 @@
               <a:buFont typeface="Arial" panose="020B0604020202020204" pitchFamily="34" charset="0"/>
               <a:buChar char="•"/>
             </a:pPr>
-            <a:endParaRPr lang="en-US" dirty="0"/>
+            <a:r>
+              <a:rPr lang="en-US" sz="2000" dirty="0"/>
+              <a:t>Graph Operations</a:t>
+            </a:r>
           </a:p>
           <a:p>
             <a:pPr marL="342900" indent="-228600" algn="l">
               <a:buFont typeface="Arial" panose="020B0604020202020204" pitchFamily="34" charset="0"/>
               <a:buChar char="•"/>
             </a:pPr>
-            <a:endParaRPr lang="en-US" dirty="0"/>
+            <a:r>
+              <a:rPr lang="en-US" sz="2000" dirty="0"/>
+              <a:t>Graph Algorithms</a:t>
+            </a:r>
+          </a:p>
+          <a:p>
+            <a:pPr marL="342900" indent="-228600" algn="l">
+              <a:buFont typeface="Arial" panose="020B0604020202020204" pitchFamily="34" charset="0"/>
+              <a:buChar char="•"/>
+            </a:pPr>
+            <a:r>
+              <a:rPr lang="en-US" sz="2000" dirty="0"/>
+              <a:t>Applications Of Graph</a:t>
+            </a:r>
+          </a:p>
+          <a:p>
+            <a:pPr marL="342900" indent="-228600" algn="l">
+              <a:buFont typeface="Arial" panose="020B0604020202020204" pitchFamily="34" charset="0"/>
+              <a:buChar char="•"/>
+            </a:pPr>
+            <a:endParaRPr lang="en-US" sz="2000" dirty="0"/>
+          </a:p>
+          <a:p>
+            <a:pPr marL="342900" indent="-228600" algn="l">
+              <a:buFont typeface="Arial" panose="020B0604020202020204" pitchFamily="34" charset="0"/>
+              <a:buChar char="•"/>
+            </a:pPr>
+            <a:endParaRPr lang="en-US" sz="2000" dirty="0"/>
           </a:p>
         </p:txBody>
       </p:sp>
@@ -7716,6 +10806,422 @@
       </p:grpSpPr>
       <p:sp useBgFill="1">
         <p:nvSpPr>
+          <p:cNvPr id="8" name="Rectangle 7">
+            <a:extLst>
+              <a:ext uri="{FF2B5EF4-FFF2-40B4-BE49-F238E27FC236}">
+                <a16:creationId xmlns:a16="http://schemas.microsoft.com/office/drawing/2014/main" id="{DBF61EA3-B236-439E-9C0B-340980D56BEE}"/>
+              </a:ext>
+              <a:ext uri="{C183D7F6-B498-43B3-948B-1728B52AA6E4}">
+                <adec:decorative xmlns:adec="http://schemas.microsoft.com/office/drawing/2017/decorative" val="1"/>
+              </a:ext>
+            </a:extLst>
+          </p:cNvPr>
+          <p:cNvSpPr>
+            <a:spLocks noGrp="1" noRot="1" noChangeAspect="1" noMove="1" noResize="1" noEditPoints="1" noAdjustHandles="1" noChangeArrowheads="1" noChangeShapeType="1" noTextEdit="1"/>
+          </p:cNvSpPr>
+          <p:nvPr>
+            <p:extLst>
+              <p:ext uri="{386F3935-93C4-4BCD-93E2-E3B085C9AB24}">
+                <p16:designElem xmlns:p16="http://schemas.microsoft.com/office/powerpoint/2015/main" val="1"/>
+              </p:ext>
+            </p:extLst>
+          </p:nvPr>
+        </p:nvSpPr>
+        <p:spPr>
+          <a:xfrm>
+            <a:off x="0" y="0"/>
+            <a:ext cx="12191999" cy="6857365"/>
+          </a:xfrm>
+          <a:prstGeom prst="rect">
+            <a:avLst/>
+          </a:prstGeom>
+          <a:ln>
+            <a:noFill/>
+          </a:ln>
+        </p:spPr>
+        <p:style>
+          <a:lnRef idx="2">
+            <a:schemeClr val="accent1">
+              <a:shade val="50000"/>
+            </a:schemeClr>
+          </a:lnRef>
+          <a:fillRef idx="1">
+            <a:schemeClr val="accent1"/>
+          </a:fillRef>
+          <a:effectRef idx="0">
+            <a:schemeClr val="accent1"/>
+          </a:effectRef>
+          <a:fontRef idx="minor">
+            <a:schemeClr val="lt1"/>
+          </a:fontRef>
+        </p:style>
+        <p:txBody>
+          <a:bodyPr rtlCol="0" anchor="ctr"/>
+          <a:lstStyle/>
+          <a:p>
+            <a:pPr algn="ctr"/>
+            <a:endParaRPr lang="en-US"/>
+          </a:p>
+        </p:txBody>
+      </p:sp>
+      <p:sp>
+        <p:nvSpPr>
+          <p:cNvPr id="2" name="Title 1">
+            <a:extLst>
+              <a:ext uri="{FF2B5EF4-FFF2-40B4-BE49-F238E27FC236}">
+                <a16:creationId xmlns:a16="http://schemas.microsoft.com/office/drawing/2014/main" id="{D533551F-EA59-AA4E-C0B2-021AA6FE5F09}"/>
+              </a:ext>
+            </a:extLst>
+          </p:cNvPr>
+          <p:cNvSpPr>
+            <a:spLocks noGrp="1"/>
+          </p:cNvSpPr>
+          <p:nvPr>
+            <p:ph type="title"/>
+          </p:nvPr>
+        </p:nvSpPr>
+        <p:spPr>
+          <a:xfrm>
+            <a:off x="808638" y="386930"/>
+            <a:ext cx="9236700" cy="1188950"/>
+          </a:xfrm>
+        </p:spPr>
+        <p:txBody>
+          <a:bodyPr anchor="b">
+            <a:normAutofit/>
+          </a:bodyPr>
+          <a:lstStyle/>
+          <a:p>
+            <a:r>
+              <a:rPr lang="en-GB" sz="4200"/>
+              <a:t>Difference between Tree and Graph DS</a:t>
+            </a:r>
+          </a:p>
+        </p:txBody>
+      </p:sp>
+      <p:grpSp>
+        <p:nvGrpSpPr>
+          <p:cNvPr id="10" name="Group 9">
+            <a:extLst>
+              <a:ext uri="{FF2B5EF4-FFF2-40B4-BE49-F238E27FC236}">
+                <a16:creationId xmlns:a16="http://schemas.microsoft.com/office/drawing/2014/main" id="{28FAF094-D087-493F-8DF9-A486C2D6BBAA}"/>
+              </a:ext>
+              <a:ext uri="{C183D7F6-B498-43B3-948B-1728B52AA6E4}">
+                <adec:decorative xmlns:adec="http://schemas.microsoft.com/office/drawing/2017/decorative" val="1"/>
+              </a:ext>
+            </a:extLst>
+          </p:cNvPr>
+          <p:cNvGrpSpPr>
+            <a:grpSpLocks noGrp="1" noUngrp="1" noRot="1" noChangeAspect="1" noMove="1" noResize="1"/>
+          </p:cNvGrpSpPr>
+          <p:nvPr>
+            <p:extLst>
+              <p:ext uri="{386F3935-93C4-4BCD-93E2-E3B085C9AB24}">
+                <p16:designElem xmlns:p16="http://schemas.microsoft.com/office/powerpoint/2015/main" val="1"/>
+              </p:ext>
+            </p:extLst>
+          </p:nvPr>
+        </p:nvGrpSpPr>
+        <p:grpSpPr>
+          <a:xfrm>
+            <a:off x="-2" y="1998368"/>
+            <a:ext cx="11695083" cy="782176"/>
+            <a:chOff x="-2" y="1998368"/>
+            <a:chExt cx="11695083" cy="782176"/>
+          </a:xfrm>
+        </p:grpSpPr>
+        <p:sp>
+          <p:nvSpPr>
+            <p:cNvPr id="11" name="Rectangle 10">
+              <a:extLst>
+                <a:ext uri="{FF2B5EF4-FFF2-40B4-BE49-F238E27FC236}">
+                  <a16:creationId xmlns:a16="http://schemas.microsoft.com/office/drawing/2014/main" id="{8D7C88D8-5509-4514-925A-9CE148E5CBD6}"/>
+                </a:ext>
+                <a:ext uri="{C183D7F6-B498-43B3-948B-1728B52AA6E4}">
+                  <adec:decorative xmlns:adec="http://schemas.microsoft.com/office/drawing/2017/decorative" val="1"/>
+                </a:ext>
+              </a:extLst>
+            </p:cNvPr>
+            <p:cNvSpPr/>
+            <p:nvPr>
+              <p:extLst>
+                <p:ext uri="{386F3935-93C4-4BCD-93E2-E3B085C9AB24}">
+                  <p16:designElem xmlns:p16="http://schemas.microsoft.com/office/powerpoint/2015/main" val="1"/>
+                </p:ext>
+              </p:extLst>
+            </p:nvPr>
+          </p:nvSpPr>
+          <p:spPr>
+            <a:xfrm rot="5400000">
+              <a:off x="11228040" y="2313027"/>
+              <a:ext cx="781700" cy="152382"/>
+            </a:xfrm>
+            <a:prstGeom prst="rect">
+              <a:avLst/>
+            </a:prstGeom>
+            <a:solidFill>
+              <a:schemeClr val="accent4"/>
+            </a:solidFill>
+            <a:ln>
+              <a:noFill/>
+            </a:ln>
+          </p:spPr>
+          <p:style>
+            <a:lnRef idx="2">
+              <a:schemeClr val="accent1">
+                <a:shade val="50000"/>
+              </a:schemeClr>
+            </a:lnRef>
+            <a:fillRef idx="1">
+              <a:schemeClr val="accent1"/>
+            </a:fillRef>
+            <a:effectRef idx="0">
+              <a:schemeClr val="accent1"/>
+            </a:effectRef>
+            <a:fontRef idx="minor">
+              <a:schemeClr val="lt1"/>
+            </a:fontRef>
+          </p:style>
+          <p:txBody>
+            <a:bodyPr rtlCol="0" anchor="ctr"/>
+            <a:lstStyle/>
+            <a:p>
+              <a:pPr algn="ctr"/>
+              <a:endParaRPr lang="en-US"/>
+            </a:p>
+          </p:txBody>
+        </p:sp>
+        <p:sp>
+          <p:nvSpPr>
+            <p:cNvPr id="12" name="Rectangle 11">
+              <a:extLst>
+                <a:ext uri="{FF2B5EF4-FFF2-40B4-BE49-F238E27FC236}">
+                  <a16:creationId xmlns:a16="http://schemas.microsoft.com/office/drawing/2014/main" id="{7275593D-F75E-4426-AE3E-2CDEFD228D25}"/>
+                </a:ext>
+                <a:ext uri="{C183D7F6-B498-43B3-948B-1728B52AA6E4}">
+                  <adec:decorative xmlns:adec="http://schemas.microsoft.com/office/drawing/2017/decorative" val="1"/>
+                </a:ext>
+              </a:extLst>
+            </p:cNvPr>
+            <p:cNvSpPr/>
+            <p:nvPr>
+              <p:extLst>
+                <p:ext uri="{386F3935-93C4-4BCD-93E2-E3B085C9AB24}">
+                  <p16:designElem xmlns:p16="http://schemas.microsoft.com/office/powerpoint/2015/main" val="1"/>
+                </p:ext>
+              </p:extLst>
+            </p:nvPr>
+          </p:nvSpPr>
+          <p:spPr>
+            <a:xfrm flipH="1" flipV="1">
+              <a:off x="-2" y="1998845"/>
+              <a:ext cx="11454595" cy="781699"/>
+            </a:xfrm>
+            <a:prstGeom prst="rect">
+              <a:avLst/>
+            </a:prstGeom>
+            <a:solidFill>
+              <a:schemeClr val="accent4"/>
+            </a:solidFill>
+            <a:ln>
+              <a:noFill/>
+            </a:ln>
+          </p:spPr>
+          <p:style>
+            <a:lnRef idx="2">
+              <a:schemeClr val="accent1">
+                <a:shade val="50000"/>
+              </a:schemeClr>
+            </a:lnRef>
+            <a:fillRef idx="1">
+              <a:schemeClr val="accent1"/>
+            </a:fillRef>
+            <a:effectRef idx="0">
+              <a:schemeClr val="accent1"/>
+            </a:effectRef>
+            <a:fontRef idx="minor">
+              <a:schemeClr val="lt1"/>
+            </a:fontRef>
+          </p:style>
+          <p:txBody>
+            <a:bodyPr rtlCol="0" anchor="ctr"/>
+            <a:lstStyle/>
+            <a:p>
+              <a:pPr algn="ctr"/>
+              <a:endParaRPr lang="en-US"/>
+            </a:p>
+          </p:txBody>
+        </p:sp>
+      </p:grpSp>
+      <p:sp>
+        <p:nvSpPr>
+          <p:cNvPr id="14" name="Rectangle 13">
+            <a:extLst>
+              <a:ext uri="{FF2B5EF4-FFF2-40B4-BE49-F238E27FC236}">
+                <a16:creationId xmlns:a16="http://schemas.microsoft.com/office/drawing/2014/main" id="{E659831F-0D9A-4C63-9EBB-8435B85A440F}"/>
+              </a:ext>
+              <a:ext uri="{C183D7F6-B498-43B3-948B-1728B52AA6E4}">
+                <adec:decorative xmlns:adec="http://schemas.microsoft.com/office/drawing/2017/decorative" val="1"/>
+              </a:ext>
+            </a:extLst>
+          </p:cNvPr>
+          <p:cNvSpPr>
+            <a:spLocks noGrp="1" noRot="1" noChangeAspect="1" noMove="1" noResize="1" noEditPoints="1" noAdjustHandles="1" noChangeArrowheads="1" noChangeShapeType="1" noTextEdit="1"/>
+          </p:cNvSpPr>
+          <p:nvPr>
+            <p:extLst>
+              <p:ext uri="{386F3935-93C4-4BCD-93E2-E3B085C9AB24}">
+                <p16:designElem xmlns:p16="http://schemas.microsoft.com/office/powerpoint/2015/main" val="1"/>
+              </p:ext>
+            </p:extLst>
+          </p:nvPr>
+        </p:nvSpPr>
+        <p:spPr>
+          <a:xfrm>
+            <a:off x="0" y="2203079"/>
+            <a:ext cx="11383362" cy="4147845"/>
+          </a:xfrm>
+          <a:prstGeom prst="rect">
+            <a:avLst/>
+          </a:prstGeom>
+          <a:solidFill>
+            <a:schemeClr val="bg1"/>
+          </a:solidFill>
+          <a:ln>
+            <a:noFill/>
+          </a:ln>
+          <a:effectLst>
+            <a:outerShdw blurRad="139700" dist="127000" dir="5400000" algn="t" rotWithShape="0">
+              <a:prstClr val="black">
+                <a:alpha val="15000"/>
+              </a:prstClr>
+            </a:outerShdw>
+          </a:effectLst>
+        </p:spPr>
+        <p:style>
+          <a:lnRef idx="2">
+            <a:schemeClr val="accent1">
+              <a:shade val="50000"/>
+            </a:schemeClr>
+          </a:lnRef>
+          <a:fillRef idx="1">
+            <a:schemeClr val="accent1"/>
+          </a:fillRef>
+          <a:effectRef idx="0">
+            <a:schemeClr val="accent1"/>
+          </a:effectRef>
+          <a:fontRef idx="minor">
+            <a:schemeClr val="lt1"/>
+          </a:fontRef>
+        </p:style>
+        <p:txBody>
+          <a:bodyPr rtlCol="0" anchor="ctr"/>
+          <a:lstStyle/>
+          <a:p>
+            <a:pPr algn="ctr"/>
+            <a:endParaRPr lang="en-US"/>
+          </a:p>
+        </p:txBody>
+      </p:sp>
+      <p:sp>
+        <p:nvSpPr>
+          <p:cNvPr id="3" name="Content Placeholder 2">
+            <a:extLst>
+              <a:ext uri="{FF2B5EF4-FFF2-40B4-BE49-F238E27FC236}">
+                <a16:creationId xmlns:a16="http://schemas.microsoft.com/office/drawing/2014/main" id="{43B2346F-AEF1-4AFD-C59B-FCF22B05062B}"/>
+              </a:ext>
+            </a:extLst>
+          </p:cNvPr>
+          <p:cNvSpPr>
+            <a:spLocks noGrp="1"/>
+          </p:cNvSpPr>
+          <p:nvPr>
+            <p:ph idx="1"/>
+          </p:nvPr>
+        </p:nvSpPr>
+        <p:spPr>
+          <a:xfrm>
+            <a:off x="793660" y="2599509"/>
+            <a:ext cx="10143668" cy="3435531"/>
+          </a:xfrm>
+        </p:spPr>
+        <p:txBody>
+          <a:bodyPr anchor="ctr">
+            <a:normAutofit/>
+          </a:bodyPr>
+          <a:lstStyle/>
+          <a:p>
+            <a:r>
+              <a:rPr lang="en-GB" sz="2400"/>
+              <a:t>All tree are graph but all graph not tree.</a:t>
+            </a:r>
+          </a:p>
+          <a:p>
+            <a:r>
+              <a:rPr lang="en-GB" sz="2400"/>
+              <a:t>Dssfdfasdfdsaf</a:t>
+            </a:r>
+          </a:p>
+          <a:p>
+            <a:r>
+              <a:rPr lang="en-GB" sz="2400"/>
+              <a:t>Dsfsdfsdf</a:t>
+            </a:r>
+          </a:p>
+          <a:p>
+            <a:r>
+              <a:rPr lang="en-GB" sz="2400"/>
+              <a:t>Asdffffffffffffffffffffffffffffffffffffffffffffffffffffffffffffffffffffffffffffffffffffffffffffff</a:t>
+            </a:r>
+          </a:p>
+          <a:p>
+            <a:r>
+              <a:rPr lang="en-GB" sz="2400"/>
+              <a:t>asdfffffffffffffffffffffffffffffffffffffffffffffffffffffffffffffffffff</a:t>
+            </a:r>
+          </a:p>
+        </p:txBody>
+      </p:sp>
+    </p:spTree>
+    <p:extLst>
+      <p:ext uri="{BB962C8B-B14F-4D97-AF65-F5344CB8AC3E}">
+        <p14:creationId xmlns:p14="http://schemas.microsoft.com/office/powerpoint/2010/main" val="6019546"/>
+      </p:ext>
+    </p:extLst>
+  </p:cSld>
+  <p:clrMapOvr>
+    <a:masterClrMapping/>
+  </p:clrMapOvr>
+</p:sld>
+</file>
+
+<file path=ppt/slides/slide5.xml><?xml version="1.0" encoding="utf-8"?>
+<p:sld xmlns:a="http://schemas.openxmlformats.org/drawingml/2006/main" xmlns:r="http://schemas.openxmlformats.org/officeDocument/2006/relationships" xmlns:p="http://schemas.openxmlformats.org/presentationml/2006/main">
+  <p:cSld>
+    <p:bg>
+      <p:bgPr>
+        <a:solidFill>
+          <a:schemeClr val="bg1"/>
+        </a:solidFill>
+        <a:effectLst/>
+      </p:bgPr>
+    </p:bg>
+    <p:spTree>
+      <p:nvGrpSpPr>
+        <p:cNvPr id="1" name=""/>
+        <p:cNvGrpSpPr/>
+        <p:nvPr/>
+      </p:nvGrpSpPr>
+      <p:grpSpPr>
+        <a:xfrm>
+          <a:off x="0" y="0"/>
+          <a:ext cx="0" cy="0"/>
+          <a:chOff x="0" y="0"/>
+          <a:chExt cx="0" cy="0"/>
+        </a:xfrm>
+      </p:grpSpPr>
+      <p:sp useBgFill="1">
+        <p:nvSpPr>
           <p:cNvPr id="2055" name="Rectangle 2054">
             <a:extLst>
               <a:ext uri="{FF2B5EF4-FFF2-40B4-BE49-F238E27FC236}">
@@ -8280,7 +11786,7 @@
 </p:sld>
 </file>
 
-<file path=ppt/slides/slide5.xml><?xml version="1.0" encoding="utf-8"?>
+<file path=ppt/slides/slide6.xml><?xml version="1.0" encoding="utf-8"?>
 <p:sld xmlns:a="http://schemas.openxmlformats.org/drawingml/2006/main" xmlns:r="http://schemas.openxmlformats.org/officeDocument/2006/relationships" xmlns:p="http://schemas.openxmlformats.org/presentationml/2006/main">
   <p:cSld>
     <p:bg>
@@ -8806,7 +12312,7 @@
 </p:sld>
 </file>
 
-<file path=ppt/slides/slide6.xml><?xml version="1.0" encoding="utf-8"?>
+<file path=ppt/slides/slide7.xml><?xml version="1.0" encoding="utf-8"?>
 <p:sld xmlns:a="http://schemas.openxmlformats.org/drawingml/2006/main" xmlns:r="http://schemas.openxmlformats.org/officeDocument/2006/relationships" xmlns:p="http://schemas.openxmlformats.org/presentationml/2006/main">
   <p:cSld>
     <p:bg>
@@ -9300,7 +12806,7 @@
             </a:r>
             <a:r>
               <a:rPr lang="en-GB" sz="1600" dirty="0"/>
-              <a:t>A cyclic graph contains at least one cycle, which is a path that starts and ends at the same node..</a:t>
+              <a:t>A cyclic graph contains at least one cycle, which is a path that starts and ends at the same node.</a:t>
             </a:r>
           </a:p>
           <a:p>
@@ -9524,7 +13030,7 @@
 </p:sld>
 </file>
 
-<file path=ppt/slides/slide7.xml><?xml version="1.0" encoding="utf-8"?>
+<file path=ppt/slides/slide8.xml><?xml version="1.0" encoding="utf-8"?>
 <p:sld xmlns:a="http://schemas.openxmlformats.org/drawingml/2006/main" xmlns:r="http://schemas.openxmlformats.org/officeDocument/2006/relationships" xmlns:p="http://schemas.openxmlformats.org/presentationml/2006/main">
   <p:cSld>
     <p:bg>
@@ -10167,7 +13673,7 @@
 </p:sld>
 </file>
 
-<file path=ppt/slides/slide8.xml><?xml version="1.0" encoding="utf-8"?>
+<file path=ppt/slides/slide9.xml><?xml version="1.0" encoding="utf-8"?>
 <p:sld xmlns:a="http://schemas.openxmlformats.org/drawingml/2006/main" xmlns:r="http://schemas.openxmlformats.org/officeDocument/2006/relationships" xmlns:p="http://schemas.openxmlformats.org/presentationml/2006/main">
   <p:cSld>
     <p:bg>
@@ -10604,725 +14110,6 @@
     <p:extLst>
       <p:ext uri="{BB962C8B-B14F-4D97-AF65-F5344CB8AC3E}">
         <p14:creationId xmlns:p14="http://schemas.microsoft.com/office/powerpoint/2010/main" val="2752980026"/>
-      </p:ext>
-    </p:extLst>
-  </p:cSld>
-  <p:clrMapOvr>
-    <a:masterClrMapping/>
-  </p:clrMapOvr>
-</p:sld>
-</file>
-
-<file path=ppt/slides/slide9.xml><?xml version="1.0" encoding="utf-8"?>
-<p:sld xmlns:a="http://schemas.openxmlformats.org/drawingml/2006/main" xmlns:r="http://schemas.openxmlformats.org/officeDocument/2006/relationships" xmlns:p="http://schemas.openxmlformats.org/presentationml/2006/main">
-  <p:cSld>
-    <p:bg>
-      <p:bgPr>
-        <a:solidFill>
-          <a:schemeClr val="bg1"/>
-        </a:solidFill>
-        <a:effectLst/>
-      </p:bgPr>
-    </p:bg>
-    <p:spTree>
-      <p:nvGrpSpPr>
-        <p:cNvPr id="1" name=""/>
-        <p:cNvGrpSpPr/>
-        <p:nvPr/>
-      </p:nvGrpSpPr>
-      <p:grpSpPr>
-        <a:xfrm>
-          <a:off x="0" y="0"/>
-          <a:ext cx="0" cy="0"/>
-          <a:chOff x="0" y="0"/>
-          <a:chExt cx="0" cy="0"/>
-        </a:xfrm>
-      </p:grpSpPr>
-      <p:sp useBgFill="1">
-        <p:nvSpPr>
-          <p:cNvPr id="2055" name="Rectangle 2054">
-            <a:extLst>
-              <a:ext uri="{FF2B5EF4-FFF2-40B4-BE49-F238E27FC236}">
-                <a16:creationId xmlns:a16="http://schemas.microsoft.com/office/drawing/2014/main" id="{5DCB5928-DC7D-4612-9922-441966E15627}"/>
-              </a:ext>
-              <a:ext uri="{C183D7F6-B498-43B3-948B-1728B52AA6E4}">
-                <adec:decorative xmlns:adec="http://schemas.microsoft.com/office/drawing/2017/decorative" val="1"/>
-              </a:ext>
-            </a:extLst>
-          </p:cNvPr>
-          <p:cNvSpPr>
-            <a:spLocks noGrp="1" noRot="1" noChangeAspect="1" noMove="1" noResize="1" noEditPoints="1" noAdjustHandles="1" noChangeArrowheads="1" noChangeShapeType="1" noTextEdit="1"/>
-          </p:cNvSpPr>
-          <p:nvPr>
-            <p:extLst>
-              <p:ext uri="{386F3935-93C4-4BCD-93E2-E3B085C9AB24}">
-                <p16:designElem xmlns:p16="http://schemas.microsoft.com/office/powerpoint/2015/main" val="1"/>
-              </p:ext>
-            </p:extLst>
-          </p:nvPr>
-        </p:nvSpPr>
-        <p:spPr>
-          <a:xfrm>
-            <a:off x="0" y="0"/>
-            <a:ext cx="12192000" cy="6858000"/>
-          </a:xfrm>
-          <a:prstGeom prst="rect">
-            <a:avLst/>
-          </a:prstGeom>
-          <a:ln>
-            <a:noFill/>
-          </a:ln>
-        </p:spPr>
-        <p:style>
-          <a:lnRef idx="2">
-            <a:schemeClr val="accent1">
-              <a:shade val="50000"/>
-            </a:schemeClr>
-          </a:lnRef>
-          <a:fillRef idx="1">
-            <a:schemeClr val="accent1"/>
-          </a:fillRef>
-          <a:effectRef idx="0">
-            <a:schemeClr val="accent1"/>
-          </a:effectRef>
-          <a:fontRef idx="minor">
-            <a:schemeClr val="lt1"/>
-          </a:fontRef>
-        </p:style>
-        <p:txBody>
-          <a:bodyPr rtlCol="0" anchor="ctr"/>
-          <a:lstStyle/>
-          <a:p>
-            <a:pPr algn="ctr"/>
-            <a:endParaRPr lang="en-US"/>
-          </a:p>
-        </p:txBody>
-      </p:sp>
-      <p:sp useBgFill="1">
-        <p:nvSpPr>
-          <p:cNvPr id="2057" name="Freeform: Shape 2056">
-            <a:extLst>
-              <a:ext uri="{FF2B5EF4-FFF2-40B4-BE49-F238E27FC236}">
-                <a16:creationId xmlns:a16="http://schemas.microsoft.com/office/drawing/2014/main" id="{682C1161-1736-45EC-99B7-33F3CAE9D517}"/>
-              </a:ext>
-              <a:ext uri="{C183D7F6-B498-43B3-948B-1728B52AA6E4}">
-                <adec:decorative xmlns:adec="http://schemas.microsoft.com/office/drawing/2017/decorative" val="1"/>
-              </a:ext>
-            </a:extLst>
-          </p:cNvPr>
-          <p:cNvSpPr>
-            <a:spLocks noGrp="1" noRot="1" noChangeAspect="1" noMove="1" noResize="1" noEditPoints="1" noAdjustHandles="1" noChangeArrowheads="1" noChangeShapeType="1" noTextEdit="1"/>
-          </p:cNvSpPr>
-          <p:nvPr>
-            <p:extLst>
-              <p:ext uri="{386F3935-93C4-4BCD-93E2-E3B085C9AB24}">
-                <p16:designElem xmlns:p16="http://schemas.microsoft.com/office/powerpoint/2015/main" val="1"/>
-              </p:ext>
-            </p:extLst>
-          </p:nvPr>
-        </p:nvSpPr>
-        <p:spPr>
-          <a:xfrm>
-            <a:off x="0" y="0"/>
-            <a:ext cx="4959047" cy="6858000"/>
-          </a:xfrm>
-          <a:custGeom>
-            <a:avLst/>
-            <a:gdLst>
-              <a:gd name="connsiteX0" fmla="*/ 0 w 4959047"/>
-              <a:gd name="connsiteY0" fmla="*/ 0 h 6858000"/>
-              <a:gd name="connsiteX1" fmla="*/ 4110127 w 4959047"/>
-              <a:gd name="connsiteY1" fmla="*/ 0 h 6858000"/>
-              <a:gd name="connsiteX2" fmla="*/ 4179024 w 4959047"/>
-              <a:gd name="connsiteY2" fmla="*/ 123368 h 6858000"/>
-              <a:gd name="connsiteX3" fmla="*/ 4959047 w 4959047"/>
-              <a:gd name="connsiteY3" fmla="*/ 3429000 h 6858000"/>
-              <a:gd name="connsiteX4" fmla="*/ 4179024 w 4959047"/>
-              <a:gd name="connsiteY4" fmla="*/ 6734633 h 6858000"/>
-              <a:gd name="connsiteX5" fmla="*/ 4110127 w 4959047"/>
-              <a:gd name="connsiteY5" fmla="*/ 6858000 h 6858000"/>
-              <a:gd name="connsiteX6" fmla="*/ 0 w 4959047"/>
-              <a:gd name="connsiteY6" fmla="*/ 6858000 h 6858000"/>
-            </a:gdLst>
-            <a:ahLst/>
-            <a:cxnLst>
-              <a:cxn ang="0">
-                <a:pos x="connsiteX0" y="connsiteY0"/>
-              </a:cxn>
-              <a:cxn ang="0">
-                <a:pos x="connsiteX1" y="connsiteY1"/>
-              </a:cxn>
-              <a:cxn ang="0">
-                <a:pos x="connsiteX2" y="connsiteY2"/>
-              </a:cxn>
-              <a:cxn ang="0">
-                <a:pos x="connsiteX3" y="connsiteY3"/>
-              </a:cxn>
-              <a:cxn ang="0">
-                <a:pos x="connsiteX4" y="connsiteY4"/>
-              </a:cxn>
-              <a:cxn ang="0">
-                <a:pos x="connsiteX5" y="connsiteY5"/>
-              </a:cxn>
-              <a:cxn ang="0">
-                <a:pos x="connsiteX6" y="connsiteY6"/>
-              </a:cxn>
-            </a:cxnLst>
-            <a:rect l="l" t="t" r="r" b="b"/>
-            <a:pathLst>
-              <a:path w="4959047" h="6858000">
-                <a:moveTo>
-                  <a:pt x="0" y="0"/>
-                </a:moveTo>
-                <a:lnTo>
-                  <a:pt x="4110127" y="0"/>
-                </a:lnTo>
-                <a:lnTo>
-                  <a:pt x="4179024" y="123368"/>
-                </a:lnTo>
-                <a:cubicBezTo>
-                  <a:pt x="4668929" y="1045156"/>
-                  <a:pt x="4959047" y="2189404"/>
-                  <a:pt x="4959047" y="3429000"/>
-                </a:cubicBezTo>
-                <a:cubicBezTo>
-                  <a:pt x="4959047" y="4668597"/>
-                  <a:pt x="4668929" y="5812845"/>
-                  <a:pt x="4179024" y="6734633"/>
-                </a:cubicBezTo>
-                <a:lnTo>
-                  <a:pt x="4110127" y="6858000"/>
-                </a:lnTo>
-                <a:lnTo>
-                  <a:pt x="0" y="6858000"/>
-                </a:lnTo>
-                <a:close/>
-              </a:path>
-            </a:pathLst>
-          </a:custGeom>
-          <a:ln w="9525">
-            <a:solidFill>
-              <a:srgbClr val="E6E6E6"/>
-            </a:solidFill>
-          </a:ln>
-          <a:effectLst>
-            <a:outerShdw blurRad="76200" dist="38100" algn="l" rotWithShape="0">
-              <a:schemeClr val="bg1">
-                <a:lumMod val="85000"/>
-                <a:alpha val="50000"/>
-              </a:schemeClr>
-            </a:outerShdw>
-          </a:effectLst>
-        </p:spPr>
-        <p:style>
-          <a:lnRef idx="2">
-            <a:schemeClr val="accent1">
-              <a:shade val="50000"/>
-            </a:schemeClr>
-          </a:lnRef>
-          <a:fillRef idx="1">
-            <a:schemeClr val="accent1"/>
-          </a:fillRef>
-          <a:effectRef idx="0">
-            <a:schemeClr val="accent1"/>
-          </a:effectRef>
-          <a:fontRef idx="minor">
-            <a:schemeClr val="lt1"/>
-          </a:fontRef>
-        </p:style>
-        <p:txBody>
-          <a:bodyPr wrap="square" rtlCol="0" anchor="ctr">
-            <a:noAutofit/>
-          </a:bodyPr>
-          <a:lstStyle/>
-          <a:p>
-            <a:pPr marL="0" marR="0" lvl="0" indent="0" algn="ctr" defTabSz="914400" rtl="0" eaLnBrk="1" fontAlgn="auto" latinLnBrk="0" hangingPunct="1">
-              <a:lnSpc>
-                <a:spcPct val="100000"/>
-              </a:lnSpc>
-              <a:spcBef>
-                <a:spcPts val="0"/>
-              </a:spcBef>
-              <a:spcAft>
-                <a:spcPts val="0"/>
-              </a:spcAft>
-              <a:buClrTx/>
-              <a:buSzTx/>
-              <a:buFontTx/>
-              <a:buNone/>
-              <a:tabLst/>
-              <a:defRPr/>
-            </a:pPr>
-            <a:endParaRPr kumimoji="0" lang="en-US" sz="1800" b="0" i="0" u="none" strike="noStrike" kern="1200" cap="none" spc="0" normalizeH="0" baseline="0" noProof="0">
-              <a:ln>
-                <a:noFill/>
-              </a:ln>
-              <a:solidFill>
-                <a:prstClr val="white"/>
-              </a:solidFill>
-              <a:effectLst/>
-              <a:uLnTx/>
-              <a:uFillTx/>
-              <a:latin typeface="Calibri" panose="020F0502020204030204"/>
-              <a:ea typeface="+mn-ea"/>
-              <a:cs typeface="+mn-cs"/>
-            </a:endParaRPr>
-          </a:p>
-        </p:txBody>
-      </p:sp>
-      <p:sp useBgFill="1">
-        <p:nvSpPr>
-          <p:cNvPr id="2059" name="Freeform: Shape 2058">
-            <a:extLst>
-              <a:ext uri="{FF2B5EF4-FFF2-40B4-BE49-F238E27FC236}">
-                <a16:creationId xmlns:a16="http://schemas.microsoft.com/office/drawing/2014/main" id="{84D4DDB8-B68F-45B0-9F62-C4279996F672}"/>
-              </a:ext>
-              <a:ext uri="{C183D7F6-B498-43B3-948B-1728B52AA6E4}">
-                <adec:decorative xmlns:adec="http://schemas.microsoft.com/office/drawing/2017/decorative" val="1"/>
-              </a:ext>
-            </a:extLst>
-          </p:cNvPr>
-          <p:cNvSpPr>
-            <a:spLocks noGrp="1" noRot="1" noChangeAspect="1" noMove="1" noResize="1" noEditPoints="1" noAdjustHandles="1" noChangeArrowheads="1" noChangeShapeType="1" noTextEdit="1"/>
-          </p:cNvSpPr>
-          <p:nvPr>
-            <p:extLst>
-              <p:ext uri="{386F3935-93C4-4BCD-93E2-E3B085C9AB24}">
-                <p16:designElem xmlns:p16="http://schemas.microsoft.com/office/powerpoint/2015/main" val="1"/>
-              </p:ext>
-            </p:extLst>
-          </p:nvPr>
-        </p:nvSpPr>
-        <p:spPr>
-          <a:xfrm>
-            <a:off x="0" y="0"/>
-            <a:ext cx="4948887" cy="6858000"/>
-          </a:xfrm>
-          <a:custGeom>
-            <a:avLst/>
-            <a:gdLst>
-              <a:gd name="connsiteX0" fmla="*/ 0 w 4948887"/>
-              <a:gd name="connsiteY0" fmla="*/ 0 h 6858000"/>
-              <a:gd name="connsiteX1" fmla="*/ 4099967 w 4948887"/>
-              <a:gd name="connsiteY1" fmla="*/ 0 h 6858000"/>
-              <a:gd name="connsiteX2" fmla="*/ 4168864 w 4948887"/>
-              <a:gd name="connsiteY2" fmla="*/ 123368 h 6858000"/>
-              <a:gd name="connsiteX3" fmla="*/ 4948887 w 4948887"/>
-              <a:gd name="connsiteY3" fmla="*/ 3429000 h 6858000"/>
-              <a:gd name="connsiteX4" fmla="*/ 4168864 w 4948887"/>
-              <a:gd name="connsiteY4" fmla="*/ 6734633 h 6858000"/>
-              <a:gd name="connsiteX5" fmla="*/ 4099967 w 4948887"/>
-              <a:gd name="connsiteY5" fmla="*/ 6858000 h 6858000"/>
-              <a:gd name="connsiteX6" fmla="*/ 0 w 4948887"/>
-              <a:gd name="connsiteY6" fmla="*/ 6858000 h 6858000"/>
-            </a:gdLst>
-            <a:ahLst/>
-            <a:cxnLst>
-              <a:cxn ang="0">
-                <a:pos x="connsiteX0" y="connsiteY0"/>
-              </a:cxn>
-              <a:cxn ang="0">
-                <a:pos x="connsiteX1" y="connsiteY1"/>
-              </a:cxn>
-              <a:cxn ang="0">
-                <a:pos x="connsiteX2" y="connsiteY2"/>
-              </a:cxn>
-              <a:cxn ang="0">
-                <a:pos x="connsiteX3" y="connsiteY3"/>
-              </a:cxn>
-              <a:cxn ang="0">
-                <a:pos x="connsiteX4" y="connsiteY4"/>
-              </a:cxn>
-              <a:cxn ang="0">
-                <a:pos x="connsiteX5" y="connsiteY5"/>
-              </a:cxn>
-              <a:cxn ang="0">
-                <a:pos x="connsiteX6" y="connsiteY6"/>
-              </a:cxn>
-            </a:cxnLst>
-            <a:rect l="l" t="t" r="r" b="b"/>
-            <a:pathLst>
-              <a:path w="4948887" h="6858000">
-                <a:moveTo>
-                  <a:pt x="0" y="0"/>
-                </a:moveTo>
-                <a:lnTo>
-                  <a:pt x="4099967" y="0"/>
-                </a:lnTo>
-                <a:lnTo>
-                  <a:pt x="4168864" y="123368"/>
-                </a:lnTo>
-                <a:cubicBezTo>
-                  <a:pt x="4658769" y="1045156"/>
-                  <a:pt x="4948887" y="2189404"/>
-                  <a:pt x="4948887" y="3429000"/>
-                </a:cubicBezTo>
-                <a:cubicBezTo>
-                  <a:pt x="4948887" y="4668597"/>
-                  <a:pt x="4658769" y="5812845"/>
-                  <a:pt x="4168864" y="6734633"/>
-                </a:cubicBezTo>
-                <a:lnTo>
-                  <a:pt x="4099967" y="6858000"/>
-                </a:lnTo>
-                <a:lnTo>
-                  <a:pt x="0" y="6858000"/>
-                </a:lnTo>
-                <a:close/>
-              </a:path>
-            </a:pathLst>
-          </a:custGeom>
-          <a:ln w="9525">
-            <a:noFill/>
-          </a:ln>
-          <a:effectLst/>
-        </p:spPr>
-        <p:style>
-          <a:lnRef idx="2">
-            <a:schemeClr val="accent1">
-              <a:shade val="50000"/>
-            </a:schemeClr>
-          </a:lnRef>
-          <a:fillRef idx="1">
-            <a:schemeClr val="accent1"/>
-          </a:fillRef>
-          <a:effectRef idx="0">
-            <a:schemeClr val="accent1"/>
-          </a:effectRef>
-          <a:fontRef idx="minor">
-            <a:schemeClr val="lt1"/>
-          </a:fontRef>
-        </p:style>
-        <p:txBody>
-          <a:bodyPr wrap="square" rtlCol="0" anchor="ctr">
-            <a:noAutofit/>
-          </a:bodyPr>
-          <a:lstStyle/>
-          <a:p>
-            <a:pPr marL="0" marR="0" lvl="0" indent="0" algn="ctr" defTabSz="914400" rtl="0" eaLnBrk="1" fontAlgn="auto" latinLnBrk="0" hangingPunct="1">
-              <a:lnSpc>
-                <a:spcPct val="100000"/>
-              </a:lnSpc>
-              <a:spcBef>
-                <a:spcPts val="0"/>
-              </a:spcBef>
-              <a:spcAft>
-                <a:spcPts val="0"/>
-              </a:spcAft>
-              <a:buClrTx/>
-              <a:buSzTx/>
-              <a:buFontTx/>
-              <a:buNone/>
-              <a:tabLst/>
-              <a:defRPr/>
-            </a:pPr>
-            <a:endParaRPr kumimoji="0" lang="en-US" sz="1800" b="0" i="0" u="none" strike="noStrike" kern="1200" cap="none" spc="0" normalizeH="0" baseline="0" noProof="0">
-              <a:ln>
-                <a:noFill/>
-              </a:ln>
-              <a:solidFill>
-                <a:prstClr val="white"/>
-              </a:solidFill>
-              <a:effectLst/>
-              <a:uLnTx/>
-              <a:uFillTx/>
-              <a:latin typeface="Calibri" panose="020F0502020204030204"/>
-              <a:ea typeface="+mn-ea"/>
-              <a:cs typeface="+mn-cs"/>
-            </a:endParaRPr>
-          </a:p>
-        </p:txBody>
-      </p:sp>
-      <p:sp>
-        <p:nvSpPr>
-          <p:cNvPr id="2" name="Title 1">
-            <a:extLst>
-              <a:ext uri="{FF2B5EF4-FFF2-40B4-BE49-F238E27FC236}">
-                <a16:creationId xmlns:a16="http://schemas.microsoft.com/office/drawing/2014/main" id="{61DDA2E0-1EDC-4437-8213-1C7EDD22A259}"/>
-              </a:ext>
-            </a:extLst>
-          </p:cNvPr>
-          <p:cNvSpPr>
-            <a:spLocks noGrp="1"/>
-          </p:cNvSpPr>
-          <p:nvPr>
-            <p:ph type="ctrTitle"/>
-          </p:nvPr>
-        </p:nvSpPr>
-        <p:spPr>
-          <a:xfrm>
-            <a:off x="477981" y="1122363"/>
-            <a:ext cx="4023360" cy="3204134"/>
-          </a:xfrm>
-        </p:spPr>
-        <p:txBody>
-          <a:bodyPr anchor="b">
-            <a:normAutofit/>
-          </a:bodyPr>
-          <a:lstStyle/>
-          <a:p>
-            <a:pPr algn="l"/>
-            <a:r>
-              <a:rPr lang="en-GB" sz="4800" b="1"/>
-              <a:t>Graph Representation</a:t>
-            </a:r>
-          </a:p>
-        </p:txBody>
-      </p:sp>
-      <p:sp>
-        <p:nvSpPr>
-          <p:cNvPr id="3" name="Subtitle 2">
-            <a:extLst>
-              <a:ext uri="{FF2B5EF4-FFF2-40B4-BE49-F238E27FC236}">
-                <a16:creationId xmlns:a16="http://schemas.microsoft.com/office/drawing/2014/main" id="{22AD030D-A528-4C46-840A-D0B76A19935A}"/>
-              </a:ext>
-            </a:extLst>
-          </p:cNvPr>
-          <p:cNvSpPr>
-            <a:spLocks noGrp="1"/>
-          </p:cNvSpPr>
-          <p:nvPr>
-            <p:ph type="subTitle" idx="1"/>
-          </p:nvPr>
-        </p:nvSpPr>
-        <p:spPr>
-          <a:xfrm>
-            <a:off x="477981" y="4872922"/>
-            <a:ext cx="3933306" cy="1208141"/>
-          </a:xfrm>
-        </p:spPr>
-        <p:txBody>
-          <a:bodyPr>
-            <a:normAutofit/>
-          </a:bodyPr>
-          <a:lstStyle/>
-          <a:p>
-            <a:pPr marL="342900" indent="-342900" algn="just">
-              <a:buFont typeface="Arial" panose="020B0604020202020204" pitchFamily="34" charset="0"/>
-              <a:buChar char="•"/>
-            </a:pPr>
-            <a:r>
-              <a:rPr lang="en-GB" sz="1600" b="1" dirty="0"/>
-              <a:t>Adjacency List: </a:t>
-            </a:r>
-            <a:r>
-              <a:rPr lang="en-GB" sz="1600" dirty="0"/>
-              <a:t>This graph is represented as a collection of linked lists. There is an array of pointer which points to the edges connected to that vertex.</a:t>
-            </a:r>
-          </a:p>
-        </p:txBody>
-      </p:sp>
-      <p:sp>
-        <p:nvSpPr>
-          <p:cNvPr id="2061" name="Rectangle 2060">
-            <a:extLst>
-              <a:ext uri="{FF2B5EF4-FFF2-40B4-BE49-F238E27FC236}">
-                <a16:creationId xmlns:a16="http://schemas.microsoft.com/office/drawing/2014/main" id="{AF2F604E-43BE-4DC3-B983-E071523364F8}"/>
-              </a:ext>
-              <a:ext uri="{C183D7F6-B498-43B3-948B-1728B52AA6E4}">
-                <adec:decorative xmlns:adec="http://schemas.microsoft.com/office/drawing/2017/decorative" val="1"/>
-              </a:ext>
-            </a:extLst>
-          </p:cNvPr>
-          <p:cNvSpPr>
-            <a:spLocks noGrp="1" noRot="1" noChangeAspect="1" noMove="1" noResize="1" noEditPoints="1" noAdjustHandles="1" noChangeArrowheads="1" noChangeShapeType="1" noTextEdit="1"/>
-          </p:cNvSpPr>
-          <p:nvPr>
-            <p:extLst>
-              <p:ext uri="{386F3935-93C4-4BCD-93E2-E3B085C9AB24}">
-                <p16:designElem xmlns:p16="http://schemas.microsoft.com/office/powerpoint/2015/main" val="1"/>
-              </p:ext>
-            </p:extLst>
-          </p:nvPr>
-        </p:nvSpPr>
-        <p:spPr>
-          <a:xfrm rot="5400000">
-            <a:off x="759921" y="346791"/>
-            <a:ext cx="146304" cy="704088"/>
-          </a:xfrm>
-          <a:prstGeom prst="rect">
-            <a:avLst/>
-          </a:prstGeom>
-          <a:solidFill>
-            <a:schemeClr val="accent2"/>
-          </a:solidFill>
-          <a:ln>
-            <a:noFill/>
-          </a:ln>
-        </p:spPr>
-        <p:style>
-          <a:lnRef idx="2">
-            <a:schemeClr val="accent1">
-              <a:shade val="50000"/>
-            </a:schemeClr>
-          </a:lnRef>
-          <a:fillRef idx="1">
-            <a:schemeClr val="accent1"/>
-          </a:fillRef>
-          <a:effectRef idx="0">
-            <a:schemeClr val="accent1"/>
-          </a:effectRef>
-          <a:fontRef idx="minor">
-            <a:schemeClr val="lt1"/>
-          </a:fontRef>
-        </p:style>
-        <p:txBody>
-          <a:bodyPr rtlCol="0" anchor="ctr"/>
-          <a:lstStyle/>
-          <a:p>
-            <a:pPr algn="ctr"/>
-            <a:endParaRPr lang="en-US">
-              <a:solidFill>
-                <a:prstClr val="white"/>
-              </a:solidFill>
-              <a:latin typeface="Calibri" panose="020F0502020204030204"/>
-            </a:endParaRPr>
-          </a:p>
-        </p:txBody>
-      </p:sp>
-      <p:sp>
-        <p:nvSpPr>
-          <p:cNvPr id="2063" name="Rectangle 2062">
-            <a:extLst>
-              <a:ext uri="{FF2B5EF4-FFF2-40B4-BE49-F238E27FC236}">
-                <a16:creationId xmlns:a16="http://schemas.microsoft.com/office/drawing/2014/main" id="{08C9B587-E65E-4B52-B37C-ABEBB6E87928}"/>
-              </a:ext>
-              <a:ext uri="{C183D7F6-B498-43B3-948B-1728B52AA6E4}">
-                <adec:decorative xmlns:adec="http://schemas.microsoft.com/office/drawing/2017/decorative" val="1"/>
-              </a:ext>
-            </a:extLst>
-          </p:cNvPr>
-          <p:cNvSpPr>
-            <a:spLocks noGrp="1" noRot="1" noChangeAspect="1" noMove="1" noResize="1" noEditPoints="1" noAdjustHandles="1" noChangeArrowheads="1" noChangeShapeType="1" noTextEdit="1"/>
-          </p:cNvSpPr>
-          <p:nvPr>
-            <p:extLst>
-              <p:ext uri="{386F3935-93C4-4BCD-93E2-E3B085C9AB24}">
-                <p16:designElem xmlns:p16="http://schemas.microsoft.com/office/powerpoint/2015/main" val="1"/>
-              </p:ext>
-            </p:extLst>
-          </p:nvPr>
-        </p:nvSpPr>
-        <p:spPr>
-          <a:xfrm>
-            <a:off x="481029" y="4546920"/>
-            <a:ext cx="4023360" cy="18288"/>
-          </a:xfrm>
-          <a:prstGeom prst="rect">
-            <a:avLst/>
-          </a:prstGeom>
-          <a:solidFill>
-            <a:srgbClr val="D5D5D5"/>
-          </a:solidFill>
-          <a:ln w="3175">
-            <a:noFill/>
-          </a:ln>
-          <a:effectLst/>
-        </p:spPr>
-        <p:style>
-          <a:lnRef idx="2">
-            <a:schemeClr val="accent1">
-              <a:shade val="50000"/>
-            </a:schemeClr>
-          </a:lnRef>
-          <a:fillRef idx="1">
-            <a:schemeClr val="accent1"/>
-          </a:fillRef>
-          <a:effectRef idx="0">
-            <a:schemeClr val="accent1"/>
-          </a:effectRef>
-          <a:fontRef idx="minor">
-            <a:schemeClr val="lt1"/>
-          </a:fontRef>
-        </p:style>
-        <p:txBody>
-          <a:bodyPr rtlCol="0" anchor="ctr"/>
-          <a:lstStyle/>
-          <a:p>
-            <a:pPr marL="0" marR="0" lvl="0" indent="0" algn="ctr" defTabSz="914400" rtl="0" eaLnBrk="1" fontAlgn="auto" latinLnBrk="0" hangingPunct="1">
-              <a:lnSpc>
-                <a:spcPct val="100000"/>
-              </a:lnSpc>
-              <a:spcBef>
-                <a:spcPts val="0"/>
-              </a:spcBef>
-              <a:spcAft>
-                <a:spcPts val="0"/>
-              </a:spcAft>
-              <a:buClrTx/>
-              <a:buSzTx/>
-              <a:buFontTx/>
-              <a:buNone/>
-              <a:tabLst/>
-              <a:defRPr/>
-            </a:pPr>
-            <a:endParaRPr kumimoji="0" lang="en-US" sz="1800" b="0" i="0" u="none" strike="noStrike" kern="1200" cap="none" spc="0" normalizeH="0" baseline="0" noProof="0">
-              <a:ln>
-                <a:noFill/>
-              </a:ln>
-              <a:solidFill>
-                <a:prstClr val="white"/>
-              </a:solidFill>
-              <a:effectLst/>
-              <a:uLnTx/>
-              <a:uFillTx/>
-              <a:latin typeface="Calibri" panose="020F0502020204030204"/>
-              <a:ea typeface="+mn-ea"/>
-              <a:cs typeface="+mn-cs"/>
-            </a:endParaRPr>
-          </a:p>
-        </p:txBody>
-      </p:sp>
-      <p:pic>
-        <p:nvPicPr>
-          <p:cNvPr id="2050" name="Picture 2" descr="Lightbox">
-            <a:extLst>
-              <a:ext uri="{FF2B5EF4-FFF2-40B4-BE49-F238E27FC236}">
-                <a16:creationId xmlns:a16="http://schemas.microsoft.com/office/drawing/2014/main" id="{3C7171E0-E039-49B1-9CE3-92FCDB52BB77}"/>
-              </a:ext>
-            </a:extLst>
-          </p:cNvPr>
-          <p:cNvPicPr>
-            <a:picLocks noChangeAspect="1" noChangeArrowheads="1"/>
-          </p:cNvPicPr>
-          <p:nvPr/>
-        </p:nvPicPr>
-        <p:blipFill>
-          <a:blip r:embed="rId3">
-            <a:extLst>
-              <a:ext uri="{28A0092B-C50C-407E-A947-70E740481C1C}">
-                <a14:useLocalDpi xmlns:a14="http://schemas.microsoft.com/office/drawing/2010/main" val="0"/>
-              </a:ext>
-            </a:extLst>
-          </a:blip>
-          <a:stretch>
-            <a:fillRect/>
-          </a:stretch>
-        </p:blipFill>
-        <p:spPr bwMode="auto">
-          <a:xfrm>
-            <a:off x="5414356" y="1382657"/>
-            <a:ext cx="6408836" cy="3941434"/>
-          </a:xfrm>
-          <a:prstGeom prst="rect">
-            <a:avLst/>
-          </a:prstGeom>
-          <a:noFill/>
-          <a:extLst>
-            <a:ext uri="{909E8E84-426E-40DD-AFC4-6F175D3DCCD1}">
-              <a14:hiddenFill xmlns:a14="http://schemas.microsoft.com/office/drawing/2010/main">
-                <a:solidFill>
-                  <a:srgbClr val="FFFFFF"/>
-                </a:solidFill>
-              </a14:hiddenFill>
-            </a:ext>
-          </a:extLst>
-        </p:spPr>
-      </p:pic>
-    </p:spTree>
-    <p:extLst>
-      <p:ext uri="{BB962C8B-B14F-4D97-AF65-F5344CB8AC3E}">
-        <p14:creationId xmlns:p14="http://schemas.microsoft.com/office/powerpoint/2010/main" val="3313316942"/>
       </p:ext>
     </p:extLst>
   </p:cSld>
